--- a/UltimateSleeping.pptx
+++ b/UltimateSleeping.pptx
@@ -250,7 +250,7 @@
             <a:fld id="{3FDFAF59-80FD-42F8-B77B-6179688B7234}" type="datetimeFigureOut">
               <a:rPr lang="de-DE" smtClean="0"/>
               <a:pPr/>
-              <a:t>26.03.2022</a:t>
+              <a:t>27.03.2022</a:t>
             </a:fld>
             <a:endParaRPr lang="de-DE"/>
           </a:p>
@@ -420,7 +420,7 @@
             <a:fld id="{3FDFAF59-80FD-42F8-B77B-6179688B7234}" type="datetimeFigureOut">
               <a:rPr lang="de-DE" smtClean="0"/>
               <a:pPr/>
-              <a:t>26.03.2022</a:t>
+              <a:t>27.03.2022</a:t>
             </a:fld>
             <a:endParaRPr lang="de-DE"/>
           </a:p>
@@ -600,7 +600,7 @@
             <a:fld id="{3FDFAF59-80FD-42F8-B77B-6179688B7234}" type="datetimeFigureOut">
               <a:rPr lang="de-DE" smtClean="0"/>
               <a:pPr/>
-              <a:t>26.03.2022</a:t>
+              <a:t>27.03.2022</a:t>
             </a:fld>
             <a:endParaRPr lang="de-DE"/>
           </a:p>
@@ -770,7 +770,7 @@
             <a:fld id="{3FDFAF59-80FD-42F8-B77B-6179688B7234}" type="datetimeFigureOut">
               <a:rPr lang="de-DE" smtClean="0"/>
               <a:pPr/>
-              <a:t>26.03.2022</a:t>
+              <a:t>27.03.2022</a:t>
             </a:fld>
             <a:endParaRPr lang="de-DE"/>
           </a:p>
@@ -1017,7 +1017,7 @@
             <a:fld id="{3FDFAF59-80FD-42F8-B77B-6179688B7234}" type="datetimeFigureOut">
               <a:rPr lang="de-DE" smtClean="0"/>
               <a:pPr/>
-              <a:t>26.03.2022</a:t>
+              <a:t>27.03.2022</a:t>
             </a:fld>
             <a:endParaRPr lang="de-DE"/>
           </a:p>
@@ -1248,7 +1248,7 @@
             <a:fld id="{3FDFAF59-80FD-42F8-B77B-6179688B7234}" type="datetimeFigureOut">
               <a:rPr lang="de-DE" smtClean="0"/>
               <a:pPr/>
-              <a:t>26.03.2022</a:t>
+              <a:t>27.03.2022</a:t>
             </a:fld>
             <a:endParaRPr lang="de-DE"/>
           </a:p>
@@ -1614,7 +1614,7 @@
             <a:fld id="{3FDFAF59-80FD-42F8-B77B-6179688B7234}" type="datetimeFigureOut">
               <a:rPr lang="de-DE" smtClean="0"/>
               <a:pPr/>
-              <a:t>26.03.2022</a:t>
+              <a:t>27.03.2022</a:t>
             </a:fld>
             <a:endParaRPr lang="de-DE"/>
           </a:p>
@@ -1733,7 +1733,7 @@
             <a:fld id="{3FDFAF59-80FD-42F8-B77B-6179688B7234}" type="datetimeFigureOut">
               <a:rPr lang="de-DE" smtClean="0"/>
               <a:pPr/>
-              <a:t>26.03.2022</a:t>
+              <a:t>27.03.2022</a:t>
             </a:fld>
             <a:endParaRPr lang="de-DE"/>
           </a:p>
@@ -1830,7 +1830,7 @@
             <a:fld id="{3FDFAF59-80FD-42F8-B77B-6179688B7234}" type="datetimeFigureOut">
               <a:rPr lang="de-DE" smtClean="0"/>
               <a:pPr/>
-              <a:t>26.03.2022</a:t>
+              <a:t>27.03.2022</a:t>
             </a:fld>
             <a:endParaRPr lang="de-DE"/>
           </a:p>
@@ -2107,7 +2107,7 @@
             <a:fld id="{3FDFAF59-80FD-42F8-B77B-6179688B7234}" type="datetimeFigureOut">
               <a:rPr lang="de-DE" smtClean="0"/>
               <a:pPr/>
-              <a:t>26.03.2022</a:t>
+              <a:t>27.03.2022</a:t>
             </a:fld>
             <a:endParaRPr lang="de-DE"/>
           </a:p>
@@ -2361,7 +2361,7 @@
             <a:fld id="{3FDFAF59-80FD-42F8-B77B-6179688B7234}" type="datetimeFigureOut">
               <a:rPr lang="de-DE" smtClean="0"/>
               <a:pPr/>
-              <a:t>26.03.2022</a:t>
+              <a:t>27.03.2022</a:t>
             </a:fld>
             <a:endParaRPr lang="de-DE"/>
           </a:p>
@@ -2577,7 +2577,7 @@
             <a:fld id="{3FDFAF59-80FD-42F8-B77B-6179688B7234}" type="datetimeFigureOut">
               <a:rPr lang="de-DE" smtClean="0"/>
               <a:pPr/>
-              <a:t>26.03.2022</a:t>
+              <a:t>27.03.2022</a:t>
             </a:fld>
             <a:endParaRPr lang="de-DE"/>
           </a:p>
@@ -18070,7 +18070,7 @@
       </p:sp>
       <p:pic>
         <p:nvPicPr>
-          <p:cNvPr id="68" name="Picture 67" descr="databas3.png"/>
+          <p:cNvPr id="35" name="Picture 34" descr="database.png"/>
           <p:cNvPicPr>
             <a:picLocks noChangeAspect="1"/>
           </p:cNvPicPr>
@@ -18084,8 +18084,8 @@
         </p:blipFill>
         <p:spPr>
           <a:xfrm>
-            <a:off x="1390650" y="518204"/>
-            <a:ext cx="8077200" cy="5920696"/>
+            <a:off x="1238250" y="631141"/>
+            <a:ext cx="8115299" cy="5555593"/>
           </a:xfrm>
           <a:prstGeom prst="rect">
             <a:avLst/>
@@ -18117,83 +18117,7 @@
   <p:timing>
     <p:tnLst>
       <p:par>
-        <p:cTn id="1" dur="indefinite" restart="never" nodeType="tmRoot">
-          <p:childTnLst>
-            <p:seq concurrent="1" nextAc="seek">
-              <p:cTn id="2" dur="indefinite" nodeType="mainSeq">
-                <p:childTnLst>
-                  <p:par>
-                    <p:cTn id="3" fill="hold">
-                      <p:stCondLst>
-                        <p:cond delay="indefinite"/>
-                      </p:stCondLst>
-                      <p:childTnLst>
-                        <p:par>
-                          <p:cTn id="4" fill="hold">
-                            <p:stCondLst>
-                              <p:cond delay="0"/>
-                            </p:stCondLst>
-                            <p:childTnLst>
-                              <p:par>
-                                <p:cTn id="5" presetID="10" presetClass="entr" presetSubtype="0" fill="hold" nodeType="clickEffect">
-                                  <p:stCondLst>
-                                    <p:cond delay="0"/>
-                                  </p:stCondLst>
-                                  <p:childTnLst>
-                                    <p:set>
-                                      <p:cBhvr>
-                                        <p:cTn id="6" dur="1" fill="hold">
-                                          <p:stCondLst>
-                                            <p:cond delay="0"/>
-                                          </p:stCondLst>
-                                        </p:cTn>
-                                        <p:tgtEl>
-                                          <p:spTgt spid="68"/>
-                                        </p:tgtEl>
-                                        <p:attrNameLst>
-                                          <p:attrName>style.visibility</p:attrName>
-                                        </p:attrNameLst>
-                                      </p:cBhvr>
-                                      <p:to>
-                                        <p:strVal val="visible"/>
-                                      </p:to>
-                                    </p:set>
-                                    <p:animEffect transition="in" filter="fade">
-                                      <p:cBhvr>
-                                        <p:cTn id="7" dur="2000"/>
-                                        <p:tgtEl>
-                                          <p:spTgt spid="68"/>
-                                        </p:tgtEl>
-                                      </p:cBhvr>
-                                    </p:animEffect>
-                                  </p:childTnLst>
-                                </p:cTn>
-                              </p:par>
-                            </p:childTnLst>
-                          </p:cTn>
-                        </p:par>
-                      </p:childTnLst>
-                    </p:cTn>
-                  </p:par>
-                </p:childTnLst>
-              </p:cTn>
-              <p:prevCondLst>
-                <p:cond evt="onPrev" delay="0">
-                  <p:tgtEl>
-                    <p:sldTgt/>
-                  </p:tgtEl>
-                </p:cond>
-              </p:prevCondLst>
-              <p:nextCondLst>
-                <p:cond evt="onNext" delay="0">
-                  <p:tgtEl>
-                    <p:sldTgt/>
-                  </p:tgtEl>
-                </p:cond>
-              </p:nextCondLst>
-            </p:seq>
-          </p:childTnLst>
-        </p:cTn>
+        <p:cTn id="1" dur="indefinite" restart="never" nodeType="tmRoot"/>
       </p:par>
     </p:tnLst>
   </p:timing>
@@ -19906,7 +19830,7 @@
       </p:grpSp>
       <p:pic>
         <p:nvPicPr>
-          <p:cNvPr id="65" name="Picture 64" descr="1nf.png"/>
+          <p:cNvPr id="34" name="Picture 33" descr="1NF.png"/>
           <p:cNvPicPr>
             <a:picLocks noChangeAspect="1"/>
           </p:cNvPicPr>
@@ -19920,8 +19844,8 @@
         </p:blipFill>
         <p:spPr>
           <a:xfrm>
-            <a:off x="1371600" y="647700"/>
-            <a:ext cx="7962900" cy="5829300"/>
+            <a:off x="1371600" y="571500"/>
+            <a:ext cx="7924800" cy="5753100"/>
           </a:xfrm>
           <a:prstGeom prst="rect">
             <a:avLst/>
@@ -19944,83 +19868,7 @@
   <p:timing>
     <p:tnLst>
       <p:par>
-        <p:cTn id="1" dur="indefinite" restart="never" nodeType="tmRoot">
-          <p:childTnLst>
-            <p:seq concurrent="1" nextAc="seek">
-              <p:cTn id="2" dur="indefinite" nodeType="mainSeq">
-                <p:childTnLst>
-                  <p:par>
-                    <p:cTn id="3" fill="hold">
-                      <p:stCondLst>
-                        <p:cond delay="indefinite"/>
-                      </p:stCondLst>
-                      <p:childTnLst>
-                        <p:par>
-                          <p:cTn id="4" fill="hold">
-                            <p:stCondLst>
-                              <p:cond delay="0"/>
-                            </p:stCondLst>
-                            <p:childTnLst>
-                              <p:par>
-                                <p:cTn id="5" presetID="10" presetClass="entr" presetSubtype="0" fill="hold" nodeType="clickEffect">
-                                  <p:stCondLst>
-                                    <p:cond delay="0"/>
-                                  </p:stCondLst>
-                                  <p:childTnLst>
-                                    <p:set>
-                                      <p:cBhvr>
-                                        <p:cTn id="6" dur="1" fill="hold">
-                                          <p:stCondLst>
-                                            <p:cond delay="0"/>
-                                          </p:stCondLst>
-                                        </p:cTn>
-                                        <p:tgtEl>
-                                          <p:spTgt spid="65"/>
-                                        </p:tgtEl>
-                                        <p:attrNameLst>
-                                          <p:attrName>style.visibility</p:attrName>
-                                        </p:attrNameLst>
-                                      </p:cBhvr>
-                                      <p:to>
-                                        <p:strVal val="visible"/>
-                                      </p:to>
-                                    </p:set>
-                                    <p:animEffect transition="in" filter="fade">
-                                      <p:cBhvr>
-                                        <p:cTn id="7" dur="2000"/>
-                                        <p:tgtEl>
-                                          <p:spTgt spid="65"/>
-                                        </p:tgtEl>
-                                      </p:cBhvr>
-                                    </p:animEffect>
-                                  </p:childTnLst>
-                                </p:cTn>
-                              </p:par>
-                            </p:childTnLst>
-                          </p:cTn>
-                        </p:par>
-                      </p:childTnLst>
-                    </p:cTn>
-                  </p:par>
-                </p:childTnLst>
-              </p:cTn>
-              <p:prevCondLst>
-                <p:cond evt="onPrev" delay="0">
-                  <p:tgtEl>
-                    <p:sldTgt/>
-                  </p:tgtEl>
-                </p:cond>
-              </p:prevCondLst>
-              <p:nextCondLst>
-                <p:cond evt="onNext" delay="0">
-                  <p:tgtEl>
-                    <p:sldTgt/>
-                  </p:tgtEl>
-                </p:cond>
-              </p:nextCondLst>
-            </p:seq>
-          </p:childTnLst>
-        </p:cTn>
+        <p:cTn id="1" dur="indefinite" restart="never" nodeType="tmRoot"/>
       </p:par>
     </p:tnLst>
   </p:timing>

--- a/UltimateSleeping.pptx
+++ b/UltimateSleeping.pptx
@@ -114,7 +114,7 @@
   </p:defaultTextStyle>
   <p:extLst>
     <p:ext uri="{EFAFB233-063F-42B5-8137-9DF3F51BA10A}">
-      <p15:sldGuideLst xmlns:p15="http://schemas.microsoft.com/office/powerpoint/2012/main" xmlns=""/>
+      <p15:sldGuideLst xmlns="" xmlns:p15="http://schemas.microsoft.com/office/powerpoint/2012/main"/>
     </p:ext>
   </p:extLst>
 </p:presentation>
@@ -250,7 +250,7 @@
             <a:fld id="{3FDFAF59-80FD-42F8-B77B-6179688B7234}" type="datetimeFigureOut">
               <a:rPr lang="de-DE" smtClean="0"/>
               <a:pPr/>
-              <a:t>10.04.2022</a:t>
+              <a:t>11.04.2022</a:t>
             </a:fld>
             <a:endParaRPr lang="de-DE"/>
           </a:p>
@@ -302,7 +302,7 @@
     </p:spTree>
     <p:extLst>
       <p:ext uri="{BB962C8B-B14F-4D97-AF65-F5344CB8AC3E}">
-        <p14:creationId xmlns:p14="http://schemas.microsoft.com/office/powerpoint/2010/main" xmlns="" val="460364726"/>
+        <p14:creationId xmlns="" xmlns:p14="http://schemas.microsoft.com/office/powerpoint/2010/main" val="460364726"/>
       </p:ext>
     </p:extLst>
   </p:cSld>
@@ -420,7 +420,7 @@
             <a:fld id="{3FDFAF59-80FD-42F8-B77B-6179688B7234}" type="datetimeFigureOut">
               <a:rPr lang="de-DE" smtClean="0"/>
               <a:pPr/>
-              <a:t>10.04.2022</a:t>
+              <a:t>11.04.2022</a:t>
             </a:fld>
             <a:endParaRPr lang="de-DE"/>
           </a:p>
@@ -472,7 +472,7 @@
     </p:spTree>
     <p:extLst>
       <p:ext uri="{BB962C8B-B14F-4D97-AF65-F5344CB8AC3E}">
-        <p14:creationId xmlns:p14="http://schemas.microsoft.com/office/powerpoint/2010/main" xmlns="" val="2646635906"/>
+        <p14:creationId xmlns="" xmlns:p14="http://schemas.microsoft.com/office/powerpoint/2010/main" val="2646635906"/>
       </p:ext>
     </p:extLst>
   </p:cSld>
@@ -600,7 +600,7 @@
             <a:fld id="{3FDFAF59-80FD-42F8-B77B-6179688B7234}" type="datetimeFigureOut">
               <a:rPr lang="de-DE" smtClean="0"/>
               <a:pPr/>
-              <a:t>10.04.2022</a:t>
+              <a:t>11.04.2022</a:t>
             </a:fld>
             <a:endParaRPr lang="de-DE"/>
           </a:p>
@@ -652,7 +652,7 @@
     </p:spTree>
     <p:extLst>
       <p:ext uri="{BB962C8B-B14F-4D97-AF65-F5344CB8AC3E}">
-        <p14:creationId xmlns:p14="http://schemas.microsoft.com/office/powerpoint/2010/main" xmlns="" val="2947111448"/>
+        <p14:creationId xmlns="" xmlns:p14="http://schemas.microsoft.com/office/powerpoint/2010/main" val="2947111448"/>
       </p:ext>
     </p:extLst>
   </p:cSld>
@@ -770,7 +770,7 @@
             <a:fld id="{3FDFAF59-80FD-42F8-B77B-6179688B7234}" type="datetimeFigureOut">
               <a:rPr lang="de-DE" smtClean="0"/>
               <a:pPr/>
-              <a:t>10.04.2022</a:t>
+              <a:t>11.04.2022</a:t>
             </a:fld>
             <a:endParaRPr lang="de-DE"/>
           </a:p>
@@ -822,7 +822,7 @@
     </p:spTree>
     <p:extLst>
       <p:ext uri="{BB962C8B-B14F-4D97-AF65-F5344CB8AC3E}">
-        <p14:creationId xmlns:p14="http://schemas.microsoft.com/office/powerpoint/2010/main" xmlns="" val="874677234"/>
+        <p14:creationId xmlns="" xmlns:p14="http://schemas.microsoft.com/office/powerpoint/2010/main" val="874677234"/>
       </p:ext>
     </p:extLst>
   </p:cSld>
@@ -1017,7 +1017,7 @@
             <a:fld id="{3FDFAF59-80FD-42F8-B77B-6179688B7234}" type="datetimeFigureOut">
               <a:rPr lang="de-DE" smtClean="0"/>
               <a:pPr/>
-              <a:t>10.04.2022</a:t>
+              <a:t>11.04.2022</a:t>
             </a:fld>
             <a:endParaRPr lang="de-DE"/>
           </a:p>
@@ -1069,7 +1069,7 @@
     </p:spTree>
     <p:extLst>
       <p:ext uri="{BB962C8B-B14F-4D97-AF65-F5344CB8AC3E}">
-        <p14:creationId xmlns:p14="http://schemas.microsoft.com/office/powerpoint/2010/main" xmlns="" val="3625361754"/>
+        <p14:creationId xmlns="" xmlns:p14="http://schemas.microsoft.com/office/powerpoint/2010/main" val="3625361754"/>
       </p:ext>
     </p:extLst>
   </p:cSld>
@@ -1248,7 +1248,7 @@
             <a:fld id="{3FDFAF59-80FD-42F8-B77B-6179688B7234}" type="datetimeFigureOut">
               <a:rPr lang="de-DE" smtClean="0"/>
               <a:pPr/>
-              <a:t>10.04.2022</a:t>
+              <a:t>11.04.2022</a:t>
             </a:fld>
             <a:endParaRPr lang="de-DE"/>
           </a:p>
@@ -1300,7 +1300,7 @@
     </p:spTree>
     <p:extLst>
       <p:ext uri="{BB962C8B-B14F-4D97-AF65-F5344CB8AC3E}">
-        <p14:creationId xmlns:p14="http://schemas.microsoft.com/office/powerpoint/2010/main" xmlns="" val="3794036790"/>
+        <p14:creationId xmlns="" xmlns:p14="http://schemas.microsoft.com/office/powerpoint/2010/main" val="3794036790"/>
       </p:ext>
     </p:extLst>
   </p:cSld>
@@ -1614,7 +1614,7 @@
             <a:fld id="{3FDFAF59-80FD-42F8-B77B-6179688B7234}" type="datetimeFigureOut">
               <a:rPr lang="de-DE" smtClean="0"/>
               <a:pPr/>
-              <a:t>10.04.2022</a:t>
+              <a:t>11.04.2022</a:t>
             </a:fld>
             <a:endParaRPr lang="de-DE"/>
           </a:p>
@@ -1666,7 +1666,7 @@
     </p:spTree>
     <p:extLst>
       <p:ext uri="{BB962C8B-B14F-4D97-AF65-F5344CB8AC3E}">
-        <p14:creationId xmlns:p14="http://schemas.microsoft.com/office/powerpoint/2010/main" xmlns="" val="3413770671"/>
+        <p14:creationId xmlns="" xmlns:p14="http://schemas.microsoft.com/office/powerpoint/2010/main" val="3413770671"/>
       </p:ext>
     </p:extLst>
   </p:cSld>
@@ -1733,7 +1733,7 @@
             <a:fld id="{3FDFAF59-80FD-42F8-B77B-6179688B7234}" type="datetimeFigureOut">
               <a:rPr lang="de-DE" smtClean="0"/>
               <a:pPr/>
-              <a:t>10.04.2022</a:t>
+              <a:t>11.04.2022</a:t>
             </a:fld>
             <a:endParaRPr lang="de-DE"/>
           </a:p>
@@ -1785,7 +1785,7 @@
     </p:spTree>
     <p:extLst>
       <p:ext uri="{BB962C8B-B14F-4D97-AF65-F5344CB8AC3E}">
-        <p14:creationId xmlns:p14="http://schemas.microsoft.com/office/powerpoint/2010/main" xmlns="" val="2440331915"/>
+        <p14:creationId xmlns="" xmlns:p14="http://schemas.microsoft.com/office/powerpoint/2010/main" val="2440331915"/>
       </p:ext>
     </p:extLst>
   </p:cSld>
@@ -1830,7 +1830,7 @@
             <a:fld id="{3FDFAF59-80FD-42F8-B77B-6179688B7234}" type="datetimeFigureOut">
               <a:rPr lang="de-DE" smtClean="0"/>
               <a:pPr/>
-              <a:t>10.04.2022</a:t>
+              <a:t>11.04.2022</a:t>
             </a:fld>
             <a:endParaRPr lang="de-DE"/>
           </a:p>
@@ -1882,7 +1882,7 @@
     </p:spTree>
     <p:extLst>
       <p:ext uri="{BB962C8B-B14F-4D97-AF65-F5344CB8AC3E}">
-        <p14:creationId xmlns:p14="http://schemas.microsoft.com/office/powerpoint/2010/main" xmlns="" val="3061956811"/>
+        <p14:creationId xmlns="" xmlns:p14="http://schemas.microsoft.com/office/powerpoint/2010/main" val="3061956811"/>
       </p:ext>
     </p:extLst>
   </p:cSld>
@@ -2107,7 +2107,7 @@
             <a:fld id="{3FDFAF59-80FD-42F8-B77B-6179688B7234}" type="datetimeFigureOut">
               <a:rPr lang="de-DE" smtClean="0"/>
               <a:pPr/>
-              <a:t>10.04.2022</a:t>
+              <a:t>11.04.2022</a:t>
             </a:fld>
             <a:endParaRPr lang="de-DE"/>
           </a:p>
@@ -2159,7 +2159,7 @@
     </p:spTree>
     <p:extLst>
       <p:ext uri="{BB962C8B-B14F-4D97-AF65-F5344CB8AC3E}">
-        <p14:creationId xmlns:p14="http://schemas.microsoft.com/office/powerpoint/2010/main" xmlns="" val="3616004287"/>
+        <p14:creationId xmlns="" xmlns:p14="http://schemas.microsoft.com/office/powerpoint/2010/main" val="3616004287"/>
       </p:ext>
     </p:extLst>
   </p:cSld>
@@ -2361,7 +2361,7 @@
             <a:fld id="{3FDFAF59-80FD-42F8-B77B-6179688B7234}" type="datetimeFigureOut">
               <a:rPr lang="de-DE" smtClean="0"/>
               <a:pPr/>
-              <a:t>10.04.2022</a:t>
+              <a:t>11.04.2022</a:t>
             </a:fld>
             <a:endParaRPr lang="de-DE"/>
           </a:p>
@@ -2413,7 +2413,7 @@
     </p:spTree>
     <p:extLst>
       <p:ext uri="{BB962C8B-B14F-4D97-AF65-F5344CB8AC3E}">
-        <p14:creationId xmlns:p14="http://schemas.microsoft.com/office/powerpoint/2010/main" xmlns="" val="1126898743"/>
+        <p14:creationId xmlns="" xmlns:p14="http://schemas.microsoft.com/office/powerpoint/2010/main" val="1126898743"/>
       </p:ext>
     </p:extLst>
   </p:cSld>
@@ -2577,7 +2577,7 @@
             <a:fld id="{3FDFAF59-80FD-42F8-B77B-6179688B7234}" type="datetimeFigureOut">
               <a:rPr lang="de-DE" smtClean="0"/>
               <a:pPr/>
-              <a:t>10.04.2022</a:t>
+              <a:t>11.04.2022</a:t>
             </a:fld>
             <a:endParaRPr lang="de-DE"/>
           </a:p>
@@ -2665,7 +2665,7 @@
     </p:spTree>
     <p:extLst>
       <p:ext uri="{BB962C8B-B14F-4D97-AF65-F5344CB8AC3E}">
-        <p14:creationId xmlns:p14="http://schemas.microsoft.com/office/powerpoint/2010/main" xmlns="" val="3731875219"/>
+        <p14:creationId xmlns="" xmlns:p14="http://schemas.microsoft.com/office/powerpoint/2010/main" val="3731875219"/>
       </p:ext>
     </p:extLst>
   </p:cSld>
@@ -2988,7 +2988,7 @@
           <p:cNvPr id="50" name="TextBox 49">
             <a:extLst>
               <a:ext uri="{FF2B5EF4-FFF2-40B4-BE49-F238E27FC236}">
-                <a16:creationId xmlns:a16="http://schemas.microsoft.com/office/drawing/2014/main" xmlns="" id="{9EB0FD16-689C-476C-8309-C7173C257513}"/>
+                <a16:creationId xmlns="" xmlns:a16="http://schemas.microsoft.com/office/drawing/2014/main" id="{9EB0FD16-689C-476C-8309-C7173C257513}"/>
               </a:ext>
             </a:extLst>
           </p:cNvPr>
@@ -3029,7 +3029,7 @@
           <p:cNvPr id="51" name="Group 50">
             <a:extLst>
               <a:ext uri="{FF2B5EF4-FFF2-40B4-BE49-F238E27FC236}">
-                <a16:creationId xmlns:a16="http://schemas.microsoft.com/office/drawing/2014/main" xmlns="" id="{312CB825-EAFB-4901-8C7E-D5477E0D31C8}"/>
+                <a16:creationId xmlns="" xmlns:a16="http://schemas.microsoft.com/office/drawing/2014/main" id="{312CB825-EAFB-4901-8C7E-D5477E0D31C8}"/>
               </a:ext>
             </a:extLst>
           </p:cNvPr>
@@ -3049,7 +3049,7 @@
             <p:cNvPr id="52" name="Oval 51">
               <a:extLst>
                 <a:ext uri="{FF2B5EF4-FFF2-40B4-BE49-F238E27FC236}">
-                  <a16:creationId xmlns:a16="http://schemas.microsoft.com/office/drawing/2014/main" xmlns="" id="{A88C5CD2-8D88-4E1A-968C-C3E256B4316C}"/>
+                  <a16:creationId xmlns="" xmlns:a16="http://schemas.microsoft.com/office/drawing/2014/main" id="{A88C5CD2-8D88-4E1A-968C-C3E256B4316C}"/>
                 </a:ext>
               </a:extLst>
             </p:cNvPr>
@@ -3101,7 +3101,7 @@
             <p:cNvPr id="53" name="Oval 52">
               <a:extLst>
                 <a:ext uri="{FF2B5EF4-FFF2-40B4-BE49-F238E27FC236}">
-                  <a16:creationId xmlns:a16="http://schemas.microsoft.com/office/drawing/2014/main" xmlns="" id="{39CA212B-3524-454E-9129-17FD0E8983F0}"/>
+                  <a16:creationId xmlns="" xmlns:a16="http://schemas.microsoft.com/office/drawing/2014/main" id="{39CA212B-3524-454E-9129-17FD0E8983F0}"/>
                 </a:ext>
               </a:extLst>
             </p:cNvPr>
@@ -3153,7 +3153,7 @@
             <p:cNvPr id="54" name="Oval 53">
               <a:extLst>
                 <a:ext uri="{FF2B5EF4-FFF2-40B4-BE49-F238E27FC236}">
-                  <a16:creationId xmlns:a16="http://schemas.microsoft.com/office/drawing/2014/main" xmlns="" id="{6487D07D-4424-43AA-9CF5-4A04A38B6C2D}"/>
+                  <a16:creationId xmlns="" xmlns:a16="http://schemas.microsoft.com/office/drawing/2014/main" id="{6487D07D-4424-43AA-9CF5-4A04A38B6C2D}"/>
                 </a:ext>
               </a:extLst>
             </p:cNvPr>
@@ -3205,7 +3205,7 @@
             <p:cNvPr id="55" name="Oval 54">
               <a:extLst>
                 <a:ext uri="{FF2B5EF4-FFF2-40B4-BE49-F238E27FC236}">
-                  <a16:creationId xmlns:a16="http://schemas.microsoft.com/office/drawing/2014/main" xmlns="" id="{51E021E3-C26E-4AB9-81EB-239E3D1BBAB2}"/>
+                  <a16:creationId xmlns="" xmlns:a16="http://schemas.microsoft.com/office/drawing/2014/main" id="{51E021E3-C26E-4AB9-81EB-239E3D1BBAB2}"/>
                 </a:ext>
               </a:extLst>
             </p:cNvPr>
@@ -3257,7 +3257,7 @@
             <p:cNvPr id="56" name="Oval 55">
               <a:extLst>
                 <a:ext uri="{FF2B5EF4-FFF2-40B4-BE49-F238E27FC236}">
-                  <a16:creationId xmlns:a16="http://schemas.microsoft.com/office/drawing/2014/main" xmlns="" id="{85AD4D6E-2D38-486B-8F61-738D1E4773C2}"/>
+                  <a16:creationId xmlns="" xmlns:a16="http://schemas.microsoft.com/office/drawing/2014/main" id="{85AD4D6E-2D38-486B-8F61-738D1E4773C2}"/>
                 </a:ext>
               </a:extLst>
             </p:cNvPr>
@@ -3309,7 +3309,7 @@
             <p:cNvPr id="59" name="Oval 58">
               <a:extLst>
                 <a:ext uri="{FF2B5EF4-FFF2-40B4-BE49-F238E27FC236}">
-                  <a16:creationId xmlns:a16="http://schemas.microsoft.com/office/drawing/2014/main" xmlns="" id="{D88F111D-10A0-4CCB-B20B-B33508AA6193}"/>
+                  <a16:creationId xmlns="" xmlns:a16="http://schemas.microsoft.com/office/drawing/2014/main" id="{D88F111D-10A0-4CCB-B20B-B33508AA6193}"/>
                 </a:ext>
               </a:extLst>
             </p:cNvPr>
@@ -3362,7 +3362,7 @@
           <p:cNvPr id="57" name="TextBox 56">
             <a:extLst>
               <a:ext uri="{FF2B5EF4-FFF2-40B4-BE49-F238E27FC236}">
-                <a16:creationId xmlns:a16="http://schemas.microsoft.com/office/drawing/2014/main" xmlns="" id="{4F202974-31A3-4642-B671-F0DBBB7B4663}"/>
+                <a16:creationId xmlns="" xmlns:a16="http://schemas.microsoft.com/office/drawing/2014/main" id="{4F202974-31A3-4642-B671-F0DBBB7B4663}"/>
               </a:ext>
             </a:extLst>
           </p:cNvPr>
@@ -3409,7 +3409,7 @@
           <p:cNvPr id="58" name="TextBox 57">
             <a:extLst>
               <a:ext uri="{FF2B5EF4-FFF2-40B4-BE49-F238E27FC236}">
-                <a16:creationId xmlns:a16="http://schemas.microsoft.com/office/drawing/2014/main" xmlns="" id="{79BCE1F0-A71E-4D4B-BE6A-A381604C28D2}"/>
+                <a16:creationId xmlns="" xmlns:a16="http://schemas.microsoft.com/office/drawing/2014/main" id="{79BCE1F0-A71E-4D4B-BE6A-A381604C28D2}"/>
               </a:ext>
             </a:extLst>
           </p:cNvPr>
@@ -3456,7 +3456,7 @@
           <p:cNvPr id="19" name="Group 18">
             <a:extLst>
               <a:ext uri="{FF2B5EF4-FFF2-40B4-BE49-F238E27FC236}">
-                <a16:creationId xmlns:a16="http://schemas.microsoft.com/office/drawing/2014/main" xmlns="" id="{C8A16B82-6A3C-46F5-8D32-072FDF89864A}"/>
+                <a16:creationId xmlns="" xmlns:a16="http://schemas.microsoft.com/office/drawing/2014/main" id="{C8A16B82-6A3C-46F5-8D32-072FDF89864A}"/>
               </a:ext>
             </a:extLst>
           </p:cNvPr>
@@ -3476,7 +3476,7 @@
             <p:cNvPr id="20" name="Rectangle 19">
               <a:extLst>
                 <a:ext uri="{FF2B5EF4-FFF2-40B4-BE49-F238E27FC236}">
-                  <a16:creationId xmlns:a16="http://schemas.microsoft.com/office/drawing/2014/main" xmlns="" id="{2F391CEE-E392-4A9D-BD11-6954B994FB42}"/>
+                  <a16:creationId xmlns="" xmlns:a16="http://schemas.microsoft.com/office/drawing/2014/main" id="{2F391CEE-E392-4A9D-BD11-6954B994FB42}"/>
                 </a:ext>
               </a:extLst>
             </p:cNvPr>
@@ -3537,7 +3537,7 @@
             <p:cNvPr id="21" name="Freeform: Shape 20">
               <a:extLst>
                 <a:ext uri="{FF2B5EF4-FFF2-40B4-BE49-F238E27FC236}">
-                  <a16:creationId xmlns:a16="http://schemas.microsoft.com/office/drawing/2014/main" xmlns="" id="{7AC43ACA-5000-40E2-80D3-19833F9F1A3F}"/>
+                  <a16:creationId xmlns="" xmlns:a16="http://schemas.microsoft.com/office/drawing/2014/main" id="{7AC43ACA-5000-40E2-80D3-19833F9F1A3F}"/>
                 </a:ext>
               </a:extLst>
             </p:cNvPr>
@@ -3644,7 +3644,7 @@
             <p:cNvPr id="22" name="TextBox 21">
               <a:extLst>
                 <a:ext uri="{FF2B5EF4-FFF2-40B4-BE49-F238E27FC236}">
-                  <a16:creationId xmlns:a16="http://schemas.microsoft.com/office/drawing/2014/main" xmlns="" id="{BE022673-C77C-4E8F-AF41-8B283703E87E}"/>
+                  <a16:creationId xmlns="" xmlns:a16="http://schemas.microsoft.com/office/drawing/2014/main" id="{BE022673-C77C-4E8F-AF41-8B283703E87E}"/>
                 </a:ext>
               </a:extLst>
             </p:cNvPr>
@@ -3685,7 +3685,7 @@
             <p:cNvPr id="23" name="Picture 22">
               <a:extLst>
                 <a:ext uri="{FF2B5EF4-FFF2-40B4-BE49-F238E27FC236}">
-                  <a16:creationId xmlns:a16="http://schemas.microsoft.com/office/drawing/2014/main" xmlns="" id="{E8AD023B-AE8D-405F-90E6-27B0D4707992}"/>
+                  <a16:creationId xmlns="" xmlns:a16="http://schemas.microsoft.com/office/drawing/2014/main" id="{E8AD023B-AE8D-405F-90E6-27B0D4707992}"/>
                 </a:ext>
               </a:extLst>
             </p:cNvPr>
@@ -3698,7 +3698,7 @@
             <a:blip r:embed="rId2" cstate="print">
               <a:extLst>
                 <a:ext uri="{28A0092B-C50C-407E-A947-70E740481C1C}">
-                  <a14:useLocalDpi xmlns:a14="http://schemas.microsoft.com/office/drawing/2010/main" xmlns="" val="0"/>
+                  <a14:useLocalDpi xmlns="" xmlns:a14="http://schemas.microsoft.com/office/drawing/2010/main" val="0"/>
                 </a:ext>
               </a:extLst>
             </a:blip>
@@ -3722,7 +3722,7 @@
           <p:cNvPr id="24" name="Group 23">
             <a:extLst>
               <a:ext uri="{FF2B5EF4-FFF2-40B4-BE49-F238E27FC236}">
-                <a16:creationId xmlns:a16="http://schemas.microsoft.com/office/drawing/2014/main" xmlns="" id="{69A27401-3327-4871-86AC-B461CA62C3AC}"/>
+                <a16:creationId xmlns="" xmlns:a16="http://schemas.microsoft.com/office/drawing/2014/main" id="{69A27401-3327-4871-86AC-B461CA62C3AC}"/>
               </a:ext>
             </a:extLst>
           </p:cNvPr>
@@ -3742,7 +3742,7 @@
             <p:cNvPr id="25" name="Rectangle 24">
               <a:extLst>
                 <a:ext uri="{FF2B5EF4-FFF2-40B4-BE49-F238E27FC236}">
-                  <a16:creationId xmlns:a16="http://schemas.microsoft.com/office/drawing/2014/main" xmlns="" id="{706C029B-A799-4206-A656-A006D8F83990}"/>
+                  <a16:creationId xmlns="" xmlns:a16="http://schemas.microsoft.com/office/drawing/2014/main" id="{706C029B-A799-4206-A656-A006D8F83990}"/>
                 </a:ext>
               </a:extLst>
             </p:cNvPr>
@@ -3803,7 +3803,7 @@
             <p:cNvPr id="26" name="Freeform: Shape 25">
               <a:extLst>
                 <a:ext uri="{FF2B5EF4-FFF2-40B4-BE49-F238E27FC236}">
-                  <a16:creationId xmlns:a16="http://schemas.microsoft.com/office/drawing/2014/main" xmlns="" id="{63328131-EC42-4D6D-A247-91FD3D23E58C}"/>
+                  <a16:creationId xmlns="" xmlns:a16="http://schemas.microsoft.com/office/drawing/2014/main" id="{63328131-EC42-4D6D-A247-91FD3D23E58C}"/>
                 </a:ext>
               </a:extLst>
             </p:cNvPr>
@@ -3910,7 +3910,7 @@
             <p:cNvPr id="27" name="TextBox 26">
               <a:extLst>
                 <a:ext uri="{FF2B5EF4-FFF2-40B4-BE49-F238E27FC236}">
-                  <a16:creationId xmlns:a16="http://schemas.microsoft.com/office/drawing/2014/main" xmlns="" id="{3A728384-87ED-4E87-8F78-97EB653FDC67}"/>
+                  <a16:creationId xmlns="" xmlns:a16="http://schemas.microsoft.com/office/drawing/2014/main" id="{3A728384-87ED-4E87-8F78-97EB653FDC67}"/>
                 </a:ext>
               </a:extLst>
             </p:cNvPr>
@@ -3957,7 +3957,7 @@
             <p:cNvPr id="28" name="Picture 27">
               <a:extLst>
                 <a:ext uri="{FF2B5EF4-FFF2-40B4-BE49-F238E27FC236}">
-                  <a16:creationId xmlns:a16="http://schemas.microsoft.com/office/drawing/2014/main" xmlns="" id="{2B44F548-697F-412D-9B99-861C27246385}"/>
+                  <a16:creationId xmlns="" xmlns:a16="http://schemas.microsoft.com/office/drawing/2014/main" id="{2B44F548-697F-412D-9B99-861C27246385}"/>
                 </a:ext>
               </a:extLst>
             </p:cNvPr>
@@ -3970,7 +3970,7 @@
             <a:blip r:embed="rId2" cstate="print">
               <a:extLst>
                 <a:ext uri="{28A0092B-C50C-407E-A947-70E740481C1C}">
-                  <a14:useLocalDpi xmlns:a14="http://schemas.microsoft.com/office/drawing/2010/main" xmlns="" val="0"/>
+                  <a14:useLocalDpi xmlns="" xmlns:a14="http://schemas.microsoft.com/office/drawing/2010/main" val="0"/>
                 </a:ext>
               </a:extLst>
             </a:blip>
@@ -3994,7 +3994,7 @@
           <p:cNvPr id="29" name="Group 28">
             <a:extLst>
               <a:ext uri="{FF2B5EF4-FFF2-40B4-BE49-F238E27FC236}">
-                <a16:creationId xmlns:a16="http://schemas.microsoft.com/office/drawing/2014/main" xmlns="" id="{C0099890-786A-4F87-960D-5DADE5168909}"/>
+                <a16:creationId xmlns="" xmlns:a16="http://schemas.microsoft.com/office/drawing/2014/main" id="{C0099890-786A-4F87-960D-5DADE5168909}"/>
               </a:ext>
             </a:extLst>
           </p:cNvPr>
@@ -4014,7 +4014,7 @@
             <p:cNvPr id="30" name="Rectangle 29">
               <a:extLst>
                 <a:ext uri="{FF2B5EF4-FFF2-40B4-BE49-F238E27FC236}">
-                  <a16:creationId xmlns:a16="http://schemas.microsoft.com/office/drawing/2014/main" xmlns="" id="{CE9AAB1E-3A13-4745-A574-9EE6806378C9}"/>
+                  <a16:creationId xmlns="" xmlns:a16="http://schemas.microsoft.com/office/drawing/2014/main" id="{CE9AAB1E-3A13-4745-A574-9EE6806378C9}"/>
                 </a:ext>
               </a:extLst>
             </p:cNvPr>
@@ -4075,7 +4075,7 @@
             <p:cNvPr id="31" name="Freeform: Shape 30">
               <a:extLst>
                 <a:ext uri="{FF2B5EF4-FFF2-40B4-BE49-F238E27FC236}">
-                  <a16:creationId xmlns:a16="http://schemas.microsoft.com/office/drawing/2014/main" xmlns="" id="{1BC0F905-3F71-4932-B130-39D508C4D117}"/>
+                  <a16:creationId xmlns="" xmlns:a16="http://schemas.microsoft.com/office/drawing/2014/main" id="{1BC0F905-3F71-4932-B130-39D508C4D117}"/>
                 </a:ext>
               </a:extLst>
             </p:cNvPr>
@@ -4182,7 +4182,7 @@
             <p:cNvPr id="32" name="TextBox 31">
               <a:extLst>
                 <a:ext uri="{FF2B5EF4-FFF2-40B4-BE49-F238E27FC236}">
-                  <a16:creationId xmlns:a16="http://schemas.microsoft.com/office/drawing/2014/main" xmlns="" id="{93EC5869-A976-4328-A864-2BB04E7E7BFC}"/>
+                  <a16:creationId xmlns="" xmlns:a16="http://schemas.microsoft.com/office/drawing/2014/main" id="{93EC5869-A976-4328-A864-2BB04E7E7BFC}"/>
                 </a:ext>
               </a:extLst>
             </p:cNvPr>
@@ -4229,7 +4229,7 @@
             <p:cNvPr id="33" name="Picture 32">
               <a:extLst>
                 <a:ext uri="{FF2B5EF4-FFF2-40B4-BE49-F238E27FC236}">
-                  <a16:creationId xmlns:a16="http://schemas.microsoft.com/office/drawing/2014/main" xmlns="" id="{7C8E4AB7-ADC0-4FEE-AE7A-994F5DAD3FE1}"/>
+                  <a16:creationId xmlns="" xmlns:a16="http://schemas.microsoft.com/office/drawing/2014/main" id="{7C8E4AB7-ADC0-4FEE-AE7A-994F5DAD3FE1}"/>
                 </a:ext>
               </a:extLst>
             </p:cNvPr>
@@ -4242,7 +4242,7 @@
             <a:blip r:embed="rId2" cstate="print">
               <a:extLst>
                 <a:ext uri="{28A0092B-C50C-407E-A947-70E740481C1C}">
-                  <a14:useLocalDpi xmlns:a14="http://schemas.microsoft.com/office/drawing/2010/main" xmlns="" val="0"/>
+                  <a14:useLocalDpi xmlns="" xmlns:a14="http://schemas.microsoft.com/office/drawing/2010/main" val="0"/>
                 </a:ext>
               </a:extLst>
             </a:blip>
@@ -4266,7 +4266,7 @@
           <p:cNvPr id="34" name="Group 33">
             <a:extLst>
               <a:ext uri="{FF2B5EF4-FFF2-40B4-BE49-F238E27FC236}">
-                <a16:creationId xmlns:a16="http://schemas.microsoft.com/office/drawing/2014/main" xmlns="" id="{0E4F6447-6163-4D6A-A8D2-BD63B6CB3A42}"/>
+                <a16:creationId xmlns="" xmlns:a16="http://schemas.microsoft.com/office/drawing/2014/main" id="{0E4F6447-6163-4D6A-A8D2-BD63B6CB3A42}"/>
               </a:ext>
             </a:extLst>
           </p:cNvPr>
@@ -4286,7 +4286,7 @@
             <p:cNvPr id="35" name="Rectangle 34">
               <a:extLst>
                 <a:ext uri="{FF2B5EF4-FFF2-40B4-BE49-F238E27FC236}">
-                  <a16:creationId xmlns:a16="http://schemas.microsoft.com/office/drawing/2014/main" xmlns="" id="{5CB8CB55-9DEC-4367-900E-7257FE1B874F}"/>
+                  <a16:creationId xmlns="" xmlns:a16="http://schemas.microsoft.com/office/drawing/2014/main" id="{5CB8CB55-9DEC-4367-900E-7257FE1B874F}"/>
                 </a:ext>
               </a:extLst>
             </p:cNvPr>
@@ -4347,7 +4347,7 @@
             <p:cNvPr id="36" name="Freeform: Shape 35">
               <a:extLst>
                 <a:ext uri="{FF2B5EF4-FFF2-40B4-BE49-F238E27FC236}">
-                  <a16:creationId xmlns:a16="http://schemas.microsoft.com/office/drawing/2014/main" xmlns="" id="{9DBAEDD6-7153-4AFF-BDC7-5A225B4B5642}"/>
+                  <a16:creationId xmlns="" xmlns:a16="http://schemas.microsoft.com/office/drawing/2014/main" id="{9DBAEDD6-7153-4AFF-BDC7-5A225B4B5642}"/>
                 </a:ext>
               </a:extLst>
             </p:cNvPr>
@@ -4454,7 +4454,7 @@
             <p:cNvPr id="37" name="TextBox 36">
               <a:extLst>
                 <a:ext uri="{FF2B5EF4-FFF2-40B4-BE49-F238E27FC236}">
-                  <a16:creationId xmlns:a16="http://schemas.microsoft.com/office/drawing/2014/main" xmlns="" id="{12F9D37B-DE70-4087-8A7F-BBA0BAF5B6CF}"/>
+                  <a16:creationId xmlns="" xmlns:a16="http://schemas.microsoft.com/office/drawing/2014/main" id="{12F9D37B-DE70-4087-8A7F-BBA0BAF5B6CF}"/>
                 </a:ext>
               </a:extLst>
             </p:cNvPr>
@@ -4501,7 +4501,7 @@
             <p:cNvPr id="38" name="Picture 37">
               <a:extLst>
                 <a:ext uri="{FF2B5EF4-FFF2-40B4-BE49-F238E27FC236}">
-                  <a16:creationId xmlns:a16="http://schemas.microsoft.com/office/drawing/2014/main" xmlns="" id="{6FA13E8D-3FCC-4EC2-BD8C-6CE7CA0ECDFA}"/>
+                  <a16:creationId xmlns="" xmlns:a16="http://schemas.microsoft.com/office/drawing/2014/main" id="{6FA13E8D-3FCC-4EC2-BD8C-6CE7CA0ECDFA}"/>
                 </a:ext>
               </a:extLst>
             </p:cNvPr>
@@ -4514,7 +4514,7 @@
             <a:blip r:embed="rId2" cstate="print">
               <a:extLst>
                 <a:ext uri="{28A0092B-C50C-407E-A947-70E740481C1C}">
-                  <a14:useLocalDpi xmlns:a14="http://schemas.microsoft.com/office/drawing/2010/main" xmlns="" val="0"/>
+                  <a14:useLocalDpi xmlns="" xmlns:a14="http://schemas.microsoft.com/office/drawing/2010/main" val="0"/>
                 </a:ext>
               </a:extLst>
             </a:blip>
@@ -4538,7 +4538,7 @@
           <p:cNvPr id="39" name="Rectangle 38">
             <a:extLst>
               <a:ext uri="{FF2B5EF4-FFF2-40B4-BE49-F238E27FC236}">
-                <a16:creationId xmlns:a16="http://schemas.microsoft.com/office/drawing/2014/main" xmlns="" id="{71382190-201C-4BAE-91F3-296A26671C96}"/>
+                <a16:creationId xmlns="" xmlns:a16="http://schemas.microsoft.com/office/drawing/2014/main" id="{71382190-201C-4BAE-91F3-296A26671C96}"/>
               </a:ext>
             </a:extLst>
           </p:cNvPr>
@@ -4599,7 +4599,7 @@
           <p:cNvPr id="40" name="Group 39">
             <a:extLst>
               <a:ext uri="{FF2B5EF4-FFF2-40B4-BE49-F238E27FC236}">
-                <a16:creationId xmlns:a16="http://schemas.microsoft.com/office/drawing/2014/main" xmlns="" id="{3FD3EE0D-FD02-4885-9AC0-03F414A9888F}"/>
+                <a16:creationId xmlns="" xmlns:a16="http://schemas.microsoft.com/office/drawing/2014/main" id="{3FD3EE0D-FD02-4885-9AC0-03F414A9888F}"/>
               </a:ext>
             </a:extLst>
           </p:cNvPr>
@@ -4619,7 +4619,7 @@
             <p:cNvPr id="41" name="Rectangle 40">
               <a:extLst>
                 <a:ext uri="{FF2B5EF4-FFF2-40B4-BE49-F238E27FC236}">
-                  <a16:creationId xmlns:a16="http://schemas.microsoft.com/office/drawing/2014/main" xmlns="" id="{60A9D552-2EF0-4DB4-9DC6-F52F2FD55E3C}"/>
+                  <a16:creationId xmlns="" xmlns:a16="http://schemas.microsoft.com/office/drawing/2014/main" id="{60A9D552-2EF0-4DB4-9DC6-F52F2FD55E3C}"/>
                 </a:ext>
               </a:extLst>
             </p:cNvPr>
@@ -4680,7 +4680,7 @@
             <p:cNvPr id="42" name="Freeform: Shape 41">
               <a:extLst>
                 <a:ext uri="{FF2B5EF4-FFF2-40B4-BE49-F238E27FC236}">
-                  <a16:creationId xmlns:a16="http://schemas.microsoft.com/office/drawing/2014/main" xmlns="" id="{DA27D1F1-923F-4591-A07A-39E775B734F9}"/>
+                  <a16:creationId xmlns="" xmlns:a16="http://schemas.microsoft.com/office/drawing/2014/main" id="{DA27D1F1-923F-4591-A07A-39E775B734F9}"/>
                 </a:ext>
               </a:extLst>
             </p:cNvPr>
@@ -4787,7 +4787,7 @@
             <p:cNvPr id="43" name="TextBox 42">
               <a:extLst>
                 <a:ext uri="{FF2B5EF4-FFF2-40B4-BE49-F238E27FC236}">
-                  <a16:creationId xmlns:a16="http://schemas.microsoft.com/office/drawing/2014/main" xmlns="" id="{0E895421-2372-4C7F-93D2-3B0353A6E7BD}"/>
+                  <a16:creationId xmlns="" xmlns:a16="http://schemas.microsoft.com/office/drawing/2014/main" id="{0E895421-2372-4C7F-93D2-3B0353A6E7BD}"/>
                 </a:ext>
               </a:extLst>
             </p:cNvPr>
@@ -4834,7 +4834,7 @@
             <p:cNvPr id="44" name="Picture 43">
               <a:extLst>
                 <a:ext uri="{FF2B5EF4-FFF2-40B4-BE49-F238E27FC236}">
-                  <a16:creationId xmlns:a16="http://schemas.microsoft.com/office/drawing/2014/main" xmlns="" id="{1A9D6167-F7B8-4BFF-8BC5-2D13EF0CFF88}"/>
+                  <a16:creationId xmlns="" xmlns:a16="http://schemas.microsoft.com/office/drawing/2014/main" id="{1A9D6167-F7B8-4BFF-8BC5-2D13EF0CFF88}"/>
                 </a:ext>
               </a:extLst>
             </p:cNvPr>
@@ -4847,7 +4847,7 @@
             <a:blip r:embed="rId2" cstate="print">
               <a:extLst>
                 <a:ext uri="{28A0092B-C50C-407E-A947-70E740481C1C}">
-                  <a14:useLocalDpi xmlns:a14="http://schemas.microsoft.com/office/drawing/2010/main" xmlns="" val="0"/>
+                  <a14:useLocalDpi xmlns="" xmlns:a14="http://schemas.microsoft.com/office/drawing/2010/main" val="0"/>
                 </a:ext>
               </a:extLst>
             </a:blip>
@@ -4871,7 +4871,7 @@
           <p:cNvPr id="45" name="Group 44">
             <a:extLst>
               <a:ext uri="{FF2B5EF4-FFF2-40B4-BE49-F238E27FC236}">
-                <a16:creationId xmlns:a16="http://schemas.microsoft.com/office/drawing/2014/main" xmlns="" id="{76789F00-2688-429D-926C-15F83152FDBE}"/>
+                <a16:creationId xmlns="" xmlns:a16="http://schemas.microsoft.com/office/drawing/2014/main" id="{76789F00-2688-429D-926C-15F83152FDBE}"/>
               </a:ext>
             </a:extLst>
           </p:cNvPr>
@@ -4891,7 +4891,7 @@
             <p:cNvPr id="46" name="Rectangle 45">
               <a:extLst>
                 <a:ext uri="{FF2B5EF4-FFF2-40B4-BE49-F238E27FC236}">
-                  <a16:creationId xmlns:a16="http://schemas.microsoft.com/office/drawing/2014/main" xmlns="" id="{FF862AB6-114D-4C6A-B849-5A11B3650265}"/>
+                  <a16:creationId xmlns="" xmlns:a16="http://schemas.microsoft.com/office/drawing/2014/main" id="{FF862AB6-114D-4C6A-B849-5A11B3650265}"/>
                 </a:ext>
               </a:extLst>
             </p:cNvPr>
@@ -4952,7 +4952,7 @@
             <p:cNvPr id="47" name="Freeform: Shape 46">
               <a:extLst>
                 <a:ext uri="{FF2B5EF4-FFF2-40B4-BE49-F238E27FC236}">
-                  <a16:creationId xmlns:a16="http://schemas.microsoft.com/office/drawing/2014/main" xmlns="" id="{30105858-8A3E-4676-96A7-18C1A74E36F4}"/>
+                  <a16:creationId xmlns="" xmlns:a16="http://schemas.microsoft.com/office/drawing/2014/main" id="{30105858-8A3E-4676-96A7-18C1A74E36F4}"/>
                 </a:ext>
               </a:extLst>
             </p:cNvPr>
@@ -5059,7 +5059,7 @@
             <p:cNvPr id="48" name="TextBox 47">
               <a:extLst>
                 <a:ext uri="{FF2B5EF4-FFF2-40B4-BE49-F238E27FC236}">
-                  <a16:creationId xmlns:a16="http://schemas.microsoft.com/office/drawing/2014/main" xmlns="" id="{8A634BD7-1512-45B6-AFE4-1EEA636625CB}"/>
+                  <a16:creationId xmlns="" xmlns:a16="http://schemas.microsoft.com/office/drawing/2014/main" id="{8A634BD7-1512-45B6-AFE4-1EEA636625CB}"/>
                 </a:ext>
               </a:extLst>
             </p:cNvPr>
@@ -5106,7 +5106,7 @@
             <p:cNvPr id="49" name="Picture 48">
               <a:extLst>
                 <a:ext uri="{FF2B5EF4-FFF2-40B4-BE49-F238E27FC236}">
-                  <a16:creationId xmlns:a16="http://schemas.microsoft.com/office/drawing/2014/main" xmlns="" id="{F08704A4-CABE-4989-8BF7-C10A6BB40ED9}"/>
+                  <a16:creationId xmlns="" xmlns:a16="http://schemas.microsoft.com/office/drawing/2014/main" id="{F08704A4-CABE-4989-8BF7-C10A6BB40ED9}"/>
                 </a:ext>
               </a:extLst>
             </p:cNvPr>
@@ -5119,7 +5119,7 @@
             <a:blip r:embed="rId2" cstate="print">
               <a:extLst>
                 <a:ext uri="{28A0092B-C50C-407E-A947-70E740481C1C}">
-                  <a14:useLocalDpi xmlns:a14="http://schemas.microsoft.com/office/drawing/2010/main" xmlns="" val="0"/>
+                  <a14:useLocalDpi xmlns="" xmlns:a14="http://schemas.microsoft.com/office/drawing/2010/main" val="0"/>
                 </a:ext>
               </a:extLst>
             </a:blip>
@@ -5141,7 +5141,7 @@
     </p:spTree>
     <p:extLst>
       <p:ext uri="{BB962C8B-B14F-4D97-AF65-F5344CB8AC3E}">
-        <p14:creationId xmlns:p14="http://schemas.microsoft.com/office/powerpoint/2010/main" xmlns="" val="758661002"/>
+        <p14:creationId xmlns="" xmlns:p14="http://schemas.microsoft.com/office/powerpoint/2010/main" val="758661002"/>
       </p:ext>
     </p:extLst>
   </p:cSld>
@@ -5149,7 +5149,7 @@
     <a:masterClrMapping/>
   </p:clrMapOvr>
   <mc:AlternateContent xmlns:mc="http://schemas.openxmlformats.org/markup-compatibility/2006">
-    <mc:Choice xmlns:p159="http://schemas.microsoft.com/office/powerpoint/2015/09/main" xmlns="" Requires="p159">
+    <mc:Choice xmlns="" xmlns:p159="http://schemas.microsoft.com/office/powerpoint/2015/09/main" Requires="p159">
       <p:transition spd="med">
         <p159:morph option="byObject"/>
       </p:transition>
@@ -5192,7 +5192,7 @@
           <p:cNvPr id="50" name="Group 49">
             <a:extLst>
               <a:ext uri="{FF2B5EF4-FFF2-40B4-BE49-F238E27FC236}">
-                <a16:creationId xmlns:a16="http://schemas.microsoft.com/office/drawing/2014/main" xmlns="" id="{066ACF4C-6F8C-46FC-8362-2E05C90EEAFA}"/>
+                <a16:creationId xmlns="" xmlns:a16="http://schemas.microsoft.com/office/drawing/2014/main" id="{066ACF4C-6F8C-46FC-8362-2E05C90EEAFA}"/>
               </a:ext>
             </a:extLst>
           </p:cNvPr>
@@ -5212,7 +5212,7 @@
             <p:cNvPr id="51" name="Rectangle 50">
               <a:extLst>
                 <a:ext uri="{FF2B5EF4-FFF2-40B4-BE49-F238E27FC236}">
-                  <a16:creationId xmlns:a16="http://schemas.microsoft.com/office/drawing/2014/main" xmlns="" id="{4F373113-18F1-4443-9A8E-5EF06C1D2FEA}"/>
+                  <a16:creationId xmlns="" xmlns:a16="http://schemas.microsoft.com/office/drawing/2014/main" id="{4F373113-18F1-4443-9A8E-5EF06C1D2FEA}"/>
                 </a:ext>
               </a:extLst>
             </p:cNvPr>
@@ -5273,7 +5273,7 @@
             <p:cNvPr id="52" name="Freeform: Shape 51">
               <a:extLst>
                 <a:ext uri="{FF2B5EF4-FFF2-40B4-BE49-F238E27FC236}">
-                  <a16:creationId xmlns:a16="http://schemas.microsoft.com/office/drawing/2014/main" xmlns="" id="{8F99D053-FB83-41F1-B2CB-C10918BC99BC}"/>
+                  <a16:creationId xmlns="" xmlns:a16="http://schemas.microsoft.com/office/drawing/2014/main" id="{8F99D053-FB83-41F1-B2CB-C10918BC99BC}"/>
                 </a:ext>
               </a:extLst>
             </p:cNvPr>
@@ -5380,7 +5380,7 @@
             <p:cNvPr id="53" name="TextBox 52">
               <a:extLst>
                 <a:ext uri="{FF2B5EF4-FFF2-40B4-BE49-F238E27FC236}">
-                  <a16:creationId xmlns:a16="http://schemas.microsoft.com/office/drawing/2014/main" xmlns="" id="{7F4373C1-3934-47C3-8F36-E2FB2615CA87}"/>
+                  <a16:creationId xmlns="" xmlns:a16="http://schemas.microsoft.com/office/drawing/2014/main" id="{7F4373C1-3934-47C3-8F36-E2FB2615CA87}"/>
                 </a:ext>
               </a:extLst>
             </p:cNvPr>
@@ -5421,7 +5421,7 @@
             <p:cNvPr id="54" name="Picture 53">
               <a:extLst>
                 <a:ext uri="{FF2B5EF4-FFF2-40B4-BE49-F238E27FC236}">
-                  <a16:creationId xmlns:a16="http://schemas.microsoft.com/office/drawing/2014/main" xmlns="" id="{5A5E18E8-5A3E-4F1D-8254-6193AA55C07B}"/>
+                  <a16:creationId xmlns="" xmlns:a16="http://schemas.microsoft.com/office/drawing/2014/main" id="{5A5E18E8-5A3E-4F1D-8254-6193AA55C07B}"/>
                 </a:ext>
               </a:extLst>
             </p:cNvPr>
@@ -5434,7 +5434,7 @@
             <a:blip r:embed="rId2" cstate="print">
               <a:extLst>
                 <a:ext uri="{28A0092B-C50C-407E-A947-70E740481C1C}">
-                  <a14:useLocalDpi xmlns:a14="http://schemas.microsoft.com/office/drawing/2010/main" xmlns="" val="0"/>
+                  <a14:useLocalDpi xmlns="" xmlns:a14="http://schemas.microsoft.com/office/drawing/2010/main" val="0"/>
                 </a:ext>
               </a:extLst>
             </a:blip>
@@ -5458,7 +5458,7 @@
           <p:cNvPr id="55" name="Group 54">
             <a:extLst>
               <a:ext uri="{FF2B5EF4-FFF2-40B4-BE49-F238E27FC236}">
-                <a16:creationId xmlns:a16="http://schemas.microsoft.com/office/drawing/2014/main" xmlns="" id="{150C247F-7990-4945-869D-5E2A900F477F}"/>
+                <a16:creationId xmlns="" xmlns:a16="http://schemas.microsoft.com/office/drawing/2014/main" id="{150C247F-7990-4945-869D-5E2A900F477F}"/>
               </a:ext>
             </a:extLst>
           </p:cNvPr>
@@ -5478,7 +5478,7 @@
             <p:cNvPr id="56" name="Rectangle 55">
               <a:extLst>
                 <a:ext uri="{FF2B5EF4-FFF2-40B4-BE49-F238E27FC236}">
-                  <a16:creationId xmlns:a16="http://schemas.microsoft.com/office/drawing/2014/main" xmlns="" id="{6D2C93AC-EBE3-4E67-A867-76D5D6BEDB10}"/>
+                  <a16:creationId xmlns="" xmlns:a16="http://schemas.microsoft.com/office/drawing/2014/main" id="{6D2C93AC-EBE3-4E67-A867-76D5D6BEDB10}"/>
                 </a:ext>
               </a:extLst>
             </p:cNvPr>
@@ -5539,7 +5539,7 @@
             <p:cNvPr id="57" name="Freeform: Shape 56">
               <a:extLst>
                 <a:ext uri="{FF2B5EF4-FFF2-40B4-BE49-F238E27FC236}">
-                  <a16:creationId xmlns:a16="http://schemas.microsoft.com/office/drawing/2014/main" xmlns="" id="{35DBD2B9-E73C-4AE9-91C9-698379867E98}"/>
+                  <a16:creationId xmlns="" xmlns:a16="http://schemas.microsoft.com/office/drawing/2014/main" id="{35DBD2B9-E73C-4AE9-91C9-698379867E98}"/>
                 </a:ext>
               </a:extLst>
             </p:cNvPr>
@@ -5646,7 +5646,7 @@
             <p:cNvPr id="58" name="TextBox 57">
               <a:extLst>
                 <a:ext uri="{FF2B5EF4-FFF2-40B4-BE49-F238E27FC236}">
-                  <a16:creationId xmlns:a16="http://schemas.microsoft.com/office/drawing/2014/main" xmlns="" id="{CD6BDC4B-8313-4203-9F42-C28AC214EB64}"/>
+                  <a16:creationId xmlns="" xmlns:a16="http://schemas.microsoft.com/office/drawing/2014/main" id="{CD6BDC4B-8313-4203-9F42-C28AC214EB64}"/>
                 </a:ext>
               </a:extLst>
             </p:cNvPr>
@@ -5693,7 +5693,7 @@
             <p:cNvPr id="59" name="Picture 58">
               <a:extLst>
                 <a:ext uri="{FF2B5EF4-FFF2-40B4-BE49-F238E27FC236}">
-                  <a16:creationId xmlns:a16="http://schemas.microsoft.com/office/drawing/2014/main" xmlns="" id="{44037FC5-8E34-4772-9A87-813F2AD5E4D7}"/>
+                  <a16:creationId xmlns="" xmlns:a16="http://schemas.microsoft.com/office/drawing/2014/main" id="{44037FC5-8E34-4772-9A87-813F2AD5E4D7}"/>
                 </a:ext>
               </a:extLst>
             </p:cNvPr>
@@ -5706,7 +5706,7 @@
             <a:blip r:embed="rId2" cstate="print">
               <a:extLst>
                 <a:ext uri="{28A0092B-C50C-407E-A947-70E740481C1C}">
-                  <a14:useLocalDpi xmlns:a14="http://schemas.microsoft.com/office/drawing/2010/main" xmlns="" val="0"/>
+                  <a14:useLocalDpi xmlns="" xmlns:a14="http://schemas.microsoft.com/office/drawing/2010/main" val="0"/>
                 </a:ext>
               </a:extLst>
             </a:blip>
@@ -5730,7 +5730,7 @@
           <p:cNvPr id="60" name="Group 59">
             <a:extLst>
               <a:ext uri="{FF2B5EF4-FFF2-40B4-BE49-F238E27FC236}">
-                <a16:creationId xmlns:a16="http://schemas.microsoft.com/office/drawing/2014/main" xmlns="" id="{BC916508-F80D-434E-B066-812949E5DB94}"/>
+                <a16:creationId xmlns="" xmlns:a16="http://schemas.microsoft.com/office/drawing/2014/main" id="{BC916508-F80D-434E-B066-812949E5DB94}"/>
               </a:ext>
             </a:extLst>
           </p:cNvPr>
@@ -5750,7 +5750,7 @@
             <p:cNvPr id="61" name="Rectangle 60">
               <a:extLst>
                 <a:ext uri="{FF2B5EF4-FFF2-40B4-BE49-F238E27FC236}">
-                  <a16:creationId xmlns:a16="http://schemas.microsoft.com/office/drawing/2014/main" xmlns="" id="{CE9E3B68-B936-49FB-94D8-7AC0076CF488}"/>
+                  <a16:creationId xmlns="" xmlns:a16="http://schemas.microsoft.com/office/drawing/2014/main" id="{CE9E3B68-B936-49FB-94D8-7AC0076CF488}"/>
                 </a:ext>
               </a:extLst>
             </p:cNvPr>
@@ -5811,7 +5811,7 @@
             <p:cNvPr id="62" name="Freeform: Shape 61">
               <a:extLst>
                 <a:ext uri="{FF2B5EF4-FFF2-40B4-BE49-F238E27FC236}">
-                  <a16:creationId xmlns:a16="http://schemas.microsoft.com/office/drawing/2014/main" xmlns="" id="{0D3F9516-66C4-44E6-9877-6C0374B5112C}"/>
+                  <a16:creationId xmlns="" xmlns:a16="http://schemas.microsoft.com/office/drawing/2014/main" id="{0D3F9516-66C4-44E6-9877-6C0374B5112C}"/>
                 </a:ext>
               </a:extLst>
             </p:cNvPr>
@@ -5918,7 +5918,7 @@
             <p:cNvPr id="63" name="TextBox 62">
               <a:extLst>
                 <a:ext uri="{FF2B5EF4-FFF2-40B4-BE49-F238E27FC236}">
-                  <a16:creationId xmlns:a16="http://schemas.microsoft.com/office/drawing/2014/main" xmlns="" id="{32DF4D80-460D-4455-B80A-3BC0C6A12DA2}"/>
+                  <a16:creationId xmlns="" xmlns:a16="http://schemas.microsoft.com/office/drawing/2014/main" id="{32DF4D80-460D-4455-B80A-3BC0C6A12DA2}"/>
                 </a:ext>
               </a:extLst>
             </p:cNvPr>
@@ -5959,7 +5959,7 @@
             <p:cNvPr id="64" name="Picture 63">
               <a:extLst>
                 <a:ext uri="{FF2B5EF4-FFF2-40B4-BE49-F238E27FC236}">
-                  <a16:creationId xmlns:a16="http://schemas.microsoft.com/office/drawing/2014/main" xmlns="" id="{7AB39DAF-3109-4CEA-BD1D-C123179FF81F}"/>
+                  <a16:creationId xmlns="" xmlns:a16="http://schemas.microsoft.com/office/drawing/2014/main" id="{7AB39DAF-3109-4CEA-BD1D-C123179FF81F}"/>
                 </a:ext>
               </a:extLst>
             </p:cNvPr>
@@ -5972,7 +5972,7 @@
             <a:blip r:embed="rId2" cstate="print">
               <a:extLst>
                 <a:ext uri="{28A0092B-C50C-407E-A947-70E740481C1C}">
-                  <a14:useLocalDpi xmlns:a14="http://schemas.microsoft.com/office/drawing/2010/main" xmlns="" val="0"/>
+                  <a14:useLocalDpi xmlns="" xmlns:a14="http://schemas.microsoft.com/office/drawing/2010/main" val="0"/>
                 </a:ext>
               </a:extLst>
             </a:blip>
@@ -5996,7 +5996,7 @@
           <p:cNvPr id="65" name="Group 64">
             <a:extLst>
               <a:ext uri="{FF2B5EF4-FFF2-40B4-BE49-F238E27FC236}">
-                <a16:creationId xmlns:a16="http://schemas.microsoft.com/office/drawing/2014/main" xmlns="" id="{92B7020D-701A-4EE7-BDA2-CD171993C203}"/>
+                <a16:creationId xmlns="" xmlns:a16="http://schemas.microsoft.com/office/drawing/2014/main" id="{92B7020D-701A-4EE7-BDA2-CD171993C203}"/>
               </a:ext>
             </a:extLst>
           </p:cNvPr>
@@ -6016,7 +6016,7 @@
             <p:cNvPr id="66" name="Rectangle 65">
               <a:extLst>
                 <a:ext uri="{FF2B5EF4-FFF2-40B4-BE49-F238E27FC236}">
-                  <a16:creationId xmlns:a16="http://schemas.microsoft.com/office/drawing/2014/main" xmlns="" id="{3B77930A-0489-40A5-B3D7-053D64BD29C4}"/>
+                  <a16:creationId xmlns="" xmlns:a16="http://schemas.microsoft.com/office/drawing/2014/main" id="{3B77930A-0489-40A5-B3D7-053D64BD29C4}"/>
                 </a:ext>
               </a:extLst>
             </p:cNvPr>
@@ -6077,7 +6077,7 @@
             <p:cNvPr id="67" name="Freeform: Shape 66">
               <a:extLst>
                 <a:ext uri="{FF2B5EF4-FFF2-40B4-BE49-F238E27FC236}">
-                  <a16:creationId xmlns:a16="http://schemas.microsoft.com/office/drawing/2014/main" xmlns="" id="{3ED749F6-F5EB-48BD-A697-16D473CCCFE8}"/>
+                  <a16:creationId xmlns="" xmlns:a16="http://schemas.microsoft.com/office/drawing/2014/main" id="{3ED749F6-F5EB-48BD-A697-16D473CCCFE8}"/>
                 </a:ext>
               </a:extLst>
             </p:cNvPr>
@@ -6184,7 +6184,7 @@
             <p:cNvPr id="68" name="TextBox 67">
               <a:extLst>
                 <a:ext uri="{FF2B5EF4-FFF2-40B4-BE49-F238E27FC236}">
-                  <a16:creationId xmlns:a16="http://schemas.microsoft.com/office/drawing/2014/main" xmlns="" id="{8070AD46-78F1-4169-9AE3-EDECC43BD39B}"/>
+                  <a16:creationId xmlns="" xmlns:a16="http://schemas.microsoft.com/office/drawing/2014/main" id="{8070AD46-78F1-4169-9AE3-EDECC43BD39B}"/>
                 </a:ext>
               </a:extLst>
             </p:cNvPr>
@@ -6231,7 +6231,7 @@
             <p:cNvPr id="69" name="Picture 68">
               <a:extLst>
                 <a:ext uri="{FF2B5EF4-FFF2-40B4-BE49-F238E27FC236}">
-                  <a16:creationId xmlns:a16="http://schemas.microsoft.com/office/drawing/2014/main" xmlns="" id="{22B026A5-B1AC-46D4-AE84-DF77E5A294CF}"/>
+                  <a16:creationId xmlns="" xmlns:a16="http://schemas.microsoft.com/office/drawing/2014/main" id="{22B026A5-B1AC-46D4-AE84-DF77E5A294CF}"/>
                 </a:ext>
               </a:extLst>
             </p:cNvPr>
@@ -6244,7 +6244,7 @@
             <a:blip r:embed="rId2" cstate="print">
               <a:extLst>
                 <a:ext uri="{28A0092B-C50C-407E-A947-70E740481C1C}">
-                  <a14:useLocalDpi xmlns:a14="http://schemas.microsoft.com/office/drawing/2010/main" xmlns="" val="0"/>
+                  <a14:useLocalDpi xmlns="" xmlns:a14="http://schemas.microsoft.com/office/drawing/2010/main" val="0"/>
                 </a:ext>
               </a:extLst>
             </a:blip>
@@ -6268,7 +6268,7 @@
           <p:cNvPr id="70" name="Rectangle 69">
             <a:extLst>
               <a:ext uri="{FF2B5EF4-FFF2-40B4-BE49-F238E27FC236}">
-                <a16:creationId xmlns:a16="http://schemas.microsoft.com/office/drawing/2014/main" xmlns="" id="{371C6EE2-CCA6-4F94-870B-CB9D61CEBE17}"/>
+                <a16:creationId xmlns="" xmlns:a16="http://schemas.microsoft.com/office/drawing/2014/main" id="{371C6EE2-CCA6-4F94-870B-CB9D61CEBE17}"/>
               </a:ext>
             </a:extLst>
           </p:cNvPr>
@@ -6329,7 +6329,7 @@
           <p:cNvPr id="71" name="Group 70">
             <a:extLst>
               <a:ext uri="{FF2B5EF4-FFF2-40B4-BE49-F238E27FC236}">
-                <a16:creationId xmlns:a16="http://schemas.microsoft.com/office/drawing/2014/main" xmlns="" id="{20422D8F-B19E-425C-93A8-F750F60A06A7}"/>
+                <a16:creationId xmlns="" xmlns:a16="http://schemas.microsoft.com/office/drawing/2014/main" id="{20422D8F-B19E-425C-93A8-F750F60A06A7}"/>
               </a:ext>
             </a:extLst>
           </p:cNvPr>
@@ -6349,7 +6349,7 @@
             <p:cNvPr id="72" name="Rectangle 71">
               <a:extLst>
                 <a:ext uri="{FF2B5EF4-FFF2-40B4-BE49-F238E27FC236}">
-                  <a16:creationId xmlns:a16="http://schemas.microsoft.com/office/drawing/2014/main" xmlns="" id="{3278AF09-2D0C-4E81-816C-BC1D04E40DC2}"/>
+                  <a16:creationId xmlns="" xmlns:a16="http://schemas.microsoft.com/office/drawing/2014/main" id="{3278AF09-2D0C-4E81-816C-BC1D04E40DC2}"/>
                 </a:ext>
               </a:extLst>
             </p:cNvPr>
@@ -6410,7 +6410,7 @@
             <p:cNvPr id="73" name="Freeform: Shape 72">
               <a:extLst>
                 <a:ext uri="{FF2B5EF4-FFF2-40B4-BE49-F238E27FC236}">
-                  <a16:creationId xmlns:a16="http://schemas.microsoft.com/office/drawing/2014/main" xmlns="" id="{AC2E1C67-7A8F-4EB5-AB00-3C754858084E}"/>
+                  <a16:creationId xmlns="" xmlns:a16="http://schemas.microsoft.com/office/drawing/2014/main" id="{AC2E1C67-7A8F-4EB5-AB00-3C754858084E}"/>
                 </a:ext>
               </a:extLst>
             </p:cNvPr>
@@ -6517,7 +6517,7 @@
             <p:cNvPr id="74" name="TextBox 73">
               <a:extLst>
                 <a:ext uri="{FF2B5EF4-FFF2-40B4-BE49-F238E27FC236}">
-                  <a16:creationId xmlns:a16="http://schemas.microsoft.com/office/drawing/2014/main" xmlns="" id="{67795C74-0308-4781-BEE6-B62AE6D17152}"/>
+                  <a16:creationId xmlns="" xmlns:a16="http://schemas.microsoft.com/office/drawing/2014/main" id="{67795C74-0308-4781-BEE6-B62AE6D17152}"/>
                 </a:ext>
               </a:extLst>
             </p:cNvPr>
@@ -6564,7 +6564,7 @@
             <p:cNvPr id="75" name="Picture 74">
               <a:extLst>
                 <a:ext uri="{FF2B5EF4-FFF2-40B4-BE49-F238E27FC236}">
-                  <a16:creationId xmlns:a16="http://schemas.microsoft.com/office/drawing/2014/main" xmlns="" id="{45C46027-B464-4ADA-A3B8-14FF4471BA1E}"/>
+                  <a16:creationId xmlns="" xmlns:a16="http://schemas.microsoft.com/office/drawing/2014/main" id="{45C46027-B464-4ADA-A3B8-14FF4471BA1E}"/>
                 </a:ext>
               </a:extLst>
             </p:cNvPr>
@@ -6577,7 +6577,7 @@
             <a:blip r:embed="rId2" cstate="print">
               <a:extLst>
                 <a:ext uri="{28A0092B-C50C-407E-A947-70E740481C1C}">
-                  <a14:useLocalDpi xmlns:a14="http://schemas.microsoft.com/office/drawing/2010/main" xmlns="" val="0"/>
+                  <a14:useLocalDpi xmlns="" xmlns:a14="http://schemas.microsoft.com/office/drawing/2010/main" val="0"/>
                 </a:ext>
               </a:extLst>
             </a:blip>
@@ -6601,7 +6601,7 @@
           <p:cNvPr id="76" name="Group 75">
             <a:extLst>
               <a:ext uri="{FF2B5EF4-FFF2-40B4-BE49-F238E27FC236}">
-                <a16:creationId xmlns:a16="http://schemas.microsoft.com/office/drawing/2014/main" xmlns="" id="{C1D48DDF-B760-4AB3-A520-29238CC2C408}"/>
+                <a16:creationId xmlns="" xmlns:a16="http://schemas.microsoft.com/office/drawing/2014/main" id="{C1D48DDF-B760-4AB3-A520-29238CC2C408}"/>
               </a:ext>
             </a:extLst>
           </p:cNvPr>
@@ -6621,7 +6621,7 @@
             <p:cNvPr id="77" name="Rectangle 76">
               <a:extLst>
                 <a:ext uri="{FF2B5EF4-FFF2-40B4-BE49-F238E27FC236}">
-                  <a16:creationId xmlns:a16="http://schemas.microsoft.com/office/drawing/2014/main" xmlns="" id="{FA696B4D-5BCF-47C3-8B8C-BE87154A63B4}"/>
+                  <a16:creationId xmlns="" xmlns:a16="http://schemas.microsoft.com/office/drawing/2014/main" id="{FA696B4D-5BCF-47C3-8B8C-BE87154A63B4}"/>
                 </a:ext>
               </a:extLst>
             </p:cNvPr>
@@ -6682,7 +6682,7 @@
             <p:cNvPr id="78" name="Freeform: Shape 77">
               <a:extLst>
                 <a:ext uri="{FF2B5EF4-FFF2-40B4-BE49-F238E27FC236}">
-                  <a16:creationId xmlns:a16="http://schemas.microsoft.com/office/drawing/2014/main" xmlns="" id="{BAAA7B45-7DAF-4C4D-A930-ABA45AC955DD}"/>
+                  <a16:creationId xmlns="" xmlns:a16="http://schemas.microsoft.com/office/drawing/2014/main" id="{BAAA7B45-7DAF-4C4D-A930-ABA45AC955DD}"/>
                 </a:ext>
               </a:extLst>
             </p:cNvPr>
@@ -6789,7 +6789,7 @@
             <p:cNvPr id="79" name="TextBox 78">
               <a:extLst>
                 <a:ext uri="{FF2B5EF4-FFF2-40B4-BE49-F238E27FC236}">
-                  <a16:creationId xmlns:a16="http://schemas.microsoft.com/office/drawing/2014/main" xmlns="" id="{701F5CFD-7EE1-475C-A36F-330184D5C6EC}"/>
+                  <a16:creationId xmlns="" xmlns:a16="http://schemas.microsoft.com/office/drawing/2014/main" id="{701F5CFD-7EE1-475C-A36F-330184D5C6EC}"/>
                 </a:ext>
               </a:extLst>
             </p:cNvPr>
@@ -6836,7 +6836,7 @@
             <p:cNvPr id="80" name="Picture 79">
               <a:extLst>
                 <a:ext uri="{FF2B5EF4-FFF2-40B4-BE49-F238E27FC236}">
-                  <a16:creationId xmlns:a16="http://schemas.microsoft.com/office/drawing/2014/main" xmlns="" id="{B9F42291-FBD0-4239-8D69-22035DCB4AE6}"/>
+                  <a16:creationId xmlns="" xmlns:a16="http://schemas.microsoft.com/office/drawing/2014/main" id="{B9F42291-FBD0-4239-8D69-22035DCB4AE6}"/>
                 </a:ext>
               </a:extLst>
             </p:cNvPr>
@@ -6849,7 +6849,7 @@
             <a:blip r:embed="rId2" cstate="print">
               <a:extLst>
                 <a:ext uri="{28A0092B-C50C-407E-A947-70E740481C1C}">
-                  <a14:useLocalDpi xmlns:a14="http://schemas.microsoft.com/office/drawing/2010/main" xmlns="" val="0"/>
+                  <a14:useLocalDpi xmlns="" xmlns:a14="http://schemas.microsoft.com/office/drawing/2010/main" val="0"/>
                 </a:ext>
               </a:extLst>
             </a:blip>
@@ -6873,7 +6873,7 @@
           <p:cNvPr id="82" name="Group 81">
             <a:extLst>
               <a:ext uri="{FF2B5EF4-FFF2-40B4-BE49-F238E27FC236}">
-                <a16:creationId xmlns:a16="http://schemas.microsoft.com/office/drawing/2014/main" xmlns="" id="{A14E1B91-C212-4889-8705-49BCDB383225}"/>
+                <a16:creationId xmlns="" xmlns:a16="http://schemas.microsoft.com/office/drawing/2014/main" id="{A14E1B91-C212-4889-8705-49BCDB383225}"/>
               </a:ext>
             </a:extLst>
           </p:cNvPr>
@@ -6893,7 +6893,7 @@
             <p:cNvPr id="83" name="TextBox 82">
               <a:extLst>
                 <a:ext uri="{FF2B5EF4-FFF2-40B4-BE49-F238E27FC236}">
-                  <a16:creationId xmlns:a16="http://schemas.microsoft.com/office/drawing/2014/main" xmlns="" id="{A94C4F95-2EDE-46B0-8B26-C72D6D3C8DB3}"/>
+                  <a16:creationId xmlns="" xmlns:a16="http://schemas.microsoft.com/office/drawing/2014/main" id="{A94C4F95-2EDE-46B0-8B26-C72D6D3C8DB3}"/>
                 </a:ext>
               </a:extLst>
             </p:cNvPr>
@@ -6940,7 +6940,7 @@
             <p:cNvPr id="84" name="TextBox 83">
               <a:extLst>
                 <a:ext uri="{FF2B5EF4-FFF2-40B4-BE49-F238E27FC236}">
-                  <a16:creationId xmlns:a16="http://schemas.microsoft.com/office/drawing/2014/main" xmlns="" id="{7DC9F996-36A0-4A1D-8C4B-F6DAF0FDA7C8}"/>
+                  <a16:creationId xmlns="" xmlns:a16="http://schemas.microsoft.com/office/drawing/2014/main" id="{7DC9F996-36A0-4A1D-8C4B-F6DAF0FDA7C8}"/>
                 </a:ext>
               </a:extLst>
             </p:cNvPr>
@@ -7005,7 +7005,7 @@
             <p:cNvPr id="85" name="TextBox 84">
               <a:extLst>
                 <a:ext uri="{FF2B5EF4-FFF2-40B4-BE49-F238E27FC236}">
-                  <a16:creationId xmlns:a16="http://schemas.microsoft.com/office/drawing/2014/main" xmlns="" id="{9EDE56FF-3E69-4484-9673-AC7FA14D3D89}"/>
+                  <a16:creationId xmlns="" xmlns:a16="http://schemas.microsoft.com/office/drawing/2014/main" id="{9EDE56FF-3E69-4484-9673-AC7FA14D3D89}"/>
                 </a:ext>
               </a:extLst>
             </p:cNvPr>
@@ -7046,7 +7046,7 @@
             <p:cNvPr id="86" name="TextBox 85">
               <a:extLst>
                 <a:ext uri="{FF2B5EF4-FFF2-40B4-BE49-F238E27FC236}">
-                  <a16:creationId xmlns:a16="http://schemas.microsoft.com/office/drawing/2014/main" xmlns="" id="{944799B2-E7B9-4C01-A37D-BB60C6C75D12}"/>
+                  <a16:creationId xmlns="" xmlns:a16="http://schemas.microsoft.com/office/drawing/2014/main" id="{944799B2-E7B9-4C01-A37D-BB60C6C75D12}"/>
                 </a:ext>
               </a:extLst>
             </p:cNvPr>
@@ -7112,7 +7112,7 @@
     </p:spTree>
     <p:extLst>
       <p:ext uri="{BB962C8B-B14F-4D97-AF65-F5344CB8AC3E}">
-        <p14:creationId xmlns:p14="http://schemas.microsoft.com/office/powerpoint/2010/main" xmlns="" val="2001706127"/>
+        <p14:creationId xmlns="" xmlns:p14="http://schemas.microsoft.com/office/powerpoint/2010/main" val="2001706127"/>
       </p:ext>
     </p:extLst>
   </p:cSld>
@@ -7120,7 +7120,7 @@
     <a:masterClrMapping/>
   </p:clrMapOvr>
   <mc:AlternateContent xmlns:mc="http://schemas.openxmlformats.org/markup-compatibility/2006">
-    <mc:Choice xmlns:p159="http://schemas.microsoft.com/office/powerpoint/2015/09/main" xmlns="" Requires="p159">
+    <mc:Choice xmlns="" xmlns:p159="http://schemas.microsoft.com/office/powerpoint/2015/09/main" Requires="p159">
       <p:transition spd="med">
         <p159:morph option="byObject"/>
       </p:transition>
@@ -7329,7 +7329,7 @@
           <p:cNvPr id="2" name="Group 32">
             <a:extLst>
               <a:ext uri="{FF2B5EF4-FFF2-40B4-BE49-F238E27FC236}">
-                <a16:creationId xmlns:a16="http://schemas.microsoft.com/office/drawing/2014/main" xmlns="" id="{BC3001EC-9F33-4C39-B780-199714C83EA2}"/>
+                <a16:creationId xmlns="" xmlns:a16="http://schemas.microsoft.com/office/drawing/2014/main" id="{BC3001EC-9F33-4C39-B780-199714C83EA2}"/>
               </a:ext>
             </a:extLst>
           </p:cNvPr>
@@ -7349,7 +7349,7 @@
             <p:cNvPr id="34" name="Rectangle 33">
               <a:extLst>
                 <a:ext uri="{FF2B5EF4-FFF2-40B4-BE49-F238E27FC236}">
-                  <a16:creationId xmlns:a16="http://schemas.microsoft.com/office/drawing/2014/main" xmlns="" id="{129B5C97-F627-4A85-B003-5396A9D964D5}"/>
+                  <a16:creationId xmlns="" xmlns:a16="http://schemas.microsoft.com/office/drawing/2014/main" id="{129B5C97-F627-4A85-B003-5396A9D964D5}"/>
                 </a:ext>
               </a:extLst>
             </p:cNvPr>
@@ -7410,7 +7410,7 @@
             <p:cNvPr id="35" name="Freeform: Shape 34">
               <a:extLst>
                 <a:ext uri="{FF2B5EF4-FFF2-40B4-BE49-F238E27FC236}">
-                  <a16:creationId xmlns:a16="http://schemas.microsoft.com/office/drawing/2014/main" xmlns="" id="{A97C14D5-0388-44F5-AD76-F8BBAF179CD6}"/>
+                  <a16:creationId xmlns="" xmlns:a16="http://schemas.microsoft.com/office/drawing/2014/main" id="{A97C14D5-0388-44F5-AD76-F8BBAF179CD6}"/>
                 </a:ext>
               </a:extLst>
             </p:cNvPr>
@@ -7517,7 +7517,7 @@
             <p:cNvPr id="36" name="TextBox 35">
               <a:extLst>
                 <a:ext uri="{FF2B5EF4-FFF2-40B4-BE49-F238E27FC236}">
-                  <a16:creationId xmlns:a16="http://schemas.microsoft.com/office/drawing/2014/main" xmlns="" id="{2151F346-69C6-4F86-BC1F-C57BA2384CC6}"/>
+                  <a16:creationId xmlns="" xmlns:a16="http://schemas.microsoft.com/office/drawing/2014/main" id="{2151F346-69C6-4F86-BC1F-C57BA2384CC6}"/>
                 </a:ext>
               </a:extLst>
             </p:cNvPr>
@@ -7558,7 +7558,7 @@
             <p:cNvPr id="37" name="Picture 36">
               <a:extLst>
                 <a:ext uri="{FF2B5EF4-FFF2-40B4-BE49-F238E27FC236}">
-                  <a16:creationId xmlns:a16="http://schemas.microsoft.com/office/drawing/2014/main" xmlns="" id="{52B367FE-8530-4052-AD96-2D6FBE490F66}"/>
+                  <a16:creationId xmlns="" xmlns:a16="http://schemas.microsoft.com/office/drawing/2014/main" id="{52B367FE-8530-4052-AD96-2D6FBE490F66}"/>
                 </a:ext>
               </a:extLst>
             </p:cNvPr>
@@ -7571,7 +7571,7 @@
             <a:blip r:embed="rId2" cstate="print">
               <a:extLst>
                 <a:ext uri="{28A0092B-C50C-407E-A947-70E740481C1C}">
-                  <a14:useLocalDpi xmlns:a14="http://schemas.microsoft.com/office/drawing/2010/main" xmlns="" val="0"/>
+                  <a14:useLocalDpi xmlns="" xmlns:a14="http://schemas.microsoft.com/office/drawing/2010/main" val="0"/>
                 </a:ext>
               </a:extLst>
             </a:blip>
@@ -7595,7 +7595,7 @@
           <p:cNvPr id="4" name="Group 37">
             <a:extLst>
               <a:ext uri="{FF2B5EF4-FFF2-40B4-BE49-F238E27FC236}">
-                <a16:creationId xmlns:a16="http://schemas.microsoft.com/office/drawing/2014/main" xmlns="" id="{63E93C38-ECA5-4094-81E9-196A3BD19EBD}"/>
+                <a16:creationId xmlns="" xmlns:a16="http://schemas.microsoft.com/office/drawing/2014/main" id="{63E93C38-ECA5-4094-81E9-196A3BD19EBD}"/>
               </a:ext>
             </a:extLst>
           </p:cNvPr>
@@ -7615,7 +7615,7 @@
             <p:cNvPr id="39" name="Rectangle 38">
               <a:extLst>
                 <a:ext uri="{FF2B5EF4-FFF2-40B4-BE49-F238E27FC236}">
-                  <a16:creationId xmlns:a16="http://schemas.microsoft.com/office/drawing/2014/main" xmlns="" id="{5C85080E-7B66-43F0-AB4D-3A69B13C005A}"/>
+                  <a16:creationId xmlns="" xmlns:a16="http://schemas.microsoft.com/office/drawing/2014/main" id="{5C85080E-7B66-43F0-AB4D-3A69B13C005A}"/>
                 </a:ext>
               </a:extLst>
             </p:cNvPr>
@@ -7676,7 +7676,7 @@
             <p:cNvPr id="40" name="Freeform: Shape 39">
               <a:extLst>
                 <a:ext uri="{FF2B5EF4-FFF2-40B4-BE49-F238E27FC236}">
-                  <a16:creationId xmlns:a16="http://schemas.microsoft.com/office/drawing/2014/main" xmlns="" id="{405DAC1A-9BF8-460E-8D8B-77BFB6B27FF9}"/>
+                  <a16:creationId xmlns="" xmlns:a16="http://schemas.microsoft.com/office/drawing/2014/main" id="{405DAC1A-9BF8-460E-8D8B-77BFB6B27FF9}"/>
                 </a:ext>
               </a:extLst>
             </p:cNvPr>
@@ -7783,7 +7783,7 @@
             <p:cNvPr id="41" name="TextBox 40">
               <a:extLst>
                 <a:ext uri="{FF2B5EF4-FFF2-40B4-BE49-F238E27FC236}">
-                  <a16:creationId xmlns:a16="http://schemas.microsoft.com/office/drawing/2014/main" xmlns="" id="{90DCA374-CD21-448B-8791-8A04A9A9A552}"/>
+                  <a16:creationId xmlns="" xmlns:a16="http://schemas.microsoft.com/office/drawing/2014/main" id="{90DCA374-CD21-448B-8791-8A04A9A9A552}"/>
                 </a:ext>
               </a:extLst>
             </p:cNvPr>
@@ -7830,7 +7830,7 @@
             <p:cNvPr id="42" name="Picture 41">
               <a:extLst>
                 <a:ext uri="{FF2B5EF4-FFF2-40B4-BE49-F238E27FC236}">
-                  <a16:creationId xmlns:a16="http://schemas.microsoft.com/office/drawing/2014/main" xmlns="" id="{83A620A7-5483-4447-9670-0F8D67F3627A}"/>
+                  <a16:creationId xmlns="" xmlns:a16="http://schemas.microsoft.com/office/drawing/2014/main" id="{83A620A7-5483-4447-9670-0F8D67F3627A}"/>
                 </a:ext>
               </a:extLst>
             </p:cNvPr>
@@ -7843,7 +7843,7 @@
             <a:blip r:embed="rId2" cstate="print">
               <a:extLst>
                 <a:ext uri="{28A0092B-C50C-407E-A947-70E740481C1C}">
-                  <a14:useLocalDpi xmlns:a14="http://schemas.microsoft.com/office/drawing/2010/main" xmlns="" val="0"/>
+                  <a14:useLocalDpi xmlns="" xmlns:a14="http://schemas.microsoft.com/office/drawing/2010/main" val="0"/>
                 </a:ext>
               </a:extLst>
             </a:blip>
@@ -7867,7 +7867,7 @@
           <p:cNvPr id="5" name="Group 42">
             <a:extLst>
               <a:ext uri="{FF2B5EF4-FFF2-40B4-BE49-F238E27FC236}">
-                <a16:creationId xmlns:a16="http://schemas.microsoft.com/office/drawing/2014/main" xmlns="" id="{B02914A7-C65F-4EFB-8FF4-9BB283DC3935}"/>
+                <a16:creationId xmlns="" xmlns:a16="http://schemas.microsoft.com/office/drawing/2014/main" id="{B02914A7-C65F-4EFB-8FF4-9BB283DC3935}"/>
               </a:ext>
             </a:extLst>
           </p:cNvPr>
@@ -7887,7 +7887,7 @@
             <p:cNvPr id="44" name="Rectangle 43">
               <a:extLst>
                 <a:ext uri="{FF2B5EF4-FFF2-40B4-BE49-F238E27FC236}">
-                  <a16:creationId xmlns:a16="http://schemas.microsoft.com/office/drawing/2014/main" xmlns="" id="{99DA66B2-8A11-4397-B997-59A37787FEF8}"/>
+                  <a16:creationId xmlns="" xmlns:a16="http://schemas.microsoft.com/office/drawing/2014/main" id="{99DA66B2-8A11-4397-B997-59A37787FEF8}"/>
                 </a:ext>
               </a:extLst>
             </p:cNvPr>
@@ -7948,7 +7948,7 @@
             <p:cNvPr id="45" name="Freeform: Shape 44">
               <a:extLst>
                 <a:ext uri="{FF2B5EF4-FFF2-40B4-BE49-F238E27FC236}">
-                  <a16:creationId xmlns:a16="http://schemas.microsoft.com/office/drawing/2014/main" xmlns="" id="{71A8923D-952E-459F-92C0-CCE4C5E45F88}"/>
+                  <a16:creationId xmlns="" xmlns:a16="http://schemas.microsoft.com/office/drawing/2014/main" id="{71A8923D-952E-459F-92C0-CCE4C5E45F88}"/>
                 </a:ext>
               </a:extLst>
             </p:cNvPr>
@@ -8055,7 +8055,7 @@
             <p:cNvPr id="46" name="TextBox 45">
               <a:extLst>
                 <a:ext uri="{FF2B5EF4-FFF2-40B4-BE49-F238E27FC236}">
-                  <a16:creationId xmlns:a16="http://schemas.microsoft.com/office/drawing/2014/main" xmlns="" id="{DD73F442-B2F9-477E-B4DE-956CBA09D9C3}"/>
+                  <a16:creationId xmlns="" xmlns:a16="http://schemas.microsoft.com/office/drawing/2014/main" id="{DD73F442-B2F9-477E-B4DE-956CBA09D9C3}"/>
                 </a:ext>
               </a:extLst>
             </p:cNvPr>
@@ -8102,7 +8102,7 @@
             <p:cNvPr id="47" name="Picture 46">
               <a:extLst>
                 <a:ext uri="{FF2B5EF4-FFF2-40B4-BE49-F238E27FC236}">
-                  <a16:creationId xmlns:a16="http://schemas.microsoft.com/office/drawing/2014/main" xmlns="" id="{7654DCD4-7920-4D83-8D7F-6D3A71A169A5}"/>
+                  <a16:creationId xmlns="" xmlns:a16="http://schemas.microsoft.com/office/drawing/2014/main" id="{7654DCD4-7920-4D83-8D7F-6D3A71A169A5}"/>
                 </a:ext>
               </a:extLst>
             </p:cNvPr>
@@ -8115,7 +8115,7 @@
             <a:blip r:embed="rId2" cstate="print">
               <a:extLst>
                 <a:ext uri="{28A0092B-C50C-407E-A947-70E740481C1C}">
-                  <a14:useLocalDpi xmlns:a14="http://schemas.microsoft.com/office/drawing/2010/main" xmlns="" val="0"/>
+                  <a14:useLocalDpi xmlns="" xmlns:a14="http://schemas.microsoft.com/office/drawing/2010/main" val="0"/>
                 </a:ext>
               </a:extLst>
             </a:blip>
@@ -8139,7 +8139,7 @@
           <p:cNvPr id="6" name="Group 47">
             <a:extLst>
               <a:ext uri="{FF2B5EF4-FFF2-40B4-BE49-F238E27FC236}">
-                <a16:creationId xmlns:a16="http://schemas.microsoft.com/office/drawing/2014/main" xmlns="" id="{7A67CF96-B24C-4BAD-8466-B32ECC2753A1}"/>
+                <a16:creationId xmlns="" xmlns:a16="http://schemas.microsoft.com/office/drawing/2014/main" id="{7A67CF96-B24C-4BAD-8466-B32ECC2753A1}"/>
               </a:ext>
             </a:extLst>
           </p:cNvPr>
@@ -8159,7 +8159,7 @@
             <p:cNvPr id="49" name="Rectangle 48">
               <a:extLst>
                 <a:ext uri="{FF2B5EF4-FFF2-40B4-BE49-F238E27FC236}">
-                  <a16:creationId xmlns:a16="http://schemas.microsoft.com/office/drawing/2014/main" xmlns="" id="{8B7B7434-49BE-47D6-BAE6-9B9134F0EC8C}"/>
+                  <a16:creationId xmlns="" xmlns:a16="http://schemas.microsoft.com/office/drawing/2014/main" id="{8B7B7434-49BE-47D6-BAE6-9B9134F0EC8C}"/>
                 </a:ext>
               </a:extLst>
             </p:cNvPr>
@@ -8220,7 +8220,7 @@
             <p:cNvPr id="81" name="Freeform: Shape 80">
               <a:extLst>
                 <a:ext uri="{FF2B5EF4-FFF2-40B4-BE49-F238E27FC236}">
-                  <a16:creationId xmlns:a16="http://schemas.microsoft.com/office/drawing/2014/main" xmlns="" id="{080296C0-D397-432D-B5A1-CA7DA186EB14}"/>
+                  <a16:creationId xmlns="" xmlns:a16="http://schemas.microsoft.com/office/drawing/2014/main" id="{080296C0-D397-432D-B5A1-CA7DA186EB14}"/>
                 </a:ext>
               </a:extLst>
             </p:cNvPr>
@@ -8327,7 +8327,7 @@
             <p:cNvPr id="82" name="TextBox 81">
               <a:extLst>
                 <a:ext uri="{FF2B5EF4-FFF2-40B4-BE49-F238E27FC236}">
-                  <a16:creationId xmlns:a16="http://schemas.microsoft.com/office/drawing/2014/main" xmlns="" id="{73DE47E8-526D-4A96-A671-69E14D20D1EB}"/>
+                  <a16:creationId xmlns="" xmlns:a16="http://schemas.microsoft.com/office/drawing/2014/main" id="{73DE47E8-526D-4A96-A671-69E14D20D1EB}"/>
                 </a:ext>
               </a:extLst>
             </p:cNvPr>
@@ -8374,7 +8374,7 @@
             <p:cNvPr id="83" name="Picture 82">
               <a:extLst>
                 <a:ext uri="{FF2B5EF4-FFF2-40B4-BE49-F238E27FC236}">
-                  <a16:creationId xmlns:a16="http://schemas.microsoft.com/office/drawing/2014/main" xmlns="" id="{7FD4AAEC-83E5-4832-BEA2-517A195B2A78}"/>
+                  <a16:creationId xmlns="" xmlns:a16="http://schemas.microsoft.com/office/drawing/2014/main" id="{7FD4AAEC-83E5-4832-BEA2-517A195B2A78}"/>
                 </a:ext>
               </a:extLst>
             </p:cNvPr>
@@ -8387,7 +8387,7 @@
             <a:blip r:embed="rId2" cstate="print">
               <a:extLst>
                 <a:ext uri="{28A0092B-C50C-407E-A947-70E740481C1C}">
-                  <a14:useLocalDpi xmlns:a14="http://schemas.microsoft.com/office/drawing/2010/main" xmlns="" val="0"/>
+                  <a14:useLocalDpi xmlns="" xmlns:a14="http://schemas.microsoft.com/office/drawing/2010/main" val="0"/>
                 </a:ext>
               </a:extLst>
             </a:blip>
@@ -8411,7 +8411,7 @@
           <p:cNvPr id="84" name="Rectangle 83">
             <a:extLst>
               <a:ext uri="{FF2B5EF4-FFF2-40B4-BE49-F238E27FC236}">
-                <a16:creationId xmlns:a16="http://schemas.microsoft.com/office/drawing/2014/main" xmlns="" id="{3C6BBB46-3AAE-49B1-8F56-3535CC357FEB}"/>
+                <a16:creationId xmlns="" xmlns:a16="http://schemas.microsoft.com/office/drawing/2014/main" id="{3C6BBB46-3AAE-49B1-8F56-3535CC357FEB}"/>
               </a:ext>
             </a:extLst>
           </p:cNvPr>
@@ -8472,7 +8472,7 @@
           <p:cNvPr id="8" name="Group 84">
             <a:extLst>
               <a:ext uri="{FF2B5EF4-FFF2-40B4-BE49-F238E27FC236}">
-                <a16:creationId xmlns:a16="http://schemas.microsoft.com/office/drawing/2014/main" xmlns="" id="{FA452EB0-3109-45BB-9389-19F84818FE30}"/>
+                <a16:creationId xmlns="" xmlns:a16="http://schemas.microsoft.com/office/drawing/2014/main" id="{FA452EB0-3109-45BB-9389-19F84818FE30}"/>
               </a:ext>
             </a:extLst>
           </p:cNvPr>
@@ -8492,7 +8492,7 @@
             <p:cNvPr id="86" name="Rectangle 85">
               <a:extLst>
                 <a:ext uri="{FF2B5EF4-FFF2-40B4-BE49-F238E27FC236}">
-                  <a16:creationId xmlns:a16="http://schemas.microsoft.com/office/drawing/2014/main" xmlns="" id="{DF941D0C-24DA-4E77-BE08-34D6F94BD6FB}"/>
+                  <a16:creationId xmlns="" xmlns:a16="http://schemas.microsoft.com/office/drawing/2014/main" id="{DF941D0C-24DA-4E77-BE08-34D6F94BD6FB}"/>
                 </a:ext>
               </a:extLst>
             </p:cNvPr>
@@ -8553,7 +8553,7 @@
             <p:cNvPr id="87" name="Freeform: Shape 86">
               <a:extLst>
                 <a:ext uri="{FF2B5EF4-FFF2-40B4-BE49-F238E27FC236}">
-                  <a16:creationId xmlns:a16="http://schemas.microsoft.com/office/drawing/2014/main" xmlns="" id="{09747D82-077A-45F5-8822-6A7F978E7845}"/>
+                  <a16:creationId xmlns="" xmlns:a16="http://schemas.microsoft.com/office/drawing/2014/main" id="{09747D82-077A-45F5-8822-6A7F978E7845}"/>
                 </a:ext>
               </a:extLst>
             </p:cNvPr>
@@ -8660,7 +8660,7 @@
             <p:cNvPr id="88" name="TextBox 87">
               <a:extLst>
                 <a:ext uri="{FF2B5EF4-FFF2-40B4-BE49-F238E27FC236}">
-                  <a16:creationId xmlns:a16="http://schemas.microsoft.com/office/drawing/2014/main" xmlns="" id="{D0B26FA9-EA76-44C1-BA33-E4EBB060AC7E}"/>
+                  <a16:creationId xmlns="" xmlns:a16="http://schemas.microsoft.com/office/drawing/2014/main" id="{D0B26FA9-EA76-44C1-BA33-E4EBB060AC7E}"/>
                 </a:ext>
               </a:extLst>
             </p:cNvPr>
@@ -8707,7 +8707,7 @@
             <p:cNvPr id="89" name="Picture 88">
               <a:extLst>
                 <a:ext uri="{FF2B5EF4-FFF2-40B4-BE49-F238E27FC236}">
-                  <a16:creationId xmlns:a16="http://schemas.microsoft.com/office/drawing/2014/main" xmlns="" id="{EF138C1A-5B68-42BE-B6B8-0EE1F4738562}"/>
+                  <a16:creationId xmlns="" xmlns:a16="http://schemas.microsoft.com/office/drawing/2014/main" id="{EF138C1A-5B68-42BE-B6B8-0EE1F4738562}"/>
                 </a:ext>
               </a:extLst>
             </p:cNvPr>
@@ -8720,7 +8720,7 @@
             <a:blip r:embed="rId2" cstate="print">
               <a:extLst>
                 <a:ext uri="{28A0092B-C50C-407E-A947-70E740481C1C}">
-                  <a14:useLocalDpi xmlns:a14="http://schemas.microsoft.com/office/drawing/2010/main" xmlns="" val="0"/>
+                  <a14:useLocalDpi xmlns="" xmlns:a14="http://schemas.microsoft.com/office/drawing/2010/main" val="0"/>
                 </a:ext>
               </a:extLst>
             </a:blip>
@@ -8744,7 +8744,7 @@
           <p:cNvPr id="10" name="Group 89">
             <a:extLst>
               <a:ext uri="{FF2B5EF4-FFF2-40B4-BE49-F238E27FC236}">
-                <a16:creationId xmlns:a16="http://schemas.microsoft.com/office/drawing/2014/main" xmlns="" id="{2C48F6F2-7791-4D91-ADEC-77FE8FA739E3}"/>
+                <a16:creationId xmlns="" xmlns:a16="http://schemas.microsoft.com/office/drawing/2014/main" id="{2C48F6F2-7791-4D91-ADEC-77FE8FA739E3}"/>
               </a:ext>
             </a:extLst>
           </p:cNvPr>
@@ -8764,7 +8764,7 @@
             <p:cNvPr id="91" name="Rectangle 90">
               <a:extLst>
                 <a:ext uri="{FF2B5EF4-FFF2-40B4-BE49-F238E27FC236}">
-                  <a16:creationId xmlns:a16="http://schemas.microsoft.com/office/drawing/2014/main" xmlns="" id="{F8ED37E9-9873-442F-9B7C-7F4BC1A8F51E}"/>
+                  <a16:creationId xmlns="" xmlns:a16="http://schemas.microsoft.com/office/drawing/2014/main" id="{F8ED37E9-9873-442F-9B7C-7F4BC1A8F51E}"/>
                 </a:ext>
               </a:extLst>
             </p:cNvPr>
@@ -8825,7 +8825,7 @@
             <p:cNvPr id="92" name="Freeform: Shape 91">
               <a:extLst>
                 <a:ext uri="{FF2B5EF4-FFF2-40B4-BE49-F238E27FC236}">
-                  <a16:creationId xmlns:a16="http://schemas.microsoft.com/office/drawing/2014/main" xmlns="" id="{F2E020DE-B46A-4F47-97AB-BB6C9038FA2E}"/>
+                  <a16:creationId xmlns="" xmlns:a16="http://schemas.microsoft.com/office/drawing/2014/main" id="{F2E020DE-B46A-4F47-97AB-BB6C9038FA2E}"/>
                 </a:ext>
               </a:extLst>
             </p:cNvPr>
@@ -8932,7 +8932,7 @@
             <p:cNvPr id="93" name="TextBox 92">
               <a:extLst>
                 <a:ext uri="{FF2B5EF4-FFF2-40B4-BE49-F238E27FC236}">
-                  <a16:creationId xmlns:a16="http://schemas.microsoft.com/office/drawing/2014/main" xmlns="" id="{7CF05B7C-3B2D-4CAB-9132-7B756B442063}"/>
+                  <a16:creationId xmlns="" xmlns:a16="http://schemas.microsoft.com/office/drawing/2014/main" id="{7CF05B7C-3B2D-4CAB-9132-7B756B442063}"/>
                 </a:ext>
               </a:extLst>
             </p:cNvPr>
@@ -8979,7 +8979,7 @@
             <p:cNvPr id="94" name="Picture 93">
               <a:extLst>
                 <a:ext uri="{FF2B5EF4-FFF2-40B4-BE49-F238E27FC236}">
-                  <a16:creationId xmlns:a16="http://schemas.microsoft.com/office/drawing/2014/main" xmlns="" id="{A04E2F48-2025-4003-B590-1DD957710632}"/>
+                  <a16:creationId xmlns="" xmlns:a16="http://schemas.microsoft.com/office/drawing/2014/main" id="{A04E2F48-2025-4003-B590-1DD957710632}"/>
                 </a:ext>
               </a:extLst>
             </p:cNvPr>
@@ -8992,7 +8992,7 @@
             <a:blip r:embed="rId2" cstate="print">
               <a:extLst>
                 <a:ext uri="{28A0092B-C50C-407E-A947-70E740481C1C}">
-                  <a14:useLocalDpi xmlns:a14="http://schemas.microsoft.com/office/drawing/2010/main" xmlns="" val="0"/>
+                  <a14:useLocalDpi xmlns="" xmlns:a14="http://schemas.microsoft.com/office/drawing/2010/main" val="0"/>
                 </a:ext>
               </a:extLst>
             </a:blip>
@@ -9016,7 +9016,7 @@
           <p:cNvPr id="61" name="Oval 60">
             <a:extLst>
               <a:ext uri="{FF2B5EF4-FFF2-40B4-BE49-F238E27FC236}">
-                <a16:creationId xmlns:a16="http://schemas.microsoft.com/office/drawing/2014/main" xmlns="" id="{8A4AD62D-BD7E-415D-B725-6AC37487928F}"/>
+                <a16:creationId xmlns="" xmlns:a16="http://schemas.microsoft.com/office/drawing/2014/main" id="{8A4AD62D-BD7E-415D-B725-6AC37487928F}"/>
               </a:ext>
             </a:extLst>
           </p:cNvPr>
@@ -9068,7 +9068,7 @@
           <p:cNvPr id="64" name="Oval 63">
             <a:extLst>
               <a:ext uri="{FF2B5EF4-FFF2-40B4-BE49-F238E27FC236}">
-                <a16:creationId xmlns:a16="http://schemas.microsoft.com/office/drawing/2014/main" xmlns="" id="{8106C475-63FF-4B88-9037-7D4296DCF408}"/>
+                <a16:creationId xmlns="" xmlns:a16="http://schemas.microsoft.com/office/drawing/2014/main" id="{8106C475-63FF-4B88-9037-7D4296DCF408}"/>
               </a:ext>
             </a:extLst>
           </p:cNvPr>
@@ -9120,7 +9120,7 @@
           <p:cNvPr id="67" name="Oval 66">
             <a:extLst>
               <a:ext uri="{FF2B5EF4-FFF2-40B4-BE49-F238E27FC236}">
-                <a16:creationId xmlns:a16="http://schemas.microsoft.com/office/drawing/2014/main" xmlns="" id="{BEA41108-70F3-44FD-9476-BB5FCAD01852}"/>
+                <a16:creationId xmlns="" xmlns:a16="http://schemas.microsoft.com/office/drawing/2014/main" id="{BEA41108-70F3-44FD-9476-BB5FCAD01852}"/>
               </a:ext>
             </a:extLst>
           </p:cNvPr>
@@ -9172,7 +9172,7 @@
           <p:cNvPr id="79" name="Oval 78">
             <a:extLst>
               <a:ext uri="{FF2B5EF4-FFF2-40B4-BE49-F238E27FC236}">
-                <a16:creationId xmlns:a16="http://schemas.microsoft.com/office/drawing/2014/main" xmlns="" id="{8106C475-63FF-4B88-9037-7D4296DCF408}"/>
+                <a16:creationId xmlns="" xmlns:a16="http://schemas.microsoft.com/office/drawing/2014/main" id="{8106C475-63FF-4B88-9037-7D4296DCF408}"/>
               </a:ext>
             </a:extLst>
           </p:cNvPr>
@@ -9224,7 +9224,7 @@
           <p:cNvPr id="96" name="Group 95">
             <a:extLst>
               <a:ext uri="{FF2B5EF4-FFF2-40B4-BE49-F238E27FC236}">
-                <a16:creationId xmlns:a16="http://schemas.microsoft.com/office/drawing/2014/main" xmlns="" id="{642619BF-D98C-42FE-8077-B8745D93F239}"/>
+                <a16:creationId xmlns="" xmlns:a16="http://schemas.microsoft.com/office/drawing/2014/main" id="{642619BF-D98C-42FE-8077-B8745D93F239}"/>
               </a:ext>
             </a:extLst>
           </p:cNvPr>
@@ -9244,7 +9244,7 @@
             <p:cNvPr id="100" name="TextBox 99">
               <a:extLst>
                 <a:ext uri="{FF2B5EF4-FFF2-40B4-BE49-F238E27FC236}">
-                  <a16:creationId xmlns:a16="http://schemas.microsoft.com/office/drawing/2014/main" xmlns="" id="{47D438D1-4A2C-457A-A675-A2FFD11F8FC1}"/>
+                  <a16:creationId xmlns="" xmlns:a16="http://schemas.microsoft.com/office/drawing/2014/main" id="{47D438D1-4A2C-457A-A675-A2FFD11F8FC1}"/>
                 </a:ext>
               </a:extLst>
             </p:cNvPr>
@@ -9291,7 +9291,7 @@
             <p:cNvPr id="104" name="TextBox 103">
               <a:extLst>
                 <a:ext uri="{FF2B5EF4-FFF2-40B4-BE49-F238E27FC236}">
-                  <a16:creationId xmlns:a16="http://schemas.microsoft.com/office/drawing/2014/main" xmlns="" id="{EFA98CF0-C7D5-4BB1-AE6B-892973EDC2B3}"/>
+                  <a16:creationId xmlns="" xmlns:a16="http://schemas.microsoft.com/office/drawing/2014/main" id="{EFA98CF0-C7D5-4BB1-AE6B-892973EDC2B3}"/>
                 </a:ext>
               </a:extLst>
             </p:cNvPr>
@@ -9332,7 +9332,7 @@
             <p:cNvPr id="111" name="TextBox 110">
               <a:extLst>
                 <a:ext uri="{FF2B5EF4-FFF2-40B4-BE49-F238E27FC236}">
-                  <a16:creationId xmlns:a16="http://schemas.microsoft.com/office/drawing/2014/main" xmlns="" id="{ADB9B462-21BE-4A91-8264-768F8688631E}"/>
+                  <a16:creationId xmlns="" xmlns:a16="http://schemas.microsoft.com/office/drawing/2014/main" id="{ADB9B462-21BE-4A91-8264-768F8688631E}"/>
                 </a:ext>
               </a:extLst>
             </p:cNvPr>
@@ -9374,7 +9374,7 @@
           <p:cNvPr id="130" name="Group 129">
             <a:extLst>
               <a:ext uri="{FF2B5EF4-FFF2-40B4-BE49-F238E27FC236}">
-                <a16:creationId xmlns:a16="http://schemas.microsoft.com/office/drawing/2014/main" xmlns="" id="{642619BF-D98C-42FE-8077-B8745D93F239}"/>
+                <a16:creationId xmlns="" xmlns:a16="http://schemas.microsoft.com/office/drawing/2014/main" id="{642619BF-D98C-42FE-8077-B8745D93F239}"/>
               </a:ext>
             </a:extLst>
           </p:cNvPr>
@@ -9394,7 +9394,7 @@
             <p:cNvPr id="131" name="TextBox 130">
               <a:extLst>
                 <a:ext uri="{FF2B5EF4-FFF2-40B4-BE49-F238E27FC236}">
-                  <a16:creationId xmlns:a16="http://schemas.microsoft.com/office/drawing/2014/main" xmlns="" id="{47D438D1-4A2C-457A-A675-A2FFD11F8FC1}"/>
+                  <a16:creationId xmlns="" xmlns:a16="http://schemas.microsoft.com/office/drawing/2014/main" id="{47D438D1-4A2C-457A-A675-A2FFD11F8FC1}"/>
                 </a:ext>
               </a:extLst>
             </p:cNvPr>
@@ -9468,7 +9468,7 @@
             <p:cNvPr id="132" name="TextBox 131">
               <a:extLst>
                 <a:ext uri="{FF2B5EF4-FFF2-40B4-BE49-F238E27FC236}">
-                  <a16:creationId xmlns:a16="http://schemas.microsoft.com/office/drawing/2014/main" xmlns="" id="{EFA98CF0-C7D5-4BB1-AE6B-892973EDC2B3}"/>
+                  <a16:creationId xmlns="" xmlns:a16="http://schemas.microsoft.com/office/drawing/2014/main" id="{EFA98CF0-C7D5-4BB1-AE6B-892973EDC2B3}"/>
                 </a:ext>
               </a:extLst>
             </p:cNvPr>
@@ -9509,7 +9509,7 @@
             <p:cNvPr id="133" name="TextBox 132">
               <a:extLst>
                 <a:ext uri="{FF2B5EF4-FFF2-40B4-BE49-F238E27FC236}">
-                  <a16:creationId xmlns:a16="http://schemas.microsoft.com/office/drawing/2014/main" xmlns="" id="{ADB9B462-21BE-4A91-8264-768F8688631E}"/>
+                  <a16:creationId xmlns="" xmlns:a16="http://schemas.microsoft.com/office/drawing/2014/main" id="{ADB9B462-21BE-4A91-8264-768F8688631E}"/>
                 </a:ext>
               </a:extLst>
             </p:cNvPr>
@@ -9551,7 +9551,7 @@
           <p:cNvPr id="134" name="Group 133">
             <a:extLst>
               <a:ext uri="{FF2B5EF4-FFF2-40B4-BE49-F238E27FC236}">
-                <a16:creationId xmlns:a16="http://schemas.microsoft.com/office/drawing/2014/main" xmlns="" id="{642619BF-D98C-42FE-8077-B8745D93F239}"/>
+                <a16:creationId xmlns="" xmlns:a16="http://schemas.microsoft.com/office/drawing/2014/main" id="{642619BF-D98C-42FE-8077-B8745D93F239}"/>
               </a:ext>
             </a:extLst>
           </p:cNvPr>
@@ -9571,7 +9571,7 @@
             <p:cNvPr id="135" name="TextBox 134">
               <a:extLst>
                 <a:ext uri="{FF2B5EF4-FFF2-40B4-BE49-F238E27FC236}">
-                  <a16:creationId xmlns:a16="http://schemas.microsoft.com/office/drawing/2014/main" xmlns="" id="{47D438D1-4A2C-457A-A675-A2FFD11F8FC1}"/>
+                  <a16:creationId xmlns="" xmlns:a16="http://schemas.microsoft.com/office/drawing/2014/main" id="{47D438D1-4A2C-457A-A675-A2FFD11F8FC1}"/>
                 </a:ext>
               </a:extLst>
             </p:cNvPr>
@@ -9636,7 +9636,7 @@
             <p:cNvPr id="136" name="TextBox 135">
               <a:extLst>
                 <a:ext uri="{FF2B5EF4-FFF2-40B4-BE49-F238E27FC236}">
-                  <a16:creationId xmlns:a16="http://schemas.microsoft.com/office/drawing/2014/main" xmlns="" id="{EFA98CF0-C7D5-4BB1-AE6B-892973EDC2B3}"/>
+                  <a16:creationId xmlns="" xmlns:a16="http://schemas.microsoft.com/office/drawing/2014/main" id="{EFA98CF0-C7D5-4BB1-AE6B-892973EDC2B3}"/>
                 </a:ext>
               </a:extLst>
             </p:cNvPr>
@@ -9677,7 +9677,7 @@
             <p:cNvPr id="137" name="TextBox 136">
               <a:extLst>
                 <a:ext uri="{FF2B5EF4-FFF2-40B4-BE49-F238E27FC236}">
-                  <a16:creationId xmlns:a16="http://schemas.microsoft.com/office/drawing/2014/main" xmlns="" id="{ADB9B462-21BE-4A91-8264-768F8688631E}"/>
+                  <a16:creationId xmlns="" xmlns:a16="http://schemas.microsoft.com/office/drawing/2014/main" id="{ADB9B462-21BE-4A91-8264-768F8688631E}"/>
                 </a:ext>
               </a:extLst>
             </p:cNvPr>
@@ -9719,7 +9719,7 @@
           <p:cNvPr id="142" name="Group 141">
             <a:extLst>
               <a:ext uri="{FF2B5EF4-FFF2-40B4-BE49-F238E27FC236}">
-                <a16:creationId xmlns:a16="http://schemas.microsoft.com/office/drawing/2014/main" xmlns="" id="{642619BF-D98C-42FE-8077-B8745D93F239}"/>
+                <a16:creationId xmlns="" xmlns:a16="http://schemas.microsoft.com/office/drawing/2014/main" id="{642619BF-D98C-42FE-8077-B8745D93F239}"/>
               </a:ext>
             </a:extLst>
           </p:cNvPr>
@@ -9739,7 +9739,7 @@
             <p:cNvPr id="143" name="TextBox 142">
               <a:extLst>
                 <a:ext uri="{FF2B5EF4-FFF2-40B4-BE49-F238E27FC236}">
-                  <a16:creationId xmlns:a16="http://schemas.microsoft.com/office/drawing/2014/main" xmlns="" id="{47D438D1-4A2C-457A-A675-A2FFD11F8FC1}"/>
+                  <a16:creationId xmlns="" xmlns:a16="http://schemas.microsoft.com/office/drawing/2014/main" id="{47D438D1-4A2C-457A-A675-A2FFD11F8FC1}"/>
                 </a:ext>
               </a:extLst>
             </p:cNvPr>
@@ -9795,7 +9795,7 @@
             <p:cNvPr id="144" name="TextBox 143">
               <a:extLst>
                 <a:ext uri="{FF2B5EF4-FFF2-40B4-BE49-F238E27FC236}">
-                  <a16:creationId xmlns:a16="http://schemas.microsoft.com/office/drawing/2014/main" xmlns="" id="{EFA98CF0-C7D5-4BB1-AE6B-892973EDC2B3}"/>
+                  <a16:creationId xmlns="" xmlns:a16="http://schemas.microsoft.com/office/drawing/2014/main" id="{EFA98CF0-C7D5-4BB1-AE6B-892973EDC2B3}"/>
                 </a:ext>
               </a:extLst>
             </p:cNvPr>
@@ -9836,7 +9836,7 @@
             <p:cNvPr id="145" name="TextBox 144">
               <a:extLst>
                 <a:ext uri="{FF2B5EF4-FFF2-40B4-BE49-F238E27FC236}">
-                  <a16:creationId xmlns:a16="http://schemas.microsoft.com/office/drawing/2014/main" xmlns="" id="{ADB9B462-21BE-4A91-8264-768F8688631E}"/>
+                  <a16:creationId xmlns="" xmlns:a16="http://schemas.microsoft.com/office/drawing/2014/main" id="{ADB9B462-21BE-4A91-8264-768F8688631E}"/>
                 </a:ext>
               </a:extLst>
             </p:cNvPr>
@@ -9926,7 +9926,7 @@
           <p:cNvPr id="72" name="Group 71">
             <a:extLst>
               <a:ext uri="{FF2B5EF4-FFF2-40B4-BE49-F238E27FC236}">
-                <a16:creationId xmlns:a16="http://schemas.microsoft.com/office/drawing/2014/main" xmlns="" id="{FFECBB9F-A6DA-4867-8BFF-1EB9CC0E78D3}"/>
+                <a16:creationId xmlns="" xmlns:a16="http://schemas.microsoft.com/office/drawing/2014/main" id="{FFECBB9F-A6DA-4867-8BFF-1EB9CC0E78D3}"/>
               </a:ext>
             </a:extLst>
           </p:cNvPr>
@@ -9946,7 +9946,7 @@
             <p:cNvPr id="73" name="Oval 72">
               <a:extLst>
                 <a:ext uri="{FF2B5EF4-FFF2-40B4-BE49-F238E27FC236}">
-                  <a16:creationId xmlns:a16="http://schemas.microsoft.com/office/drawing/2014/main" xmlns="" id="{758FFA05-60D3-49D7-AD33-70C14A462582}"/>
+                  <a16:creationId xmlns="" xmlns:a16="http://schemas.microsoft.com/office/drawing/2014/main" id="{758FFA05-60D3-49D7-AD33-70C14A462582}"/>
                 </a:ext>
               </a:extLst>
             </p:cNvPr>
@@ -9998,7 +9998,7 @@
             <p:cNvPr id="74" name="TextBox 73">
               <a:extLst>
                 <a:ext uri="{FF2B5EF4-FFF2-40B4-BE49-F238E27FC236}">
-                  <a16:creationId xmlns:a16="http://schemas.microsoft.com/office/drawing/2014/main" xmlns="" id="{6F674720-AA72-463C-A9F5-CC05A31FD455}"/>
+                  <a16:creationId xmlns="" xmlns:a16="http://schemas.microsoft.com/office/drawing/2014/main" id="{6F674720-AA72-463C-A9F5-CC05A31FD455}"/>
                 </a:ext>
               </a:extLst>
             </p:cNvPr>
@@ -10046,7 +10046,7 @@
           <p:cNvPr id="69" name="Group 68">
             <a:extLst>
               <a:ext uri="{FF2B5EF4-FFF2-40B4-BE49-F238E27FC236}">
-                <a16:creationId xmlns:a16="http://schemas.microsoft.com/office/drawing/2014/main" xmlns="" id="{FFECBB9F-A6DA-4867-8BFF-1EB9CC0E78D3}"/>
+                <a16:creationId xmlns="" xmlns:a16="http://schemas.microsoft.com/office/drawing/2014/main" id="{FFECBB9F-A6DA-4867-8BFF-1EB9CC0E78D3}"/>
               </a:ext>
             </a:extLst>
           </p:cNvPr>
@@ -10066,7 +10066,7 @@
             <p:cNvPr id="70" name="Oval 69">
               <a:extLst>
                 <a:ext uri="{FF2B5EF4-FFF2-40B4-BE49-F238E27FC236}">
-                  <a16:creationId xmlns:a16="http://schemas.microsoft.com/office/drawing/2014/main" xmlns="" id="{758FFA05-60D3-49D7-AD33-70C14A462582}"/>
+                  <a16:creationId xmlns="" xmlns:a16="http://schemas.microsoft.com/office/drawing/2014/main" id="{758FFA05-60D3-49D7-AD33-70C14A462582}"/>
                 </a:ext>
               </a:extLst>
             </p:cNvPr>
@@ -10118,7 +10118,7 @@
             <p:cNvPr id="71" name="TextBox 70">
               <a:extLst>
                 <a:ext uri="{FF2B5EF4-FFF2-40B4-BE49-F238E27FC236}">
-                  <a16:creationId xmlns:a16="http://schemas.microsoft.com/office/drawing/2014/main" xmlns="" id="{6F674720-AA72-463C-A9F5-CC05A31FD455}"/>
+                  <a16:creationId xmlns="" xmlns:a16="http://schemas.microsoft.com/office/drawing/2014/main" id="{6F674720-AA72-463C-A9F5-CC05A31FD455}"/>
                 </a:ext>
               </a:extLst>
             </p:cNvPr>
@@ -10186,7 +10186,7 @@
           <p:cNvPr id="85" name="Group 84">
             <a:extLst>
               <a:ext uri="{FF2B5EF4-FFF2-40B4-BE49-F238E27FC236}">
-                <a16:creationId xmlns:a16="http://schemas.microsoft.com/office/drawing/2014/main" xmlns="" id="{FFECBB9F-A6DA-4867-8BFF-1EB9CC0E78D3}"/>
+                <a16:creationId xmlns="" xmlns:a16="http://schemas.microsoft.com/office/drawing/2014/main" id="{FFECBB9F-A6DA-4867-8BFF-1EB9CC0E78D3}"/>
               </a:ext>
             </a:extLst>
           </p:cNvPr>
@@ -10206,7 +10206,7 @@
             <p:cNvPr id="90" name="Oval 89">
               <a:extLst>
                 <a:ext uri="{FF2B5EF4-FFF2-40B4-BE49-F238E27FC236}">
-                  <a16:creationId xmlns:a16="http://schemas.microsoft.com/office/drawing/2014/main" xmlns="" id="{758FFA05-60D3-49D7-AD33-70C14A462582}"/>
+                  <a16:creationId xmlns="" xmlns:a16="http://schemas.microsoft.com/office/drawing/2014/main" id="{758FFA05-60D3-49D7-AD33-70C14A462582}"/>
                 </a:ext>
               </a:extLst>
             </p:cNvPr>
@@ -10258,7 +10258,7 @@
             <p:cNvPr id="95" name="TextBox 94">
               <a:extLst>
                 <a:ext uri="{FF2B5EF4-FFF2-40B4-BE49-F238E27FC236}">
-                  <a16:creationId xmlns:a16="http://schemas.microsoft.com/office/drawing/2014/main" xmlns="" id="{6F674720-AA72-463C-A9F5-CC05A31FD455}"/>
+                  <a16:creationId xmlns="" xmlns:a16="http://schemas.microsoft.com/office/drawing/2014/main" id="{6F674720-AA72-463C-A9F5-CC05A31FD455}"/>
                 </a:ext>
               </a:extLst>
             </p:cNvPr>
@@ -10332,7 +10332,7 @@
           <p:cNvPr id="75" name="Group 74">
             <a:extLst>
               <a:ext uri="{FF2B5EF4-FFF2-40B4-BE49-F238E27FC236}">
-                <a16:creationId xmlns:a16="http://schemas.microsoft.com/office/drawing/2014/main" xmlns="" id="{FFECBB9F-A6DA-4867-8BFF-1EB9CC0E78D3}"/>
+                <a16:creationId xmlns="" xmlns:a16="http://schemas.microsoft.com/office/drawing/2014/main" id="{FFECBB9F-A6DA-4867-8BFF-1EB9CC0E78D3}"/>
               </a:ext>
             </a:extLst>
           </p:cNvPr>
@@ -10352,7 +10352,7 @@
             <p:cNvPr id="76" name="Oval 75">
               <a:extLst>
                 <a:ext uri="{FF2B5EF4-FFF2-40B4-BE49-F238E27FC236}">
-                  <a16:creationId xmlns:a16="http://schemas.microsoft.com/office/drawing/2014/main" xmlns="" id="{758FFA05-60D3-49D7-AD33-70C14A462582}"/>
+                  <a16:creationId xmlns="" xmlns:a16="http://schemas.microsoft.com/office/drawing/2014/main" id="{758FFA05-60D3-49D7-AD33-70C14A462582}"/>
                 </a:ext>
               </a:extLst>
             </p:cNvPr>
@@ -10404,7 +10404,7 @@
             <p:cNvPr id="77" name="TextBox 76">
               <a:extLst>
                 <a:ext uri="{FF2B5EF4-FFF2-40B4-BE49-F238E27FC236}">
-                  <a16:creationId xmlns:a16="http://schemas.microsoft.com/office/drawing/2014/main" xmlns="" id="{6F674720-AA72-463C-A9F5-CC05A31FD455}"/>
+                  <a16:creationId xmlns="" xmlns:a16="http://schemas.microsoft.com/office/drawing/2014/main" id="{6F674720-AA72-463C-A9F5-CC05A31FD455}"/>
                 </a:ext>
               </a:extLst>
             </p:cNvPr>
@@ -10450,7 +10450,7 @@
     </p:spTree>
     <p:extLst>
       <p:ext uri="{BB962C8B-B14F-4D97-AF65-F5344CB8AC3E}">
-        <p14:creationId xmlns:p14="http://schemas.microsoft.com/office/powerpoint/2010/main" xmlns="" val="1396948566"/>
+        <p14:creationId xmlns="" xmlns:p14="http://schemas.microsoft.com/office/powerpoint/2010/main" val="1396948566"/>
       </p:ext>
     </p:extLst>
   </p:cSld>
@@ -10458,7 +10458,7 @@
     <a:masterClrMapping/>
   </p:clrMapOvr>
   <mc:AlternateContent xmlns:mc="http://schemas.openxmlformats.org/markup-compatibility/2006">
-    <mc:Choice xmlns:p159="http://schemas.microsoft.com/office/powerpoint/2015/09/main" xmlns="" Requires="p159">
+    <mc:Choice xmlns="" xmlns:p159="http://schemas.microsoft.com/office/powerpoint/2015/09/main" Requires="p159">
       <p:transition spd="med">
         <p159:morph option="byObject"/>
       </p:transition>
@@ -11256,7 +11256,7 @@
           <p:cNvPr id="50" name="Group 49">
             <a:extLst>
               <a:ext uri="{FF2B5EF4-FFF2-40B4-BE49-F238E27FC236}">
-                <a16:creationId xmlns:a16="http://schemas.microsoft.com/office/drawing/2014/main" xmlns="" id="{038E6734-F7ED-4197-AE1C-DE222063D26D}"/>
+                <a16:creationId xmlns="" xmlns:a16="http://schemas.microsoft.com/office/drawing/2014/main" id="{038E6734-F7ED-4197-AE1C-DE222063D26D}"/>
               </a:ext>
             </a:extLst>
           </p:cNvPr>
@@ -11276,7 +11276,7 @@
             <p:cNvPr id="51" name="Rectangle 50">
               <a:extLst>
                 <a:ext uri="{FF2B5EF4-FFF2-40B4-BE49-F238E27FC236}">
-                  <a16:creationId xmlns:a16="http://schemas.microsoft.com/office/drawing/2014/main" xmlns="" id="{B7FF06C6-EDB2-4E2A-B33F-9667DAB48738}"/>
+                  <a16:creationId xmlns="" xmlns:a16="http://schemas.microsoft.com/office/drawing/2014/main" id="{B7FF06C6-EDB2-4E2A-B33F-9667DAB48738}"/>
                 </a:ext>
               </a:extLst>
             </p:cNvPr>
@@ -11337,7 +11337,7 @@
             <p:cNvPr id="52" name="Freeform: Shape 51">
               <a:extLst>
                 <a:ext uri="{FF2B5EF4-FFF2-40B4-BE49-F238E27FC236}">
-                  <a16:creationId xmlns:a16="http://schemas.microsoft.com/office/drawing/2014/main" xmlns="" id="{DD389168-73D4-4CCF-B806-15F4C9CFBC65}"/>
+                  <a16:creationId xmlns="" xmlns:a16="http://schemas.microsoft.com/office/drawing/2014/main" id="{DD389168-73D4-4CCF-B806-15F4C9CFBC65}"/>
                 </a:ext>
               </a:extLst>
             </p:cNvPr>
@@ -11444,7 +11444,7 @@
             <p:cNvPr id="53" name="TextBox 52">
               <a:extLst>
                 <a:ext uri="{FF2B5EF4-FFF2-40B4-BE49-F238E27FC236}">
-                  <a16:creationId xmlns:a16="http://schemas.microsoft.com/office/drawing/2014/main" xmlns="" id="{FD36EBE0-2C84-494E-9C0B-54A6EFA86DA6}"/>
+                  <a16:creationId xmlns="" xmlns:a16="http://schemas.microsoft.com/office/drawing/2014/main" id="{FD36EBE0-2C84-494E-9C0B-54A6EFA86DA6}"/>
                 </a:ext>
               </a:extLst>
             </p:cNvPr>
@@ -11485,7 +11485,7 @@
             <p:cNvPr id="54" name="Picture 53">
               <a:extLst>
                 <a:ext uri="{FF2B5EF4-FFF2-40B4-BE49-F238E27FC236}">
-                  <a16:creationId xmlns:a16="http://schemas.microsoft.com/office/drawing/2014/main" xmlns="" id="{FE3F6E56-804E-434E-AD42-D62A42CB3068}"/>
+                  <a16:creationId xmlns="" xmlns:a16="http://schemas.microsoft.com/office/drawing/2014/main" id="{FE3F6E56-804E-434E-AD42-D62A42CB3068}"/>
                 </a:ext>
               </a:extLst>
             </p:cNvPr>
@@ -11498,7 +11498,7 @@
             <a:blip r:embed="rId2" cstate="print">
               <a:extLst>
                 <a:ext uri="{28A0092B-C50C-407E-A947-70E740481C1C}">
-                  <a14:useLocalDpi xmlns:a14="http://schemas.microsoft.com/office/drawing/2010/main" xmlns="" val="0"/>
+                  <a14:useLocalDpi xmlns="" xmlns:a14="http://schemas.microsoft.com/office/drawing/2010/main" val="0"/>
                 </a:ext>
               </a:extLst>
             </a:blip>
@@ -11522,7 +11522,7 @@
           <p:cNvPr id="55" name="Group 54">
             <a:extLst>
               <a:ext uri="{FF2B5EF4-FFF2-40B4-BE49-F238E27FC236}">
-                <a16:creationId xmlns:a16="http://schemas.microsoft.com/office/drawing/2014/main" xmlns="" id="{208D727C-49D3-4C59-91D3-816C0DD22E21}"/>
+                <a16:creationId xmlns="" xmlns:a16="http://schemas.microsoft.com/office/drawing/2014/main" id="{208D727C-49D3-4C59-91D3-816C0DD22E21}"/>
               </a:ext>
             </a:extLst>
           </p:cNvPr>
@@ -11542,7 +11542,7 @@
             <p:cNvPr id="56" name="Rectangle 55">
               <a:extLst>
                 <a:ext uri="{FF2B5EF4-FFF2-40B4-BE49-F238E27FC236}">
-                  <a16:creationId xmlns:a16="http://schemas.microsoft.com/office/drawing/2014/main" xmlns="" id="{A369AF8C-7DC3-4D77-B3F1-5B8A444D2822}"/>
+                  <a16:creationId xmlns="" xmlns:a16="http://schemas.microsoft.com/office/drawing/2014/main" id="{A369AF8C-7DC3-4D77-B3F1-5B8A444D2822}"/>
                 </a:ext>
               </a:extLst>
             </p:cNvPr>
@@ -11603,7 +11603,7 @@
             <p:cNvPr id="57" name="Freeform: Shape 56">
               <a:extLst>
                 <a:ext uri="{FF2B5EF4-FFF2-40B4-BE49-F238E27FC236}">
-                  <a16:creationId xmlns:a16="http://schemas.microsoft.com/office/drawing/2014/main" xmlns="" id="{6A173B44-EE6F-4236-9AB2-49524EA553D7}"/>
+                  <a16:creationId xmlns="" xmlns:a16="http://schemas.microsoft.com/office/drawing/2014/main" id="{6A173B44-EE6F-4236-9AB2-49524EA553D7}"/>
                 </a:ext>
               </a:extLst>
             </p:cNvPr>
@@ -11710,7 +11710,7 @@
             <p:cNvPr id="58" name="TextBox 57">
               <a:extLst>
                 <a:ext uri="{FF2B5EF4-FFF2-40B4-BE49-F238E27FC236}">
-                  <a16:creationId xmlns:a16="http://schemas.microsoft.com/office/drawing/2014/main" xmlns="" id="{B40A12D7-9F13-43EC-95DE-B85ADBCAA6B6}"/>
+                  <a16:creationId xmlns="" xmlns:a16="http://schemas.microsoft.com/office/drawing/2014/main" id="{B40A12D7-9F13-43EC-95DE-B85ADBCAA6B6}"/>
                 </a:ext>
               </a:extLst>
             </p:cNvPr>
@@ -11757,7 +11757,7 @@
             <p:cNvPr id="59" name="Picture 58">
               <a:extLst>
                 <a:ext uri="{FF2B5EF4-FFF2-40B4-BE49-F238E27FC236}">
-                  <a16:creationId xmlns:a16="http://schemas.microsoft.com/office/drawing/2014/main" xmlns="" id="{BA271034-9DEF-432C-A1F3-B6470D255509}"/>
+                  <a16:creationId xmlns="" xmlns:a16="http://schemas.microsoft.com/office/drawing/2014/main" id="{BA271034-9DEF-432C-A1F3-B6470D255509}"/>
                 </a:ext>
               </a:extLst>
             </p:cNvPr>
@@ -11770,7 +11770,7 @@
             <a:blip r:embed="rId2" cstate="print">
               <a:extLst>
                 <a:ext uri="{28A0092B-C50C-407E-A947-70E740481C1C}">
-                  <a14:useLocalDpi xmlns:a14="http://schemas.microsoft.com/office/drawing/2010/main" xmlns="" val="0"/>
+                  <a14:useLocalDpi xmlns="" xmlns:a14="http://schemas.microsoft.com/office/drawing/2010/main" val="0"/>
                 </a:ext>
               </a:extLst>
             </a:blip>
@@ -11794,7 +11794,7 @@
           <p:cNvPr id="60" name="Group 59">
             <a:extLst>
               <a:ext uri="{FF2B5EF4-FFF2-40B4-BE49-F238E27FC236}">
-                <a16:creationId xmlns:a16="http://schemas.microsoft.com/office/drawing/2014/main" xmlns="" id="{7728BA24-99D1-4E44-98AC-50745A94AD6C}"/>
+                <a16:creationId xmlns="" xmlns:a16="http://schemas.microsoft.com/office/drawing/2014/main" id="{7728BA24-99D1-4E44-98AC-50745A94AD6C}"/>
               </a:ext>
             </a:extLst>
           </p:cNvPr>
@@ -11814,7 +11814,7 @@
             <p:cNvPr id="61" name="Rectangle 60">
               <a:extLst>
                 <a:ext uri="{FF2B5EF4-FFF2-40B4-BE49-F238E27FC236}">
-                  <a16:creationId xmlns:a16="http://schemas.microsoft.com/office/drawing/2014/main" xmlns="" id="{1079FD4E-778D-428A-B08F-1B97893971C7}"/>
+                  <a16:creationId xmlns="" xmlns:a16="http://schemas.microsoft.com/office/drawing/2014/main" id="{1079FD4E-778D-428A-B08F-1B97893971C7}"/>
                 </a:ext>
               </a:extLst>
             </p:cNvPr>
@@ -11875,7 +11875,7 @@
             <p:cNvPr id="62" name="Freeform: Shape 61">
               <a:extLst>
                 <a:ext uri="{FF2B5EF4-FFF2-40B4-BE49-F238E27FC236}">
-                  <a16:creationId xmlns:a16="http://schemas.microsoft.com/office/drawing/2014/main" xmlns="" id="{67DB4514-65BA-420D-BBB3-CCF0A5B397CB}"/>
+                  <a16:creationId xmlns="" xmlns:a16="http://schemas.microsoft.com/office/drawing/2014/main" id="{67DB4514-65BA-420D-BBB3-CCF0A5B397CB}"/>
                 </a:ext>
               </a:extLst>
             </p:cNvPr>
@@ -11982,7 +11982,7 @@
             <p:cNvPr id="63" name="TextBox 62">
               <a:extLst>
                 <a:ext uri="{FF2B5EF4-FFF2-40B4-BE49-F238E27FC236}">
-                  <a16:creationId xmlns:a16="http://schemas.microsoft.com/office/drawing/2014/main" xmlns="" id="{F86CE46E-7143-4535-BF09-36D36B082851}"/>
+                  <a16:creationId xmlns="" xmlns:a16="http://schemas.microsoft.com/office/drawing/2014/main" id="{F86CE46E-7143-4535-BF09-36D36B082851}"/>
                 </a:ext>
               </a:extLst>
             </p:cNvPr>
@@ -12029,7 +12029,7 @@
             <p:cNvPr id="64" name="Picture 63">
               <a:extLst>
                 <a:ext uri="{FF2B5EF4-FFF2-40B4-BE49-F238E27FC236}">
-                  <a16:creationId xmlns:a16="http://schemas.microsoft.com/office/drawing/2014/main" xmlns="" id="{4E9D2CC3-AE8C-4CF7-AC14-0BF3748D6313}"/>
+                  <a16:creationId xmlns="" xmlns:a16="http://schemas.microsoft.com/office/drawing/2014/main" id="{4E9D2CC3-AE8C-4CF7-AC14-0BF3748D6313}"/>
                 </a:ext>
               </a:extLst>
             </p:cNvPr>
@@ -12042,7 +12042,7 @@
             <a:blip r:embed="rId2" cstate="print">
               <a:extLst>
                 <a:ext uri="{28A0092B-C50C-407E-A947-70E740481C1C}">
-                  <a14:useLocalDpi xmlns:a14="http://schemas.microsoft.com/office/drawing/2010/main" xmlns="" val="0"/>
+                  <a14:useLocalDpi xmlns="" xmlns:a14="http://schemas.microsoft.com/office/drawing/2010/main" val="0"/>
                 </a:ext>
               </a:extLst>
             </a:blip>
@@ -12066,7 +12066,7 @@
           <p:cNvPr id="65" name="Group 64">
             <a:extLst>
               <a:ext uri="{FF2B5EF4-FFF2-40B4-BE49-F238E27FC236}">
-                <a16:creationId xmlns:a16="http://schemas.microsoft.com/office/drawing/2014/main" xmlns="" id="{2704DBF9-F2DF-4744-9CBE-8384BF790E0F}"/>
+                <a16:creationId xmlns="" xmlns:a16="http://schemas.microsoft.com/office/drawing/2014/main" id="{2704DBF9-F2DF-4744-9CBE-8384BF790E0F}"/>
               </a:ext>
             </a:extLst>
           </p:cNvPr>
@@ -12086,7 +12086,7 @@
             <p:cNvPr id="66" name="Rectangle 65">
               <a:extLst>
                 <a:ext uri="{FF2B5EF4-FFF2-40B4-BE49-F238E27FC236}">
-                  <a16:creationId xmlns:a16="http://schemas.microsoft.com/office/drawing/2014/main" xmlns="" id="{D409FCBC-490E-4134-BE82-9429CE5AB00A}"/>
+                  <a16:creationId xmlns="" xmlns:a16="http://schemas.microsoft.com/office/drawing/2014/main" id="{D409FCBC-490E-4134-BE82-9429CE5AB00A}"/>
                 </a:ext>
               </a:extLst>
             </p:cNvPr>
@@ -12147,7 +12147,7 @@
             <p:cNvPr id="67" name="Freeform: Shape 66">
               <a:extLst>
                 <a:ext uri="{FF2B5EF4-FFF2-40B4-BE49-F238E27FC236}">
-                  <a16:creationId xmlns:a16="http://schemas.microsoft.com/office/drawing/2014/main" xmlns="" id="{484E2370-4D03-4FD0-B29C-F763767296D4}"/>
+                  <a16:creationId xmlns="" xmlns:a16="http://schemas.microsoft.com/office/drawing/2014/main" id="{484E2370-4D03-4FD0-B29C-F763767296D4}"/>
                 </a:ext>
               </a:extLst>
             </p:cNvPr>
@@ -12254,7 +12254,7 @@
             <p:cNvPr id="68" name="TextBox 67">
               <a:extLst>
                 <a:ext uri="{FF2B5EF4-FFF2-40B4-BE49-F238E27FC236}">
-                  <a16:creationId xmlns:a16="http://schemas.microsoft.com/office/drawing/2014/main" xmlns="" id="{CE5F8F51-D3FD-42A1-8372-1B4B1B7C336A}"/>
+                  <a16:creationId xmlns="" xmlns:a16="http://schemas.microsoft.com/office/drawing/2014/main" id="{CE5F8F51-D3FD-42A1-8372-1B4B1B7C336A}"/>
                 </a:ext>
               </a:extLst>
             </p:cNvPr>
@@ -12301,7 +12301,7 @@
             <p:cNvPr id="69" name="Picture 68">
               <a:extLst>
                 <a:ext uri="{FF2B5EF4-FFF2-40B4-BE49-F238E27FC236}">
-                  <a16:creationId xmlns:a16="http://schemas.microsoft.com/office/drawing/2014/main" xmlns="" id="{05E43CA3-886C-4010-B3E2-837CCC6F5160}"/>
+                  <a16:creationId xmlns="" xmlns:a16="http://schemas.microsoft.com/office/drawing/2014/main" id="{05E43CA3-886C-4010-B3E2-837CCC6F5160}"/>
                 </a:ext>
               </a:extLst>
             </p:cNvPr>
@@ -12314,7 +12314,7 @@
             <a:blip r:embed="rId2" cstate="print">
               <a:extLst>
                 <a:ext uri="{28A0092B-C50C-407E-A947-70E740481C1C}">
-                  <a14:useLocalDpi xmlns:a14="http://schemas.microsoft.com/office/drawing/2010/main" xmlns="" val="0"/>
+                  <a14:useLocalDpi xmlns="" xmlns:a14="http://schemas.microsoft.com/office/drawing/2010/main" val="0"/>
                 </a:ext>
               </a:extLst>
             </a:blip>
@@ -12338,7 +12338,7 @@
           <p:cNvPr id="70" name="Rectangle 69">
             <a:extLst>
               <a:ext uri="{FF2B5EF4-FFF2-40B4-BE49-F238E27FC236}">
-                <a16:creationId xmlns:a16="http://schemas.microsoft.com/office/drawing/2014/main" xmlns="" id="{87E322DA-3D39-4A36-A521-33E75DDBFF71}"/>
+                <a16:creationId xmlns="" xmlns:a16="http://schemas.microsoft.com/office/drawing/2014/main" id="{87E322DA-3D39-4A36-A521-33E75DDBFF71}"/>
               </a:ext>
             </a:extLst>
           </p:cNvPr>
@@ -12399,7 +12399,7 @@
           <p:cNvPr id="71" name="Group 70">
             <a:extLst>
               <a:ext uri="{FF2B5EF4-FFF2-40B4-BE49-F238E27FC236}">
-                <a16:creationId xmlns:a16="http://schemas.microsoft.com/office/drawing/2014/main" xmlns="" id="{831F8BD9-F71B-4D2D-8A60-61BABDC384BB}"/>
+                <a16:creationId xmlns="" xmlns:a16="http://schemas.microsoft.com/office/drawing/2014/main" id="{831F8BD9-F71B-4D2D-8A60-61BABDC384BB}"/>
               </a:ext>
             </a:extLst>
           </p:cNvPr>
@@ -12419,7 +12419,7 @@
             <p:cNvPr id="72" name="Rectangle 71">
               <a:extLst>
                 <a:ext uri="{FF2B5EF4-FFF2-40B4-BE49-F238E27FC236}">
-                  <a16:creationId xmlns:a16="http://schemas.microsoft.com/office/drawing/2014/main" xmlns="" id="{B470067C-2D0B-4A65-B940-C052473E9422}"/>
+                  <a16:creationId xmlns="" xmlns:a16="http://schemas.microsoft.com/office/drawing/2014/main" id="{B470067C-2D0B-4A65-B940-C052473E9422}"/>
                 </a:ext>
               </a:extLst>
             </p:cNvPr>
@@ -12480,7 +12480,7 @@
             <p:cNvPr id="73" name="Freeform: Shape 72">
               <a:extLst>
                 <a:ext uri="{FF2B5EF4-FFF2-40B4-BE49-F238E27FC236}">
-                  <a16:creationId xmlns:a16="http://schemas.microsoft.com/office/drawing/2014/main" xmlns="" id="{66B5D93C-8112-48DA-975B-9DDD27DEADD9}"/>
+                  <a16:creationId xmlns="" xmlns:a16="http://schemas.microsoft.com/office/drawing/2014/main" id="{66B5D93C-8112-48DA-975B-9DDD27DEADD9}"/>
                 </a:ext>
               </a:extLst>
             </p:cNvPr>
@@ -12587,7 +12587,7 @@
             <p:cNvPr id="74" name="TextBox 73">
               <a:extLst>
                 <a:ext uri="{FF2B5EF4-FFF2-40B4-BE49-F238E27FC236}">
-                  <a16:creationId xmlns:a16="http://schemas.microsoft.com/office/drawing/2014/main" xmlns="" id="{6D3577A8-E9FC-43B7-B3E2-76EDDA51C160}"/>
+                  <a16:creationId xmlns="" xmlns:a16="http://schemas.microsoft.com/office/drawing/2014/main" id="{6D3577A8-E9FC-43B7-B3E2-76EDDA51C160}"/>
                 </a:ext>
               </a:extLst>
             </p:cNvPr>
@@ -12634,7 +12634,7 @@
             <p:cNvPr id="75" name="Picture 74">
               <a:extLst>
                 <a:ext uri="{FF2B5EF4-FFF2-40B4-BE49-F238E27FC236}">
-                  <a16:creationId xmlns:a16="http://schemas.microsoft.com/office/drawing/2014/main" xmlns="" id="{36FD3106-E967-44D6-AB4D-A0DA183F7CC8}"/>
+                  <a16:creationId xmlns="" xmlns:a16="http://schemas.microsoft.com/office/drawing/2014/main" id="{36FD3106-E967-44D6-AB4D-A0DA183F7CC8}"/>
                 </a:ext>
               </a:extLst>
             </p:cNvPr>
@@ -12647,7 +12647,7 @@
             <a:blip r:embed="rId2" cstate="print">
               <a:extLst>
                 <a:ext uri="{28A0092B-C50C-407E-A947-70E740481C1C}">
-                  <a14:useLocalDpi xmlns:a14="http://schemas.microsoft.com/office/drawing/2010/main" xmlns="" val="0"/>
+                  <a14:useLocalDpi xmlns="" xmlns:a14="http://schemas.microsoft.com/office/drawing/2010/main" val="0"/>
                 </a:ext>
               </a:extLst>
             </a:blip>
@@ -12671,7 +12671,7 @@
           <p:cNvPr id="76" name="Group 75">
             <a:extLst>
               <a:ext uri="{FF2B5EF4-FFF2-40B4-BE49-F238E27FC236}">
-                <a16:creationId xmlns:a16="http://schemas.microsoft.com/office/drawing/2014/main" xmlns="" id="{3E930874-288B-4537-8AA6-A601044D9580}"/>
+                <a16:creationId xmlns="" xmlns:a16="http://schemas.microsoft.com/office/drawing/2014/main" id="{3E930874-288B-4537-8AA6-A601044D9580}"/>
               </a:ext>
             </a:extLst>
           </p:cNvPr>
@@ -12691,7 +12691,7 @@
             <p:cNvPr id="77" name="Rectangle 76">
               <a:extLst>
                 <a:ext uri="{FF2B5EF4-FFF2-40B4-BE49-F238E27FC236}">
-                  <a16:creationId xmlns:a16="http://schemas.microsoft.com/office/drawing/2014/main" xmlns="" id="{225CDF0F-0FD1-40B0-BD29-F7D200A3A066}"/>
+                  <a16:creationId xmlns="" xmlns:a16="http://schemas.microsoft.com/office/drawing/2014/main" id="{225CDF0F-0FD1-40B0-BD29-F7D200A3A066}"/>
                 </a:ext>
               </a:extLst>
             </p:cNvPr>
@@ -12752,7 +12752,7 @@
             <p:cNvPr id="78" name="Freeform: Shape 77">
               <a:extLst>
                 <a:ext uri="{FF2B5EF4-FFF2-40B4-BE49-F238E27FC236}">
-                  <a16:creationId xmlns:a16="http://schemas.microsoft.com/office/drawing/2014/main" xmlns="" id="{A02216B9-43DC-4135-9F3E-7EFEAD2EB420}"/>
+                  <a16:creationId xmlns="" xmlns:a16="http://schemas.microsoft.com/office/drawing/2014/main" id="{A02216B9-43DC-4135-9F3E-7EFEAD2EB420}"/>
                 </a:ext>
               </a:extLst>
             </p:cNvPr>
@@ -12859,7 +12859,7 @@
             <p:cNvPr id="79" name="TextBox 78">
               <a:extLst>
                 <a:ext uri="{FF2B5EF4-FFF2-40B4-BE49-F238E27FC236}">
-                  <a16:creationId xmlns:a16="http://schemas.microsoft.com/office/drawing/2014/main" xmlns="" id="{37342E0B-2429-4B98-AF6A-1DB087CBDE83}"/>
+                  <a16:creationId xmlns="" xmlns:a16="http://schemas.microsoft.com/office/drawing/2014/main" id="{37342E0B-2429-4B98-AF6A-1DB087CBDE83}"/>
                 </a:ext>
               </a:extLst>
             </p:cNvPr>
@@ -12906,7 +12906,7 @@
             <p:cNvPr id="80" name="Picture 79">
               <a:extLst>
                 <a:ext uri="{FF2B5EF4-FFF2-40B4-BE49-F238E27FC236}">
-                  <a16:creationId xmlns:a16="http://schemas.microsoft.com/office/drawing/2014/main" xmlns="" id="{29879508-5AD7-4FE2-AD55-8AF69ECDBECE}"/>
+                  <a16:creationId xmlns="" xmlns:a16="http://schemas.microsoft.com/office/drawing/2014/main" id="{29879508-5AD7-4FE2-AD55-8AF69ECDBECE}"/>
                 </a:ext>
               </a:extLst>
             </p:cNvPr>
@@ -12919,7 +12919,7 @@
             <a:blip r:embed="rId2" cstate="print">
               <a:extLst>
                 <a:ext uri="{28A0092B-C50C-407E-A947-70E740481C1C}">
-                  <a14:useLocalDpi xmlns:a14="http://schemas.microsoft.com/office/drawing/2010/main" xmlns="" val="0"/>
+                  <a14:useLocalDpi xmlns="" xmlns:a14="http://schemas.microsoft.com/office/drawing/2010/main" val="0"/>
                 </a:ext>
               </a:extLst>
             </a:blip>
@@ -12943,7 +12943,7 @@
           <p:cNvPr id="96" name="Straight Connector 95">
             <a:extLst>
               <a:ext uri="{FF2B5EF4-FFF2-40B4-BE49-F238E27FC236}">
-                <a16:creationId xmlns:a16="http://schemas.microsoft.com/office/drawing/2014/main" xmlns="" id="{7277CEC9-24C9-4B1D-964A-A216786A7724}"/>
+                <a16:creationId xmlns="" xmlns:a16="http://schemas.microsoft.com/office/drawing/2014/main" id="{7277CEC9-24C9-4B1D-964A-A216786A7724}"/>
               </a:ext>
             </a:extLst>
           </p:cNvPr>
@@ -12986,7 +12986,7 @@
           <p:cNvPr id="97" name="Group 96">
             <a:extLst>
               <a:ext uri="{FF2B5EF4-FFF2-40B4-BE49-F238E27FC236}">
-                <a16:creationId xmlns:a16="http://schemas.microsoft.com/office/drawing/2014/main" xmlns="" id="{F1840EDE-DF70-433F-86FE-A402BC5C2DDE}"/>
+                <a16:creationId xmlns="" xmlns:a16="http://schemas.microsoft.com/office/drawing/2014/main" id="{F1840EDE-DF70-433F-86FE-A402BC5C2DDE}"/>
               </a:ext>
             </a:extLst>
           </p:cNvPr>
@@ -13006,7 +13006,7 @@
             <p:cNvPr id="98" name="Oval 97">
               <a:extLst>
                 <a:ext uri="{FF2B5EF4-FFF2-40B4-BE49-F238E27FC236}">
-                  <a16:creationId xmlns:a16="http://schemas.microsoft.com/office/drawing/2014/main" xmlns="" id="{43B84625-CD81-4477-AFEA-2D657FFA16C5}"/>
+                  <a16:creationId xmlns="" xmlns:a16="http://schemas.microsoft.com/office/drawing/2014/main" id="{43B84625-CD81-4477-AFEA-2D657FFA16C5}"/>
                 </a:ext>
               </a:extLst>
             </p:cNvPr>
@@ -13060,7 +13060,7 @@
             <p:cNvPr id="99" name="Oval 98">
               <a:extLst>
                 <a:ext uri="{FF2B5EF4-FFF2-40B4-BE49-F238E27FC236}">
-                  <a16:creationId xmlns:a16="http://schemas.microsoft.com/office/drawing/2014/main" xmlns="" id="{90BB5737-FB23-4CC2-81BC-52D57E7FB8E9}"/>
+                  <a16:creationId xmlns="" xmlns:a16="http://schemas.microsoft.com/office/drawing/2014/main" id="{90BB5737-FB23-4CC2-81BC-52D57E7FB8E9}"/>
                 </a:ext>
               </a:extLst>
             </p:cNvPr>
@@ -13113,7 +13113,7 @@
           <p:cNvPr id="100" name="Straight Connector 99">
             <a:extLst>
               <a:ext uri="{FF2B5EF4-FFF2-40B4-BE49-F238E27FC236}">
-                <a16:creationId xmlns:a16="http://schemas.microsoft.com/office/drawing/2014/main" xmlns="" id="{D5DAD85F-381F-4EA0-9781-3C23F8D9AC73}"/>
+                <a16:creationId xmlns="" xmlns:a16="http://schemas.microsoft.com/office/drawing/2014/main" id="{D5DAD85F-381F-4EA0-9781-3C23F8D9AC73}"/>
               </a:ext>
             </a:extLst>
           </p:cNvPr>
@@ -13156,7 +13156,7 @@
           <p:cNvPr id="101" name="Group 100">
             <a:extLst>
               <a:ext uri="{FF2B5EF4-FFF2-40B4-BE49-F238E27FC236}">
-                <a16:creationId xmlns:a16="http://schemas.microsoft.com/office/drawing/2014/main" xmlns="" id="{E76B67BC-401F-4EA8-8CBE-EEB8DFAA45A7}"/>
+                <a16:creationId xmlns="" xmlns:a16="http://schemas.microsoft.com/office/drawing/2014/main" id="{E76B67BC-401F-4EA8-8CBE-EEB8DFAA45A7}"/>
               </a:ext>
             </a:extLst>
           </p:cNvPr>
@@ -13176,7 +13176,7 @@
             <p:cNvPr id="102" name="Oval 101">
               <a:extLst>
                 <a:ext uri="{FF2B5EF4-FFF2-40B4-BE49-F238E27FC236}">
-                  <a16:creationId xmlns:a16="http://schemas.microsoft.com/office/drawing/2014/main" xmlns="" id="{A399A27A-C7E8-457C-9D90-A66A1BF1F76F}"/>
+                  <a16:creationId xmlns="" xmlns:a16="http://schemas.microsoft.com/office/drawing/2014/main" id="{A399A27A-C7E8-457C-9D90-A66A1BF1F76F}"/>
                 </a:ext>
               </a:extLst>
             </p:cNvPr>
@@ -13230,7 +13230,7 @@
             <p:cNvPr id="103" name="Oval 102">
               <a:extLst>
                 <a:ext uri="{FF2B5EF4-FFF2-40B4-BE49-F238E27FC236}">
-                  <a16:creationId xmlns:a16="http://schemas.microsoft.com/office/drawing/2014/main" xmlns="" id="{C4008114-54A1-42C2-9000-1CC3AE1D8927}"/>
+                  <a16:creationId xmlns="" xmlns:a16="http://schemas.microsoft.com/office/drawing/2014/main" id="{C4008114-54A1-42C2-9000-1CC3AE1D8927}"/>
                 </a:ext>
               </a:extLst>
             </p:cNvPr>
@@ -13283,7 +13283,7 @@
           <p:cNvPr id="104" name="Group 103">
             <a:extLst>
               <a:ext uri="{FF2B5EF4-FFF2-40B4-BE49-F238E27FC236}">
-                <a16:creationId xmlns:a16="http://schemas.microsoft.com/office/drawing/2014/main" xmlns="" id="{590AD362-84BB-49C7-8C91-CDB895729924}"/>
+                <a16:creationId xmlns="" xmlns:a16="http://schemas.microsoft.com/office/drawing/2014/main" id="{590AD362-84BB-49C7-8C91-CDB895729924}"/>
               </a:ext>
             </a:extLst>
           </p:cNvPr>
@@ -13303,7 +13303,7 @@
             <p:cNvPr id="105" name="Oval 104">
               <a:extLst>
                 <a:ext uri="{FF2B5EF4-FFF2-40B4-BE49-F238E27FC236}">
-                  <a16:creationId xmlns:a16="http://schemas.microsoft.com/office/drawing/2014/main" xmlns="" id="{A32FB427-F316-4459-B06D-2A2B27FC7053}"/>
+                  <a16:creationId xmlns="" xmlns:a16="http://schemas.microsoft.com/office/drawing/2014/main" id="{A32FB427-F316-4459-B06D-2A2B27FC7053}"/>
                 </a:ext>
               </a:extLst>
             </p:cNvPr>
@@ -13357,7 +13357,7 @@
             <p:cNvPr id="106" name="Oval 105">
               <a:extLst>
                 <a:ext uri="{FF2B5EF4-FFF2-40B4-BE49-F238E27FC236}">
-                  <a16:creationId xmlns:a16="http://schemas.microsoft.com/office/drawing/2014/main" xmlns="" id="{C35EF795-8B2D-4CD0-87FF-5756B089D921}"/>
+                  <a16:creationId xmlns="" xmlns:a16="http://schemas.microsoft.com/office/drawing/2014/main" id="{C35EF795-8B2D-4CD0-87FF-5756B089D921}"/>
                 </a:ext>
               </a:extLst>
             </p:cNvPr>
@@ -13410,7 +13410,7 @@
           <p:cNvPr id="107" name="Group 106">
             <a:extLst>
               <a:ext uri="{FF2B5EF4-FFF2-40B4-BE49-F238E27FC236}">
-                <a16:creationId xmlns:a16="http://schemas.microsoft.com/office/drawing/2014/main" xmlns="" id="{E9582EE9-5831-4F6F-B29E-0BEB719C4F1E}"/>
+                <a16:creationId xmlns="" xmlns:a16="http://schemas.microsoft.com/office/drawing/2014/main" id="{E9582EE9-5831-4F6F-B29E-0BEB719C4F1E}"/>
               </a:ext>
             </a:extLst>
           </p:cNvPr>
@@ -13430,7 +13430,7 @@
             <p:cNvPr id="108" name="TextBox 107">
               <a:extLst>
                 <a:ext uri="{FF2B5EF4-FFF2-40B4-BE49-F238E27FC236}">
-                  <a16:creationId xmlns:a16="http://schemas.microsoft.com/office/drawing/2014/main" xmlns="" id="{895C2AE9-E6EE-4572-8B9B-0A1C8899D6FE}"/>
+                  <a16:creationId xmlns="" xmlns:a16="http://schemas.microsoft.com/office/drawing/2014/main" id="{895C2AE9-E6EE-4572-8B9B-0A1C8899D6FE}"/>
                 </a:ext>
               </a:extLst>
             </p:cNvPr>
@@ -13483,7 +13483,7 @@
             <p:cNvPr id="109" name="TextBox 108">
               <a:extLst>
                 <a:ext uri="{FF2B5EF4-FFF2-40B4-BE49-F238E27FC236}">
-                  <a16:creationId xmlns:a16="http://schemas.microsoft.com/office/drawing/2014/main" xmlns="" id="{8DC71A93-B148-4A8B-B0CA-4AD086FE8D7B}"/>
+                  <a16:creationId xmlns="" xmlns:a16="http://schemas.microsoft.com/office/drawing/2014/main" id="{8DC71A93-B148-4A8B-B0CA-4AD086FE8D7B}"/>
                 </a:ext>
               </a:extLst>
             </p:cNvPr>
@@ -13558,7 +13558,7 @@
           <p:cNvPr id="110" name="TextBox 109">
             <a:extLst>
               <a:ext uri="{FF2B5EF4-FFF2-40B4-BE49-F238E27FC236}">
-                <a16:creationId xmlns:a16="http://schemas.microsoft.com/office/drawing/2014/main" xmlns="" id="{70B20FE2-BC47-4EB2-B7EA-CBE6F5B390D3}"/>
+                <a16:creationId xmlns="" xmlns:a16="http://schemas.microsoft.com/office/drawing/2014/main" id="{70B20FE2-BC47-4EB2-B7EA-CBE6F5B390D3}"/>
               </a:ext>
             </a:extLst>
           </p:cNvPr>
@@ -13605,7 +13605,7 @@
           <p:cNvPr id="111" name="Group 110">
             <a:extLst>
               <a:ext uri="{FF2B5EF4-FFF2-40B4-BE49-F238E27FC236}">
-                <a16:creationId xmlns:a16="http://schemas.microsoft.com/office/drawing/2014/main" xmlns="" id="{EEB19012-A13E-4E01-97E1-4BD9BE0B2C4A}"/>
+                <a16:creationId xmlns="" xmlns:a16="http://schemas.microsoft.com/office/drawing/2014/main" id="{EEB19012-A13E-4E01-97E1-4BD9BE0B2C4A}"/>
               </a:ext>
             </a:extLst>
           </p:cNvPr>
@@ -13625,7 +13625,7 @@
             <p:cNvPr id="112" name="TextBox 111">
               <a:extLst>
                 <a:ext uri="{FF2B5EF4-FFF2-40B4-BE49-F238E27FC236}">
-                  <a16:creationId xmlns:a16="http://schemas.microsoft.com/office/drawing/2014/main" xmlns="" id="{5FF83314-6443-4064-B8AD-715FDF38C0B1}"/>
+                  <a16:creationId xmlns="" xmlns:a16="http://schemas.microsoft.com/office/drawing/2014/main" id="{5FF83314-6443-4064-B8AD-715FDF38C0B1}"/>
                 </a:ext>
               </a:extLst>
             </p:cNvPr>
@@ -13678,7 +13678,7 @@
             <p:cNvPr id="113" name="TextBox 112">
               <a:extLst>
                 <a:ext uri="{FF2B5EF4-FFF2-40B4-BE49-F238E27FC236}">
-                  <a16:creationId xmlns:a16="http://schemas.microsoft.com/office/drawing/2014/main" xmlns="" id="{AFB0129A-D09E-4693-96AE-20F4A2C31E42}"/>
+                  <a16:creationId xmlns="" xmlns:a16="http://schemas.microsoft.com/office/drawing/2014/main" id="{AFB0129A-D09E-4693-96AE-20F4A2C31E42}"/>
                 </a:ext>
               </a:extLst>
             </p:cNvPr>
@@ -13753,7 +13753,7 @@
           <p:cNvPr id="114" name="TextBox 113">
             <a:extLst>
               <a:ext uri="{FF2B5EF4-FFF2-40B4-BE49-F238E27FC236}">
-                <a16:creationId xmlns:a16="http://schemas.microsoft.com/office/drawing/2014/main" xmlns="" id="{B58D17C2-3595-44AD-9D77-27C29A8030BC}"/>
+                <a16:creationId xmlns="" xmlns:a16="http://schemas.microsoft.com/office/drawing/2014/main" id="{B58D17C2-3595-44AD-9D77-27C29A8030BC}"/>
               </a:ext>
             </a:extLst>
           </p:cNvPr>
@@ -13800,7 +13800,7 @@
           <p:cNvPr id="115" name="Group 114">
             <a:extLst>
               <a:ext uri="{FF2B5EF4-FFF2-40B4-BE49-F238E27FC236}">
-                <a16:creationId xmlns:a16="http://schemas.microsoft.com/office/drawing/2014/main" xmlns="" id="{115D3786-3CB0-4D98-9C2D-11D4FBA5EAB9}"/>
+                <a16:creationId xmlns="" xmlns:a16="http://schemas.microsoft.com/office/drawing/2014/main" id="{115D3786-3CB0-4D98-9C2D-11D4FBA5EAB9}"/>
               </a:ext>
             </a:extLst>
           </p:cNvPr>
@@ -13820,7 +13820,7 @@
             <p:cNvPr id="116" name="TextBox 115">
               <a:extLst>
                 <a:ext uri="{FF2B5EF4-FFF2-40B4-BE49-F238E27FC236}">
-                  <a16:creationId xmlns:a16="http://schemas.microsoft.com/office/drawing/2014/main" xmlns="" id="{572131EC-94E6-4982-85F7-903D6FA72171}"/>
+                  <a16:creationId xmlns="" xmlns:a16="http://schemas.microsoft.com/office/drawing/2014/main" id="{572131EC-94E6-4982-85F7-903D6FA72171}"/>
                 </a:ext>
               </a:extLst>
             </p:cNvPr>
@@ -13873,7 +13873,7 @@
             <p:cNvPr id="117" name="TextBox 116">
               <a:extLst>
                 <a:ext uri="{FF2B5EF4-FFF2-40B4-BE49-F238E27FC236}">
-                  <a16:creationId xmlns:a16="http://schemas.microsoft.com/office/drawing/2014/main" xmlns="" id="{B60C2261-B057-44FB-B300-F0F52E3F90C0}"/>
+                  <a16:creationId xmlns="" xmlns:a16="http://schemas.microsoft.com/office/drawing/2014/main" id="{B60C2261-B057-44FB-B300-F0F52E3F90C0}"/>
                 </a:ext>
               </a:extLst>
             </p:cNvPr>
@@ -13960,7 +13960,7 @@
           <p:cNvPr id="118" name="TextBox 117">
             <a:extLst>
               <a:ext uri="{FF2B5EF4-FFF2-40B4-BE49-F238E27FC236}">
-                <a16:creationId xmlns:a16="http://schemas.microsoft.com/office/drawing/2014/main" xmlns="" id="{D8562F22-E78F-4DD5-9BBD-EEAB69C0B365}"/>
+                <a16:creationId xmlns="" xmlns:a16="http://schemas.microsoft.com/office/drawing/2014/main" id="{D8562F22-E78F-4DD5-9BBD-EEAB69C0B365}"/>
               </a:ext>
             </a:extLst>
           </p:cNvPr>
@@ -14007,7 +14007,7 @@
           <p:cNvPr id="2" name="Group 1">
             <a:extLst>
               <a:ext uri="{FF2B5EF4-FFF2-40B4-BE49-F238E27FC236}">
-                <a16:creationId xmlns:a16="http://schemas.microsoft.com/office/drawing/2014/main" xmlns="" id="{711450F4-A7BD-494E-BD71-C6C5EB8D03D1}"/>
+                <a16:creationId xmlns="" xmlns:a16="http://schemas.microsoft.com/office/drawing/2014/main" id="{711450F4-A7BD-494E-BD71-C6C5EB8D03D1}"/>
               </a:ext>
             </a:extLst>
           </p:cNvPr>
@@ -14027,7 +14027,7 @@
             <p:cNvPr id="120" name="Teardrop 119">
               <a:extLst>
                 <a:ext uri="{FF2B5EF4-FFF2-40B4-BE49-F238E27FC236}">
-                  <a16:creationId xmlns:a16="http://schemas.microsoft.com/office/drawing/2014/main" xmlns="" id="{5E489B47-B2BB-4EFB-8EC4-21C10615E463}"/>
+                  <a16:creationId xmlns="" xmlns:a16="http://schemas.microsoft.com/office/drawing/2014/main" id="{5E489B47-B2BB-4EFB-8EC4-21C10615E463}"/>
                 </a:ext>
               </a:extLst>
             </p:cNvPr>
@@ -14081,7 +14081,7 @@
             <p:cNvPr id="121" name="Oval 120">
               <a:extLst>
                 <a:ext uri="{FF2B5EF4-FFF2-40B4-BE49-F238E27FC236}">
-                  <a16:creationId xmlns:a16="http://schemas.microsoft.com/office/drawing/2014/main" xmlns="" id="{862B435C-D1B2-4C1C-B995-8D888E87C5D7}"/>
+                  <a16:creationId xmlns="" xmlns:a16="http://schemas.microsoft.com/office/drawing/2014/main" id="{862B435C-D1B2-4C1C-B995-8D888E87C5D7}"/>
                 </a:ext>
               </a:extLst>
             </p:cNvPr>
@@ -14133,7 +14133,7 @@
             <p:cNvPr id="131" name="Picture 130">
               <a:extLst>
                 <a:ext uri="{FF2B5EF4-FFF2-40B4-BE49-F238E27FC236}">
-                  <a16:creationId xmlns:a16="http://schemas.microsoft.com/office/drawing/2014/main" xmlns="" id="{262C0D94-FE17-421D-AA32-BD4AFE13E66E}"/>
+                  <a16:creationId xmlns="" xmlns:a16="http://schemas.microsoft.com/office/drawing/2014/main" id="{262C0D94-FE17-421D-AA32-BD4AFE13E66E}"/>
                 </a:ext>
               </a:extLst>
             </p:cNvPr>
@@ -14146,7 +14146,7 @@
             <a:blip r:embed="rId3">
               <a:extLst>
                 <a:ext uri="{28A0092B-C50C-407E-A947-70E740481C1C}">
-                  <a14:useLocalDpi xmlns:a14="http://schemas.microsoft.com/office/drawing/2010/main" xmlns="" val="0"/>
+                  <a14:useLocalDpi xmlns="" xmlns:a14="http://schemas.microsoft.com/office/drawing/2010/main" val="0"/>
                 </a:ext>
               </a:extLst>
             </a:blip>
@@ -14170,7 +14170,7 @@
           <p:cNvPr id="3" name="Group 2">
             <a:extLst>
               <a:ext uri="{FF2B5EF4-FFF2-40B4-BE49-F238E27FC236}">
-                <a16:creationId xmlns:a16="http://schemas.microsoft.com/office/drawing/2014/main" xmlns="" id="{191C1607-C8B7-4B99-9DC5-3321A9E92D49}"/>
+                <a16:creationId xmlns="" xmlns:a16="http://schemas.microsoft.com/office/drawing/2014/main" id="{191C1607-C8B7-4B99-9DC5-3321A9E92D49}"/>
               </a:ext>
             </a:extLst>
           </p:cNvPr>
@@ -14190,7 +14190,7 @@
             <p:cNvPr id="124" name="Teardrop 123">
               <a:extLst>
                 <a:ext uri="{FF2B5EF4-FFF2-40B4-BE49-F238E27FC236}">
-                  <a16:creationId xmlns:a16="http://schemas.microsoft.com/office/drawing/2014/main" xmlns="" id="{A44D7BEA-70F0-4773-A72C-A5B9951D3536}"/>
+                  <a16:creationId xmlns="" xmlns:a16="http://schemas.microsoft.com/office/drawing/2014/main" id="{A44D7BEA-70F0-4773-A72C-A5B9951D3536}"/>
                 </a:ext>
               </a:extLst>
             </p:cNvPr>
@@ -14244,7 +14244,7 @@
             <p:cNvPr id="125" name="Oval 124">
               <a:extLst>
                 <a:ext uri="{FF2B5EF4-FFF2-40B4-BE49-F238E27FC236}">
-                  <a16:creationId xmlns:a16="http://schemas.microsoft.com/office/drawing/2014/main" xmlns="" id="{1431DABB-47B8-4640-BD39-9CC7E2CDA115}"/>
+                  <a16:creationId xmlns="" xmlns:a16="http://schemas.microsoft.com/office/drawing/2014/main" id="{1431DABB-47B8-4640-BD39-9CC7E2CDA115}"/>
                 </a:ext>
               </a:extLst>
             </p:cNvPr>
@@ -14296,7 +14296,7 @@
             <p:cNvPr id="132" name="Picture 131">
               <a:extLst>
                 <a:ext uri="{FF2B5EF4-FFF2-40B4-BE49-F238E27FC236}">
-                  <a16:creationId xmlns:a16="http://schemas.microsoft.com/office/drawing/2014/main" xmlns="" id="{B5EEDA48-5891-495E-A9A5-8AEE839470AC}"/>
+                  <a16:creationId xmlns="" xmlns:a16="http://schemas.microsoft.com/office/drawing/2014/main" id="{B5EEDA48-5891-495E-A9A5-8AEE839470AC}"/>
                 </a:ext>
               </a:extLst>
             </p:cNvPr>
@@ -14309,7 +14309,7 @@
             <a:blip r:embed="rId4">
               <a:extLst>
                 <a:ext uri="{28A0092B-C50C-407E-A947-70E740481C1C}">
-                  <a14:useLocalDpi xmlns:a14="http://schemas.microsoft.com/office/drawing/2010/main" xmlns="" val="0"/>
+                  <a14:useLocalDpi xmlns="" xmlns:a14="http://schemas.microsoft.com/office/drawing/2010/main" val="0"/>
                 </a:ext>
               </a:extLst>
             </a:blip>
@@ -14333,7 +14333,7 @@
           <p:cNvPr id="4" name="Group 3">
             <a:extLst>
               <a:ext uri="{FF2B5EF4-FFF2-40B4-BE49-F238E27FC236}">
-                <a16:creationId xmlns:a16="http://schemas.microsoft.com/office/drawing/2014/main" xmlns="" id="{FA807BE1-996E-4364-AC05-CAC8C826377C}"/>
+                <a16:creationId xmlns="" xmlns:a16="http://schemas.microsoft.com/office/drawing/2014/main" id="{FA807BE1-996E-4364-AC05-CAC8C826377C}"/>
               </a:ext>
             </a:extLst>
           </p:cNvPr>
@@ -14353,7 +14353,7 @@
             <p:cNvPr id="128" name="Teardrop 127">
               <a:extLst>
                 <a:ext uri="{FF2B5EF4-FFF2-40B4-BE49-F238E27FC236}">
-                  <a16:creationId xmlns:a16="http://schemas.microsoft.com/office/drawing/2014/main" xmlns="" id="{76257F1B-992C-4717-A6A2-EDE25A4F31C3}"/>
+                  <a16:creationId xmlns="" xmlns:a16="http://schemas.microsoft.com/office/drawing/2014/main" id="{76257F1B-992C-4717-A6A2-EDE25A4F31C3}"/>
                 </a:ext>
               </a:extLst>
             </p:cNvPr>
@@ -14407,7 +14407,7 @@
             <p:cNvPr id="129" name="Oval 128">
               <a:extLst>
                 <a:ext uri="{FF2B5EF4-FFF2-40B4-BE49-F238E27FC236}">
-                  <a16:creationId xmlns:a16="http://schemas.microsoft.com/office/drawing/2014/main" xmlns="" id="{CBB174F9-BA66-486F-BC62-F2720CED100C}"/>
+                  <a16:creationId xmlns="" xmlns:a16="http://schemas.microsoft.com/office/drawing/2014/main" id="{CBB174F9-BA66-486F-BC62-F2720CED100C}"/>
                 </a:ext>
               </a:extLst>
             </p:cNvPr>
@@ -14459,7 +14459,7 @@
             <p:cNvPr id="133" name="Picture 132">
               <a:extLst>
                 <a:ext uri="{FF2B5EF4-FFF2-40B4-BE49-F238E27FC236}">
-                  <a16:creationId xmlns:a16="http://schemas.microsoft.com/office/drawing/2014/main" xmlns="" id="{58BE45EE-A44E-41D8-8C13-099C1F70EFC4}"/>
+                  <a16:creationId xmlns="" xmlns:a16="http://schemas.microsoft.com/office/drawing/2014/main" id="{58BE45EE-A44E-41D8-8C13-099C1F70EFC4}"/>
                 </a:ext>
               </a:extLst>
             </p:cNvPr>
@@ -14472,7 +14472,7 @@
             <a:blip r:embed="rId5">
               <a:extLst>
                 <a:ext uri="{28A0092B-C50C-407E-A947-70E740481C1C}">
-                  <a14:useLocalDpi xmlns:a14="http://schemas.microsoft.com/office/drawing/2010/main" xmlns="" val="0"/>
+                  <a14:useLocalDpi xmlns="" xmlns:a14="http://schemas.microsoft.com/office/drawing/2010/main" val="0"/>
                 </a:ext>
               </a:extLst>
             </a:blip>
@@ -14496,7 +14496,7 @@
           <p:cNvPr id="85" name="TextBox 84">
             <a:extLst>
               <a:ext uri="{FF2B5EF4-FFF2-40B4-BE49-F238E27FC236}">
-                <a16:creationId xmlns:a16="http://schemas.microsoft.com/office/drawing/2014/main" xmlns="" id="{895C2AE9-E6EE-4572-8B9B-0A1C8899D6FE}"/>
+                <a16:creationId xmlns="" xmlns:a16="http://schemas.microsoft.com/office/drawing/2014/main" id="{895C2AE9-E6EE-4572-8B9B-0A1C8899D6FE}"/>
               </a:ext>
             </a:extLst>
           </p:cNvPr>
@@ -14546,7 +14546,7 @@
     </p:spTree>
     <p:extLst>
       <p:ext uri="{BB962C8B-B14F-4D97-AF65-F5344CB8AC3E}">
-        <p14:creationId xmlns:p14="http://schemas.microsoft.com/office/powerpoint/2010/main" xmlns="" val="2624499212"/>
+        <p14:creationId xmlns="" xmlns:p14="http://schemas.microsoft.com/office/powerpoint/2010/main" val="2624499212"/>
       </p:ext>
     </p:extLst>
   </p:cSld>
@@ -15793,7 +15793,7 @@
           <p:cNvPr id="2" name="Group 49">
             <a:extLst>
               <a:ext uri="{FF2B5EF4-FFF2-40B4-BE49-F238E27FC236}">
-                <a16:creationId xmlns:a16="http://schemas.microsoft.com/office/drawing/2014/main" xmlns="" id="{10781169-B7A4-446E-BD33-B9650367A7F9}"/>
+                <a16:creationId xmlns="" xmlns:a16="http://schemas.microsoft.com/office/drawing/2014/main" id="{10781169-B7A4-446E-BD33-B9650367A7F9}"/>
               </a:ext>
             </a:extLst>
           </p:cNvPr>
@@ -15813,7 +15813,7 @@
             <p:cNvPr id="51" name="Rectangle 50">
               <a:extLst>
                 <a:ext uri="{FF2B5EF4-FFF2-40B4-BE49-F238E27FC236}">
-                  <a16:creationId xmlns:a16="http://schemas.microsoft.com/office/drawing/2014/main" xmlns="" id="{CED3AF08-30FC-4AFF-9C5C-99D0A7099514}"/>
+                  <a16:creationId xmlns="" xmlns:a16="http://schemas.microsoft.com/office/drawing/2014/main" id="{CED3AF08-30FC-4AFF-9C5C-99D0A7099514}"/>
                 </a:ext>
               </a:extLst>
             </p:cNvPr>
@@ -15874,7 +15874,7 @@
             <p:cNvPr id="52" name="Freeform: Shape 51">
               <a:extLst>
                 <a:ext uri="{FF2B5EF4-FFF2-40B4-BE49-F238E27FC236}">
-                  <a16:creationId xmlns:a16="http://schemas.microsoft.com/office/drawing/2014/main" xmlns="" id="{99AF1FBA-9557-484A-B305-EE590A192E96}"/>
+                  <a16:creationId xmlns="" xmlns:a16="http://schemas.microsoft.com/office/drawing/2014/main" id="{99AF1FBA-9557-484A-B305-EE590A192E96}"/>
                 </a:ext>
               </a:extLst>
             </p:cNvPr>
@@ -15981,7 +15981,7 @@
             <p:cNvPr id="53" name="TextBox 52">
               <a:extLst>
                 <a:ext uri="{FF2B5EF4-FFF2-40B4-BE49-F238E27FC236}">
-                  <a16:creationId xmlns:a16="http://schemas.microsoft.com/office/drawing/2014/main" xmlns="" id="{407E3AA2-679E-4924-AC1B-FE6C3A02C251}"/>
+                  <a16:creationId xmlns="" xmlns:a16="http://schemas.microsoft.com/office/drawing/2014/main" id="{407E3AA2-679E-4924-AC1B-FE6C3A02C251}"/>
                 </a:ext>
               </a:extLst>
             </p:cNvPr>
@@ -16022,7 +16022,7 @@
             <p:cNvPr id="54" name="Picture 53">
               <a:extLst>
                 <a:ext uri="{FF2B5EF4-FFF2-40B4-BE49-F238E27FC236}">
-                  <a16:creationId xmlns:a16="http://schemas.microsoft.com/office/drawing/2014/main" xmlns="" id="{CD9846FC-755F-4A0E-BAD3-A5D51C0E1EBE}"/>
+                  <a16:creationId xmlns="" xmlns:a16="http://schemas.microsoft.com/office/drawing/2014/main" id="{CD9846FC-755F-4A0E-BAD3-A5D51C0E1EBE}"/>
                 </a:ext>
               </a:extLst>
             </p:cNvPr>
@@ -16035,7 +16035,7 @@
             <a:blip r:embed="rId2" cstate="print">
               <a:extLst>
                 <a:ext uri="{28A0092B-C50C-407E-A947-70E740481C1C}">
-                  <a14:useLocalDpi xmlns:a14="http://schemas.microsoft.com/office/drawing/2010/main" xmlns="" val="0"/>
+                  <a14:useLocalDpi xmlns="" xmlns:a14="http://schemas.microsoft.com/office/drawing/2010/main" val="0"/>
                 </a:ext>
               </a:extLst>
             </a:blip>
@@ -16059,7 +16059,7 @@
           <p:cNvPr id="3" name="Group 54">
             <a:extLst>
               <a:ext uri="{FF2B5EF4-FFF2-40B4-BE49-F238E27FC236}">
-                <a16:creationId xmlns:a16="http://schemas.microsoft.com/office/drawing/2014/main" xmlns="" id="{F00A67C9-4929-4EFF-9CB6-292640CD2738}"/>
+                <a16:creationId xmlns="" xmlns:a16="http://schemas.microsoft.com/office/drawing/2014/main" id="{F00A67C9-4929-4EFF-9CB6-292640CD2738}"/>
               </a:ext>
             </a:extLst>
           </p:cNvPr>
@@ -16079,7 +16079,7 @@
             <p:cNvPr id="56" name="Rectangle 55">
               <a:extLst>
                 <a:ext uri="{FF2B5EF4-FFF2-40B4-BE49-F238E27FC236}">
-                  <a16:creationId xmlns:a16="http://schemas.microsoft.com/office/drawing/2014/main" xmlns="" id="{3E8CDB02-4760-4298-BC44-93A18EB02F13}"/>
+                  <a16:creationId xmlns="" xmlns:a16="http://schemas.microsoft.com/office/drawing/2014/main" id="{3E8CDB02-4760-4298-BC44-93A18EB02F13}"/>
                 </a:ext>
               </a:extLst>
             </p:cNvPr>
@@ -16140,7 +16140,7 @@
             <p:cNvPr id="57" name="Freeform: Shape 56">
               <a:extLst>
                 <a:ext uri="{FF2B5EF4-FFF2-40B4-BE49-F238E27FC236}">
-                  <a16:creationId xmlns:a16="http://schemas.microsoft.com/office/drawing/2014/main" xmlns="" id="{57C0FD50-5E69-463E-A01B-65E9D864A386}"/>
+                  <a16:creationId xmlns="" xmlns:a16="http://schemas.microsoft.com/office/drawing/2014/main" id="{57C0FD50-5E69-463E-A01B-65E9D864A386}"/>
                 </a:ext>
               </a:extLst>
             </p:cNvPr>
@@ -16247,7 +16247,7 @@
             <p:cNvPr id="58" name="TextBox 57">
               <a:extLst>
                 <a:ext uri="{FF2B5EF4-FFF2-40B4-BE49-F238E27FC236}">
-                  <a16:creationId xmlns:a16="http://schemas.microsoft.com/office/drawing/2014/main" xmlns="" id="{04CBFB1D-37FD-419F-B98C-860BF5217905}"/>
+                  <a16:creationId xmlns="" xmlns:a16="http://schemas.microsoft.com/office/drawing/2014/main" id="{04CBFB1D-37FD-419F-B98C-860BF5217905}"/>
                 </a:ext>
               </a:extLst>
             </p:cNvPr>
@@ -16288,7 +16288,7 @@
             <p:cNvPr id="59" name="Picture 58">
               <a:extLst>
                 <a:ext uri="{FF2B5EF4-FFF2-40B4-BE49-F238E27FC236}">
-                  <a16:creationId xmlns:a16="http://schemas.microsoft.com/office/drawing/2014/main" xmlns="" id="{60B383F7-52C5-4FB7-AEC3-35A48D7354A0}"/>
+                  <a16:creationId xmlns="" xmlns:a16="http://schemas.microsoft.com/office/drawing/2014/main" id="{60B383F7-52C5-4FB7-AEC3-35A48D7354A0}"/>
                 </a:ext>
               </a:extLst>
             </p:cNvPr>
@@ -16301,7 +16301,7 @@
             <a:blip r:embed="rId2" cstate="print">
               <a:extLst>
                 <a:ext uri="{28A0092B-C50C-407E-A947-70E740481C1C}">
-                  <a14:useLocalDpi xmlns:a14="http://schemas.microsoft.com/office/drawing/2010/main" xmlns="" val="0"/>
+                  <a14:useLocalDpi xmlns="" xmlns:a14="http://schemas.microsoft.com/office/drawing/2010/main" val="0"/>
                 </a:ext>
               </a:extLst>
             </a:blip>
@@ -16325,7 +16325,7 @@
           <p:cNvPr id="4" name="Group 59">
             <a:extLst>
               <a:ext uri="{FF2B5EF4-FFF2-40B4-BE49-F238E27FC236}">
-                <a16:creationId xmlns:a16="http://schemas.microsoft.com/office/drawing/2014/main" xmlns="" id="{6F7667A6-1C16-4F0A-A162-61BD16E6BE6B}"/>
+                <a16:creationId xmlns="" xmlns:a16="http://schemas.microsoft.com/office/drawing/2014/main" id="{6F7667A6-1C16-4F0A-A162-61BD16E6BE6B}"/>
               </a:ext>
             </a:extLst>
           </p:cNvPr>
@@ -16345,7 +16345,7 @@
             <p:cNvPr id="61" name="Rectangle 60">
               <a:extLst>
                 <a:ext uri="{FF2B5EF4-FFF2-40B4-BE49-F238E27FC236}">
-                  <a16:creationId xmlns:a16="http://schemas.microsoft.com/office/drawing/2014/main" xmlns="" id="{0E8C29A9-4AAB-442C-A7A4-40DCCE0A9694}"/>
+                  <a16:creationId xmlns="" xmlns:a16="http://schemas.microsoft.com/office/drawing/2014/main" id="{0E8C29A9-4AAB-442C-A7A4-40DCCE0A9694}"/>
                 </a:ext>
               </a:extLst>
             </p:cNvPr>
@@ -16406,7 +16406,7 @@
             <p:cNvPr id="62" name="Freeform: Shape 61">
               <a:extLst>
                 <a:ext uri="{FF2B5EF4-FFF2-40B4-BE49-F238E27FC236}">
-                  <a16:creationId xmlns:a16="http://schemas.microsoft.com/office/drawing/2014/main" xmlns="" id="{81520FE7-5699-4290-9C3C-51E0C60ECC6B}"/>
+                  <a16:creationId xmlns="" xmlns:a16="http://schemas.microsoft.com/office/drawing/2014/main" id="{81520FE7-5699-4290-9C3C-51E0C60ECC6B}"/>
                 </a:ext>
               </a:extLst>
             </p:cNvPr>
@@ -16513,7 +16513,7 @@
             <p:cNvPr id="63" name="TextBox 62">
               <a:extLst>
                 <a:ext uri="{FF2B5EF4-FFF2-40B4-BE49-F238E27FC236}">
-                  <a16:creationId xmlns:a16="http://schemas.microsoft.com/office/drawing/2014/main" xmlns="" id="{AFD50D6F-822B-4109-8B0C-BA004A0B7145}"/>
+                  <a16:creationId xmlns="" xmlns:a16="http://schemas.microsoft.com/office/drawing/2014/main" id="{AFD50D6F-822B-4109-8B0C-BA004A0B7145}"/>
                 </a:ext>
               </a:extLst>
             </p:cNvPr>
@@ -16560,7 +16560,7 @@
             <p:cNvPr id="64" name="Picture 63">
               <a:extLst>
                 <a:ext uri="{FF2B5EF4-FFF2-40B4-BE49-F238E27FC236}">
-                  <a16:creationId xmlns:a16="http://schemas.microsoft.com/office/drawing/2014/main" xmlns="" id="{0376C61F-147B-441E-B32E-45D5BC1B66B5}"/>
+                  <a16:creationId xmlns="" xmlns:a16="http://schemas.microsoft.com/office/drawing/2014/main" id="{0376C61F-147B-441E-B32E-45D5BC1B66B5}"/>
                 </a:ext>
               </a:extLst>
             </p:cNvPr>
@@ -16573,7 +16573,7 @@
             <a:blip r:embed="rId2" cstate="print">
               <a:extLst>
                 <a:ext uri="{28A0092B-C50C-407E-A947-70E740481C1C}">
-                  <a14:useLocalDpi xmlns:a14="http://schemas.microsoft.com/office/drawing/2010/main" xmlns="" val="0"/>
+                  <a14:useLocalDpi xmlns="" xmlns:a14="http://schemas.microsoft.com/office/drawing/2010/main" val="0"/>
                 </a:ext>
               </a:extLst>
             </a:blip>
@@ -16597,7 +16597,7 @@
           <p:cNvPr id="70" name="Rectangle 69">
             <a:extLst>
               <a:ext uri="{FF2B5EF4-FFF2-40B4-BE49-F238E27FC236}">
-                <a16:creationId xmlns:a16="http://schemas.microsoft.com/office/drawing/2014/main" xmlns="" id="{990CE96C-B0E8-49CB-B717-EBFFECB66027}"/>
+                <a16:creationId xmlns="" xmlns:a16="http://schemas.microsoft.com/office/drawing/2014/main" id="{990CE96C-B0E8-49CB-B717-EBFFECB66027}"/>
               </a:ext>
             </a:extLst>
           </p:cNvPr>
@@ -16658,7 +16658,7 @@
           <p:cNvPr id="5" name="Group 94">
             <a:extLst>
               <a:ext uri="{FF2B5EF4-FFF2-40B4-BE49-F238E27FC236}">
-                <a16:creationId xmlns:a16="http://schemas.microsoft.com/office/drawing/2014/main" xmlns="" id="{4E70D3F9-D583-4ACD-8480-0F4A65ED3C83}"/>
+                <a16:creationId xmlns="" xmlns:a16="http://schemas.microsoft.com/office/drawing/2014/main" id="{4E70D3F9-D583-4ACD-8480-0F4A65ED3C83}"/>
               </a:ext>
             </a:extLst>
           </p:cNvPr>
@@ -16678,7 +16678,7 @@
             <p:cNvPr id="96" name="Rectangle 95">
               <a:extLst>
                 <a:ext uri="{FF2B5EF4-FFF2-40B4-BE49-F238E27FC236}">
-                  <a16:creationId xmlns:a16="http://schemas.microsoft.com/office/drawing/2014/main" xmlns="" id="{321108FC-08B5-45CC-AB47-1104119B25FD}"/>
+                  <a16:creationId xmlns="" xmlns:a16="http://schemas.microsoft.com/office/drawing/2014/main" id="{321108FC-08B5-45CC-AB47-1104119B25FD}"/>
                 </a:ext>
               </a:extLst>
             </p:cNvPr>
@@ -16739,7 +16739,7 @@
             <p:cNvPr id="97" name="Freeform: Shape 96">
               <a:extLst>
                 <a:ext uri="{FF2B5EF4-FFF2-40B4-BE49-F238E27FC236}">
-                  <a16:creationId xmlns:a16="http://schemas.microsoft.com/office/drawing/2014/main" xmlns="" id="{96A47C8C-7F88-484E-817B-572BEDC2BC69}"/>
+                  <a16:creationId xmlns="" xmlns:a16="http://schemas.microsoft.com/office/drawing/2014/main" id="{96A47C8C-7F88-484E-817B-572BEDC2BC69}"/>
                 </a:ext>
               </a:extLst>
             </p:cNvPr>
@@ -16846,7 +16846,7 @@
             <p:cNvPr id="98" name="TextBox 97">
               <a:extLst>
                 <a:ext uri="{FF2B5EF4-FFF2-40B4-BE49-F238E27FC236}">
-                  <a16:creationId xmlns:a16="http://schemas.microsoft.com/office/drawing/2014/main" xmlns="" id="{E3DB5570-AC77-4396-9748-4183DF7C8396}"/>
+                  <a16:creationId xmlns="" xmlns:a16="http://schemas.microsoft.com/office/drawing/2014/main" id="{E3DB5570-AC77-4396-9748-4183DF7C8396}"/>
                 </a:ext>
               </a:extLst>
             </p:cNvPr>
@@ -16893,7 +16893,7 @@
             <p:cNvPr id="99" name="Picture 98">
               <a:extLst>
                 <a:ext uri="{FF2B5EF4-FFF2-40B4-BE49-F238E27FC236}">
-                  <a16:creationId xmlns:a16="http://schemas.microsoft.com/office/drawing/2014/main" xmlns="" id="{F6ED4041-CDD9-443D-802E-47D4387906FA}"/>
+                  <a16:creationId xmlns="" xmlns:a16="http://schemas.microsoft.com/office/drawing/2014/main" id="{F6ED4041-CDD9-443D-802E-47D4387906FA}"/>
                 </a:ext>
               </a:extLst>
             </p:cNvPr>
@@ -16906,7 +16906,7 @@
             <a:blip r:embed="rId2" cstate="print">
               <a:extLst>
                 <a:ext uri="{28A0092B-C50C-407E-A947-70E740481C1C}">
-                  <a14:useLocalDpi xmlns:a14="http://schemas.microsoft.com/office/drawing/2010/main" xmlns="" val="0"/>
+                  <a14:useLocalDpi xmlns="" xmlns:a14="http://schemas.microsoft.com/office/drawing/2010/main" val="0"/>
                 </a:ext>
               </a:extLst>
             </a:blip>
@@ -16930,7 +16930,7 @@
           <p:cNvPr id="6" name="Group 70">
             <a:extLst>
               <a:ext uri="{FF2B5EF4-FFF2-40B4-BE49-F238E27FC236}">
-                <a16:creationId xmlns:a16="http://schemas.microsoft.com/office/drawing/2014/main" xmlns="" id="{E7044FAB-DB4A-4E59-B111-8CA4168E7FA4}"/>
+                <a16:creationId xmlns="" xmlns:a16="http://schemas.microsoft.com/office/drawing/2014/main" id="{E7044FAB-DB4A-4E59-B111-8CA4168E7FA4}"/>
               </a:ext>
             </a:extLst>
           </p:cNvPr>
@@ -16950,7 +16950,7 @@
             <p:cNvPr id="72" name="Rectangle 71">
               <a:extLst>
                 <a:ext uri="{FF2B5EF4-FFF2-40B4-BE49-F238E27FC236}">
-                  <a16:creationId xmlns:a16="http://schemas.microsoft.com/office/drawing/2014/main" xmlns="" id="{824F072A-08CC-4CC6-B5EF-C1833A244FA3}"/>
+                  <a16:creationId xmlns="" xmlns:a16="http://schemas.microsoft.com/office/drawing/2014/main" id="{824F072A-08CC-4CC6-B5EF-C1833A244FA3}"/>
                 </a:ext>
               </a:extLst>
             </p:cNvPr>
@@ -17011,7 +17011,7 @@
             <p:cNvPr id="73" name="Freeform: Shape 72">
               <a:extLst>
                 <a:ext uri="{FF2B5EF4-FFF2-40B4-BE49-F238E27FC236}">
-                  <a16:creationId xmlns:a16="http://schemas.microsoft.com/office/drawing/2014/main" xmlns="" id="{A3C6C4A9-8B6A-429B-980E-26CD0C3A573E}"/>
+                  <a16:creationId xmlns="" xmlns:a16="http://schemas.microsoft.com/office/drawing/2014/main" id="{A3C6C4A9-8B6A-429B-980E-26CD0C3A573E}"/>
                 </a:ext>
               </a:extLst>
             </p:cNvPr>
@@ -17118,7 +17118,7 @@
             <p:cNvPr id="74" name="TextBox 73">
               <a:extLst>
                 <a:ext uri="{FF2B5EF4-FFF2-40B4-BE49-F238E27FC236}">
-                  <a16:creationId xmlns:a16="http://schemas.microsoft.com/office/drawing/2014/main" xmlns="" id="{858AC381-BFD1-4A89-AE49-8ADC853A6849}"/>
+                  <a16:creationId xmlns="" xmlns:a16="http://schemas.microsoft.com/office/drawing/2014/main" id="{858AC381-BFD1-4A89-AE49-8ADC853A6849}"/>
                 </a:ext>
               </a:extLst>
             </p:cNvPr>
@@ -17165,7 +17165,7 @@
             <p:cNvPr id="75" name="Picture 74">
               <a:extLst>
                 <a:ext uri="{FF2B5EF4-FFF2-40B4-BE49-F238E27FC236}">
-                  <a16:creationId xmlns:a16="http://schemas.microsoft.com/office/drawing/2014/main" xmlns="" id="{9DF2E944-82FA-495B-8A5C-9BDE26355383}"/>
+                  <a16:creationId xmlns="" xmlns:a16="http://schemas.microsoft.com/office/drawing/2014/main" id="{9DF2E944-82FA-495B-8A5C-9BDE26355383}"/>
                 </a:ext>
               </a:extLst>
             </p:cNvPr>
@@ -17178,7 +17178,7 @@
             <a:blip r:embed="rId2" cstate="print">
               <a:extLst>
                 <a:ext uri="{28A0092B-C50C-407E-A947-70E740481C1C}">
-                  <a14:useLocalDpi xmlns:a14="http://schemas.microsoft.com/office/drawing/2010/main" xmlns="" val="0"/>
+                  <a14:useLocalDpi xmlns="" xmlns:a14="http://schemas.microsoft.com/office/drawing/2010/main" val="0"/>
                 </a:ext>
               </a:extLst>
             </a:blip>
@@ -17202,7 +17202,7 @@
           <p:cNvPr id="7" name="Group 75">
             <a:extLst>
               <a:ext uri="{FF2B5EF4-FFF2-40B4-BE49-F238E27FC236}">
-                <a16:creationId xmlns:a16="http://schemas.microsoft.com/office/drawing/2014/main" xmlns="" id="{60E31D48-090A-4A9C-AF5C-4B0C49C47C7D}"/>
+                <a16:creationId xmlns="" xmlns:a16="http://schemas.microsoft.com/office/drawing/2014/main" id="{60E31D48-090A-4A9C-AF5C-4B0C49C47C7D}"/>
               </a:ext>
             </a:extLst>
           </p:cNvPr>
@@ -17222,7 +17222,7 @@
             <p:cNvPr id="77" name="Rectangle 76">
               <a:extLst>
                 <a:ext uri="{FF2B5EF4-FFF2-40B4-BE49-F238E27FC236}">
-                  <a16:creationId xmlns:a16="http://schemas.microsoft.com/office/drawing/2014/main" xmlns="" id="{3A79A714-CB74-4EFD-9BC1-A7F2F993842A}"/>
+                  <a16:creationId xmlns="" xmlns:a16="http://schemas.microsoft.com/office/drawing/2014/main" id="{3A79A714-CB74-4EFD-9BC1-A7F2F993842A}"/>
                 </a:ext>
               </a:extLst>
             </p:cNvPr>
@@ -17283,7 +17283,7 @@
             <p:cNvPr id="78" name="Freeform: Shape 77">
               <a:extLst>
                 <a:ext uri="{FF2B5EF4-FFF2-40B4-BE49-F238E27FC236}">
-                  <a16:creationId xmlns:a16="http://schemas.microsoft.com/office/drawing/2014/main" xmlns="" id="{B006C60A-833A-41C2-A553-8132E7B3A7DB}"/>
+                  <a16:creationId xmlns="" xmlns:a16="http://schemas.microsoft.com/office/drawing/2014/main" id="{B006C60A-833A-41C2-A553-8132E7B3A7DB}"/>
                 </a:ext>
               </a:extLst>
             </p:cNvPr>
@@ -17390,7 +17390,7 @@
             <p:cNvPr id="79" name="TextBox 78">
               <a:extLst>
                 <a:ext uri="{FF2B5EF4-FFF2-40B4-BE49-F238E27FC236}">
-                  <a16:creationId xmlns:a16="http://schemas.microsoft.com/office/drawing/2014/main" xmlns="" id="{95AECC6C-A520-4756-9163-08D14835D791}"/>
+                  <a16:creationId xmlns="" xmlns:a16="http://schemas.microsoft.com/office/drawing/2014/main" id="{95AECC6C-A520-4756-9163-08D14835D791}"/>
                 </a:ext>
               </a:extLst>
             </p:cNvPr>
@@ -17437,7 +17437,7 @@
             <p:cNvPr id="80" name="Picture 79">
               <a:extLst>
                 <a:ext uri="{FF2B5EF4-FFF2-40B4-BE49-F238E27FC236}">
-                  <a16:creationId xmlns:a16="http://schemas.microsoft.com/office/drawing/2014/main" xmlns="" id="{0F8A56B9-A504-4035-8439-53ED4617B8B4}"/>
+                  <a16:creationId xmlns="" xmlns:a16="http://schemas.microsoft.com/office/drawing/2014/main" id="{0F8A56B9-A504-4035-8439-53ED4617B8B4}"/>
                 </a:ext>
               </a:extLst>
             </p:cNvPr>
@@ -17450,7 +17450,7 @@
             <a:blip r:embed="rId2" cstate="print">
               <a:extLst>
                 <a:ext uri="{28A0092B-C50C-407E-A947-70E740481C1C}">
-                  <a14:useLocalDpi xmlns:a14="http://schemas.microsoft.com/office/drawing/2010/main" xmlns="" val="0"/>
+                  <a14:useLocalDpi xmlns="" xmlns:a14="http://schemas.microsoft.com/office/drawing/2010/main" val="0"/>
                 </a:ext>
               </a:extLst>
             </a:blip>
@@ -17474,7 +17474,7 @@
           <p:cNvPr id="107" name="Oval 106">
             <a:extLst>
               <a:ext uri="{FF2B5EF4-FFF2-40B4-BE49-F238E27FC236}">
-                <a16:creationId xmlns:a16="http://schemas.microsoft.com/office/drawing/2014/main" xmlns="" id="{BEA41108-70F3-44FD-9476-BB5FCAD01852}"/>
+                <a16:creationId xmlns="" xmlns:a16="http://schemas.microsoft.com/office/drawing/2014/main" id="{BEA41108-70F3-44FD-9476-BB5FCAD01852}"/>
               </a:ext>
             </a:extLst>
           </p:cNvPr>
@@ -17622,7 +17622,7 @@
     </p:spTree>
     <p:extLst>
       <p:ext uri="{BB962C8B-B14F-4D97-AF65-F5344CB8AC3E}">
-        <p14:creationId xmlns:p14="http://schemas.microsoft.com/office/powerpoint/2010/main" xmlns="" val="3965200575"/>
+        <p14:creationId xmlns="" xmlns:p14="http://schemas.microsoft.com/office/powerpoint/2010/main" val="3965200575"/>
       </p:ext>
     </p:extLst>
   </p:cSld>
@@ -17630,7 +17630,7 @@
     <a:masterClrMapping/>
   </p:clrMapOvr>
   <mc:AlternateContent xmlns:mc="http://schemas.openxmlformats.org/markup-compatibility/2006">
-    <mc:Choice xmlns:p159="http://schemas.microsoft.com/office/powerpoint/2015/09/main" xmlns="" Requires="p159">
+    <mc:Choice xmlns="" xmlns:p159="http://schemas.microsoft.com/office/powerpoint/2015/09/main" Requires="p159">
       <p:transition spd="med">
         <p159:morph option="byObject"/>
       </p:transition>
@@ -17687,7 +17687,7 @@
                                     </p:set>
                                     <p:animEffect transition="in" filter="fade">
                                       <p:cBhvr>
-                                        <p:cTn id="7" dur="1000"/>
+                                        <p:cTn id="7" dur="2000"/>
                                         <p:tgtEl>
                                           <p:spTgt spid="37"/>
                                         </p:tgtEl>
@@ -17702,7 +17702,7 @@
                         <p:par>
                           <p:cTn id="8" fill="hold">
                             <p:stCondLst>
-                              <p:cond delay="1000"/>
+                              <p:cond delay="2000"/>
                             </p:stCondLst>
                             <p:childTnLst>
                               <p:par>
@@ -17842,7 +17842,7 @@
           <p:cNvPr id="2" name="Group 49">
             <a:extLst>
               <a:ext uri="{FF2B5EF4-FFF2-40B4-BE49-F238E27FC236}">
-                <a16:creationId xmlns:a16="http://schemas.microsoft.com/office/drawing/2014/main" xmlns="" id="{10781169-B7A4-446E-BD33-B9650367A7F9}"/>
+                <a16:creationId xmlns="" xmlns:a16="http://schemas.microsoft.com/office/drawing/2014/main" id="{10781169-B7A4-446E-BD33-B9650367A7F9}"/>
               </a:ext>
             </a:extLst>
           </p:cNvPr>
@@ -17862,7 +17862,7 @@
             <p:cNvPr id="51" name="Rectangle 50">
               <a:extLst>
                 <a:ext uri="{FF2B5EF4-FFF2-40B4-BE49-F238E27FC236}">
-                  <a16:creationId xmlns:a16="http://schemas.microsoft.com/office/drawing/2014/main" xmlns="" id="{CED3AF08-30FC-4AFF-9C5C-99D0A7099514}"/>
+                  <a16:creationId xmlns="" xmlns:a16="http://schemas.microsoft.com/office/drawing/2014/main" id="{CED3AF08-30FC-4AFF-9C5C-99D0A7099514}"/>
                 </a:ext>
               </a:extLst>
             </p:cNvPr>
@@ -17923,7 +17923,7 @@
             <p:cNvPr id="52" name="Freeform: Shape 51">
               <a:extLst>
                 <a:ext uri="{FF2B5EF4-FFF2-40B4-BE49-F238E27FC236}">
-                  <a16:creationId xmlns:a16="http://schemas.microsoft.com/office/drawing/2014/main" xmlns="" id="{99AF1FBA-9557-484A-B305-EE590A192E96}"/>
+                  <a16:creationId xmlns="" xmlns:a16="http://schemas.microsoft.com/office/drawing/2014/main" id="{99AF1FBA-9557-484A-B305-EE590A192E96}"/>
                 </a:ext>
               </a:extLst>
             </p:cNvPr>
@@ -18030,7 +18030,7 @@
             <p:cNvPr id="53" name="TextBox 52">
               <a:extLst>
                 <a:ext uri="{FF2B5EF4-FFF2-40B4-BE49-F238E27FC236}">
-                  <a16:creationId xmlns:a16="http://schemas.microsoft.com/office/drawing/2014/main" xmlns="" id="{407E3AA2-679E-4924-AC1B-FE6C3A02C251}"/>
+                  <a16:creationId xmlns="" xmlns:a16="http://schemas.microsoft.com/office/drawing/2014/main" id="{407E3AA2-679E-4924-AC1B-FE6C3A02C251}"/>
                 </a:ext>
               </a:extLst>
             </p:cNvPr>
@@ -18071,7 +18071,7 @@
             <p:cNvPr id="54" name="Picture 53">
               <a:extLst>
                 <a:ext uri="{FF2B5EF4-FFF2-40B4-BE49-F238E27FC236}">
-                  <a16:creationId xmlns:a16="http://schemas.microsoft.com/office/drawing/2014/main" xmlns="" id="{CD9846FC-755F-4A0E-BAD3-A5D51C0E1EBE}"/>
+                  <a16:creationId xmlns="" xmlns:a16="http://schemas.microsoft.com/office/drawing/2014/main" id="{CD9846FC-755F-4A0E-BAD3-A5D51C0E1EBE}"/>
                 </a:ext>
               </a:extLst>
             </p:cNvPr>
@@ -18084,7 +18084,7 @@
             <a:blip r:embed="rId2" cstate="print">
               <a:extLst>
                 <a:ext uri="{28A0092B-C50C-407E-A947-70E740481C1C}">
-                  <a14:useLocalDpi xmlns:a14="http://schemas.microsoft.com/office/drawing/2010/main" xmlns="" val="0"/>
+                  <a14:useLocalDpi xmlns="" xmlns:a14="http://schemas.microsoft.com/office/drawing/2010/main" val="0"/>
                 </a:ext>
               </a:extLst>
             </a:blip>
@@ -18108,7 +18108,7 @@
           <p:cNvPr id="3" name="Group 54">
             <a:extLst>
               <a:ext uri="{FF2B5EF4-FFF2-40B4-BE49-F238E27FC236}">
-                <a16:creationId xmlns:a16="http://schemas.microsoft.com/office/drawing/2014/main" xmlns="" id="{F00A67C9-4929-4EFF-9CB6-292640CD2738}"/>
+                <a16:creationId xmlns="" xmlns:a16="http://schemas.microsoft.com/office/drawing/2014/main" id="{F00A67C9-4929-4EFF-9CB6-292640CD2738}"/>
               </a:ext>
             </a:extLst>
           </p:cNvPr>
@@ -18128,7 +18128,7 @@
             <p:cNvPr id="56" name="Rectangle 55">
               <a:extLst>
                 <a:ext uri="{FF2B5EF4-FFF2-40B4-BE49-F238E27FC236}">
-                  <a16:creationId xmlns:a16="http://schemas.microsoft.com/office/drawing/2014/main" xmlns="" id="{3E8CDB02-4760-4298-BC44-93A18EB02F13}"/>
+                  <a16:creationId xmlns="" xmlns:a16="http://schemas.microsoft.com/office/drawing/2014/main" id="{3E8CDB02-4760-4298-BC44-93A18EB02F13}"/>
                 </a:ext>
               </a:extLst>
             </p:cNvPr>
@@ -18189,7 +18189,7 @@
             <p:cNvPr id="57" name="Freeform: Shape 56">
               <a:extLst>
                 <a:ext uri="{FF2B5EF4-FFF2-40B4-BE49-F238E27FC236}">
-                  <a16:creationId xmlns:a16="http://schemas.microsoft.com/office/drawing/2014/main" xmlns="" id="{57C0FD50-5E69-463E-A01B-65E9D864A386}"/>
+                  <a16:creationId xmlns="" xmlns:a16="http://schemas.microsoft.com/office/drawing/2014/main" id="{57C0FD50-5E69-463E-A01B-65E9D864A386}"/>
                 </a:ext>
               </a:extLst>
             </p:cNvPr>
@@ -18296,7 +18296,7 @@
             <p:cNvPr id="58" name="TextBox 57">
               <a:extLst>
                 <a:ext uri="{FF2B5EF4-FFF2-40B4-BE49-F238E27FC236}">
-                  <a16:creationId xmlns:a16="http://schemas.microsoft.com/office/drawing/2014/main" xmlns="" id="{04CBFB1D-37FD-419F-B98C-860BF5217905}"/>
+                  <a16:creationId xmlns="" xmlns:a16="http://schemas.microsoft.com/office/drawing/2014/main" id="{04CBFB1D-37FD-419F-B98C-860BF5217905}"/>
                 </a:ext>
               </a:extLst>
             </p:cNvPr>
@@ -18343,7 +18343,7 @@
             <p:cNvPr id="59" name="Picture 58">
               <a:extLst>
                 <a:ext uri="{FF2B5EF4-FFF2-40B4-BE49-F238E27FC236}">
-                  <a16:creationId xmlns:a16="http://schemas.microsoft.com/office/drawing/2014/main" xmlns="" id="{60B383F7-52C5-4FB7-AEC3-35A48D7354A0}"/>
+                  <a16:creationId xmlns="" xmlns:a16="http://schemas.microsoft.com/office/drawing/2014/main" id="{60B383F7-52C5-4FB7-AEC3-35A48D7354A0}"/>
                 </a:ext>
               </a:extLst>
             </p:cNvPr>
@@ -18356,7 +18356,7 @@
             <a:blip r:embed="rId2" cstate="print">
               <a:extLst>
                 <a:ext uri="{28A0092B-C50C-407E-A947-70E740481C1C}">
-                  <a14:useLocalDpi xmlns:a14="http://schemas.microsoft.com/office/drawing/2010/main" xmlns="" val="0"/>
+                  <a14:useLocalDpi xmlns="" xmlns:a14="http://schemas.microsoft.com/office/drawing/2010/main" val="0"/>
                 </a:ext>
               </a:extLst>
             </a:blip>
@@ -18380,7 +18380,7 @@
           <p:cNvPr id="4" name="Group 59">
             <a:extLst>
               <a:ext uri="{FF2B5EF4-FFF2-40B4-BE49-F238E27FC236}">
-                <a16:creationId xmlns:a16="http://schemas.microsoft.com/office/drawing/2014/main" xmlns="" id="{6F7667A6-1C16-4F0A-A162-61BD16E6BE6B}"/>
+                <a16:creationId xmlns="" xmlns:a16="http://schemas.microsoft.com/office/drawing/2014/main" id="{6F7667A6-1C16-4F0A-A162-61BD16E6BE6B}"/>
               </a:ext>
             </a:extLst>
           </p:cNvPr>
@@ -18400,7 +18400,7 @@
             <p:cNvPr id="61" name="Rectangle 60">
               <a:extLst>
                 <a:ext uri="{FF2B5EF4-FFF2-40B4-BE49-F238E27FC236}">
-                  <a16:creationId xmlns:a16="http://schemas.microsoft.com/office/drawing/2014/main" xmlns="" id="{0E8C29A9-4AAB-442C-A7A4-40DCCE0A9694}"/>
+                  <a16:creationId xmlns="" xmlns:a16="http://schemas.microsoft.com/office/drawing/2014/main" id="{0E8C29A9-4AAB-442C-A7A4-40DCCE0A9694}"/>
                 </a:ext>
               </a:extLst>
             </p:cNvPr>
@@ -18461,7 +18461,7 @@
             <p:cNvPr id="62" name="Freeform: Shape 61">
               <a:extLst>
                 <a:ext uri="{FF2B5EF4-FFF2-40B4-BE49-F238E27FC236}">
-                  <a16:creationId xmlns:a16="http://schemas.microsoft.com/office/drawing/2014/main" xmlns="" id="{81520FE7-5699-4290-9C3C-51E0C60ECC6B}"/>
+                  <a16:creationId xmlns="" xmlns:a16="http://schemas.microsoft.com/office/drawing/2014/main" id="{81520FE7-5699-4290-9C3C-51E0C60ECC6B}"/>
                 </a:ext>
               </a:extLst>
             </p:cNvPr>
@@ -18568,7 +18568,7 @@
             <p:cNvPr id="63" name="TextBox 62">
               <a:extLst>
                 <a:ext uri="{FF2B5EF4-FFF2-40B4-BE49-F238E27FC236}">
-                  <a16:creationId xmlns:a16="http://schemas.microsoft.com/office/drawing/2014/main" xmlns="" id="{AFD50D6F-822B-4109-8B0C-BA004A0B7145}"/>
+                  <a16:creationId xmlns="" xmlns:a16="http://schemas.microsoft.com/office/drawing/2014/main" id="{AFD50D6F-822B-4109-8B0C-BA004A0B7145}"/>
                 </a:ext>
               </a:extLst>
             </p:cNvPr>
@@ -18615,7 +18615,7 @@
             <p:cNvPr id="64" name="Picture 63">
               <a:extLst>
                 <a:ext uri="{FF2B5EF4-FFF2-40B4-BE49-F238E27FC236}">
-                  <a16:creationId xmlns:a16="http://schemas.microsoft.com/office/drawing/2014/main" xmlns="" id="{0376C61F-147B-441E-B32E-45D5BC1B66B5}"/>
+                  <a16:creationId xmlns="" xmlns:a16="http://schemas.microsoft.com/office/drawing/2014/main" id="{0376C61F-147B-441E-B32E-45D5BC1B66B5}"/>
                 </a:ext>
               </a:extLst>
             </p:cNvPr>
@@ -18628,7 +18628,7 @@
             <a:blip r:embed="rId2" cstate="print">
               <a:extLst>
                 <a:ext uri="{28A0092B-C50C-407E-A947-70E740481C1C}">
-                  <a14:useLocalDpi xmlns:a14="http://schemas.microsoft.com/office/drawing/2010/main" xmlns="" val="0"/>
+                  <a14:useLocalDpi xmlns="" xmlns:a14="http://schemas.microsoft.com/office/drawing/2010/main" val="0"/>
                 </a:ext>
               </a:extLst>
             </a:blip>
@@ -18652,7 +18652,7 @@
           <p:cNvPr id="5" name="Group 94">
             <a:extLst>
               <a:ext uri="{FF2B5EF4-FFF2-40B4-BE49-F238E27FC236}">
-                <a16:creationId xmlns:a16="http://schemas.microsoft.com/office/drawing/2014/main" xmlns="" id="{4E70D3F9-D583-4ACD-8480-0F4A65ED3C83}"/>
+                <a16:creationId xmlns="" xmlns:a16="http://schemas.microsoft.com/office/drawing/2014/main" id="{4E70D3F9-D583-4ACD-8480-0F4A65ED3C83}"/>
               </a:ext>
             </a:extLst>
           </p:cNvPr>
@@ -18672,7 +18672,7 @@
             <p:cNvPr id="96" name="Rectangle 95">
               <a:extLst>
                 <a:ext uri="{FF2B5EF4-FFF2-40B4-BE49-F238E27FC236}">
-                  <a16:creationId xmlns:a16="http://schemas.microsoft.com/office/drawing/2014/main" xmlns="" id="{321108FC-08B5-45CC-AB47-1104119B25FD}"/>
+                  <a16:creationId xmlns="" xmlns:a16="http://schemas.microsoft.com/office/drawing/2014/main" id="{321108FC-08B5-45CC-AB47-1104119B25FD}"/>
                 </a:ext>
               </a:extLst>
             </p:cNvPr>
@@ -18733,7 +18733,7 @@
             <p:cNvPr id="97" name="Freeform: Shape 96">
               <a:extLst>
                 <a:ext uri="{FF2B5EF4-FFF2-40B4-BE49-F238E27FC236}">
-                  <a16:creationId xmlns:a16="http://schemas.microsoft.com/office/drawing/2014/main" xmlns="" id="{96A47C8C-7F88-484E-817B-572BEDC2BC69}"/>
+                  <a16:creationId xmlns="" xmlns:a16="http://schemas.microsoft.com/office/drawing/2014/main" id="{96A47C8C-7F88-484E-817B-572BEDC2BC69}"/>
                 </a:ext>
               </a:extLst>
             </p:cNvPr>
@@ -18840,7 +18840,7 @@
             <p:cNvPr id="98" name="TextBox 97">
               <a:extLst>
                 <a:ext uri="{FF2B5EF4-FFF2-40B4-BE49-F238E27FC236}">
-                  <a16:creationId xmlns:a16="http://schemas.microsoft.com/office/drawing/2014/main" xmlns="" id="{E3DB5570-AC77-4396-9748-4183DF7C8396}"/>
+                  <a16:creationId xmlns="" xmlns:a16="http://schemas.microsoft.com/office/drawing/2014/main" id="{E3DB5570-AC77-4396-9748-4183DF7C8396}"/>
                 </a:ext>
               </a:extLst>
             </p:cNvPr>
@@ -18887,7 +18887,7 @@
             <p:cNvPr id="99" name="Picture 98">
               <a:extLst>
                 <a:ext uri="{FF2B5EF4-FFF2-40B4-BE49-F238E27FC236}">
-                  <a16:creationId xmlns:a16="http://schemas.microsoft.com/office/drawing/2014/main" xmlns="" id="{F6ED4041-CDD9-443D-802E-47D4387906FA}"/>
+                  <a16:creationId xmlns="" xmlns:a16="http://schemas.microsoft.com/office/drawing/2014/main" id="{F6ED4041-CDD9-443D-802E-47D4387906FA}"/>
                 </a:ext>
               </a:extLst>
             </p:cNvPr>
@@ -18900,7 +18900,7 @@
             <a:blip r:embed="rId2" cstate="print">
               <a:extLst>
                 <a:ext uri="{28A0092B-C50C-407E-A947-70E740481C1C}">
-                  <a14:useLocalDpi xmlns:a14="http://schemas.microsoft.com/office/drawing/2010/main" xmlns="" val="0"/>
+                  <a14:useLocalDpi xmlns="" xmlns:a14="http://schemas.microsoft.com/office/drawing/2010/main" val="0"/>
                 </a:ext>
               </a:extLst>
             </a:blip>
@@ -18924,7 +18924,7 @@
           <p:cNvPr id="70" name="Rectangle 69">
             <a:extLst>
               <a:ext uri="{FF2B5EF4-FFF2-40B4-BE49-F238E27FC236}">
-                <a16:creationId xmlns:a16="http://schemas.microsoft.com/office/drawing/2014/main" xmlns="" id="{990CE96C-B0E8-49CB-B717-EBFFECB66027}"/>
+                <a16:creationId xmlns="" xmlns:a16="http://schemas.microsoft.com/office/drawing/2014/main" id="{990CE96C-B0E8-49CB-B717-EBFFECB66027}"/>
               </a:ext>
             </a:extLst>
           </p:cNvPr>
@@ -18985,7 +18985,7 @@
           <p:cNvPr id="6" name="Group 70">
             <a:extLst>
               <a:ext uri="{FF2B5EF4-FFF2-40B4-BE49-F238E27FC236}">
-                <a16:creationId xmlns:a16="http://schemas.microsoft.com/office/drawing/2014/main" xmlns="" id="{E7044FAB-DB4A-4E59-B111-8CA4168E7FA4}"/>
+                <a16:creationId xmlns="" xmlns:a16="http://schemas.microsoft.com/office/drawing/2014/main" id="{E7044FAB-DB4A-4E59-B111-8CA4168E7FA4}"/>
               </a:ext>
             </a:extLst>
           </p:cNvPr>
@@ -19005,7 +19005,7 @@
             <p:cNvPr id="72" name="Rectangle 71">
               <a:extLst>
                 <a:ext uri="{FF2B5EF4-FFF2-40B4-BE49-F238E27FC236}">
-                  <a16:creationId xmlns:a16="http://schemas.microsoft.com/office/drawing/2014/main" xmlns="" id="{824F072A-08CC-4CC6-B5EF-C1833A244FA3}"/>
+                  <a16:creationId xmlns="" xmlns:a16="http://schemas.microsoft.com/office/drawing/2014/main" id="{824F072A-08CC-4CC6-B5EF-C1833A244FA3}"/>
                 </a:ext>
               </a:extLst>
             </p:cNvPr>
@@ -19066,7 +19066,7 @@
             <p:cNvPr id="73" name="Freeform: Shape 72">
               <a:extLst>
                 <a:ext uri="{FF2B5EF4-FFF2-40B4-BE49-F238E27FC236}">
-                  <a16:creationId xmlns:a16="http://schemas.microsoft.com/office/drawing/2014/main" xmlns="" id="{A3C6C4A9-8B6A-429B-980E-26CD0C3A573E}"/>
+                  <a16:creationId xmlns="" xmlns:a16="http://schemas.microsoft.com/office/drawing/2014/main" id="{A3C6C4A9-8B6A-429B-980E-26CD0C3A573E}"/>
                 </a:ext>
               </a:extLst>
             </p:cNvPr>
@@ -19173,7 +19173,7 @@
             <p:cNvPr id="74" name="TextBox 73">
               <a:extLst>
                 <a:ext uri="{FF2B5EF4-FFF2-40B4-BE49-F238E27FC236}">
-                  <a16:creationId xmlns:a16="http://schemas.microsoft.com/office/drawing/2014/main" xmlns="" id="{858AC381-BFD1-4A89-AE49-8ADC853A6849}"/>
+                  <a16:creationId xmlns="" xmlns:a16="http://schemas.microsoft.com/office/drawing/2014/main" id="{858AC381-BFD1-4A89-AE49-8ADC853A6849}"/>
                 </a:ext>
               </a:extLst>
             </p:cNvPr>
@@ -19220,7 +19220,7 @@
             <p:cNvPr id="75" name="Picture 74">
               <a:extLst>
                 <a:ext uri="{FF2B5EF4-FFF2-40B4-BE49-F238E27FC236}">
-                  <a16:creationId xmlns:a16="http://schemas.microsoft.com/office/drawing/2014/main" xmlns="" id="{9DF2E944-82FA-495B-8A5C-9BDE26355383}"/>
+                  <a16:creationId xmlns="" xmlns:a16="http://schemas.microsoft.com/office/drawing/2014/main" id="{9DF2E944-82FA-495B-8A5C-9BDE26355383}"/>
                 </a:ext>
               </a:extLst>
             </p:cNvPr>
@@ -19233,7 +19233,7 @@
             <a:blip r:embed="rId2" cstate="print">
               <a:extLst>
                 <a:ext uri="{28A0092B-C50C-407E-A947-70E740481C1C}">
-                  <a14:useLocalDpi xmlns:a14="http://schemas.microsoft.com/office/drawing/2010/main" xmlns="" val="0"/>
+                  <a14:useLocalDpi xmlns="" xmlns:a14="http://schemas.microsoft.com/office/drawing/2010/main" val="0"/>
                 </a:ext>
               </a:extLst>
             </a:blip>
@@ -19257,7 +19257,7 @@
           <p:cNvPr id="7" name="Group 75">
             <a:extLst>
               <a:ext uri="{FF2B5EF4-FFF2-40B4-BE49-F238E27FC236}">
-                <a16:creationId xmlns:a16="http://schemas.microsoft.com/office/drawing/2014/main" xmlns="" id="{60E31D48-090A-4A9C-AF5C-4B0C49C47C7D}"/>
+                <a16:creationId xmlns="" xmlns:a16="http://schemas.microsoft.com/office/drawing/2014/main" id="{60E31D48-090A-4A9C-AF5C-4B0C49C47C7D}"/>
               </a:ext>
             </a:extLst>
           </p:cNvPr>
@@ -19277,7 +19277,7 @@
             <p:cNvPr id="77" name="Rectangle 76">
               <a:extLst>
                 <a:ext uri="{FF2B5EF4-FFF2-40B4-BE49-F238E27FC236}">
-                  <a16:creationId xmlns:a16="http://schemas.microsoft.com/office/drawing/2014/main" xmlns="" id="{3A79A714-CB74-4EFD-9BC1-A7F2F993842A}"/>
+                  <a16:creationId xmlns="" xmlns:a16="http://schemas.microsoft.com/office/drawing/2014/main" id="{3A79A714-CB74-4EFD-9BC1-A7F2F993842A}"/>
                 </a:ext>
               </a:extLst>
             </p:cNvPr>
@@ -19338,7 +19338,7 @@
             <p:cNvPr id="78" name="Freeform: Shape 77">
               <a:extLst>
                 <a:ext uri="{FF2B5EF4-FFF2-40B4-BE49-F238E27FC236}">
-                  <a16:creationId xmlns:a16="http://schemas.microsoft.com/office/drawing/2014/main" xmlns="" id="{B006C60A-833A-41C2-A553-8132E7B3A7DB}"/>
+                  <a16:creationId xmlns="" xmlns:a16="http://schemas.microsoft.com/office/drawing/2014/main" id="{B006C60A-833A-41C2-A553-8132E7B3A7DB}"/>
                 </a:ext>
               </a:extLst>
             </p:cNvPr>
@@ -19445,7 +19445,7 @@
             <p:cNvPr id="79" name="TextBox 78">
               <a:extLst>
                 <a:ext uri="{FF2B5EF4-FFF2-40B4-BE49-F238E27FC236}">
-                  <a16:creationId xmlns:a16="http://schemas.microsoft.com/office/drawing/2014/main" xmlns="" id="{95AECC6C-A520-4756-9163-08D14835D791}"/>
+                  <a16:creationId xmlns="" xmlns:a16="http://schemas.microsoft.com/office/drawing/2014/main" id="{95AECC6C-A520-4756-9163-08D14835D791}"/>
                 </a:ext>
               </a:extLst>
             </p:cNvPr>
@@ -19492,7 +19492,7 @@
             <p:cNvPr id="80" name="Picture 79">
               <a:extLst>
                 <a:ext uri="{FF2B5EF4-FFF2-40B4-BE49-F238E27FC236}">
-                  <a16:creationId xmlns:a16="http://schemas.microsoft.com/office/drawing/2014/main" xmlns="" id="{0F8A56B9-A504-4035-8439-53ED4617B8B4}"/>
+                  <a16:creationId xmlns="" xmlns:a16="http://schemas.microsoft.com/office/drawing/2014/main" id="{0F8A56B9-A504-4035-8439-53ED4617B8B4}"/>
                 </a:ext>
               </a:extLst>
             </p:cNvPr>
@@ -19505,7 +19505,7 @@
             <a:blip r:embed="rId2" cstate="print">
               <a:extLst>
                 <a:ext uri="{28A0092B-C50C-407E-A947-70E740481C1C}">
-                  <a14:useLocalDpi xmlns:a14="http://schemas.microsoft.com/office/drawing/2010/main" xmlns="" val="0"/>
+                  <a14:useLocalDpi xmlns="" xmlns:a14="http://schemas.microsoft.com/office/drawing/2010/main" val="0"/>
                 </a:ext>
               </a:extLst>
             </a:blip>
@@ -19685,7 +19685,7 @@
     </p:spTree>
     <p:extLst>
       <p:ext uri="{BB962C8B-B14F-4D97-AF65-F5344CB8AC3E}">
-        <p14:creationId xmlns:p14="http://schemas.microsoft.com/office/powerpoint/2010/main" xmlns="" val="3965200575"/>
+        <p14:creationId xmlns="" xmlns:p14="http://schemas.microsoft.com/office/powerpoint/2010/main" val="3965200575"/>
       </p:ext>
     </p:extLst>
   </p:cSld>
@@ -19741,7 +19741,7 @@
                                     </p:set>
                                     <p:animEffect transition="in" filter="fade">
                                       <p:cBhvr>
-                                        <p:cTn id="7" dur="1000"/>
+                                        <p:cTn id="7" dur="2000"/>
                                         <p:tgtEl>
                                           <p:spTgt spid="35"/>
                                         </p:tgtEl>
@@ -19756,7 +19756,7 @@
                         <p:par>
                           <p:cTn id="8" fill="hold">
                             <p:stCondLst>
-                              <p:cond delay="1000"/>
+                              <p:cond delay="2000"/>
                             </p:stCondLst>
                             <p:childTnLst>
                               <p:par>
@@ -19800,7 +19800,7 @@
                         <p:par>
                           <p:cTn id="12" fill="hold">
                             <p:stCondLst>
-                              <p:cond delay="2000"/>
+                              <p:cond delay="3000"/>
                             </p:stCondLst>
                             <p:childTnLst>
                               <p:par>
@@ -19844,7 +19844,7 @@
                         <p:par>
                           <p:cTn id="16" fill="hold">
                             <p:stCondLst>
-                              <p:cond delay="3000"/>
+                              <p:cond delay="4000"/>
                             </p:stCondLst>
                             <p:childTnLst>
                               <p:par>
@@ -19888,7 +19888,7 @@
                         <p:par>
                           <p:cTn id="20" fill="hold">
                             <p:stCondLst>
-                              <p:cond delay="4000"/>
+                              <p:cond delay="5000"/>
                             </p:stCondLst>
                             <p:childTnLst>
                               <p:par>
@@ -19983,7 +19983,7 @@
           <p:cNvPr id="50" name="Group 49">
             <a:extLst>
               <a:ext uri="{FF2B5EF4-FFF2-40B4-BE49-F238E27FC236}">
-                <a16:creationId xmlns:a16="http://schemas.microsoft.com/office/drawing/2014/main" xmlns="" id="{10781169-B7A4-446E-BD33-B9650367A7F9}"/>
+                <a16:creationId xmlns="" xmlns:a16="http://schemas.microsoft.com/office/drawing/2014/main" id="{10781169-B7A4-446E-BD33-B9650367A7F9}"/>
               </a:ext>
             </a:extLst>
           </p:cNvPr>
@@ -20003,7 +20003,7 @@
             <p:cNvPr id="51" name="Rectangle 50">
               <a:extLst>
                 <a:ext uri="{FF2B5EF4-FFF2-40B4-BE49-F238E27FC236}">
-                  <a16:creationId xmlns:a16="http://schemas.microsoft.com/office/drawing/2014/main" xmlns="" id="{CED3AF08-30FC-4AFF-9C5C-99D0A7099514}"/>
+                  <a16:creationId xmlns="" xmlns:a16="http://schemas.microsoft.com/office/drawing/2014/main" id="{CED3AF08-30FC-4AFF-9C5C-99D0A7099514}"/>
                 </a:ext>
               </a:extLst>
             </p:cNvPr>
@@ -20064,7 +20064,7 @@
             <p:cNvPr id="52" name="Freeform: Shape 51">
               <a:extLst>
                 <a:ext uri="{FF2B5EF4-FFF2-40B4-BE49-F238E27FC236}">
-                  <a16:creationId xmlns:a16="http://schemas.microsoft.com/office/drawing/2014/main" xmlns="" id="{99AF1FBA-9557-484A-B305-EE590A192E96}"/>
+                  <a16:creationId xmlns="" xmlns:a16="http://schemas.microsoft.com/office/drawing/2014/main" id="{99AF1FBA-9557-484A-B305-EE590A192E96}"/>
                 </a:ext>
               </a:extLst>
             </p:cNvPr>
@@ -20171,7 +20171,7 @@
             <p:cNvPr id="53" name="TextBox 52">
               <a:extLst>
                 <a:ext uri="{FF2B5EF4-FFF2-40B4-BE49-F238E27FC236}">
-                  <a16:creationId xmlns:a16="http://schemas.microsoft.com/office/drawing/2014/main" xmlns="" id="{407E3AA2-679E-4924-AC1B-FE6C3A02C251}"/>
+                  <a16:creationId xmlns="" xmlns:a16="http://schemas.microsoft.com/office/drawing/2014/main" id="{407E3AA2-679E-4924-AC1B-FE6C3A02C251}"/>
                 </a:ext>
               </a:extLst>
             </p:cNvPr>
@@ -20212,7 +20212,7 @@
             <p:cNvPr id="54" name="Picture 53">
               <a:extLst>
                 <a:ext uri="{FF2B5EF4-FFF2-40B4-BE49-F238E27FC236}">
-                  <a16:creationId xmlns:a16="http://schemas.microsoft.com/office/drawing/2014/main" xmlns="" id="{CD9846FC-755F-4A0E-BAD3-A5D51C0E1EBE}"/>
+                  <a16:creationId xmlns="" xmlns:a16="http://schemas.microsoft.com/office/drawing/2014/main" id="{CD9846FC-755F-4A0E-BAD3-A5D51C0E1EBE}"/>
                 </a:ext>
               </a:extLst>
             </p:cNvPr>
@@ -20225,7 +20225,7 @@
             <a:blip r:embed="rId2" cstate="print">
               <a:extLst>
                 <a:ext uri="{28A0092B-C50C-407E-A947-70E740481C1C}">
-                  <a14:useLocalDpi xmlns:a14="http://schemas.microsoft.com/office/drawing/2010/main" xmlns="" val="0"/>
+                  <a14:useLocalDpi xmlns="" xmlns:a14="http://schemas.microsoft.com/office/drawing/2010/main" val="0"/>
                 </a:ext>
               </a:extLst>
             </a:blip>
@@ -20249,7 +20249,7 @@
           <p:cNvPr id="55" name="Group 54">
             <a:extLst>
               <a:ext uri="{FF2B5EF4-FFF2-40B4-BE49-F238E27FC236}">
-                <a16:creationId xmlns:a16="http://schemas.microsoft.com/office/drawing/2014/main" xmlns="" id="{F00A67C9-4929-4EFF-9CB6-292640CD2738}"/>
+                <a16:creationId xmlns="" xmlns:a16="http://schemas.microsoft.com/office/drawing/2014/main" id="{F00A67C9-4929-4EFF-9CB6-292640CD2738}"/>
               </a:ext>
             </a:extLst>
           </p:cNvPr>
@@ -20269,7 +20269,7 @@
             <p:cNvPr id="56" name="Rectangle 55">
               <a:extLst>
                 <a:ext uri="{FF2B5EF4-FFF2-40B4-BE49-F238E27FC236}">
-                  <a16:creationId xmlns:a16="http://schemas.microsoft.com/office/drawing/2014/main" xmlns="" id="{3E8CDB02-4760-4298-BC44-93A18EB02F13}"/>
+                  <a16:creationId xmlns="" xmlns:a16="http://schemas.microsoft.com/office/drawing/2014/main" id="{3E8CDB02-4760-4298-BC44-93A18EB02F13}"/>
                 </a:ext>
               </a:extLst>
             </p:cNvPr>
@@ -20330,7 +20330,7 @@
             <p:cNvPr id="57" name="Freeform: Shape 56">
               <a:extLst>
                 <a:ext uri="{FF2B5EF4-FFF2-40B4-BE49-F238E27FC236}">
-                  <a16:creationId xmlns:a16="http://schemas.microsoft.com/office/drawing/2014/main" xmlns="" id="{57C0FD50-5E69-463E-A01B-65E9D864A386}"/>
+                  <a16:creationId xmlns="" xmlns:a16="http://schemas.microsoft.com/office/drawing/2014/main" id="{57C0FD50-5E69-463E-A01B-65E9D864A386}"/>
                 </a:ext>
               </a:extLst>
             </p:cNvPr>
@@ -20437,7 +20437,7 @@
             <p:cNvPr id="58" name="TextBox 57">
               <a:extLst>
                 <a:ext uri="{FF2B5EF4-FFF2-40B4-BE49-F238E27FC236}">
-                  <a16:creationId xmlns:a16="http://schemas.microsoft.com/office/drawing/2014/main" xmlns="" id="{04CBFB1D-37FD-419F-B98C-860BF5217905}"/>
+                  <a16:creationId xmlns="" xmlns:a16="http://schemas.microsoft.com/office/drawing/2014/main" id="{04CBFB1D-37FD-419F-B98C-860BF5217905}"/>
                 </a:ext>
               </a:extLst>
             </p:cNvPr>
@@ -20484,7 +20484,7 @@
             <p:cNvPr id="59" name="Picture 58">
               <a:extLst>
                 <a:ext uri="{FF2B5EF4-FFF2-40B4-BE49-F238E27FC236}">
-                  <a16:creationId xmlns:a16="http://schemas.microsoft.com/office/drawing/2014/main" xmlns="" id="{60B383F7-52C5-4FB7-AEC3-35A48D7354A0}"/>
+                  <a16:creationId xmlns="" xmlns:a16="http://schemas.microsoft.com/office/drawing/2014/main" id="{60B383F7-52C5-4FB7-AEC3-35A48D7354A0}"/>
                 </a:ext>
               </a:extLst>
             </p:cNvPr>
@@ -20497,7 +20497,7 @@
             <a:blip r:embed="rId2" cstate="print">
               <a:extLst>
                 <a:ext uri="{28A0092B-C50C-407E-A947-70E740481C1C}">
-                  <a14:useLocalDpi xmlns:a14="http://schemas.microsoft.com/office/drawing/2010/main" xmlns="" val="0"/>
+                  <a14:useLocalDpi xmlns="" xmlns:a14="http://schemas.microsoft.com/office/drawing/2010/main" val="0"/>
                 </a:ext>
               </a:extLst>
             </a:blip>
@@ -20521,7 +20521,7 @@
           <p:cNvPr id="60" name="Group 59">
             <a:extLst>
               <a:ext uri="{FF2B5EF4-FFF2-40B4-BE49-F238E27FC236}">
-                <a16:creationId xmlns:a16="http://schemas.microsoft.com/office/drawing/2014/main" xmlns="" id="{6F7667A6-1C16-4F0A-A162-61BD16E6BE6B}"/>
+                <a16:creationId xmlns="" xmlns:a16="http://schemas.microsoft.com/office/drawing/2014/main" id="{6F7667A6-1C16-4F0A-A162-61BD16E6BE6B}"/>
               </a:ext>
             </a:extLst>
           </p:cNvPr>
@@ -20541,7 +20541,7 @@
             <p:cNvPr id="61" name="Rectangle 60">
               <a:extLst>
                 <a:ext uri="{FF2B5EF4-FFF2-40B4-BE49-F238E27FC236}">
-                  <a16:creationId xmlns:a16="http://schemas.microsoft.com/office/drawing/2014/main" xmlns="" id="{0E8C29A9-4AAB-442C-A7A4-40DCCE0A9694}"/>
+                  <a16:creationId xmlns="" xmlns:a16="http://schemas.microsoft.com/office/drawing/2014/main" id="{0E8C29A9-4AAB-442C-A7A4-40DCCE0A9694}"/>
                 </a:ext>
               </a:extLst>
             </p:cNvPr>
@@ -20602,7 +20602,7 @@
             <p:cNvPr id="62" name="Freeform: Shape 61">
               <a:extLst>
                 <a:ext uri="{FF2B5EF4-FFF2-40B4-BE49-F238E27FC236}">
-                  <a16:creationId xmlns:a16="http://schemas.microsoft.com/office/drawing/2014/main" xmlns="" id="{81520FE7-5699-4290-9C3C-51E0C60ECC6B}"/>
+                  <a16:creationId xmlns="" xmlns:a16="http://schemas.microsoft.com/office/drawing/2014/main" id="{81520FE7-5699-4290-9C3C-51E0C60ECC6B}"/>
                 </a:ext>
               </a:extLst>
             </p:cNvPr>
@@ -20709,7 +20709,7 @@
             <p:cNvPr id="63" name="TextBox 62">
               <a:extLst>
                 <a:ext uri="{FF2B5EF4-FFF2-40B4-BE49-F238E27FC236}">
-                  <a16:creationId xmlns:a16="http://schemas.microsoft.com/office/drawing/2014/main" xmlns="" id="{AFD50D6F-822B-4109-8B0C-BA004A0B7145}"/>
+                  <a16:creationId xmlns="" xmlns:a16="http://schemas.microsoft.com/office/drawing/2014/main" id="{AFD50D6F-822B-4109-8B0C-BA004A0B7145}"/>
                 </a:ext>
               </a:extLst>
             </p:cNvPr>
@@ -20750,7 +20750,7 @@
             <p:cNvPr id="64" name="Picture 63">
               <a:extLst>
                 <a:ext uri="{FF2B5EF4-FFF2-40B4-BE49-F238E27FC236}">
-                  <a16:creationId xmlns:a16="http://schemas.microsoft.com/office/drawing/2014/main" xmlns="" id="{0376C61F-147B-441E-B32E-45D5BC1B66B5}"/>
+                  <a16:creationId xmlns="" xmlns:a16="http://schemas.microsoft.com/office/drawing/2014/main" id="{0376C61F-147B-441E-B32E-45D5BC1B66B5}"/>
                 </a:ext>
               </a:extLst>
             </p:cNvPr>
@@ -20763,7 +20763,7 @@
             <a:blip r:embed="rId2" cstate="print">
               <a:extLst>
                 <a:ext uri="{28A0092B-C50C-407E-A947-70E740481C1C}">
-                  <a14:useLocalDpi xmlns:a14="http://schemas.microsoft.com/office/drawing/2010/main" xmlns="" val="0"/>
+                  <a14:useLocalDpi xmlns="" xmlns:a14="http://schemas.microsoft.com/office/drawing/2010/main" val="0"/>
                 </a:ext>
               </a:extLst>
             </a:blip>
@@ -20787,7 +20787,7 @@
           <p:cNvPr id="70" name="Rectangle 69">
             <a:extLst>
               <a:ext uri="{FF2B5EF4-FFF2-40B4-BE49-F238E27FC236}">
-                <a16:creationId xmlns:a16="http://schemas.microsoft.com/office/drawing/2014/main" xmlns="" id="{990CE96C-B0E8-49CB-B717-EBFFECB66027}"/>
+                <a16:creationId xmlns="" xmlns:a16="http://schemas.microsoft.com/office/drawing/2014/main" id="{990CE96C-B0E8-49CB-B717-EBFFECB66027}"/>
               </a:ext>
             </a:extLst>
           </p:cNvPr>
@@ -20848,7 +20848,7 @@
           <p:cNvPr id="95" name="Group 94">
             <a:extLst>
               <a:ext uri="{FF2B5EF4-FFF2-40B4-BE49-F238E27FC236}">
-                <a16:creationId xmlns:a16="http://schemas.microsoft.com/office/drawing/2014/main" xmlns="" id="{4E70D3F9-D583-4ACD-8480-0F4A65ED3C83}"/>
+                <a16:creationId xmlns="" xmlns:a16="http://schemas.microsoft.com/office/drawing/2014/main" id="{4E70D3F9-D583-4ACD-8480-0F4A65ED3C83}"/>
               </a:ext>
             </a:extLst>
           </p:cNvPr>
@@ -20868,7 +20868,7 @@
             <p:cNvPr id="96" name="Rectangle 95">
               <a:extLst>
                 <a:ext uri="{FF2B5EF4-FFF2-40B4-BE49-F238E27FC236}">
-                  <a16:creationId xmlns:a16="http://schemas.microsoft.com/office/drawing/2014/main" xmlns="" id="{321108FC-08B5-45CC-AB47-1104119B25FD}"/>
+                  <a16:creationId xmlns="" xmlns:a16="http://schemas.microsoft.com/office/drawing/2014/main" id="{321108FC-08B5-45CC-AB47-1104119B25FD}"/>
                 </a:ext>
               </a:extLst>
             </p:cNvPr>
@@ -20929,7 +20929,7 @@
             <p:cNvPr id="97" name="Freeform: Shape 96">
               <a:extLst>
                 <a:ext uri="{FF2B5EF4-FFF2-40B4-BE49-F238E27FC236}">
-                  <a16:creationId xmlns:a16="http://schemas.microsoft.com/office/drawing/2014/main" xmlns="" id="{96A47C8C-7F88-484E-817B-572BEDC2BC69}"/>
+                  <a16:creationId xmlns="" xmlns:a16="http://schemas.microsoft.com/office/drawing/2014/main" id="{96A47C8C-7F88-484E-817B-572BEDC2BC69}"/>
                 </a:ext>
               </a:extLst>
             </p:cNvPr>
@@ -21036,7 +21036,7 @@
             <p:cNvPr id="98" name="TextBox 97">
               <a:extLst>
                 <a:ext uri="{FF2B5EF4-FFF2-40B4-BE49-F238E27FC236}">
-                  <a16:creationId xmlns:a16="http://schemas.microsoft.com/office/drawing/2014/main" xmlns="" id="{E3DB5570-AC77-4396-9748-4183DF7C8396}"/>
+                  <a16:creationId xmlns="" xmlns:a16="http://schemas.microsoft.com/office/drawing/2014/main" id="{E3DB5570-AC77-4396-9748-4183DF7C8396}"/>
                 </a:ext>
               </a:extLst>
             </p:cNvPr>
@@ -21083,7 +21083,7 @@
             <p:cNvPr id="99" name="Picture 98">
               <a:extLst>
                 <a:ext uri="{FF2B5EF4-FFF2-40B4-BE49-F238E27FC236}">
-                  <a16:creationId xmlns:a16="http://schemas.microsoft.com/office/drawing/2014/main" xmlns="" id="{F6ED4041-CDD9-443D-802E-47D4387906FA}"/>
+                  <a16:creationId xmlns="" xmlns:a16="http://schemas.microsoft.com/office/drawing/2014/main" id="{F6ED4041-CDD9-443D-802E-47D4387906FA}"/>
                 </a:ext>
               </a:extLst>
             </p:cNvPr>
@@ -21096,7 +21096,7 @@
             <a:blip r:embed="rId2" cstate="print">
               <a:extLst>
                 <a:ext uri="{28A0092B-C50C-407E-A947-70E740481C1C}">
-                  <a14:useLocalDpi xmlns:a14="http://schemas.microsoft.com/office/drawing/2010/main" xmlns="" val="0"/>
+                  <a14:useLocalDpi xmlns="" xmlns:a14="http://schemas.microsoft.com/office/drawing/2010/main" val="0"/>
                 </a:ext>
               </a:extLst>
             </a:blip>
@@ -21120,7 +21120,7 @@
           <p:cNvPr id="71" name="Group 70">
             <a:extLst>
               <a:ext uri="{FF2B5EF4-FFF2-40B4-BE49-F238E27FC236}">
-                <a16:creationId xmlns:a16="http://schemas.microsoft.com/office/drawing/2014/main" xmlns="" id="{E7044FAB-DB4A-4E59-B111-8CA4168E7FA4}"/>
+                <a16:creationId xmlns="" xmlns:a16="http://schemas.microsoft.com/office/drawing/2014/main" id="{E7044FAB-DB4A-4E59-B111-8CA4168E7FA4}"/>
               </a:ext>
             </a:extLst>
           </p:cNvPr>
@@ -21140,7 +21140,7 @@
             <p:cNvPr id="72" name="Rectangle 71">
               <a:extLst>
                 <a:ext uri="{FF2B5EF4-FFF2-40B4-BE49-F238E27FC236}">
-                  <a16:creationId xmlns:a16="http://schemas.microsoft.com/office/drawing/2014/main" xmlns="" id="{824F072A-08CC-4CC6-B5EF-C1833A244FA3}"/>
+                  <a16:creationId xmlns="" xmlns:a16="http://schemas.microsoft.com/office/drawing/2014/main" id="{824F072A-08CC-4CC6-B5EF-C1833A244FA3}"/>
                 </a:ext>
               </a:extLst>
             </p:cNvPr>
@@ -21201,7 +21201,7 @@
             <p:cNvPr id="73" name="Freeform: Shape 72">
               <a:extLst>
                 <a:ext uri="{FF2B5EF4-FFF2-40B4-BE49-F238E27FC236}">
-                  <a16:creationId xmlns:a16="http://schemas.microsoft.com/office/drawing/2014/main" xmlns="" id="{A3C6C4A9-8B6A-429B-980E-26CD0C3A573E}"/>
+                  <a16:creationId xmlns="" xmlns:a16="http://schemas.microsoft.com/office/drawing/2014/main" id="{A3C6C4A9-8B6A-429B-980E-26CD0C3A573E}"/>
                 </a:ext>
               </a:extLst>
             </p:cNvPr>
@@ -21308,7 +21308,7 @@
             <p:cNvPr id="74" name="TextBox 73">
               <a:extLst>
                 <a:ext uri="{FF2B5EF4-FFF2-40B4-BE49-F238E27FC236}">
-                  <a16:creationId xmlns:a16="http://schemas.microsoft.com/office/drawing/2014/main" xmlns="" id="{858AC381-BFD1-4A89-AE49-8ADC853A6849}"/>
+                  <a16:creationId xmlns="" xmlns:a16="http://schemas.microsoft.com/office/drawing/2014/main" id="{858AC381-BFD1-4A89-AE49-8ADC853A6849}"/>
                 </a:ext>
               </a:extLst>
             </p:cNvPr>
@@ -21355,7 +21355,7 @@
             <p:cNvPr id="75" name="Picture 74">
               <a:extLst>
                 <a:ext uri="{FF2B5EF4-FFF2-40B4-BE49-F238E27FC236}">
-                  <a16:creationId xmlns:a16="http://schemas.microsoft.com/office/drawing/2014/main" xmlns="" id="{9DF2E944-82FA-495B-8A5C-9BDE26355383}"/>
+                  <a16:creationId xmlns="" xmlns:a16="http://schemas.microsoft.com/office/drawing/2014/main" id="{9DF2E944-82FA-495B-8A5C-9BDE26355383}"/>
                 </a:ext>
               </a:extLst>
             </p:cNvPr>
@@ -21368,7 +21368,7 @@
             <a:blip r:embed="rId2" cstate="print">
               <a:extLst>
                 <a:ext uri="{28A0092B-C50C-407E-A947-70E740481C1C}">
-                  <a14:useLocalDpi xmlns:a14="http://schemas.microsoft.com/office/drawing/2010/main" xmlns="" val="0"/>
+                  <a14:useLocalDpi xmlns="" xmlns:a14="http://schemas.microsoft.com/office/drawing/2010/main" val="0"/>
                 </a:ext>
               </a:extLst>
             </a:blip>
@@ -21392,7 +21392,7 @@
           <p:cNvPr id="76" name="Group 75">
             <a:extLst>
               <a:ext uri="{FF2B5EF4-FFF2-40B4-BE49-F238E27FC236}">
-                <a16:creationId xmlns:a16="http://schemas.microsoft.com/office/drawing/2014/main" xmlns="" id="{60E31D48-090A-4A9C-AF5C-4B0C49C47C7D}"/>
+                <a16:creationId xmlns="" xmlns:a16="http://schemas.microsoft.com/office/drawing/2014/main" id="{60E31D48-090A-4A9C-AF5C-4B0C49C47C7D}"/>
               </a:ext>
             </a:extLst>
           </p:cNvPr>
@@ -21412,7 +21412,7 @@
             <p:cNvPr id="77" name="Rectangle 76">
               <a:extLst>
                 <a:ext uri="{FF2B5EF4-FFF2-40B4-BE49-F238E27FC236}">
-                  <a16:creationId xmlns:a16="http://schemas.microsoft.com/office/drawing/2014/main" xmlns="" id="{3A79A714-CB74-4EFD-9BC1-A7F2F993842A}"/>
+                  <a16:creationId xmlns="" xmlns:a16="http://schemas.microsoft.com/office/drawing/2014/main" id="{3A79A714-CB74-4EFD-9BC1-A7F2F993842A}"/>
                 </a:ext>
               </a:extLst>
             </p:cNvPr>
@@ -21473,7 +21473,7 @@
             <p:cNvPr id="78" name="Freeform: Shape 77">
               <a:extLst>
                 <a:ext uri="{FF2B5EF4-FFF2-40B4-BE49-F238E27FC236}">
-                  <a16:creationId xmlns:a16="http://schemas.microsoft.com/office/drawing/2014/main" xmlns="" id="{B006C60A-833A-41C2-A553-8132E7B3A7DB}"/>
+                  <a16:creationId xmlns="" xmlns:a16="http://schemas.microsoft.com/office/drawing/2014/main" id="{B006C60A-833A-41C2-A553-8132E7B3A7DB}"/>
                 </a:ext>
               </a:extLst>
             </p:cNvPr>
@@ -21580,7 +21580,7 @@
             <p:cNvPr id="79" name="TextBox 78">
               <a:extLst>
                 <a:ext uri="{FF2B5EF4-FFF2-40B4-BE49-F238E27FC236}">
-                  <a16:creationId xmlns:a16="http://schemas.microsoft.com/office/drawing/2014/main" xmlns="" id="{95AECC6C-A520-4756-9163-08D14835D791}"/>
+                  <a16:creationId xmlns="" xmlns:a16="http://schemas.microsoft.com/office/drawing/2014/main" id="{95AECC6C-A520-4756-9163-08D14835D791}"/>
                 </a:ext>
               </a:extLst>
             </p:cNvPr>
@@ -21627,7 +21627,7 @@
             <p:cNvPr id="80" name="Picture 79">
               <a:extLst>
                 <a:ext uri="{FF2B5EF4-FFF2-40B4-BE49-F238E27FC236}">
-                  <a16:creationId xmlns:a16="http://schemas.microsoft.com/office/drawing/2014/main" xmlns="" id="{0F8A56B9-A504-4035-8439-53ED4617B8B4}"/>
+                  <a16:creationId xmlns="" xmlns:a16="http://schemas.microsoft.com/office/drawing/2014/main" id="{0F8A56B9-A504-4035-8439-53ED4617B8B4}"/>
                 </a:ext>
               </a:extLst>
             </p:cNvPr>
@@ -21640,7 +21640,7 @@
             <a:blip r:embed="rId2" cstate="print">
               <a:extLst>
                 <a:ext uri="{28A0092B-C50C-407E-A947-70E740481C1C}">
-                  <a14:useLocalDpi xmlns:a14="http://schemas.microsoft.com/office/drawing/2010/main" xmlns="" val="0"/>
+                  <a14:useLocalDpi xmlns="" xmlns:a14="http://schemas.microsoft.com/office/drawing/2010/main" val="0"/>
                 </a:ext>
               </a:extLst>
             </a:blip>
@@ -21887,7 +21887,7 @@
     </p:spTree>
     <p:extLst>
       <p:ext uri="{BB962C8B-B14F-4D97-AF65-F5344CB8AC3E}">
-        <p14:creationId xmlns:p14="http://schemas.microsoft.com/office/powerpoint/2010/main" xmlns="" val="3557959593"/>
+        <p14:creationId xmlns="" xmlns:p14="http://schemas.microsoft.com/office/powerpoint/2010/main" val="3557959593"/>
       </p:ext>
     </p:extLst>
   </p:cSld>
@@ -21943,7 +21943,7 @@
                                     </p:set>
                                     <p:animEffect transition="in" filter="fade">
                                       <p:cBhvr>
-                                        <p:cTn id="7" dur="1000"/>
+                                        <p:cTn id="7" dur="2000"/>
                                         <p:tgtEl>
                                           <p:spTgt spid="81"/>
                                         </p:tgtEl>
@@ -21958,7 +21958,7 @@
                         <p:par>
                           <p:cTn id="8" fill="hold">
                             <p:stCondLst>
-                              <p:cond delay="1000"/>
+                              <p:cond delay="2000"/>
                             </p:stCondLst>
                             <p:childTnLst>
                               <p:par>
@@ -22002,7 +22002,7 @@
                         <p:par>
                           <p:cTn id="12" fill="hold">
                             <p:stCondLst>
-                              <p:cond delay="2000"/>
+                              <p:cond delay="3000"/>
                             </p:stCondLst>
                             <p:childTnLst>
                               <p:par>
@@ -22046,7 +22046,7 @@
                         <p:par>
                           <p:cTn id="16" fill="hold">
                             <p:stCondLst>
-                              <p:cond delay="3000"/>
+                              <p:cond delay="4000"/>
                             </p:stCondLst>
                             <p:childTnLst>
                               <p:par>
@@ -22090,7 +22090,7 @@
                         <p:par>
                           <p:cTn id="20" fill="hold">
                             <p:stCondLst>
-                              <p:cond delay="4000"/>
+                              <p:cond delay="5000"/>
                             </p:stCondLst>
                             <p:childTnLst>
                               <p:par>
@@ -22134,7 +22134,7 @@
                         <p:par>
                           <p:cTn id="24" fill="hold">
                             <p:stCondLst>
-                              <p:cond delay="6000"/>
+                              <p:cond delay="7000"/>
                             </p:stCondLst>
                             <p:childTnLst>
                               <p:par>
@@ -22178,7 +22178,7 @@
                         <p:par>
                           <p:cTn id="28" fill="hold">
                             <p:stCondLst>
-                              <p:cond delay="8000"/>
+                              <p:cond delay="9000"/>
                             </p:stCondLst>
                             <p:childTnLst>
                               <p:par>
@@ -22320,7 +22320,7 @@
           <p:cNvPr id="2" name="Group 49">
             <a:extLst>
               <a:ext uri="{FF2B5EF4-FFF2-40B4-BE49-F238E27FC236}">
-                <a16:creationId xmlns:a16="http://schemas.microsoft.com/office/drawing/2014/main" xmlns="" id="{10781169-B7A4-446E-BD33-B9650367A7F9}"/>
+                <a16:creationId xmlns="" xmlns:a16="http://schemas.microsoft.com/office/drawing/2014/main" id="{10781169-B7A4-446E-BD33-B9650367A7F9}"/>
               </a:ext>
             </a:extLst>
           </p:cNvPr>
@@ -22340,7 +22340,7 @@
             <p:cNvPr id="51" name="Rectangle 50">
               <a:extLst>
                 <a:ext uri="{FF2B5EF4-FFF2-40B4-BE49-F238E27FC236}">
-                  <a16:creationId xmlns:a16="http://schemas.microsoft.com/office/drawing/2014/main" xmlns="" id="{CED3AF08-30FC-4AFF-9C5C-99D0A7099514}"/>
+                  <a16:creationId xmlns="" xmlns:a16="http://schemas.microsoft.com/office/drawing/2014/main" id="{CED3AF08-30FC-4AFF-9C5C-99D0A7099514}"/>
                 </a:ext>
               </a:extLst>
             </p:cNvPr>
@@ -22401,7 +22401,7 @@
             <p:cNvPr id="52" name="Freeform: Shape 51">
               <a:extLst>
                 <a:ext uri="{FF2B5EF4-FFF2-40B4-BE49-F238E27FC236}">
-                  <a16:creationId xmlns:a16="http://schemas.microsoft.com/office/drawing/2014/main" xmlns="" id="{99AF1FBA-9557-484A-B305-EE590A192E96}"/>
+                  <a16:creationId xmlns="" xmlns:a16="http://schemas.microsoft.com/office/drawing/2014/main" id="{99AF1FBA-9557-484A-B305-EE590A192E96}"/>
                 </a:ext>
               </a:extLst>
             </p:cNvPr>
@@ -22508,7 +22508,7 @@
             <p:cNvPr id="53" name="TextBox 52">
               <a:extLst>
                 <a:ext uri="{FF2B5EF4-FFF2-40B4-BE49-F238E27FC236}">
-                  <a16:creationId xmlns:a16="http://schemas.microsoft.com/office/drawing/2014/main" xmlns="" id="{407E3AA2-679E-4924-AC1B-FE6C3A02C251}"/>
+                  <a16:creationId xmlns="" xmlns:a16="http://schemas.microsoft.com/office/drawing/2014/main" id="{407E3AA2-679E-4924-AC1B-FE6C3A02C251}"/>
                 </a:ext>
               </a:extLst>
             </p:cNvPr>
@@ -22549,7 +22549,7 @@
             <p:cNvPr id="54" name="Picture 53">
               <a:extLst>
                 <a:ext uri="{FF2B5EF4-FFF2-40B4-BE49-F238E27FC236}">
-                  <a16:creationId xmlns:a16="http://schemas.microsoft.com/office/drawing/2014/main" xmlns="" id="{CD9846FC-755F-4A0E-BAD3-A5D51C0E1EBE}"/>
+                  <a16:creationId xmlns="" xmlns:a16="http://schemas.microsoft.com/office/drawing/2014/main" id="{CD9846FC-755F-4A0E-BAD3-A5D51C0E1EBE}"/>
                 </a:ext>
               </a:extLst>
             </p:cNvPr>
@@ -22562,7 +22562,7 @@
             <a:blip r:embed="rId2" cstate="print">
               <a:extLst>
                 <a:ext uri="{28A0092B-C50C-407E-A947-70E740481C1C}">
-                  <a14:useLocalDpi xmlns:a14="http://schemas.microsoft.com/office/drawing/2010/main" xmlns="" val="0"/>
+                  <a14:useLocalDpi xmlns="" xmlns:a14="http://schemas.microsoft.com/office/drawing/2010/main" val="0"/>
                 </a:ext>
               </a:extLst>
             </a:blip>
@@ -22586,7 +22586,7 @@
           <p:cNvPr id="3" name="Group 54">
             <a:extLst>
               <a:ext uri="{FF2B5EF4-FFF2-40B4-BE49-F238E27FC236}">
-                <a16:creationId xmlns:a16="http://schemas.microsoft.com/office/drawing/2014/main" xmlns="" id="{F00A67C9-4929-4EFF-9CB6-292640CD2738}"/>
+                <a16:creationId xmlns="" xmlns:a16="http://schemas.microsoft.com/office/drawing/2014/main" id="{F00A67C9-4929-4EFF-9CB6-292640CD2738}"/>
               </a:ext>
             </a:extLst>
           </p:cNvPr>
@@ -22606,7 +22606,7 @@
             <p:cNvPr id="56" name="Rectangle 55">
               <a:extLst>
                 <a:ext uri="{FF2B5EF4-FFF2-40B4-BE49-F238E27FC236}">
-                  <a16:creationId xmlns:a16="http://schemas.microsoft.com/office/drawing/2014/main" xmlns="" id="{3E8CDB02-4760-4298-BC44-93A18EB02F13}"/>
+                  <a16:creationId xmlns="" xmlns:a16="http://schemas.microsoft.com/office/drawing/2014/main" id="{3E8CDB02-4760-4298-BC44-93A18EB02F13}"/>
                 </a:ext>
               </a:extLst>
             </p:cNvPr>
@@ -22667,7 +22667,7 @@
             <p:cNvPr id="57" name="Freeform: Shape 56">
               <a:extLst>
                 <a:ext uri="{FF2B5EF4-FFF2-40B4-BE49-F238E27FC236}">
-                  <a16:creationId xmlns:a16="http://schemas.microsoft.com/office/drawing/2014/main" xmlns="" id="{57C0FD50-5E69-463E-A01B-65E9D864A386}"/>
+                  <a16:creationId xmlns="" xmlns:a16="http://schemas.microsoft.com/office/drawing/2014/main" id="{57C0FD50-5E69-463E-A01B-65E9D864A386}"/>
                 </a:ext>
               </a:extLst>
             </p:cNvPr>
@@ -22774,7 +22774,7 @@
             <p:cNvPr id="58" name="TextBox 57">
               <a:extLst>
                 <a:ext uri="{FF2B5EF4-FFF2-40B4-BE49-F238E27FC236}">
-                  <a16:creationId xmlns:a16="http://schemas.microsoft.com/office/drawing/2014/main" xmlns="" id="{04CBFB1D-37FD-419F-B98C-860BF5217905}"/>
+                  <a16:creationId xmlns="" xmlns:a16="http://schemas.microsoft.com/office/drawing/2014/main" id="{04CBFB1D-37FD-419F-B98C-860BF5217905}"/>
                 </a:ext>
               </a:extLst>
             </p:cNvPr>
@@ -22815,7 +22815,7 @@
             <p:cNvPr id="59" name="Picture 58">
               <a:extLst>
                 <a:ext uri="{FF2B5EF4-FFF2-40B4-BE49-F238E27FC236}">
-                  <a16:creationId xmlns:a16="http://schemas.microsoft.com/office/drawing/2014/main" xmlns="" id="{60B383F7-52C5-4FB7-AEC3-35A48D7354A0}"/>
+                  <a16:creationId xmlns="" xmlns:a16="http://schemas.microsoft.com/office/drawing/2014/main" id="{60B383F7-52C5-4FB7-AEC3-35A48D7354A0}"/>
                 </a:ext>
               </a:extLst>
             </p:cNvPr>
@@ -22828,7 +22828,7 @@
             <a:blip r:embed="rId2" cstate="print">
               <a:extLst>
                 <a:ext uri="{28A0092B-C50C-407E-A947-70E740481C1C}">
-                  <a14:useLocalDpi xmlns:a14="http://schemas.microsoft.com/office/drawing/2010/main" xmlns="" val="0"/>
+                  <a14:useLocalDpi xmlns="" xmlns:a14="http://schemas.microsoft.com/office/drawing/2010/main" val="0"/>
                 </a:ext>
               </a:extLst>
             </a:blip>
@@ -22852,7 +22852,7 @@
           <p:cNvPr id="4" name="Group 59">
             <a:extLst>
               <a:ext uri="{FF2B5EF4-FFF2-40B4-BE49-F238E27FC236}">
-                <a16:creationId xmlns:a16="http://schemas.microsoft.com/office/drawing/2014/main" xmlns="" id="{6F7667A6-1C16-4F0A-A162-61BD16E6BE6B}"/>
+                <a16:creationId xmlns="" xmlns:a16="http://schemas.microsoft.com/office/drawing/2014/main" id="{6F7667A6-1C16-4F0A-A162-61BD16E6BE6B}"/>
               </a:ext>
             </a:extLst>
           </p:cNvPr>
@@ -22872,7 +22872,7 @@
             <p:cNvPr id="61" name="Rectangle 60">
               <a:extLst>
                 <a:ext uri="{FF2B5EF4-FFF2-40B4-BE49-F238E27FC236}">
-                  <a16:creationId xmlns:a16="http://schemas.microsoft.com/office/drawing/2014/main" xmlns="" id="{0E8C29A9-4AAB-442C-A7A4-40DCCE0A9694}"/>
+                  <a16:creationId xmlns="" xmlns:a16="http://schemas.microsoft.com/office/drawing/2014/main" id="{0E8C29A9-4AAB-442C-A7A4-40DCCE0A9694}"/>
                 </a:ext>
               </a:extLst>
             </p:cNvPr>
@@ -22933,7 +22933,7 @@
             <p:cNvPr id="62" name="Freeform: Shape 61">
               <a:extLst>
                 <a:ext uri="{FF2B5EF4-FFF2-40B4-BE49-F238E27FC236}">
-                  <a16:creationId xmlns:a16="http://schemas.microsoft.com/office/drawing/2014/main" xmlns="" id="{81520FE7-5699-4290-9C3C-51E0C60ECC6B}"/>
+                  <a16:creationId xmlns="" xmlns:a16="http://schemas.microsoft.com/office/drawing/2014/main" id="{81520FE7-5699-4290-9C3C-51E0C60ECC6B}"/>
                 </a:ext>
               </a:extLst>
             </p:cNvPr>
@@ -23040,7 +23040,7 @@
             <p:cNvPr id="63" name="TextBox 62">
               <a:extLst>
                 <a:ext uri="{FF2B5EF4-FFF2-40B4-BE49-F238E27FC236}">
-                  <a16:creationId xmlns:a16="http://schemas.microsoft.com/office/drawing/2014/main" xmlns="" id="{AFD50D6F-822B-4109-8B0C-BA004A0B7145}"/>
+                  <a16:creationId xmlns="" xmlns:a16="http://schemas.microsoft.com/office/drawing/2014/main" id="{AFD50D6F-822B-4109-8B0C-BA004A0B7145}"/>
                 </a:ext>
               </a:extLst>
             </p:cNvPr>
@@ -23081,7 +23081,7 @@
             <p:cNvPr id="64" name="Picture 63">
               <a:extLst>
                 <a:ext uri="{FF2B5EF4-FFF2-40B4-BE49-F238E27FC236}">
-                  <a16:creationId xmlns:a16="http://schemas.microsoft.com/office/drawing/2014/main" xmlns="" id="{0376C61F-147B-441E-B32E-45D5BC1B66B5}"/>
+                  <a16:creationId xmlns="" xmlns:a16="http://schemas.microsoft.com/office/drawing/2014/main" id="{0376C61F-147B-441E-B32E-45D5BC1B66B5}"/>
                 </a:ext>
               </a:extLst>
             </p:cNvPr>
@@ -23094,7 +23094,7 @@
             <a:blip r:embed="rId2" cstate="print">
               <a:extLst>
                 <a:ext uri="{28A0092B-C50C-407E-A947-70E740481C1C}">
-                  <a14:useLocalDpi xmlns:a14="http://schemas.microsoft.com/office/drawing/2010/main" xmlns="" val="0"/>
+                  <a14:useLocalDpi xmlns="" xmlns:a14="http://schemas.microsoft.com/office/drawing/2010/main" val="0"/>
                 </a:ext>
               </a:extLst>
             </a:blip>
@@ -23118,7 +23118,7 @@
           <p:cNvPr id="5" name="Group 94">
             <a:extLst>
               <a:ext uri="{FF2B5EF4-FFF2-40B4-BE49-F238E27FC236}">
-                <a16:creationId xmlns:a16="http://schemas.microsoft.com/office/drawing/2014/main" xmlns="" id="{4E70D3F9-D583-4ACD-8480-0F4A65ED3C83}"/>
+                <a16:creationId xmlns="" xmlns:a16="http://schemas.microsoft.com/office/drawing/2014/main" id="{4E70D3F9-D583-4ACD-8480-0F4A65ED3C83}"/>
               </a:ext>
             </a:extLst>
           </p:cNvPr>
@@ -23138,7 +23138,7 @@
             <p:cNvPr id="96" name="Rectangle 95">
               <a:extLst>
                 <a:ext uri="{FF2B5EF4-FFF2-40B4-BE49-F238E27FC236}">
-                  <a16:creationId xmlns:a16="http://schemas.microsoft.com/office/drawing/2014/main" xmlns="" id="{321108FC-08B5-45CC-AB47-1104119B25FD}"/>
+                  <a16:creationId xmlns="" xmlns:a16="http://schemas.microsoft.com/office/drawing/2014/main" id="{321108FC-08B5-45CC-AB47-1104119B25FD}"/>
                 </a:ext>
               </a:extLst>
             </p:cNvPr>
@@ -23199,7 +23199,7 @@
             <p:cNvPr id="97" name="Freeform: Shape 96">
               <a:extLst>
                 <a:ext uri="{FF2B5EF4-FFF2-40B4-BE49-F238E27FC236}">
-                  <a16:creationId xmlns:a16="http://schemas.microsoft.com/office/drawing/2014/main" xmlns="" id="{96A47C8C-7F88-484E-817B-572BEDC2BC69}"/>
+                  <a16:creationId xmlns="" xmlns:a16="http://schemas.microsoft.com/office/drawing/2014/main" id="{96A47C8C-7F88-484E-817B-572BEDC2BC69}"/>
                 </a:ext>
               </a:extLst>
             </p:cNvPr>
@@ -23306,7 +23306,7 @@
             <p:cNvPr id="98" name="TextBox 97">
               <a:extLst>
                 <a:ext uri="{FF2B5EF4-FFF2-40B4-BE49-F238E27FC236}">
-                  <a16:creationId xmlns:a16="http://schemas.microsoft.com/office/drawing/2014/main" xmlns="" id="{E3DB5570-AC77-4396-9748-4183DF7C8396}"/>
+                  <a16:creationId xmlns="" xmlns:a16="http://schemas.microsoft.com/office/drawing/2014/main" id="{E3DB5570-AC77-4396-9748-4183DF7C8396}"/>
                 </a:ext>
               </a:extLst>
             </p:cNvPr>
@@ -23353,7 +23353,7 @@
             <p:cNvPr id="99" name="Picture 98">
               <a:extLst>
                 <a:ext uri="{FF2B5EF4-FFF2-40B4-BE49-F238E27FC236}">
-                  <a16:creationId xmlns:a16="http://schemas.microsoft.com/office/drawing/2014/main" xmlns="" id="{F6ED4041-CDD9-443D-802E-47D4387906FA}"/>
+                  <a16:creationId xmlns="" xmlns:a16="http://schemas.microsoft.com/office/drawing/2014/main" id="{F6ED4041-CDD9-443D-802E-47D4387906FA}"/>
                 </a:ext>
               </a:extLst>
             </p:cNvPr>
@@ -23366,7 +23366,7 @@
             <a:blip r:embed="rId2" cstate="print">
               <a:extLst>
                 <a:ext uri="{28A0092B-C50C-407E-A947-70E740481C1C}">
-                  <a14:useLocalDpi xmlns:a14="http://schemas.microsoft.com/office/drawing/2010/main" xmlns="" val="0"/>
+                  <a14:useLocalDpi xmlns="" xmlns:a14="http://schemas.microsoft.com/office/drawing/2010/main" val="0"/>
                 </a:ext>
               </a:extLst>
             </a:blip>
@@ -23390,7 +23390,7 @@
           <p:cNvPr id="6" name="Group 70">
             <a:extLst>
               <a:ext uri="{FF2B5EF4-FFF2-40B4-BE49-F238E27FC236}">
-                <a16:creationId xmlns:a16="http://schemas.microsoft.com/office/drawing/2014/main" xmlns="" id="{E7044FAB-DB4A-4E59-B111-8CA4168E7FA4}"/>
+                <a16:creationId xmlns="" xmlns:a16="http://schemas.microsoft.com/office/drawing/2014/main" id="{E7044FAB-DB4A-4E59-B111-8CA4168E7FA4}"/>
               </a:ext>
             </a:extLst>
           </p:cNvPr>
@@ -23410,7 +23410,7 @@
             <p:cNvPr id="72" name="Rectangle 71">
               <a:extLst>
                 <a:ext uri="{FF2B5EF4-FFF2-40B4-BE49-F238E27FC236}">
-                  <a16:creationId xmlns:a16="http://schemas.microsoft.com/office/drawing/2014/main" xmlns="" id="{824F072A-08CC-4CC6-B5EF-C1833A244FA3}"/>
+                  <a16:creationId xmlns="" xmlns:a16="http://schemas.microsoft.com/office/drawing/2014/main" id="{824F072A-08CC-4CC6-B5EF-C1833A244FA3}"/>
                 </a:ext>
               </a:extLst>
             </p:cNvPr>
@@ -23471,7 +23471,7 @@
             <p:cNvPr id="73" name="Freeform: Shape 72">
               <a:extLst>
                 <a:ext uri="{FF2B5EF4-FFF2-40B4-BE49-F238E27FC236}">
-                  <a16:creationId xmlns:a16="http://schemas.microsoft.com/office/drawing/2014/main" xmlns="" id="{A3C6C4A9-8B6A-429B-980E-26CD0C3A573E}"/>
+                  <a16:creationId xmlns="" xmlns:a16="http://schemas.microsoft.com/office/drawing/2014/main" id="{A3C6C4A9-8B6A-429B-980E-26CD0C3A573E}"/>
                 </a:ext>
               </a:extLst>
             </p:cNvPr>
@@ -23578,7 +23578,7 @@
             <p:cNvPr id="74" name="TextBox 73">
               <a:extLst>
                 <a:ext uri="{FF2B5EF4-FFF2-40B4-BE49-F238E27FC236}">
-                  <a16:creationId xmlns:a16="http://schemas.microsoft.com/office/drawing/2014/main" xmlns="" id="{858AC381-BFD1-4A89-AE49-8ADC853A6849}"/>
+                  <a16:creationId xmlns="" xmlns:a16="http://schemas.microsoft.com/office/drawing/2014/main" id="{858AC381-BFD1-4A89-AE49-8ADC853A6849}"/>
                 </a:ext>
               </a:extLst>
             </p:cNvPr>
@@ -23625,7 +23625,7 @@
             <p:cNvPr id="75" name="Picture 74">
               <a:extLst>
                 <a:ext uri="{FF2B5EF4-FFF2-40B4-BE49-F238E27FC236}">
-                  <a16:creationId xmlns:a16="http://schemas.microsoft.com/office/drawing/2014/main" xmlns="" id="{9DF2E944-82FA-495B-8A5C-9BDE26355383}"/>
+                  <a16:creationId xmlns="" xmlns:a16="http://schemas.microsoft.com/office/drawing/2014/main" id="{9DF2E944-82FA-495B-8A5C-9BDE26355383}"/>
                 </a:ext>
               </a:extLst>
             </p:cNvPr>
@@ -23638,7 +23638,7 @@
             <a:blip r:embed="rId2" cstate="print">
               <a:extLst>
                 <a:ext uri="{28A0092B-C50C-407E-A947-70E740481C1C}">
-                  <a14:useLocalDpi xmlns:a14="http://schemas.microsoft.com/office/drawing/2010/main" xmlns="" val="0"/>
+                  <a14:useLocalDpi xmlns="" xmlns:a14="http://schemas.microsoft.com/office/drawing/2010/main" val="0"/>
                 </a:ext>
               </a:extLst>
             </a:blip>
@@ -23662,7 +23662,7 @@
           <p:cNvPr id="7" name="Group 75">
             <a:extLst>
               <a:ext uri="{FF2B5EF4-FFF2-40B4-BE49-F238E27FC236}">
-                <a16:creationId xmlns:a16="http://schemas.microsoft.com/office/drawing/2014/main" xmlns="" id="{60E31D48-090A-4A9C-AF5C-4B0C49C47C7D}"/>
+                <a16:creationId xmlns="" xmlns:a16="http://schemas.microsoft.com/office/drawing/2014/main" id="{60E31D48-090A-4A9C-AF5C-4B0C49C47C7D}"/>
               </a:ext>
             </a:extLst>
           </p:cNvPr>
@@ -23682,7 +23682,7 @@
             <p:cNvPr id="77" name="Rectangle 76">
               <a:extLst>
                 <a:ext uri="{FF2B5EF4-FFF2-40B4-BE49-F238E27FC236}">
-                  <a16:creationId xmlns:a16="http://schemas.microsoft.com/office/drawing/2014/main" xmlns="" id="{3A79A714-CB74-4EFD-9BC1-A7F2F993842A}"/>
+                  <a16:creationId xmlns="" xmlns:a16="http://schemas.microsoft.com/office/drawing/2014/main" id="{3A79A714-CB74-4EFD-9BC1-A7F2F993842A}"/>
                 </a:ext>
               </a:extLst>
             </p:cNvPr>
@@ -23743,7 +23743,7 @@
             <p:cNvPr id="78" name="Freeform: Shape 77">
               <a:extLst>
                 <a:ext uri="{FF2B5EF4-FFF2-40B4-BE49-F238E27FC236}">
-                  <a16:creationId xmlns:a16="http://schemas.microsoft.com/office/drawing/2014/main" xmlns="" id="{B006C60A-833A-41C2-A553-8132E7B3A7DB}"/>
+                  <a16:creationId xmlns="" xmlns:a16="http://schemas.microsoft.com/office/drawing/2014/main" id="{B006C60A-833A-41C2-A553-8132E7B3A7DB}"/>
                 </a:ext>
               </a:extLst>
             </p:cNvPr>
@@ -23850,7 +23850,7 @@
             <p:cNvPr id="79" name="TextBox 78">
               <a:extLst>
                 <a:ext uri="{FF2B5EF4-FFF2-40B4-BE49-F238E27FC236}">
-                  <a16:creationId xmlns:a16="http://schemas.microsoft.com/office/drawing/2014/main" xmlns="" id="{95AECC6C-A520-4756-9163-08D14835D791}"/>
+                  <a16:creationId xmlns="" xmlns:a16="http://schemas.microsoft.com/office/drawing/2014/main" id="{95AECC6C-A520-4756-9163-08D14835D791}"/>
                 </a:ext>
               </a:extLst>
             </p:cNvPr>
@@ -23897,7 +23897,7 @@
             <p:cNvPr id="80" name="Picture 79">
               <a:extLst>
                 <a:ext uri="{FF2B5EF4-FFF2-40B4-BE49-F238E27FC236}">
-                  <a16:creationId xmlns:a16="http://schemas.microsoft.com/office/drawing/2014/main" xmlns="" id="{0F8A56B9-A504-4035-8439-53ED4617B8B4}"/>
+                  <a16:creationId xmlns="" xmlns:a16="http://schemas.microsoft.com/office/drawing/2014/main" id="{0F8A56B9-A504-4035-8439-53ED4617B8B4}"/>
                 </a:ext>
               </a:extLst>
             </p:cNvPr>
@@ -23910,7 +23910,7 @@
             <a:blip r:embed="rId2" cstate="print">
               <a:extLst>
                 <a:ext uri="{28A0092B-C50C-407E-A947-70E740481C1C}">
-                  <a14:useLocalDpi xmlns:a14="http://schemas.microsoft.com/office/drawing/2010/main" xmlns="" val="0"/>
+                  <a14:useLocalDpi xmlns="" xmlns:a14="http://schemas.microsoft.com/office/drawing/2010/main" val="0"/>
                 </a:ext>
               </a:extLst>
             </a:blip>
@@ -23932,7 +23932,7 @@
     </p:spTree>
     <p:extLst>
       <p:ext uri="{BB962C8B-B14F-4D97-AF65-F5344CB8AC3E}">
-        <p14:creationId xmlns:p14="http://schemas.microsoft.com/office/powerpoint/2010/main" xmlns="" val="1327239487"/>
+        <p14:creationId xmlns="" xmlns:p14="http://schemas.microsoft.com/office/powerpoint/2010/main" val="1327239487"/>
       </p:ext>
     </p:extLst>
   </p:cSld>
@@ -23940,7 +23940,7 @@
     <a:masterClrMapping/>
   </p:clrMapOvr>
   <mc:AlternateContent xmlns:mc="http://schemas.openxmlformats.org/markup-compatibility/2006">
-    <mc:Choice xmlns:p159="http://schemas.microsoft.com/office/powerpoint/2015/09/main" xmlns="" Requires="p159">
+    <mc:Choice xmlns="" xmlns:p159="http://schemas.microsoft.com/office/powerpoint/2015/09/main" Requires="p159">
       <p:transition spd="med">
         <p159:morph option="byObject"/>
       </p:transition>
@@ -23983,7 +23983,7 @@
           <p:cNvPr id="2" name="Group 49">
             <a:extLst>
               <a:ext uri="{FF2B5EF4-FFF2-40B4-BE49-F238E27FC236}">
-                <a16:creationId xmlns:a16="http://schemas.microsoft.com/office/drawing/2014/main" xmlns="" id="{10781169-B7A4-446E-BD33-B9650367A7F9}"/>
+                <a16:creationId xmlns="" xmlns:a16="http://schemas.microsoft.com/office/drawing/2014/main" id="{10781169-B7A4-446E-BD33-B9650367A7F9}"/>
               </a:ext>
             </a:extLst>
           </p:cNvPr>
@@ -24003,7 +24003,7 @@
             <p:cNvPr id="51" name="Rectangle 50">
               <a:extLst>
                 <a:ext uri="{FF2B5EF4-FFF2-40B4-BE49-F238E27FC236}">
-                  <a16:creationId xmlns:a16="http://schemas.microsoft.com/office/drawing/2014/main" xmlns="" id="{CED3AF08-30FC-4AFF-9C5C-99D0A7099514}"/>
+                  <a16:creationId xmlns="" xmlns:a16="http://schemas.microsoft.com/office/drawing/2014/main" id="{CED3AF08-30FC-4AFF-9C5C-99D0A7099514}"/>
                 </a:ext>
               </a:extLst>
             </p:cNvPr>
@@ -24064,7 +24064,7 @@
             <p:cNvPr id="52" name="Freeform: Shape 51">
               <a:extLst>
                 <a:ext uri="{FF2B5EF4-FFF2-40B4-BE49-F238E27FC236}">
-                  <a16:creationId xmlns:a16="http://schemas.microsoft.com/office/drawing/2014/main" xmlns="" id="{99AF1FBA-9557-484A-B305-EE590A192E96}"/>
+                  <a16:creationId xmlns="" xmlns:a16="http://schemas.microsoft.com/office/drawing/2014/main" id="{99AF1FBA-9557-484A-B305-EE590A192E96}"/>
                 </a:ext>
               </a:extLst>
             </p:cNvPr>
@@ -24171,7 +24171,7 @@
             <p:cNvPr id="53" name="TextBox 52">
               <a:extLst>
                 <a:ext uri="{FF2B5EF4-FFF2-40B4-BE49-F238E27FC236}">
-                  <a16:creationId xmlns:a16="http://schemas.microsoft.com/office/drawing/2014/main" xmlns="" id="{407E3AA2-679E-4924-AC1B-FE6C3A02C251}"/>
+                  <a16:creationId xmlns="" xmlns:a16="http://schemas.microsoft.com/office/drawing/2014/main" id="{407E3AA2-679E-4924-AC1B-FE6C3A02C251}"/>
                 </a:ext>
               </a:extLst>
             </p:cNvPr>
@@ -24212,7 +24212,7 @@
             <p:cNvPr id="54" name="Picture 53">
               <a:extLst>
                 <a:ext uri="{FF2B5EF4-FFF2-40B4-BE49-F238E27FC236}">
-                  <a16:creationId xmlns:a16="http://schemas.microsoft.com/office/drawing/2014/main" xmlns="" id="{CD9846FC-755F-4A0E-BAD3-A5D51C0E1EBE}"/>
+                  <a16:creationId xmlns="" xmlns:a16="http://schemas.microsoft.com/office/drawing/2014/main" id="{CD9846FC-755F-4A0E-BAD3-A5D51C0E1EBE}"/>
                 </a:ext>
               </a:extLst>
             </p:cNvPr>
@@ -24225,7 +24225,7 @@
             <a:blip r:embed="rId2" cstate="print">
               <a:extLst>
                 <a:ext uri="{28A0092B-C50C-407E-A947-70E740481C1C}">
-                  <a14:useLocalDpi xmlns:a14="http://schemas.microsoft.com/office/drawing/2010/main" xmlns="" val="0"/>
+                  <a14:useLocalDpi xmlns="" xmlns:a14="http://schemas.microsoft.com/office/drawing/2010/main" val="0"/>
                 </a:ext>
               </a:extLst>
             </a:blip>
@@ -24249,7 +24249,7 @@
           <p:cNvPr id="3" name="Group 54">
             <a:extLst>
               <a:ext uri="{FF2B5EF4-FFF2-40B4-BE49-F238E27FC236}">
-                <a16:creationId xmlns:a16="http://schemas.microsoft.com/office/drawing/2014/main" xmlns="" id="{F00A67C9-4929-4EFF-9CB6-292640CD2738}"/>
+                <a16:creationId xmlns="" xmlns:a16="http://schemas.microsoft.com/office/drawing/2014/main" id="{F00A67C9-4929-4EFF-9CB6-292640CD2738}"/>
               </a:ext>
             </a:extLst>
           </p:cNvPr>
@@ -24269,7 +24269,7 @@
             <p:cNvPr id="56" name="Rectangle 55">
               <a:extLst>
                 <a:ext uri="{FF2B5EF4-FFF2-40B4-BE49-F238E27FC236}">
-                  <a16:creationId xmlns:a16="http://schemas.microsoft.com/office/drawing/2014/main" xmlns="" id="{3E8CDB02-4760-4298-BC44-93A18EB02F13}"/>
+                  <a16:creationId xmlns="" xmlns:a16="http://schemas.microsoft.com/office/drawing/2014/main" id="{3E8CDB02-4760-4298-BC44-93A18EB02F13}"/>
                 </a:ext>
               </a:extLst>
             </p:cNvPr>
@@ -24330,7 +24330,7 @@
             <p:cNvPr id="57" name="Freeform: Shape 56">
               <a:extLst>
                 <a:ext uri="{FF2B5EF4-FFF2-40B4-BE49-F238E27FC236}">
-                  <a16:creationId xmlns:a16="http://schemas.microsoft.com/office/drawing/2014/main" xmlns="" id="{57C0FD50-5E69-463E-A01B-65E9D864A386}"/>
+                  <a16:creationId xmlns="" xmlns:a16="http://schemas.microsoft.com/office/drawing/2014/main" id="{57C0FD50-5E69-463E-A01B-65E9D864A386}"/>
                 </a:ext>
               </a:extLst>
             </p:cNvPr>
@@ -24437,7 +24437,7 @@
             <p:cNvPr id="58" name="TextBox 57">
               <a:extLst>
                 <a:ext uri="{FF2B5EF4-FFF2-40B4-BE49-F238E27FC236}">
-                  <a16:creationId xmlns:a16="http://schemas.microsoft.com/office/drawing/2014/main" xmlns="" id="{04CBFB1D-37FD-419F-B98C-860BF5217905}"/>
+                  <a16:creationId xmlns="" xmlns:a16="http://schemas.microsoft.com/office/drawing/2014/main" id="{04CBFB1D-37FD-419F-B98C-860BF5217905}"/>
                 </a:ext>
               </a:extLst>
             </p:cNvPr>
@@ -24478,7 +24478,7 @@
             <p:cNvPr id="59" name="Picture 58">
               <a:extLst>
                 <a:ext uri="{FF2B5EF4-FFF2-40B4-BE49-F238E27FC236}">
-                  <a16:creationId xmlns:a16="http://schemas.microsoft.com/office/drawing/2014/main" xmlns="" id="{60B383F7-52C5-4FB7-AEC3-35A48D7354A0}"/>
+                  <a16:creationId xmlns="" xmlns:a16="http://schemas.microsoft.com/office/drawing/2014/main" id="{60B383F7-52C5-4FB7-AEC3-35A48D7354A0}"/>
                 </a:ext>
               </a:extLst>
             </p:cNvPr>
@@ -24491,7 +24491,7 @@
             <a:blip r:embed="rId2" cstate="print">
               <a:extLst>
                 <a:ext uri="{28A0092B-C50C-407E-A947-70E740481C1C}">
-                  <a14:useLocalDpi xmlns:a14="http://schemas.microsoft.com/office/drawing/2010/main" xmlns="" val="0"/>
+                  <a14:useLocalDpi xmlns="" xmlns:a14="http://schemas.microsoft.com/office/drawing/2010/main" val="0"/>
                 </a:ext>
               </a:extLst>
             </a:blip>
@@ -24515,7 +24515,7 @@
           <p:cNvPr id="4" name="Group 59">
             <a:extLst>
               <a:ext uri="{FF2B5EF4-FFF2-40B4-BE49-F238E27FC236}">
-                <a16:creationId xmlns:a16="http://schemas.microsoft.com/office/drawing/2014/main" xmlns="" id="{6F7667A6-1C16-4F0A-A162-61BD16E6BE6B}"/>
+                <a16:creationId xmlns="" xmlns:a16="http://schemas.microsoft.com/office/drawing/2014/main" id="{6F7667A6-1C16-4F0A-A162-61BD16E6BE6B}"/>
               </a:ext>
             </a:extLst>
           </p:cNvPr>
@@ -24535,7 +24535,7 @@
             <p:cNvPr id="61" name="Rectangle 60">
               <a:extLst>
                 <a:ext uri="{FF2B5EF4-FFF2-40B4-BE49-F238E27FC236}">
-                  <a16:creationId xmlns:a16="http://schemas.microsoft.com/office/drawing/2014/main" xmlns="" id="{0E8C29A9-4AAB-442C-A7A4-40DCCE0A9694}"/>
+                  <a16:creationId xmlns="" xmlns:a16="http://schemas.microsoft.com/office/drawing/2014/main" id="{0E8C29A9-4AAB-442C-A7A4-40DCCE0A9694}"/>
                 </a:ext>
               </a:extLst>
             </p:cNvPr>
@@ -24596,7 +24596,7 @@
             <p:cNvPr id="62" name="Freeform: Shape 61">
               <a:extLst>
                 <a:ext uri="{FF2B5EF4-FFF2-40B4-BE49-F238E27FC236}">
-                  <a16:creationId xmlns:a16="http://schemas.microsoft.com/office/drawing/2014/main" xmlns="" id="{81520FE7-5699-4290-9C3C-51E0C60ECC6B}"/>
+                  <a16:creationId xmlns="" xmlns:a16="http://schemas.microsoft.com/office/drawing/2014/main" id="{81520FE7-5699-4290-9C3C-51E0C60ECC6B}"/>
                 </a:ext>
               </a:extLst>
             </p:cNvPr>
@@ -24703,7 +24703,7 @@
             <p:cNvPr id="63" name="TextBox 62">
               <a:extLst>
                 <a:ext uri="{FF2B5EF4-FFF2-40B4-BE49-F238E27FC236}">
-                  <a16:creationId xmlns:a16="http://schemas.microsoft.com/office/drawing/2014/main" xmlns="" id="{AFD50D6F-822B-4109-8B0C-BA004A0B7145}"/>
+                  <a16:creationId xmlns="" xmlns:a16="http://schemas.microsoft.com/office/drawing/2014/main" id="{AFD50D6F-822B-4109-8B0C-BA004A0B7145}"/>
                 </a:ext>
               </a:extLst>
             </p:cNvPr>
@@ -24744,7 +24744,7 @@
             <p:cNvPr id="64" name="Picture 63">
               <a:extLst>
                 <a:ext uri="{FF2B5EF4-FFF2-40B4-BE49-F238E27FC236}">
-                  <a16:creationId xmlns:a16="http://schemas.microsoft.com/office/drawing/2014/main" xmlns="" id="{0376C61F-147B-441E-B32E-45D5BC1B66B5}"/>
+                  <a16:creationId xmlns="" xmlns:a16="http://schemas.microsoft.com/office/drawing/2014/main" id="{0376C61F-147B-441E-B32E-45D5BC1B66B5}"/>
                 </a:ext>
               </a:extLst>
             </p:cNvPr>
@@ -24757,7 +24757,7 @@
             <a:blip r:embed="rId2" cstate="print">
               <a:extLst>
                 <a:ext uri="{28A0092B-C50C-407E-A947-70E740481C1C}">
-                  <a14:useLocalDpi xmlns:a14="http://schemas.microsoft.com/office/drawing/2010/main" xmlns="" val="0"/>
+                  <a14:useLocalDpi xmlns="" xmlns:a14="http://schemas.microsoft.com/office/drawing/2010/main" val="0"/>
                 </a:ext>
               </a:extLst>
             </a:blip>
@@ -24781,7 +24781,7 @@
           <p:cNvPr id="5" name="Group 94">
             <a:extLst>
               <a:ext uri="{FF2B5EF4-FFF2-40B4-BE49-F238E27FC236}">
-                <a16:creationId xmlns:a16="http://schemas.microsoft.com/office/drawing/2014/main" xmlns="" id="{4E70D3F9-D583-4ACD-8480-0F4A65ED3C83}"/>
+                <a16:creationId xmlns="" xmlns:a16="http://schemas.microsoft.com/office/drawing/2014/main" id="{4E70D3F9-D583-4ACD-8480-0F4A65ED3C83}"/>
               </a:ext>
             </a:extLst>
           </p:cNvPr>
@@ -24801,7 +24801,7 @@
             <p:cNvPr id="96" name="Rectangle 95">
               <a:extLst>
                 <a:ext uri="{FF2B5EF4-FFF2-40B4-BE49-F238E27FC236}">
-                  <a16:creationId xmlns:a16="http://schemas.microsoft.com/office/drawing/2014/main" xmlns="" id="{321108FC-08B5-45CC-AB47-1104119B25FD}"/>
+                  <a16:creationId xmlns="" xmlns:a16="http://schemas.microsoft.com/office/drawing/2014/main" id="{321108FC-08B5-45CC-AB47-1104119B25FD}"/>
                 </a:ext>
               </a:extLst>
             </p:cNvPr>
@@ -24862,7 +24862,7 @@
             <p:cNvPr id="97" name="Freeform: Shape 96">
               <a:extLst>
                 <a:ext uri="{FF2B5EF4-FFF2-40B4-BE49-F238E27FC236}">
-                  <a16:creationId xmlns:a16="http://schemas.microsoft.com/office/drawing/2014/main" xmlns="" id="{96A47C8C-7F88-484E-817B-572BEDC2BC69}"/>
+                  <a16:creationId xmlns="" xmlns:a16="http://schemas.microsoft.com/office/drawing/2014/main" id="{96A47C8C-7F88-484E-817B-572BEDC2BC69}"/>
                 </a:ext>
               </a:extLst>
             </p:cNvPr>
@@ -24969,7 +24969,7 @@
             <p:cNvPr id="98" name="TextBox 97">
               <a:extLst>
                 <a:ext uri="{FF2B5EF4-FFF2-40B4-BE49-F238E27FC236}">
-                  <a16:creationId xmlns:a16="http://schemas.microsoft.com/office/drawing/2014/main" xmlns="" id="{E3DB5570-AC77-4396-9748-4183DF7C8396}"/>
+                  <a16:creationId xmlns="" xmlns:a16="http://schemas.microsoft.com/office/drawing/2014/main" id="{E3DB5570-AC77-4396-9748-4183DF7C8396}"/>
                 </a:ext>
               </a:extLst>
             </p:cNvPr>
@@ -25016,7 +25016,7 @@
             <p:cNvPr id="99" name="Picture 98">
               <a:extLst>
                 <a:ext uri="{FF2B5EF4-FFF2-40B4-BE49-F238E27FC236}">
-                  <a16:creationId xmlns:a16="http://schemas.microsoft.com/office/drawing/2014/main" xmlns="" id="{F6ED4041-CDD9-443D-802E-47D4387906FA}"/>
+                  <a16:creationId xmlns="" xmlns:a16="http://schemas.microsoft.com/office/drawing/2014/main" id="{F6ED4041-CDD9-443D-802E-47D4387906FA}"/>
                 </a:ext>
               </a:extLst>
             </p:cNvPr>
@@ -25029,7 +25029,7 @@
             <a:blip r:embed="rId2" cstate="print">
               <a:extLst>
                 <a:ext uri="{28A0092B-C50C-407E-A947-70E740481C1C}">
-                  <a14:useLocalDpi xmlns:a14="http://schemas.microsoft.com/office/drawing/2010/main" xmlns="" val="0"/>
+                  <a14:useLocalDpi xmlns="" xmlns:a14="http://schemas.microsoft.com/office/drawing/2010/main" val="0"/>
                 </a:ext>
               </a:extLst>
             </a:blip>
@@ -25053,7 +25053,7 @@
           <p:cNvPr id="6" name="Group 70">
             <a:extLst>
               <a:ext uri="{FF2B5EF4-FFF2-40B4-BE49-F238E27FC236}">
-                <a16:creationId xmlns:a16="http://schemas.microsoft.com/office/drawing/2014/main" xmlns="" id="{E7044FAB-DB4A-4E59-B111-8CA4168E7FA4}"/>
+                <a16:creationId xmlns="" xmlns:a16="http://schemas.microsoft.com/office/drawing/2014/main" id="{E7044FAB-DB4A-4E59-B111-8CA4168E7FA4}"/>
               </a:ext>
             </a:extLst>
           </p:cNvPr>
@@ -25073,7 +25073,7 @@
             <p:cNvPr id="72" name="Rectangle 71">
               <a:extLst>
                 <a:ext uri="{FF2B5EF4-FFF2-40B4-BE49-F238E27FC236}">
-                  <a16:creationId xmlns:a16="http://schemas.microsoft.com/office/drawing/2014/main" xmlns="" id="{824F072A-08CC-4CC6-B5EF-C1833A244FA3}"/>
+                  <a16:creationId xmlns="" xmlns:a16="http://schemas.microsoft.com/office/drawing/2014/main" id="{824F072A-08CC-4CC6-B5EF-C1833A244FA3}"/>
                 </a:ext>
               </a:extLst>
             </p:cNvPr>
@@ -25134,7 +25134,7 @@
             <p:cNvPr id="73" name="Freeform: Shape 72">
               <a:extLst>
                 <a:ext uri="{FF2B5EF4-FFF2-40B4-BE49-F238E27FC236}">
-                  <a16:creationId xmlns:a16="http://schemas.microsoft.com/office/drawing/2014/main" xmlns="" id="{A3C6C4A9-8B6A-429B-980E-26CD0C3A573E}"/>
+                  <a16:creationId xmlns="" xmlns:a16="http://schemas.microsoft.com/office/drawing/2014/main" id="{A3C6C4A9-8B6A-429B-980E-26CD0C3A573E}"/>
                 </a:ext>
               </a:extLst>
             </p:cNvPr>
@@ -25241,7 +25241,7 @@
             <p:cNvPr id="74" name="TextBox 73">
               <a:extLst>
                 <a:ext uri="{FF2B5EF4-FFF2-40B4-BE49-F238E27FC236}">
-                  <a16:creationId xmlns:a16="http://schemas.microsoft.com/office/drawing/2014/main" xmlns="" id="{858AC381-BFD1-4A89-AE49-8ADC853A6849}"/>
+                  <a16:creationId xmlns="" xmlns:a16="http://schemas.microsoft.com/office/drawing/2014/main" id="{858AC381-BFD1-4A89-AE49-8ADC853A6849}"/>
                 </a:ext>
               </a:extLst>
             </p:cNvPr>
@@ -25288,7 +25288,7 @@
             <p:cNvPr id="75" name="Picture 74">
               <a:extLst>
                 <a:ext uri="{FF2B5EF4-FFF2-40B4-BE49-F238E27FC236}">
-                  <a16:creationId xmlns:a16="http://schemas.microsoft.com/office/drawing/2014/main" xmlns="" id="{9DF2E944-82FA-495B-8A5C-9BDE26355383}"/>
+                  <a16:creationId xmlns="" xmlns:a16="http://schemas.microsoft.com/office/drawing/2014/main" id="{9DF2E944-82FA-495B-8A5C-9BDE26355383}"/>
                 </a:ext>
               </a:extLst>
             </p:cNvPr>
@@ -25301,7 +25301,7 @@
             <a:blip r:embed="rId2" cstate="print">
               <a:extLst>
                 <a:ext uri="{28A0092B-C50C-407E-A947-70E740481C1C}">
-                  <a14:useLocalDpi xmlns:a14="http://schemas.microsoft.com/office/drawing/2010/main" xmlns="" val="0"/>
+                  <a14:useLocalDpi xmlns="" xmlns:a14="http://schemas.microsoft.com/office/drawing/2010/main" val="0"/>
                 </a:ext>
               </a:extLst>
             </a:blip>
@@ -25325,7 +25325,7 @@
           <p:cNvPr id="7" name="Group 75">
             <a:extLst>
               <a:ext uri="{FF2B5EF4-FFF2-40B4-BE49-F238E27FC236}">
-                <a16:creationId xmlns:a16="http://schemas.microsoft.com/office/drawing/2014/main" xmlns="" id="{60E31D48-090A-4A9C-AF5C-4B0C49C47C7D}"/>
+                <a16:creationId xmlns="" xmlns:a16="http://schemas.microsoft.com/office/drawing/2014/main" id="{60E31D48-090A-4A9C-AF5C-4B0C49C47C7D}"/>
               </a:ext>
             </a:extLst>
           </p:cNvPr>
@@ -25345,7 +25345,7 @@
             <p:cNvPr id="77" name="Rectangle 76">
               <a:extLst>
                 <a:ext uri="{FF2B5EF4-FFF2-40B4-BE49-F238E27FC236}">
-                  <a16:creationId xmlns:a16="http://schemas.microsoft.com/office/drawing/2014/main" xmlns="" id="{3A79A714-CB74-4EFD-9BC1-A7F2F993842A}"/>
+                  <a16:creationId xmlns="" xmlns:a16="http://schemas.microsoft.com/office/drawing/2014/main" id="{3A79A714-CB74-4EFD-9BC1-A7F2F993842A}"/>
                 </a:ext>
               </a:extLst>
             </p:cNvPr>
@@ -25406,7 +25406,7 @@
             <p:cNvPr id="78" name="Freeform: Shape 77">
               <a:extLst>
                 <a:ext uri="{FF2B5EF4-FFF2-40B4-BE49-F238E27FC236}">
-                  <a16:creationId xmlns:a16="http://schemas.microsoft.com/office/drawing/2014/main" xmlns="" id="{B006C60A-833A-41C2-A553-8132E7B3A7DB}"/>
+                  <a16:creationId xmlns="" xmlns:a16="http://schemas.microsoft.com/office/drawing/2014/main" id="{B006C60A-833A-41C2-A553-8132E7B3A7DB}"/>
                 </a:ext>
               </a:extLst>
             </p:cNvPr>
@@ -25513,7 +25513,7 @@
             <p:cNvPr id="79" name="TextBox 78">
               <a:extLst>
                 <a:ext uri="{FF2B5EF4-FFF2-40B4-BE49-F238E27FC236}">
-                  <a16:creationId xmlns:a16="http://schemas.microsoft.com/office/drawing/2014/main" xmlns="" id="{95AECC6C-A520-4756-9163-08D14835D791}"/>
+                  <a16:creationId xmlns="" xmlns:a16="http://schemas.microsoft.com/office/drawing/2014/main" id="{95AECC6C-A520-4756-9163-08D14835D791}"/>
                 </a:ext>
               </a:extLst>
             </p:cNvPr>
@@ -25560,7 +25560,7 @@
             <p:cNvPr id="80" name="Picture 79">
               <a:extLst>
                 <a:ext uri="{FF2B5EF4-FFF2-40B4-BE49-F238E27FC236}">
-                  <a16:creationId xmlns:a16="http://schemas.microsoft.com/office/drawing/2014/main" xmlns="" id="{0F8A56B9-A504-4035-8439-53ED4617B8B4}"/>
+                  <a16:creationId xmlns="" xmlns:a16="http://schemas.microsoft.com/office/drawing/2014/main" id="{0F8A56B9-A504-4035-8439-53ED4617B8B4}"/>
                 </a:ext>
               </a:extLst>
             </p:cNvPr>
@@ -25573,7 +25573,7 @@
             <a:blip r:embed="rId2" cstate="print">
               <a:extLst>
                 <a:ext uri="{28A0092B-C50C-407E-A947-70E740481C1C}">
-                  <a14:useLocalDpi xmlns:a14="http://schemas.microsoft.com/office/drawing/2010/main" xmlns="" val="0"/>
+                  <a14:useLocalDpi xmlns="" xmlns:a14="http://schemas.microsoft.com/office/drawing/2010/main" val="0"/>
                 </a:ext>
               </a:extLst>
             </a:blip>
@@ -25597,7 +25597,7 @@
           <p:cNvPr id="8" name="Group 75">
             <a:extLst>
               <a:ext uri="{FF2B5EF4-FFF2-40B4-BE49-F238E27FC236}">
-                <a16:creationId xmlns:a16="http://schemas.microsoft.com/office/drawing/2014/main" xmlns="" id="{60E31D48-090A-4A9C-AF5C-4B0C49C47C7D}"/>
+                <a16:creationId xmlns="" xmlns:a16="http://schemas.microsoft.com/office/drawing/2014/main" id="{60E31D48-090A-4A9C-AF5C-4B0C49C47C7D}"/>
               </a:ext>
             </a:extLst>
           </p:cNvPr>
@@ -25617,7 +25617,7 @@
             <p:cNvPr id="33" name="Rectangle 32">
               <a:extLst>
                 <a:ext uri="{FF2B5EF4-FFF2-40B4-BE49-F238E27FC236}">
-                  <a16:creationId xmlns:a16="http://schemas.microsoft.com/office/drawing/2014/main" xmlns="" id="{3A79A714-CB74-4EFD-9BC1-A7F2F993842A}"/>
+                  <a16:creationId xmlns="" xmlns:a16="http://schemas.microsoft.com/office/drawing/2014/main" id="{3A79A714-CB74-4EFD-9BC1-A7F2F993842A}"/>
                 </a:ext>
               </a:extLst>
             </p:cNvPr>
@@ -25678,7 +25678,7 @@
             <p:cNvPr id="34" name="Freeform: Shape 77">
               <a:extLst>
                 <a:ext uri="{FF2B5EF4-FFF2-40B4-BE49-F238E27FC236}">
-                  <a16:creationId xmlns:a16="http://schemas.microsoft.com/office/drawing/2014/main" xmlns="" id="{B006C60A-833A-41C2-A553-8132E7B3A7DB}"/>
+                  <a16:creationId xmlns="" xmlns:a16="http://schemas.microsoft.com/office/drawing/2014/main" id="{B006C60A-833A-41C2-A553-8132E7B3A7DB}"/>
                 </a:ext>
               </a:extLst>
             </p:cNvPr>
@@ -25785,7 +25785,7 @@
             <p:cNvPr id="35" name="TextBox 34">
               <a:extLst>
                 <a:ext uri="{FF2B5EF4-FFF2-40B4-BE49-F238E27FC236}">
-                  <a16:creationId xmlns:a16="http://schemas.microsoft.com/office/drawing/2014/main" xmlns="" id="{95AECC6C-A520-4756-9163-08D14835D791}"/>
+                  <a16:creationId xmlns="" xmlns:a16="http://schemas.microsoft.com/office/drawing/2014/main" id="{95AECC6C-A520-4756-9163-08D14835D791}"/>
                 </a:ext>
               </a:extLst>
             </p:cNvPr>
@@ -25832,7 +25832,7 @@
             <p:cNvPr id="36" name="Picture 35">
               <a:extLst>
                 <a:ext uri="{FF2B5EF4-FFF2-40B4-BE49-F238E27FC236}">
-                  <a16:creationId xmlns:a16="http://schemas.microsoft.com/office/drawing/2014/main" xmlns="" id="{0F8A56B9-A504-4035-8439-53ED4617B8B4}"/>
+                  <a16:creationId xmlns="" xmlns:a16="http://schemas.microsoft.com/office/drawing/2014/main" id="{0F8A56B9-A504-4035-8439-53ED4617B8B4}"/>
                 </a:ext>
               </a:extLst>
             </p:cNvPr>
@@ -25845,7 +25845,7 @@
             <a:blip r:embed="rId2" cstate="print">
               <a:extLst>
                 <a:ext uri="{28A0092B-C50C-407E-A947-70E740481C1C}">
-                  <a14:useLocalDpi xmlns:a14="http://schemas.microsoft.com/office/drawing/2010/main" xmlns="" val="0"/>
+                  <a14:useLocalDpi xmlns="" xmlns:a14="http://schemas.microsoft.com/office/drawing/2010/main" val="0"/>
                 </a:ext>
               </a:extLst>
             </a:blip>
@@ -25933,7 +25933,7 @@
     </p:spTree>
     <p:extLst>
       <p:ext uri="{BB962C8B-B14F-4D97-AF65-F5344CB8AC3E}">
-        <p14:creationId xmlns:p14="http://schemas.microsoft.com/office/powerpoint/2010/main" xmlns="" val="1327239487"/>
+        <p14:creationId xmlns="" xmlns:p14="http://schemas.microsoft.com/office/powerpoint/2010/main" val="1327239487"/>
       </p:ext>
     </p:extLst>
   </p:cSld>
@@ -25941,7 +25941,7 @@
     <a:masterClrMapping/>
   </p:clrMapOvr>
   <mc:AlternateContent xmlns:mc="http://schemas.openxmlformats.org/markup-compatibility/2006">
-    <mc:Choice xmlns:p159="http://schemas.microsoft.com/office/powerpoint/2015/09/main" xmlns="" Requires="p159">
+    <mc:Choice xmlns="" xmlns:p159="http://schemas.microsoft.com/office/powerpoint/2015/09/main" Requires="p159">
       <p:transition spd="med">
         <p159:morph option="byObject"/>
       </p:transition>
@@ -26215,7 +26215,7 @@
   <a:extraClrSchemeLst/>
   <a:extLst>
     <a:ext uri="{05A4C25C-085E-4340-85A3-A5531E510DB2}">
-      <thm15:themeFamily xmlns:thm15="http://schemas.microsoft.com/office/thememl/2012/main" xmlns="" name="Office Theme" id="{62F939B6-93AF-4DB8-9C6B-D6C7DFDC589F}" vid="{4A3C46E8-61CC-4603-A589-7422A47A8E4A}"/>
+      <thm15:themeFamily xmlns="" xmlns:thm15="http://schemas.microsoft.com/office/thememl/2012/main" name="Office Theme" id="{62F939B6-93AF-4DB8-9C6B-D6C7DFDC589F}" vid="{4A3C46E8-61CC-4603-A589-7422A47A8E4A}"/>
     </a:ext>
   </a:extLst>
 </a:theme>

--- a/UltimateSleeping.pptx
+++ b/UltimateSleeping.pptx
@@ -114,7 +114,7 @@
   </p:defaultTextStyle>
   <p:extLst>
     <p:ext uri="{EFAFB233-063F-42B5-8137-9DF3F51BA10A}">
-      <p15:sldGuideLst xmlns="" xmlns:p15="http://schemas.microsoft.com/office/powerpoint/2012/main"/>
+      <p15:sldGuideLst xmlns:p15="http://schemas.microsoft.com/office/powerpoint/2012/main" xmlns=""/>
     </p:ext>
   </p:extLst>
 </p:presentation>
@@ -250,7 +250,7 @@
             <a:fld id="{3FDFAF59-80FD-42F8-B77B-6179688B7234}" type="datetimeFigureOut">
               <a:rPr lang="de-DE" smtClean="0"/>
               <a:pPr/>
-              <a:t>11.04.2022</a:t>
+              <a:t>12.04.2022</a:t>
             </a:fld>
             <a:endParaRPr lang="de-DE"/>
           </a:p>
@@ -302,7 +302,7 @@
     </p:spTree>
     <p:extLst>
       <p:ext uri="{BB962C8B-B14F-4D97-AF65-F5344CB8AC3E}">
-        <p14:creationId xmlns="" xmlns:p14="http://schemas.microsoft.com/office/powerpoint/2010/main" val="460364726"/>
+        <p14:creationId xmlns:p14="http://schemas.microsoft.com/office/powerpoint/2010/main" xmlns="" val="460364726"/>
       </p:ext>
     </p:extLst>
   </p:cSld>
@@ -420,7 +420,7 @@
             <a:fld id="{3FDFAF59-80FD-42F8-B77B-6179688B7234}" type="datetimeFigureOut">
               <a:rPr lang="de-DE" smtClean="0"/>
               <a:pPr/>
-              <a:t>11.04.2022</a:t>
+              <a:t>12.04.2022</a:t>
             </a:fld>
             <a:endParaRPr lang="de-DE"/>
           </a:p>
@@ -472,7 +472,7 @@
     </p:spTree>
     <p:extLst>
       <p:ext uri="{BB962C8B-B14F-4D97-AF65-F5344CB8AC3E}">
-        <p14:creationId xmlns="" xmlns:p14="http://schemas.microsoft.com/office/powerpoint/2010/main" val="2646635906"/>
+        <p14:creationId xmlns:p14="http://schemas.microsoft.com/office/powerpoint/2010/main" xmlns="" val="2646635906"/>
       </p:ext>
     </p:extLst>
   </p:cSld>
@@ -600,7 +600,7 @@
             <a:fld id="{3FDFAF59-80FD-42F8-B77B-6179688B7234}" type="datetimeFigureOut">
               <a:rPr lang="de-DE" smtClean="0"/>
               <a:pPr/>
-              <a:t>11.04.2022</a:t>
+              <a:t>12.04.2022</a:t>
             </a:fld>
             <a:endParaRPr lang="de-DE"/>
           </a:p>
@@ -652,7 +652,7 @@
     </p:spTree>
     <p:extLst>
       <p:ext uri="{BB962C8B-B14F-4D97-AF65-F5344CB8AC3E}">
-        <p14:creationId xmlns="" xmlns:p14="http://schemas.microsoft.com/office/powerpoint/2010/main" val="2947111448"/>
+        <p14:creationId xmlns:p14="http://schemas.microsoft.com/office/powerpoint/2010/main" xmlns="" val="2947111448"/>
       </p:ext>
     </p:extLst>
   </p:cSld>
@@ -770,7 +770,7 @@
             <a:fld id="{3FDFAF59-80FD-42F8-B77B-6179688B7234}" type="datetimeFigureOut">
               <a:rPr lang="de-DE" smtClean="0"/>
               <a:pPr/>
-              <a:t>11.04.2022</a:t>
+              <a:t>12.04.2022</a:t>
             </a:fld>
             <a:endParaRPr lang="de-DE"/>
           </a:p>
@@ -822,7 +822,7 @@
     </p:spTree>
     <p:extLst>
       <p:ext uri="{BB962C8B-B14F-4D97-AF65-F5344CB8AC3E}">
-        <p14:creationId xmlns="" xmlns:p14="http://schemas.microsoft.com/office/powerpoint/2010/main" val="874677234"/>
+        <p14:creationId xmlns:p14="http://schemas.microsoft.com/office/powerpoint/2010/main" xmlns="" val="874677234"/>
       </p:ext>
     </p:extLst>
   </p:cSld>
@@ -1017,7 +1017,7 @@
             <a:fld id="{3FDFAF59-80FD-42F8-B77B-6179688B7234}" type="datetimeFigureOut">
               <a:rPr lang="de-DE" smtClean="0"/>
               <a:pPr/>
-              <a:t>11.04.2022</a:t>
+              <a:t>12.04.2022</a:t>
             </a:fld>
             <a:endParaRPr lang="de-DE"/>
           </a:p>
@@ -1069,7 +1069,7 @@
     </p:spTree>
     <p:extLst>
       <p:ext uri="{BB962C8B-B14F-4D97-AF65-F5344CB8AC3E}">
-        <p14:creationId xmlns="" xmlns:p14="http://schemas.microsoft.com/office/powerpoint/2010/main" val="3625361754"/>
+        <p14:creationId xmlns:p14="http://schemas.microsoft.com/office/powerpoint/2010/main" xmlns="" val="3625361754"/>
       </p:ext>
     </p:extLst>
   </p:cSld>
@@ -1248,7 +1248,7 @@
             <a:fld id="{3FDFAF59-80FD-42F8-B77B-6179688B7234}" type="datetimeFigureOut">
               <a:rPr lang="de-DE" smtClean="0"/>
               <a:pPr/>
-              <a:t>11.04.2022</a:t>
+              <a:t>12.04.2022</a:t>
             </a:fld>
             <a:endParaRPr lang="de-DE"/>
           </a:p>
@@ -1300,7 +1300,7 @@
     </p:spTree>
     <p:extLst>
       <p:ext uri="{BB962C8B-B14F-4D97-AF65-F5344CB8AC3E}">
-        <p14:creationId xmlns="" xmlns:p14="http://schemas.microsoft.com/office/powerpoint/2010/main" val="3794036790"/>
+        <p14:creationId xmlns:p14="http://schemas.microsoft.com/office/powerpoint/2010/main" xmlns="" val="3794036790"/>
       </p:ext>
     </p:extLst>
   </p:cSld>
@@ -1614,7 +1614,7 @@
             <a:fld id="{3FDFAF59-80FD-42F8-B77B-6179688B7234}" type="datetimeFigureOut">
               <a:rPr lang="de-DE" smtClean="0"/>
               <a:pPr/>
-              <a:t>11.04.2022</a:t>
+              <a:t>12.04.2022</a:t>
             </a:fld>
             <a:endParaRPr lang="de-DE"/>
           </a:p>
@@ -1666,7 +1666,7 @@
     </p:spTree>
     <p:extLst>
       <p:ext uri="{BB962C8B-B14F-4D97-AF65-F5344CB8AC3E}">
-        <p14:creationId xmlns="" xmlns:p14="http://schemas.microsoft.com/office/powerpoint/2010/main" val="3413770671"/>
+        <p14:creationId xmlns:p14="http://schemas.microsoft.com/office/powerpoint/2010/main" xmlns="" val="3413770671"/>
       </p:ext>
     </p:extLst>
   </p:cSld>
@@ -1733,7 +1733,7 @@
             <a:fld id="{3FDFAF59-80FD-42F8-B77B-6179688B7234}" type="datetimeFigureOut">
               <a:rPr lang="de-DE" smtClean="0"/>
               <a:pPr/>
-              <a:t>11.04.2022</a:t>
+              <a:t>12.04.2022</a:t>
             </a:fld>
             <a:endParaRPr lang="de-DE"/>
           </a:p>
@@ -1785,7 +1785,7 @@
     </p:spTree>
     <p:extLst>
       <p:ext uri="{BB962C8B-B14F-4D97-AF65-F5344CB8AC3E}">
-        <p14:creationId xmlns="" xmlns:p14="http://schemas.microsoft.com/office/powerpoint/2010/main" val="2440331915"/>
+        <p14:creationId xmlns:p14="http://schemas.microsoft.com/office/powerpoint/2010/main" xmlns="" val="2440331915"/>
       </p:ext>
     </p:extLst>
   </p:cSld>
@@ -1830,7 +1830,7 @@
             <a:fld id="{3FDFAF59-80FD-42F8-B77B-6179688B7234}" type="datetimeFigureOut">
               <a:rPr lang="de-DE" smtClean="0"/>
               <a:pPr/>
-              <a:t>11.04.2022</a:t>
+              <a:t>12.04.2022</a:t>
             </a:fld>
             <a:endParaRPr lang="de-DE"/>
           </a:p>
@@ -1882,7 +1882,7 @@
     </p:spTree>
     <p:extLst>
       <p:ext uri="{BB962C8B-B14F-4D97-AF65-F5344CB8AC3E}">
-        <p14:creationId xmlns="" xmlns:p14="http://schemas.microsoft.com/office/powerpoint/2010/main" val="3061956811"/>
+        <p14:creationId xmlns:p14="http://schemas.microsoft.com/office/powerpoint/2010/main" xmlns="" val="3061956811"/>
       </p:ext>
     </p:extLst>
   </p:cSld>
@@ -2107,7 +2107,7 @@
             <a:fld id="{3FDFAF59-80FD-42F8-B77B-6179688B7234}" type="datetimeFigureOut">
               <a:rPr lang="de-DE" smtClean="0"/>
               <a:pPr/>
-              <a:t>11.04.2022</a:t>
+              <a:t>12.04.2022</a:t>
             </a:fld>
             <a:endParaRPr lang="de-DE"/>
           </a:p>
@@ -2159,7 +2159,7 @@
     </p:spTree>
     <p:extLst>
       <p:ext uri="{BB962C8B-B14F-4D97-AF65-F5344CB8AC3E}">
-        <p14:creationId xmlns="" xmlns:p14="http://schemas.microsoft.com/office/powerpoint/2010/main" val="3616004287"/>
+        <p14:creationId xmlns:p14="http://schemas.microsoft.com/office/powerpoint/2010/main" xmlns="" val="3616004287"/>
       </p:ext>
     </p:extLst>
   </p:cSld>
@@ -2361,7 +2361,7 @@
             <a:fld id="{3FDFAF59-80FD-42F8-B77B-6179688B7234}" type="datetimeFigureOut">
               <a:rPr lang="de-DE" smtClean="0"/>
               <a:pPr/>
-              <a:t>11.04.2022</a:t>
+              <a:t>12.04.2022</a:t>
             </a:fld>
             <a:endParaRPr lang="de-DE"/>
           </a:p>
@@ -2413,7 +2413,7 @@
     </p:spTree>
     <p:extLst>
       <p:ext uri="{BB962C8B-B14F-4D97-AF65-F5344CB8AC3E}">
-        <p14:creationId xmlns="" xmlns:p14="http://schemas.microsoft.com/office/powerpoint/2010/main" val="1126898743"/>
+        <p14:creationId xmlns:p14="http://schemas.microsoft.com/office/powerpoint/2010/main" xmlns="" val="1126898743"/>
       </p:ext>
     </p:extLst>
   </p:cSld>
@@ -2577,7 +2577,7 @@
             <a:fld id="{3FDFAF59-80FD-42F8-B77B-6179688B7234}" type="datetimeFigureOut">
               <a:rPr lang="de-DE" smtClean="0"/>
               <a:pPr/>
-              <a:t>11.04.2022</a:t>
+              <a:t>12.04.2022</a:t>
             </a:fld>
             <a:endParaRPr lang="de-DE"/>
           </a:p>
@@ -2665,7 +2665,7 @@
     </p:spTree>
     <p:extLst>
       <p:ext uri="{BB962C8B-B14F-4D97-AF65-F5344CB8AC3E}">
-        <p14:creationId xmlns="" xmlns:p14="http://schemas.microsoft.com/office/powerpoint/2010/main" val="3731875219"/>
+        <p14:creationId xmlns:p14="http://schemas.microsoft.com/office/powerpoint/2010/main" xmlns="" val="3731875219"/>
       </p:ext>
     </p:extLst>
   </p:cSld>
@@ -2988,7 +2988,7 @@
           <p:cNvPr id="50" name="TextBox 49">
             <a:extLst>
               <a:ext uri="{FF2B5EF4-FFF2-40B4-BE49-F238E27FC236}">
-                <a16:creationId xmlns="" xmlns:a16="http://schemas.microsoft.com/office/drawing/2014/main" id="{9EB0FD16-689C-476C-8309-C7173C257513}"/>
+                <a16:creationId xmlns:a16="http://schemas.microsoft.com/office/drawing/2014/main" xmlns="" id="{9EB0FD16-689C-476C-8309-C7173C257513}"/>
               </a:ext>
             </a:extLst>
           </p:cNvPr>
@@ -3029,7 +3029,7 @@
           <p:cNvPr id="51" name="Group 50">
             <a:extLst>
               <a:ext uri="{FF2B5EF4-FFF2-40B4-BE49-F238E27FC236}">
-                <a16:creationId xmlns="" xmlns:a16="http://schemas.microsoft.com/office/drawing/2014/main" id="{312CB825-EAFB-4901-8C7E-D5477E0D31C8}"/>
+                <a16:creationId xmlns:a16="http://schemas.microsoft.com/office/drawing/2014/main" xmlns="" id="{312CB825-EAFB-4901-8C7E-D5477E0D31C8}"/>
               </a:ext>
             </a:extLst>
           </p:cNvPr>
@@ -3049,7 +3049,7 @@
             <p:cNvPr id="52" name="Oval 51">
               <a:extLst>
                 <a:ext uri="{FF2B5EF4-FFF2-40B4-BE49-F238E27FC236}">
-                  <a16:creationId xmlns="" xmlns:a16="http://schemas.microsoft.com/office/drawing/2014/main" id="{A88C5CD2-8D88-4E1A-968C-C3E256B4316C}"/>
+                  <a16:creationId xmlns:a16="http://schemas.microsoft.com/office/drawing/2014/main" xmlns="" id="{A88C5CD2-8D88-4E1A-968C-C3E256B4316C}"/>
                 </a:ext>
               </a:extLst>
             </p:cNvPr>
@@ -3101,7 +3101,7 @@
             <p:cNvPr id="53" name="Oval 52">
               <a:extLst>
                 <a:ext uri="{FF2B5EF4-FFF2-40B4-BE49-F238E27FC236}">
-                  <a16:creationId xmlns="" xmlns:a16="http://schemas.microsoft.com/office/drawing/2014/main" id="{39CA212B-3524-454E-9129-17FD0E8983F0}"/>
+                  <a16:creationId xmlns:a16="http://schemas.microsoft.com/office/drawing/2014/main" xmlns="" id="{39CA212B-3524-454E-9129-17FD0E8983F0}"/>
                 </a:ext>
               </a:extLst>
             </p:cNvPr>
@@ -3153,7 +3153,7 @@
             <p:cNvPr id="54" name="Oval 53">
               <a:extLst>
                 <a:ext uri="{FF2B5EF4-FFF2-40B4-BE49-F238E27FC236}">
-                  <a16:creationId xmlns="" xmlns:a16="http://schemas.microsoft.com/office/drawing/2014/main" id="{6487D07D-4424-43AA-9CF5-4A04A38B6C2D}"/>
+                  <a16:creationId xmlns:a16="http://schemas.microsoft.com/office/drawing/2014/main" xmlns="" id="{6487D07D-4424-43AA-9CF5-4A04A38B6C2D}"/>
                 </a:ext>
               </a:extLst>
             </p:cNvPr>
@@ -3205,7 +3205,7 @@
             <p:cNvPr id="55" name="Oval 54">
               <a:extLst>
                 <a:ext uri="{FF2B5EF4-FFF2-40B4-BE49-F238E27FC236}">
-                  <a16:creationId xmlns="" xmlns:a16="http://schemas.microsoft.com/office/drawing/2014/main" id="{51E021E3-C26E-4AB9-81EB-239E3D1BBAB2}"/>
+                  <a16:creationId xmlns:a16="http://schemas.microsoft.com/office/drawing/2014/main" xmlns="" id="{51E021E3-C26E-4AB9-81EB-239E3D1BBAB2}"/>
                 </a:ext>
               </a:extLst>
             </p:cNvPr>
@@ -3257,7 +3257,7 @@
             <p:cNvPr id="56" name="Oval 55">
               <a:extLst>
                 <a:ext uri="{FF2B5EF4-FFF2-40B4-BE49-F238E27FC236}">
-                  <a16:creationId xmlns="" xmlns:a16="http://schemas.microsoft.com/office/drawing/2014/main" id="{85AD4D6E-2D38-486B-8F61-738D1E4773C2}"/>
+                  <a16:creationId xmlns:a16="http://schemas.microsoft.com/office/drawing/2014/main" xmlns="" id="{85AD4D6E-2D38-486B-8F61-738D1E4773C2}"/>
                 </a:ext>
               </a:extLst>
             </p:cNvPr>
@@ -3309,7 +3309,7 @@
             <p:cNvPr id="59" name="Oval 58">
               <a:extLst>
                 <a:ext uri="{FF2B5EF4-FFF2-40B4-BE49-F238E27FC236}">
-                  <a16:creationId xmlns="" xmlns:a16="http://schemas.microsoft.com/office/drawing/2014/main" id="{D88F111D-10A0-4CCB-B20B-B33508AA6193}"/>
+                  <a16:creationId xmlns:a16="http://schemas.microsoft.com/office/drawing/2014/main" xmlns="" id="{D88F111D-10A0-4CCB-B20B-B33508AA6193}"/>
                 </a:ext>
               </a:extLst>
             </p:cNvPr>
@@ -3362,7 +3362,7 @@
           <p:cNvPr id="57" name="TextBox 56">
             <a:extLst>
               <a:ext uri="{FF2B5EF4-FFF2-40B4-BE49-F238E27FC236}">
-                <a16:creationId xmlns="" xmlns:a16="http://schemas.microsoft.com/office/drawing/2014/main" id="{4F202974-31A3-4642-B671-F0DBBB7B4663}"/>
+                <a16:creationId xmlns:a16="http://schemas.microsoft.com/office/drawing/2014/main" xmlns="" id="{4F202974-31A3-4642-B671-F0DBBB7B4663}"/>
               </a:ext>
             </a:extLst>
           </p:cNvPr>
@@ -3409,7 +3409,7 @@
           <p:cNvPr id="58" name="TextBox 57">
             <a:extLst>
               <a:ext uri="{FF2B5EF4-FFF2-40B4-BE49-F238E27FC236}">
-                <a16:creationId xmlns="" xmlns:a16="http://schemas.microsoft.com/office/drawing/2014/main" id="{79BCE1F0-A71E-4D4B-BE6A-A381604C28D2}"/>
+                <a16:creationId xmlns:a16="http://schemas.microsoft.com/office/drawing/2014/main" xmlns="" id="{79BCE1F0-A71E-4D4B-BE6A-A381604C28D2}"/>
               </a:ext>
             </a:extLst>
           </p:cNvPr>
@@ -3456,7 +3456,7 @@
           <p:cNvPr id="19" name="Group 18">
             <a:extLst>
               <a:ext uri="{FF2B5EF4-FFF2-40B4-BE49-F238E27FC236}">
-                <a16:creationId xmlns="" xmlns:a16="http://schemas.microsoft.com/office/drawing/2014/main" id="{C8A16B82-6A3C-46F5-8D32-072FDF89864A}"/>
+                <a16:creationId xmlns:a16="http://schemas.microsoft.com/office/drawing/2014/main" xmlns="" id="{C8A16B82-6A3C-46F5-8D32-072FDF89864A}"/>
               </a:ext>
             </a:extLst>
           </p:cNvPr>
@@ -3476,7 +3476,7 @@
             <p:cNvPr id="20" name="Rectangle 19">
               <a:extLst>
                 <a:ext uri="{FF2B5EF4-FFF2-40B4-BE49-F238E27FC236}">
-                  <a16:creationId xmlns="" xmlns:a16="http://schemas.microsoft.com/office/drawing/2014/main" id="{2F391CEE-E392-4A9D-BD11-6954B994FB42}"/>
+                  <a16:creationId xmlns:a16="http://schemas.microsoft.com/office/drawing/2014/main" xmlns="" id="{2F391CEE-E392-4A9D-BD11-6954B994FB42}"/>
                 </a:ext>
               </a:extLst>
             </p:cNvPr>
@@ -3537,7 +3537,7 @@
             <p:cNvPr id="21" name="Freeform: Shape 20">
               <a:extLst>
                 <a:ext uri="{FF2B5EF4-FFF2-40B4-BE49-F238E27FC236}">
-                  <a16:creationId xmlns="" xmlns:a16="http://schemas.microsoft.com/office/drawing/2014/main" id="{7AC43ACA-5000-40E2-80D3-19833F9F1A3F}"/>
+                  <a16:creationId xmlns:a16="http://schemas.microsoft.com/office/drawing/2014/main" xmlns="" id="{7AC43ACA-5000-40E2-80D3-19833F9F1A3F}"/>
                 </a:ext>
               </a:extLst>
             </p:cNvPr>
@@ -3644,7 +3644,7 @@
             <p:cNvPr id="22" name="TextBox 21">
               <a:extLst>
                 <a:ext uri="{FF2B5EF4-FFF2-40B4-BE49-F238E27FC236}">
-                  <a16:creationId xmlns="" xmlns:a16="http://schemas.microsoft.com/office/drawing/2014/main" id="{BE022673-C77C-4E8F-AF41-8B283703E87E}"/>
+                  <a16:creationId xmlns:a16="http://schemas.microsoft.com/office/drawing/2014/main" xmlns="" id="{BE022673-C77C-4E8F-AF41-8B283703E87E}"/>
                 </a:ext>
               </a:extLst>
             </p:cNvPr>
@@ -3685,7 +3685,7 @@
             <p:cNvPr id="23" name="Picture 22">
               <a:extLst>
                 <a:ext uri="{FF2B5EF4-FFF2-40B4-BE49-F238E27FC236}">
-                  <a16:creationId xmlns="" xmlns:a16="http://schemas.microsoft.com/office/drawing/2014/main" id="{E8AD023B-AE8D-405F-90E6-27B0D4707992}"/>
+                  <a16:creationId xmlns:a16="http://schemas.microsoft.com/office/drawing/2014/main" xmlns="" id="{E8AD023B-AE8D-405F-90E6-27B0D4707992}"/>
                 </a:ext>
               </a:extLst>
             </p:cNvPr>
@@ -3698,7 +3698,7 @@
             <a:blip r:embed="rId2" cstate="print">
               <a:extLst>
                 <a:ext uri="{28A0092B-C50C-407E-A947-70E740481C1C}">
-                  <a14:useLocalDpi xmlns="" xmlns:a14="http://schemas.microsoft.com/office/drawing/2010/main" val="0"/>
+                  <a14:useLocalDpi xmlns:a14="http://schemas.microsoft.com/office/drawing/2010/main" xmlns="" val="0"/>
                 </a:ext>
               </a:extLst>
             </a:blip>
@@ -3722,7 +3722,7 @@
           <p:cNvPr id="24" name="Group 23">
             <a:extLst>
               <a:ext uri="{FF2B5EF4-FFF2-40B4-BE49-F238E27FC236}">
-                <a16:creationId xmlns="" xmlns:a16="http://schemas.microsoft.com/office/drawing/2014/main" id="{69A27401-3327-4871-86AC-B461CA62C3AC}"/>
+                <a16:creationId xmlns:a16="http://schemas.microsoft.com/office/drawing/2014/main" xmlns="" id="{69A27401-3327-4871-86AC-B461CA62C3AC}"/>
               </a:ext>
             </a:extLst>
           </p:cNvPr>
@@ -3742,7 +3742,7 @@
             <p:cNvPr id="25" name="Rectangle 24">
               <a:extLst>
                 <a:ext uri="{FF2B5EF4-FFF2-40B4-BE49-F238E27FC236}">
-                  <a16:creationId xmlns="" xmlns:a16="http://schemas.microsoft.com/office/drawing/2014/main" id="{706C029B-A799-4206-A656-A006D8F83990}"/>
+                  <a16:creationId xmlns:a16="http://schemas.microsoft.com/office/drawing/2014/main" xmlns="" id="{706C029B-A799-4206-A656-A006D8F83990}"/>
                 </a:ext>
               </a:extLst>
             </p:cNvPr>
@@ -3803,7 +3803,7 @@
             <p:cNvPr id="26" name="Freeform: Shape 25">
               <a:extLst>
                 <a:ext uri="{FF2B5EF4-FFF2-40B4-BE49-F238E27FC236}">
-                  <a16:creationId xmlns="" xmlns:a16="http://schemas.microsoft.com/office/drawing/2014/main" id="{63328131-EC42-4D6D-A247-91FD3D23E58C}"/>
+                  <a16:creationId xmlns:a16="http://schemas.microsoft.com/office/drawing/2014/main" xmlns="" id="{63328131-EC42-4D6D-A247-91FD3D23E58C}"/>
                 </a:ext>
               </a:extLst>
             </p:cNvPr>
@@ -3910,7 +3910,7 @@
             <p:cNvPr id="27" name="TextBox 26">
               <a:extLst>
                 <a:ext uri="{FF2B5EF4-FFF2-40B4-BE49-F238E27FC236}">
-                  <a16:creationId xmlns="" xmlns:a16="http://schemas.microsoft.com/office/drawing/2014/main" id="{3A728384-87ED-4E87-8F78-97EB653FDC67}"/>
+                  <a16:creationId xmlns:a16="http://schemas.microsoft.com/office/drawing/2014/main" xmlns="" id="{3A728384-87ED-4E87-8F78-97EB653FDC67}"/>
                 </a:ext>
               </a:extLst>
             </p:cNvPr>
@@ -3957,7 +3957,7 @@
             <p:cNvPr id="28" name="Picture 27">
               <a:extLst>
                 <a:ext uri="{FF2B5EF4-FFF2-40B4-BE49-F238E27FC236}">
-                  <a16:creationId xmlns="" xmlns:a16="http://schemas.microsoft.com/office/drawing/2014/main" id="{2B44F548-697F-412D-9B99-861C27246385}"/>
+                  <a16:creationId xmlns:a16="http://schemas.microsoft.com/office/drawing/2014/main" xmlns="" id="{2B44F548-697F-412D-9B99-861C27246385}"/>
                 </a:ext>
               </a:extLst>
             </p:cNvPr>
@@ -3970,7 +3970,7 @@
             <a:blip r:embed="rId2" cstate="print">
               <a:extLst>
                 <a:ext uri="{28A0092B-C50C-407E-A947-70E740481C1C}">
-                  <a14:useLocalDpi xmlns="" xmlns:a14="http://schemas.microsoft.com/office/drawing/2010/main" val="0"/>
+                  <a14:useLocalDpi xmlns:a14="http://schemas.microsoft.com/office/drawing/2010/main" xmlns="" val="0"/>
                 </a:ext>
               </a:extLst>
             </a:blip>
@@ -3994,7 +3994,7 @@
           <p:cNvPr id="29" name="Group 28">
             <a:extLst>
               <a:ext uri="{FF2B5EF4-FFF2-40B4-BE49-F238E27FC236}">
-                <a16:creationId xmlns="" xmlns:a16="http://schemas.microsoft.com/office/drawing/2014/main" id="{C0099890-786A-4F87-960D-5DADE5168909}"/>
+                <a16:creationId xmlns:a16="http://schemas.microsoft.com/office/drawing/2014/main" xmlns="" id="{C0099890-786A-4F87-960D-5DADE5168909}"/>
               </a:ext>
             </a:extLst>
           </p:cNvPr>
@@ -4014,7 +4014,7 @@
             <p:cNvPr id="30" name="Rectangle 29">
               <a:extLst>
                 <a:ext uri="{FF2B5EF4-FFF2-40B4-BE49-F238E27FC236}">
-                  <a16:creationId xmlns="" xmlns:a16="http://schemas.microsoft.com/office/drawing/2014/main" id="{CE9AAB1E-3A13-4745-A574-9EE6806378C9}"/>
+                  <a16:creationId xmlns:a16="http://schemas.microsoft.com/office/drawing/2014/main" xmlns="" id="{CE9AAB1E-3A13-4745-A574-9EE6806378C9}"/>
                 </a:ext>
               </a:extLst>
             </p:cNvPr>
@@ -4075,7 +4075,7 @@
             <p:cNvPr id="31" name="Freeform: Shape 30">
               <a:extLst>
                 <a:ext uri="{FF2B5EF4-FFF2-40B4-BE49-F238E27FC236}">
-                  <a16:creationId xmlns="" xmlns:a16="http://schemas.microsoft.com/office/drawing/2014/main" id="{1BC0F905-3F71-4932-B130-39D508C4D117}"/>
+                  <a16:creationId xmlns:a16="http://schemas.microsoft.com/office/drawing/2014/main" xmlns="" id="{1BC0F905-3F71-4932-B130-39D508C4D117}"/>
                 </a:ext>
               </a:extLst>
             </p:cNvPr>
@@ -4182,7 +4182,7 @@
             <p:cNvPr id="32" name="TextBox 31">
               <a:extLst>
                 <a:ext uri="{FF2B5EF4-FFF2-40B4-BE49-F238E27FC236}">
-                  <a16:creationId xmlns="" xmlns:a16="http://schemas.microsoft.com/office/drawing/2014/main" id="{93EC5869-A976-4328-A864-2BB04E7E7BFC}"/>
+                  <a16:creationId xmlns:a16="http://schemas.microsoft.com/office/drawing/2014/main" xmlns="" id="{93EC5869-A976-4328-A864-2BB04E7E7BFC}"/>
                 </a:ext>
               </a:extLst>
             </p:cNvPr>
@@ -4229,7 +4229,7 @@
             <p:cNvPr id="33" name="Picture 32">
               <a:extLst>
                 <a:ext uri="{FF2B5EF4-FFF2-40B4-BE49-F238E27FC236}">
-                  <a16:creationId xmlns="" xmlns:a16="http://schemas.microsoft.com/office/drawing/2014/main" id="{7C8E4AB7-ADC0-4FEE-AE7A-994F5DAD3FE1}"/>
+                  <a16:creationId xmlns:a16="http://schemas.microsoft.com/office/drawing/2014/main" xmlns="" id="{7C8E4AB7-ADC0-4FEE-AE7A-994F5DAD3FE1}"/>
                 </a:ext>
               </a:extLst>
             </p:cNvPr>
@@ -4242,7 +4242,7 @@
             <a:blip r:embed="rId2" cstate="print">
               <a:extLst>
                 <a:ext uri="{28A0092B-C50C-407E-A947-70E740481C1C}">
-                  <a14:useLocalDpi xmlns="" xmlns:a14="http://schemas.microsoft.com/office/drawing/2010/main" val="0"/>
+                  <a14:useLocalDpi xmlns:a14="http://schemas.microsoft.com/office/drawing/2010/main" xmlns="" val="0"/>
                 </a:ext>
               </a:extLst>
             </a:blip>
@@ -4266,7 +4266,7 @@
           <p:cNvPr id="34" name="Group 33">
             <a:extLst>
               <a:ext uri="{FF2B5EF4-FFF2-40B4-BE49-F238E27FC236}">
-                <a16:creationId xmlns="" xmlns:a16="http://schemas.microsoft.com/office/drawing/2014/main" id="{0E4F6447-6163-4D6A-A8D2-BD63B6CB3A42}"/>
+                <a16:creationId xmlns:a16="http://schemas.microsoft.com/office/drawing/2014/main" xmlns="" id="{0E4F6447-6163-4D6A-A8D2-BD63B6CB3A42}"/>
               </a:ext>
             </a:extLst>
           </p:cNvPr>
@@ -4286,7 +4286,7 @@
             <p:cNvPr id="35" name="Rectangle 34">
               <a:extLst>
                 <a:ext uri="{FF2B5EF4-FFF2-40B4-BE49-F238E27FC236}">
-                  <a16:creationId xmlns="" xmlns:a16="http://schemas.microsoft.com/office/drawing/2014/main" id="{5CB8CB55-9DEC-4367-900E-7257FE1B874F}"/>
+                  <a16:creationId xmlns:a16="http://schemas.microsoft.com/office/drawing/2014/main" xmlns="" id="{5CB8CB55-9DEC-4367-900E-7257FE1B874F}"/>
                 </a:ext>
               </a:extLst>
             </p:cNvPr>
@@ -4347,7 +4347,7 @@
             <p:cNvPr id="36" name="Freeform: Shape 35">
               <a:extLst>
                 <a:ext uri="{FF2B5EF4-FFF2-40B4-BE49-F238E27FC236}">
-                  <a16:creationId xmlns="" xmlns:a16="http://schemas.microsoft.com/office/drawing/2014/main" id="{9DBAEDD6-7153-4AFF-BDC7-5A225B4B5642}"/>
+                  <a16:creationId xmlns:a16="http://schemas.microsoft.com/office/drawing/2014/main" xmlns="" id="{9DBAEDD6-7153-4AFF-BDC7-5A225B4B5642}"/>
                 </a:ext>
               </a:extLst>
             </p:cNvPr>
@@ -4454,7 +4454,7 @@
             <p:cNvPr id="37" name="TextBox 36">
               <a:extLst>
                 <a:ext uri="{FF2B5EF4-FFF2-40B4-BE49-F238E27FC236}">
-                  <a16:creationId xmlns="" xmlns:a16="http://schemas.microsoft.com/office/drawing/2014/main" id="{12F9D37B-DE70-4087-8A7F-BBA0BAF5B6CF}"/>
+                  <a16:creationId xmlns:a16="http://schemas.microsoft.com/office/drawing/2014/main" xmlns="" id="{12F9D37B-DE70-4087-8A7F-BBA0BAF5B6CF}"/>
                 </a:ext>
               </a:extLst>
             </p:cNvPr>
@@ -4501,7 +4501,7 @@
             <p:cNvPr id="38" name="Picture 37">
               <a:extLst>
                 <a:ext uri="{FF2B5EF4-FFF2-40B4-BE49-F238E27FC236}">
-                  <a16:creationId xmlns="" xmlns:a16="http://schemas.microsoft.com/office/drawing/2014/main" id="{6FA13E8D-3FCC-4EC2-BD8C-6CE7CA0ECDFA}"/>
+                  <a16:creationId xmlns:a16="http://schemas.microsoft.com/office/drawing/2014/main" xmlns="" id="{6FA13E8D-3FCC-4EC2-BD8C-6CE7CA0ECDFA}"/>
                 </a:ext>
               </a:extLst>
             </p:cNvPr>
@@ -4514,7 +4514,7 @@
             <a:blip r:embed="rId2" cstate="print">
               <a:extLst>
                 <a:ext uri="{28A0092B-C50C-407E-A947-70E740481C1C}">
-                  <a14:useLocalDpi xmlns="" xmlns:a14="http://schemas.microsoft.com/office/drawing/2010/main" val="0"/>
+                  <a14:useLocalDpi xmlns:a14="http://schemas.microsoft.com/office/drawing/2010/main" xmlns="" val="0"/>
                 </a:ext>
               </a:extLst>
             </a:blip>
@@ -4538,7 +4538,7 @@
           <p:cNvPr id="39" name="Rectangle 38">
             <a:extLst>
               <a:ext uri="{FF2B5EF4-FFF2-40B4-BE49-F238E27FC236}">
-                <a16:creationId xmlns="" xmlns:a16="http://schemas.microsoft.com/office/drawing/2014/main" id="{71382190-201C-4BAE-91F3-296A26671C96}"/>
+                <a16:creationId xmlns:a16="http://schemas.microsoft.com/office/drawing/2014/main" xmlns="" id="{71382190-201C-4BAE-91F3-296A26671C96}"/>
               </a:ext>
             </a:extLst>
           </p:cNvPr>
@@ -4599,7 +4599,7 @@
           <p:cNvPr id="40" name="Group 39">
             <a:extLst>
               <a:ext uri="{FF2B5EF4-FFF2-40B4-BE49-F238E27FC236}">
-                <a16:creationId xmlns="" xmlns:a16="http://schemas.microsoft.com/office/drawing/2014/main" id="{3FD3EE0D-FD02-4885-9AC0-03F414A9888F}"/>
+                <a16:creationId xmlns:a16="http://schemas.microsoft.com/office/drawing/2014/main" xmlns="" id="{3FD3EE0D-FD02-4885-9AC0-03F414A9888F}"/>
               </a:ext>
             </a:extLst>
           </p:cNvPr>
@@ -4619,7 +4619,7 @@
             <p:cNvPr id="41" name="Rectangle 40">
               <a:extLst>
                 <a:ext uri="{FF2B5EF4-FFF2-40B4-BE49-F238E27FC236}">
-                  <a16:creationId xmlns="" xmlns:a16="http://schemas.microsoft.com/office/drawing/2014/main" id="{60A9D552-2EF0-4DB4-9DC6-F52F2FD55E3C}"/>
+                  <a16:creationId xmlns:a16="http://schemas.microsoft.com/office/drawing/2014/main" xmlns="" id="{60A9D552-2EF0-4DB4-9DC6-F52F2FD55E3C}"/>
                 </a:ext>
               </a:extLst>
             </p:cNvPr>
@@ -4680,7 +4680,7 @@
             <p:cNvPr id="42" name="Freeform: Shape 41">
               <a:extLst>
                 <a:ext uri="{FF2B5EF4-FFF2-40B4-BE49-F238E27FC236}">
-                  <a16:creationId xmlns="" xmlns:a16="http://schemas.microsoft.com/office/drawing/2014/main" id="{DA27D1F1-923F-4591-A07A-39E775B734F9}"/>
+                  <a16:creationId xmlns:a16="http://schemas.microsoft.com/office/drawing/2014/main" xmlns="" id="{DA27D1F1-923F-4591-A07A-39E775B734F9}"/>
                 </a:ext>
               </a:extLst>
             </p:cNvPr>
@@ -4787,7 +4787,7 @@
             <p:cNvPr id="43" name="TextBox 42">
               <a:extLst>
                 <a:ext uri="{FF2B5EF4-FFF2-40B4-BE49-F238E27FC236}">
-                  <a16:creationId xmlns="" xmlns:a16="http://schemas.microsoft.com/office/drawing/2014/main" id="{0E895421-2372-4C7F-93D2-3B0353A6E7BD}"/>
+                  <a16:creationId xmlns:a16="http://schemas.microsoft.com/office/drawing/2014/main" xmlns="" id="{0E895421-2372-4C7F-93D2-3B0353A6E7BD}"/>
                 </a:ext>
               </a:extLst>
             </p:cNvPr>
@@ -4834,7 +4834,7 @@
             <p:cNvPr id="44" name="Picture 43">
               <a:extLst>
                 <a:ext uri="{FF2B5EF4-FFF2-40B4-BE49-F238E27FC236}">
-                  <a16:creationId xmlns="" xmlns:a16="http://schemas.microsoft.com/office/drawing/2014/main" id="{1A9D6167-F7B8-4BFF-8BC5-2D13EF0CFF88}"/>
+                  <a16:creationId xmlns:a16="http://schemas.microsoft.com/office/drawing/2014/main" xmlns="" id="{1A9D6167-F7B8-4BFF-8BC5-2D13EF0CFF88}"/>
                 </a:ext>
               </a:extLst>
             </p:cNvPr>
@@ -4847,7 +4847,7 @@
             <a:blip r:embed="rId2" cstate="print">
               <a:extLst>
                 <a:ext uri="{28A0092B-C50C-407E-A947-70E740481C1C}">
-                  <a14:useLocalDpi xmlns="" xmlns:a14="http://schemas.microsoft.com/office/drawing/2010/main" val="0"/>
+                  <a14:useLocalDpi xmlns:a14="http://schemas.microsoft.com/office/drawing/2010/main" xmlns="" val="0"/>
                 </a:ext>
               </a:extLst>
             </a:blip>
@@ -4871,7 +4871,7 @@
           <p:cNvPr id="45" name="Group 44">
             <a:extLst>
               <a:ext uri="{FF2B5EF4-FFF2-40B4-BE49-F238E27FC236}">
-                <a16:creationId xmlns="" xmlns:a16="http://schemas.microsoft.com/office/drawing/2014/main" id="{76789F00-2688-429D-926C-15F83152FDBE}"/>
+                <a16:creationId xmlns:a16="http://schemas.microsoft.com/office/drawing/2014/main" xmlns="" id="{76789F00-2688-429D-926C-15F83152FDBE}"/>
               </a:ext>
             </a:extLst>
           </p:cNvPr>
@@ -4880,7 +4880,7 @@
         </p:nvGrpSpPr>
         <p:grpSpPr>
           <a:xfrm>
-            <a:off x="-9395082" y="-1"/>
+            <a:off x="-9927504" y="0"/>
             <a:ext cx="9927504" cy="6858000"/>
             <a:chOff x="-9337032" y="-1"/>
             <a:chExt cx="9927504" cy="6858000"/>
@@ -4891,7 +4891,7 @@
             <p:cNvPr id="46" name="Rectangle 45">
               <a:extLst>
                 <a:ext uri="{FF2B5EF4-FFF2-40B4-BE49-F238E27FC236}">
-                  <a16:creationId xmlns="" xmlns:a16="http://schemas.microsoft.com/office/drawing/2014/main" id="{FF862AB6-114D-4C6A-B849-5A11B3650265}"/>
+                  <a16:creationId xmlns:a16="http://schemas.microsoft.com/office/drawing/2014/main" xmlns="" id="{FF862AB6-114D-4C6A-B849-5A11B3650265}"/>
                 </a:ext>
               </a:extLst>
             </p:cNvPr>
@@ -4952,7 +4952,7 @@
             <p:cNvPr id="47" name="Freeform: Shape 46">
               <a:extLst>
                 <a:ext uri="{FF2B5EF4-FFF2-40B4-BE49-F238E27FC236}">
-                  <a16:creationId xmlns="" xmlns:a16="http://schemas.microsoft.com/office/drawing/2014/main" id="{30105858-8A3E-4676-96A7-18C1A74E36F4}"/>
+                  <a16:creationId xmlns:a16="http://schemas.microsoft.com/office/drawing/2014/main" xmlns="" id="{30105858-8A3E-4676-96A7-18C1A74E36F4}"/>
                 </a:ext>
               </a:extLst>
             </p:cNvPr>
@@ -5059,7 +5059,7 @@
             <p:cNvPr id="48" name="TextBox 47">
               <a:extLst>
                 <a:ext uri="{FF2B5EF4-FFF2-40B4-BE49-F238E27FC236}">
-                  <a16:creationId xmlns="" xmlns:a16="http://schemas.microsoft.com/office/drawing/2014/main" id="{8A634BD7-1512-45B6-AFE4-1EEA636625CB}"/>
+                  <a16:creationId xmlns:a16="http://schemas.microsoft.com/office/drawing/2014/main" xmlns="" id="{8A634BD7-1512-45B6-AFE4-1EEA636625CB}"/>
                 </a:ext>
               </a:extLst>
             </p:cNvPr>
@@ -5106,7 +5106,7 @@
             <p:cNvPr id="49" name="Picture 48">
               <a:extLst>
                 <a:ext uri="{FF2B5EF4-FFF2-40B4-BE49-F238E27FC236}">
-                  <a16:creationId xmlns="" xmlns:a16="http://schemas.microsoft.com/office/drawing/2014/main" id="{F08704A4-CABE-4989-8BF7-C10A6BB40ED9}"/>
+                  <a16:creationId xmlns:a16="http://schemas.microsoft.com/office/drawing/2014/main" xmlns="" id="{F08704A4-CABE-4989-8BF7-C10A6BB40ED9}"/>
                 </a:ext>
               </a:extLst>
             </p:cNvPr>
@@ -5119,7 +5119,7 @@
             <a:blip r:embed="rId2" cstate="print">
               <a:extLst>
                 <a:ext uri="{28A0092B-C50C-407E-A947-70E740481C1C}">
-                  <a14:useLocalDpi xmlns="" xmlns:a14="http://schemas.microsoft.com/office/drawing/2010/main" val="0"/>
+                  <a14:useLocalDpi xmlns:a14="http://schemas.microsoft.com/office/drawing/2010/main" xmlns="" val="0"/>
                 </a:ext>
               </a:extLst>
             </a:blip>
@@ -5141,7 +5141,7 @@
     </p:spTree>
     <p:extLst>
       <p:ext uri="{BB962C8B-B14F-4D97-AF65-F5344CB8AC3E}">
-        <p14:creationId xmlns="" xmlns:p14="http://schemas.microsoft.com/office/powerpoint/2010/main" val="758661002"/>
+        <p14:creationId xmlns:p14="http://schemas.microsoft.com/office/powerpoint/2010/main" xmlns="" val="758661002"/>
       </p:ext>
     </p:extLst>
   </p:cSld>
@@ -5149,7 +5149,7 @@
     <a:masterClrMapping/>
   </p:clrMapOvr>
   <mc:AlternateContent xmlns:mc="http://schemas.openxmlformats.org/markup-compatibility/2006">
-    <mc:Choice xmlns="" xmlns:p159="http://schemas.microsoft.com/office/powerpoint/2015/09/main" Requires="p159">
+    <mc:Choice xmlns:p159="http://schemas.microsoft.com/office/powerpoint/2015/09/main" xmlns="" Requires="p159">
       <p:transition spd="med">
         <p159:morph option="byObject"/>
       </p:transition>
@@ -5192,7 +5192,7 @@
           <p:cNvPr id="50" name="Group 49">
             <a:extLst>
               <a:ext uri="{FF2B5EF4-FFF2-40B4-BE49-F238E27FC236}">
-                <a16:creationId xmlns="" xmlns:a16="http://schemas.microsoft.com/office/drawing/2014/main" id="{066ACF4C-6F8C-46FC-8362-2E05C90EEAFA}"/>
+                <a16:creationId xmlns:a16="http://schemas.microsoft.com/office/drawing/2014/main" xmlns="" id="{066ACF4C-6F8C-46FC-8362-2E05C90EEAFA}"/>
               </a:ext>
             </a:extLst>
           </p:cNvPr>
@@ -5212,7 +5212,7 @@
             <p:cNvPr id="51" name="Rectangle 50">
               <a:extLst>
                 <a:ext uri="{FF2B5EF4-FFF2-40B4-BE49-F238E27FC236}">
-                  <a16:creationId xmlns="" xmlns:a16="http://schemas.microsoft.com/office/drawing/2014/main" id="{4F373113-18F1-4443-9A8E-5EF06C1D2FEA}"/>
+                  <a16:creationId xmlns:a16="http://schemas.microsoft.com/office/drawing/2014/main" xmlns="" id="{4F373113-18F1-4443-9A8E-5EF06C1D2FEA}"/>
                 </a:ext>
               </a:extLst>
             </p:cNvPr>
@@ -5273,7 +5273,7 @@
             <p:cNvPr id="52" name="Freeform: Shape 51">
               <a:extLst>
                 <a:ext uri="{FF2B5EF4-FFF2-40B4-BE49-F238E27FC236}">
-                  <a16:creationId xmlns="" xmlns:a16="http://schemas.microsoft.com/office/drawing/2014/main" id="{8F99D053-FB83-41F1-B2CB-C10918BC99BC}"/>
+                  <a16:creationId xmlns:a16="http://schemas.microsoft.com/office/drawing/2014/main" xmlns="" id="{8F99D053-FB83-41F1-B2CB-C10918BC99BC}"/>
                 </a:ext>
               </a:extLst>
             </p:cNvPr>
@@ -5380,7 +5380,7 @@
             <p:cNvPr id="53" name="TextBox 52">
               <a:extLst>
                 <a:ext uri="{FF2B5EF4-FFF2-40B4-BE49-F238E27FC236}">
-                  <a16:creationId xmlns="" xmlns:a16="http://schemas.microsoft.com/office/drawing/2014/main" id="{7F4373C1-3934-47C3-8F36-E2FB2615CA87}"/>
+                  <a16:creationId xmlns:a16="http://schemas.microsoft.com/office/drawing/2014/main" xmlns="" id="{7F4373C1-3934-47C3-8F36-E2FB2615CA87}"/>
                 </a:ext>
               </a:extLst>
             </p:cNvPr>
@@ -5421,7 +5421,7 @@
             <p:cNvPr id="54" name="Picture 53">
               <a:extLst>
                 <a:ext uri="{FF2B5EF4-FFF2-40B4-BE49-F238E27FC236}">
-                  <a16:creationId xmlns="" xmlns:a16="http://schemas.microsoft.com/office/drawing/2014/main" id="{5A5E18E8-5A3E-4F1D-8254-6193AA55C07B}"/>
+                  <a16:creationId xmlns:a16="http://schemas.microsoft.com/office/drawing/2014/main" xmlns="" id="{5A5E18E8-5A3E-4F1D-8254-6193AA55C07B}"/>
                 </a:ext>
               </a:extLst>
             </p:cNvPr>
@@ -5434,7 +5434,7 @@
             <a:blip r:embed="rId2" cstate="print">
               <a:extLst>
                 <a:ext uri="{28A0092B-C50C-407E-A947-70E740481C1C}">
-                  <a14:useLocalDpi xmlns="" xmlns:a14="http://schemas.microsoft.com/office/drawing/2010/main" val="0"/>
+                  <a14:useLocalDpi xmlns:a14="http://schemas.microsoft.com/office/drawing/2010/main" xmlns="" val="0"/>
                 </a:ext>
               </a:extLst>
             </a:blip>
@@ -5458,7 +5458,7 @@
           <p:cNvPr id="55" name="Group 54">
             <a:extLst>
               <a:ext uri="{FF2B5EF4-FFF2-40B4-BE49-F238E27FC236}">
-                <a16:creationId xmlns="" xmlns:a16="http://schemas.microsoft.com/office/drawing/2014/main" id="{150C247F-7990-4945-869D-5E2A900F477F}"/>
+                <a16:creationId xmlns:a16="http://schemas.microsoft.com/office/drawing/2014/main" xmlns="" id="{150C247F-7990-4945-869D-5E2A900F477F}"/>
               </a:ext>
             </a:extLst>
           </p:cNvPr>
@@ -5478,7 +5478,7 @@
             <p:cNvPr id="56" name="Rectangle 55">
               <a:extLst>
                 <a:ext uri="{FF2B5EF4-FFF2-40B4-BE49-F238E27FC236}">
-                  <a16:creationId xmlns="" xmlns:a16="http://schemas.microsoft.com/office/drawing/2014/main" id="{6D2C93AC-EBE3-4E67-A867-76D5D6BEDB10}"/>
+                  <a16:creationId xmlns:a16="http://schemas.microsoft.com/office/drawing/2014/main" xmlns="" id="{6D2C93AC-EBE3-4E67-A867-76D5D6BEDB10}"/>
                 </a:ext>
               </a:extLst>
             </p:cNvPr>
@@ -5539,7 +5539,7 @@
             <p:cNvPr id="57" name="Freeform: Shape 56">
               <a:extLst>
                 <a:ext uri="{FF2B5EF4-FFF2-40B4-BE49-F238E27FC236}">
-                  <a16:creationId xmlns="" xmlns:a16="http://schemas.microsoft.com/office/drawing/2014/main" id="{35DBD2B9-E73C-4AE9-91C9-698379867E98}"/>
+                  <a16:creationId xmlns:a16="http://schemas.microsoft.com/office/drawing/2014/main" xmlns="" id="{35DBD2B9-E73C-4AE9-91C9-698379867E98}"/>
                 </a:ext>
               </a:extLst>
             </p:cNvPr>
@@ -5646,7 +5646,7 @@
             <p:cNvPr id="58" name="TextBox 57">
               <a:extLst>
                 <a:ext uri="{FF2B5EF4-FFF2-40B4-BE49-F238E27FC236}">
-                  <a16:creationId xmlns="" xmlns:a16="http://schemas.microsoft.com/office/drawing/2014/main" id="{CD6BDC4B-8313-4203-9F42-C28AC214EB64}"/>
+                  <a16:creationId xmlns:a16="http://schemas.microsoft.com/office/drawing/2014/main" xmlns="" id="{CD6BDC4B-8313-4203-9F42-C28AC214EB64}"/>
                 </a:ext>
               </a:extLst>
             </p:cNvPr>
@@ -5693,7 +5693,7 @@
             <p:cNvPr id="59" name="Picture 58">
               <a:extLst>
                 <a:ext uri="{FF2B5EF4-FFF2-40B4-BE49-F238E27FC236}">
-                  <a16:creationId xmlns="" xmlns:a16="http://schemas.microsoft.com/office/drawing/2014/main" id="{44037FC5-8E34-4772-9A87-813F2AD5E4D7}"/>
+                  <a16:creationId xmlns:a16="http://schemas.microsoft.com/office/drawing/2014/main" xmlns="" id="{44037FC5-8E34-4772-9A87-813F2AD5E4D7}"/>
                 </a:ext>
               </a:extLst>
             </p:cNvPr>
@@ -5706,7 +5706,7 @@
             <a:blip r:embed="rId2" cstate="print">
               <a:extLst>
                 <a:ext uri="{28A0092B-C50C-407E-A947-70E740481C1C}">
-                  <a14:useLocalDpi xmlns="" xmlns:a14="http://schemas.microsoft.com/office/drawing/2010/main" val="0"/>
+                  <a14:useLocalDpi xmlns:a14="http://schemas.microsoft.com/office/drawing/2010/main" xmlns="" val="0"/>
                 </a:ext>
               </a:extLst>
             </a:blip>
@@ -5730,7 +5730,7 @@
           <p:cNvPr id="60" name="Group 59">
             <a:extLst>
               <a:ext uri="{FF2B5EF4-FFF2-40B4-BE49-F238E27FC236}">
-                <a16:creationId xmlns="" xmlns:a16="http://schemas.microsoft.com/office/drawing/2014/main" id="{BC916508-F80D-434E-B066-812949E5DB94}"/>
+                <a16:creationId xmlns:a16="http://schemas.microsoft.com/office/drawing/2014/main" xmlns="" id="{BC916508-F80D-434E-B066-812949E5DB94}"/>
               </a:ext>
             </a:extLst>
           </p:cNvPr>
@@ -5750,7 +5750,7 @@
             <p:cNvPr id="61" name="Rectangle 60">
               <a:extLst>
                 <a:ext uri="{FF2B5EF4-FFF2-40B4-BE49-F238E27FC236}">
-                  <a16:creationId xmlns="" xmlns:a16="http://schemas.microsoft.com/office/drawing/2014/main" id="{CE9E3B68-B936-49FB-94D8-7AC0076CF488}"/>
+                  <a16:creationId xmlns:a16="http://schemas.microsoft.com/office/drawing/2014/main" xmlns="" id="{CE9E3B68-B936-49FB-94D8-7AC0076CF488}"/>
                 </a:ext>
               </a:extLst>
             </p:cNvPr>
@@ -5811,7 +5811,7 @@
             <p:cNvPr id="62" name="Freeform: Shape 61">
               <a:extLst>
                 <a:ext uri="{FF2B5EF4-FFF2-40B4-BE49-F238E27FC236}">
-                  <a16:creationId xmlns="" xmlns:a16="http://schemas.microsoft.com/office/drawing/2014/main" id="{0D3F9516-66C4-44E6-9877-6C0374B5112C}"/>
+                  <a16:creationId xmlns:a16="http://schemas.microsoft.com/office/drawing/2014/main" xmlns="" id="{0D3F9516-66C4-44E6-9877-6C0374B5112C}"/>
                 </a:ext>
               </a:extLst>
             </p:cNvPr>
@@ -5918,7 +5918,7 @@
             <p:cNvPr id="63" name="TextBox 62">
               <a:extLst>
                 <a:ext uri="{FF2B5EF4-FFF2-40B4-BE49-F238E27FC236}">
-                  <a16:creationId xmlns="" xmlns:a16="http://schemas.microsoft.com/office/drawing/2014/main" id="{32DF4D80-460D-4455-B80A-3BC0C6A12DA2}"/>
+                  <a16:creationId xmlns:a16="http://schemas.microsoft.com/office/drawing/2014/main" xmlns="" id="{32DF4D80-460D-4455-B80A-3BC0C6A12DA2}"/>
                 </a:ext>
               </a:extLst>
             </p:cNvPr>
@@ -5959,7 +5959,7 @@
             <p:cNvPr id="64" name="Picture 63">
               <a:extLst>
                 <a:ext uri="{FF2B5EF4-FFF2-40B4-BE49-F238E27FC236}">
-                  <a16:creationId xmlns="" xmlns:a16="http://schemas.microsoft.com/office/drawing/2014/main" id="{7AB39DAF-3109-4CEA-BD1D-C123179FF81F}"/>
+                  <a16:creationId xmlns:a16="http://schemas.microsoft.com/office/drawing/2014/main" xmlns="" id="{7AB39DAF-3109-4CEA-BD1D-C123179FF81F}"/>
                 </a:ext>
               </a:extLst>
             </p:cNvPr>
@@ -5972,7 +5972,7 @@
             <a:blip r:embed="rId2" cstate="print">
               <a:extLst>
                 <a:ext uri="{28A0092B-C50C-407E-A947-70E740481C1C}">
-                  <a14:useLocalDpi xmlns="" xmlns:a14="http://schemas.microsoft.com/office/drawing/2010/main" val="0"/>
+                  <a14:useLocalDpi xmlns:a14="http://schemas.microsoft.com/office/drawing/2010/main" xmlns="" val="0"/>
                 </a:ext>
               </a:extLst>
             </a:blip>
@@ -5996,7 +5996,7 @@
           <p:cNvPr id="65" name="Group 64">
             <a:extLst>
               <a:ext uri="{FF2B5EF4-FFF2-40B4-BE49-F238E27FC236}">
-                <a16:creationId xmlns="" xmlns:a16="http://schemas.microsoft.com/office/drawing/2014/main" id="{92B7020D-701A-4EE7-BDA2-CD171993C203}"/>
+                <a16:creationId xmlns:a16="http://schemas.microsoft.com/office/drawing/2014/main" xmlns="" id="{92B7020D-701A-4EE7-BDA2-CD171993C203}"/>
               </a:ext>
             </a:extLst>
           </p:cNvPr>
@@ -6016,7 +6016,7 @@
             <p:cNvPr id="66" name="Rectangle 65">
               <a:extLst>
                 <a:ext uri="{FF2B5EF4-FFF2-40B4-BE49-F238E27FC236}">
-                  <a16:creationId xmlns="" xmlns:a16="http://schemas.microsoft.com/office/drawing/2014/main" id="{3B77930A-0489-40A5-B3D7-053D64BD29C4}"/>
+                  <a16:creationId xmlns:a16="http://schemas.microsoft.com/office/drawing/2014/main" xmlns="" id="{3B77930A-0489-40A5-B3D7-053D64BD29C4}"/>
                 </a:ext>
               </a:extLst>
             </p:cNvPr>
@@ -6077,7 +6077,7 @@
             <p:cNvPr id="67" name="Freeform: Shape 66">
               <a:extLst>
                 <a:ext uri="{FF2B5EF4-FFF2-40B4-BE49-F238E27FC236}">
-                  <a16:creationId xmlns="" xmlns:a16="http://schemas.microsoft.com/office/drawing/2014/main" id="{3ED749F6-F5EB-48BD-A697-16D473CCCFE8}"/>
+                  <a16:creationId xmlns:a16="http://schemas.microsoft.com/office/drawing/2014/main" xmlns="" id="{3ED749F6-F5EB-48BD-A697-16D473CCCFE8}"/>
                 </a:ext>
               </a:extLst>
             </p:cNvPr>
@@ -6184,7 +6184,7 @@
             <p:cNvPr id="68" name="TextBox 67">
               <a:extLst>
                 <a:ext uri="{FF2B5EF4-FFF2-40B4-BE49-F238E27FC236}">
-                  <a16:creationId xmlns="" xmlns:a16="http://schemas.microsoft.com/office/drawing/2014/main" id="{8070AD46-78F1-4169-9AE3-EDECC43BD39B}"/>
+                  <a16:creationId xmlns:a16="http://schemas.microsoft.com/office/drawing/2014/main" xmlns="" id="{8070AD46-78F1-4169-9AE3-EDECC43BD39B}"/>
                 </a:ext>
               </a:extLst>
             </p:cNvPr>
@@ -6231,7 +6231,7 @@
             <p:cNvPr id="69" name="Picture 68">
               <a:extLst>
                 <a:ext uri="{FF2B5EF4-FFF2-40B4-BE49-F238E27FC236}">
-                  <a16:creationId xmlns="" xmlns:a16="http://schemas.microsoft.com/office/drawing/2014/main" id="{22B026A5-B1AC-46D4-AE84-DF77E5A294CF}"/>
+                  <a16:creationId xmlns:a16="http://schemas.microsoft.com/office/drawing/2014/main" xmlns="" id="{22B026A5-B1AC-46D4-AE84-DF77E5A294CF}"/>
                 </a:ext>
               </a:extLst>
             </p:cNvPr>
@@ -6244,7 +6244,7 @@
             <a:blip r:embed="rId2" cstate="print">
               <a:extLst>
                 <a:ext uri="{28A0092B-C50C-407E-A947-70E740481C1C}">
-                  <a14:useLocalDpi xmlns="" xmlns:a14="http://schemas.microsoft.com/office/drawing/2010/main" val="0"/>
+                  <a14:useLocalDpi xmlns:a14="http://schemas.microsoft.com/office/drawing/2010/main" xmlns="" val="0"/>
                 </a:ext>
               </a:extLst>
             </a:blip>
@@ -6268,7 +6268,7 @@
           <p:cNvPr id="70" name="Rectangle 69">
             <a:extLst>
               <a:ext uri="{FF2B5EF4-FFF2-40B4-BE49-F238E27FC236}">
-                <a16:creationId xmlns="" xmlns:a16="http://schemas.microsoft.com/office/drawing/2014/main" id="{371C6EE2-CCA6-4F94-870B-CB9D61CEBE17}"/>
+                <a16:creationId xmlns:a16="http://schemas.microsoft.com/office/drawing/2014/main" xmlns="" id="{371C6EE2-CCA6-4F94-870B-CB9D61CEBE17}"/>
               </a:ext>
             </a:extLst>
           </p:cNvPr>
@@ -6329,7 +6329,7 @@
           <p:cNvPr id="71" name="Group 70">
             <a:extLst>
               <a:ext uri="{FF2B5EF4-FFF2-40B4-BE49-F238E27FC236}">
-                <a16:creationId xmlns="" xmlns:a16="http://schemas.microsoft.com/office/drawing/2014/main" id="{20422D8F-B19E-425C-93A8-F750F60A06A7}"/>
+                <a16:creationId xmlns:a16="http://schemas.microsoft.com/office/drawing/2014/main" xmlns="" id="{20422D8F-B19E-425C-93A8-F750F60A06A7}"/>
               </a:ext>
             </a:extLst>
           </p:cNvPr>
@@ -6349,7 +6349,7 @@
             <p:cNvPr id="72" name="Rectangle 71">
               <a:extLst>
                 <a:ext uri="{FF2B5EF4-FFF2-40B4-BE49-F238E27FC236}">
-                  <a16:creationId xmlns="" xmlns:a16="http://schemas.microsoft.com/office/drawing/2014/main" id="{3278AF09-2D0C-4E81-816C-BC1D04E40DC2}"/>
+                  <a16:creationId xmlns:a16="http://schemas.microsoft.com/office/drawing/2014/main" xmlns="" id="{3278AF09-2D0C-4E81-816C-BC1D04E40DC2}"/>
                 </a:ext>
               </a:extLst>
             </p:cNvPr>
@@ -6410,7 +6410,7 @@
             <p:cNvPr id="73" name="Freeform: Shape 72">
               <a:extLst>
                 <a:ext uri="{FF2B5EF4-FFF2-40B4-BE49-F238E27FC236}">
-                  <a16:creationId xmlns="" xmlns:a16="http://schemas.microsoft.com/office/drawing/2014/main" id="{AC2E1C67-7A8F-4EB5-AB00-3C754858084E}"/>
+                  <a16:creationId xmlns:a16="http://schemas.microsoft.com/office/drawing/2014/main" xmlns="" id="{AC2E1C67-7A8F-4EB5-AB00-3C754858084E}"/>
                 </a:ext>
               </a:extLst>
             </p:cNvPr>
@@ -6517,7 +6517,7 @@
             <p:cNvPr id="74" name="TextBox 73">
               <a:extLst>
                 <a:ext uri="{FF2B5EF4-FFF2-40B4-BE49-F238E27FC236}">
-                  <a16:creationId xmlns="" xmlns:a16="http://schemas.microsoft.com/office/drawing/2014/main" id="{67795C74-0308-4781-BEE6-B62AE6D17152}"/>
+                  <a16:creationId xmlns:a16="http://schemas.microsoft.com/office/drawing/2014/main" xmlns="" id="{67795C74-0308-4781-BEE6-B62AE6D17152}"/>
                 </a:ext>
               </a:extLst>
             </p:cNvPr>
@@ -6564,7 +6564,7 @@
             <p:cNvPr id="75" name="Picture 74">
               <a:extLst>
                 <a:ext uri="{FF2B5EF4-FFF2-40B4-BE49-F238E27FC236}">
-                  <a16:creationId xmlns="" xmlns:a16="http://schemas.microsoft.com/office/drawing/2014/main" id="{45C46027-B464-4ADA-A3B8-14FF4471BA1E}"/>
+                  <a16:creationId xmlns:a16="http://schemas.microsoft.com/office/drawing/2014/main" xmlns="" id="{45C46027-B464-4ADA-A3B8-14FF4471BA1E}"/>
                 </a:ext>
               </a:extLst>
             </p:cNvPr>
@@ -6577,7 +6577,7 @@
             <a:blip r:embed="rId2" cstate="print">
               <a:extLst>
                 <a:ext uri="{28A0092B-C50C-407E-A947-70E740481C1C}">
-                  <a14:useLocalDpi xmlns="" xmlns:a14="http://schemas.microsoft.com/office/drawing/2010/main" val="0"/>
+                  <a14:useLocalDpi xmlns:a14="http://schemas.microsoft.com/office/drawing/2010/main" xmlns="" val="0"/>
                 </a:ext>
               </a:extLst>
             </a:blip>
@@ -6601,7 +6601,7 @@
           <p:cNvPr id="76" name="Group 75">
             <a:extLst>
               <a:ext uri="{FF2B5EF4-FFF2-40B4-BE49-F238E27FC236}">
-                <a16:creationId xmlns="" xmlns:a16="http://schemas.microsoft.com/office/drawing/2014/main" id="{C1D48DDF-B760-4AB3-A520-29238CC2C408}"/>
+                <a16:creationId xmlns:a16="http://schemas.microsoft.com/office/drawing/2014/main" xmlns="" id="{C1D48DDF-B760-4AB3-A520-29238CC2C408}"/>
               </a:ext>
             </a:extLst>
           </p:cNvPr>
@@ -6621,7 +6621,7 @@
             <p:cNvPr id="77" name="Rectangle 76">
               <a:extLst>
                 <a:ext uri="{FF2B5EF4-FFF2-40B4-BE49-F238E27FC236}">
-                  <a16:creationId xmlns="" xmlns:a16="http://schemas.microsoft.com/office/drawing/2014/main" id="{FA696B4D-5BCF-47C3-8B8C-BE87154A63B4}"/>
+                  <a16:creationId xmlns:a16="http://schemas.microsoft.com/office/drawing/2014/main" xmlns="" id="{FA696B4D-5BCF-47C3-8B8C-BE87154A63B4}"/>
                 </a:ext>
               </a:extLst>
             </p:cNvPr>
@@ -6682,7 +6682,7 @@
             <p:cNvPr id="78" name="Freeform: Shape 77">
               <a:extLst>
                 <a:ext uri="{FF2B5EF4-FFF2-40B4-BE49-F238E27FC236}">
-                  <a16:creationId xmlns="" xmlns:a16="http://schemas.microsoft.com/office/drawing/2014/main" id="{BAAA7B45-7DAF-4C4D-A930-ABA45AC955DD}"/>
+                  <a16:creationId xmlns:a16="http://schemas.microsoft.com/office/drawing/2014/main" xmlns="" id="{BAAA7B45-7DAF-4C4D-A930-ABA45AC955DD}"/>
                 </a:ext>
               </a:extLst>
             </p:cNvPr>
@@ -6789,7 +6789,7 @@
             <p:cNvPr id="79" name="TextBox 78">
               <a:extLst>
                 <a:ext uri="{FF2B5EF4-FFF2-40B4-BE49-F238E27FC236}">
-                  <a16:creationId xmlns="" xmlns:a16="http://schemas.microsoft.com/office/drawing/2014/main" id="{701F5CFD-7EE1-475C-A36F-330184D5C6EC}"/>
+                  <a16:creationId xmlns:a16="http://schemas.microsoft.com/office/drawing/2014/main" xmlns="" id="{701F5CFD-7EE1-475C-A36F-330184D5C6EC}"/>
                 </a:ext>
               </a:extLst>
             </p:cNvPr>
@@ -6836,7 +6836,7 @@
             <p:cNvPr id="80" name="Picture 79">
               <a:extLst>
                 <a:ext uri="{FF2B5EF4-FFF2-40B4-BE49-F238E27FC236}">
-                  <a16:creationId xmlns="" xmlns:a16="http://schemas.microsoft.com/office/drawing/2014/main" id="{B9F42291-FBD0-4239-8D69-22035DCB4AE6}"/>
+                  <a16:creationId xmlns:a16="http://schemas.microsoft.com/office/drawing/2014/main" xmlns="" id="{B9F42291-FBD0-4239-8D69-22035DCB4AE6}"/>
                 </a:ext>
               </a:extLst>
             </p:cNvPr>
@@ -6849,7 +6849,7 @@
             <a:blip r:embed="rId2" cstate="print">
               <a:extLst>
                 <a:ext uri="{28A0092B-C50C-407E-A947-70E740481C1C}">
-                  <a14:useLocalDpi xmlns="" xmlns:a14="http://schemas.microsoft.com/office/drawing/2010/main" val="0"/>
+                  <a14:useLocalDpi xmlns:a14="http://schemas.microsoft.com/office/drawing/2010/main" xmlns="" val="0"/>
                 </a:ext>
               </a:extLst>
             </a:blip>
@@ -6873,7 +6873,7 @@
           <p:cNvPr id="82" name="Group 81">
             <a:extLst>
               <a:ext uri="{FF2B5EF4-FFF2-40B4-BE49-F238E27FC236}">
-                <a16:creationId xmlns="" xmlns:a16="http://schemas.microsoft.com/office/drawing/2014/main" id="{A14E1B91-C212-4889-8705-49BCDB383225}"/>
+                <a16:creationId xmlns:a16="http://schemas.microsoft.com/office/drawing/2014/main" xmlns="" id="{A14E1B91-C212-4889-8705-49BCDB383225}"/>
               </a:ext>
             </a:extLst>
           </p:cNvPr>
@@ -6893,7 +6893,7 @@
             <p:cNvPr id="83" name="TextBox 82">
               <a:extLst>
                 <a:ext uri="{FF2B5EF4-FFF2-40B4-BE49-F238E27FC236}">
-                  <a16:creationId xmlns="" xmlns:a16="http://schemas.microsoft.com/office/drawing/2014/main" id="{A94C4F95-2EDE-46B0-8B26-C72D6D3C8DB3}"/>
+                  <a16:creationId xmlns:a16="http://schemas.microsoft.com/office/drawing/2014/main" xmlns="" id="{A94C4F95-2EDE-46B0-8B26-C72D6D3C8DB3}"/>
                 </a:ext>
               </a:extLst>
             </p:cNvPr>
@@ -6940,7 +6940,7 @@
             <p:cNvPr id="84" name="TextBox 83">
               <a:extLst>
                 <a:ext uri="{FF2B5EF4-FFF2-40B4-BE49-F238E27FC236}">
-                  <a16:creationId xmlns="" xmlns:a16="http://schemas.microsoft.com/office/drawing/2014/main" id="{7DC9F996-36A0-4A1D-8C4B-F6DAF0FDA7C8}"/>
+                  <a16:creationId xmlns:a16="http://schemas.microsoft.com/office/drawing/2014/main" xmlns="" id="{7DC9F996-36A0-4A1D-8C4B-F6DAF0FDA7C8}"/>
                 </a:ext>
               </a:extLst>
             </p:cNvPr>
@@ -7005,7 +7005,7 @@
             <p:cNvPr id="85" name="TextBox 84">
               <a:extLst>
                 <a:ext uri="{FF2B5EF4-FFF2-40B4-BE49-F238E27FC236}">
-                  <a16:creationId xmlns="" xmlns:a16="http://schemas.microsoft.com/office/drawing/2014/main" id="{9EDE56FF-3E69-4484-9673-AC7FA14D3D89}"/>
+                  <a16:creationId xmlns:a16="http://schemas.microsoft.com/office/drawing/2014/main" xmlns="" id="{9EDE56FF-3E69-4484-9673-AC7FA14D3D89}"/>
                 </a:ext>
               </a:extLst>
             </p:cNvPr>
@@ -7046,7 +7046,7 @@
             <p:cNvPr id="86" name="TextBox 85">
               <a:extLst>
                 <a:ext uri="{FF2B5EF4-FFF2-40B4-BE49-F238E27FC236}">
-                  <a16:creationId xmlns="" xmlns:a16="http://schemas.microsoft.com/office/drawing/2014/main" id="{944799B2-E7B9-4C01-A37D-BB60C6C75D12}"/>
+                  <a16:creationId xmlns:a16="http://schemas.microsoft.com/office/drawing/2014/main" xmlns="" id="{944799B2-E7B9-4C01-A37D-BB60C6C75D12}"/>
                 </a:ext>
               </a:extLst>
             </p:cNvPr>
@@ -7112,7 +7112,7 @@
     </p:spTree>
     <p:extLst>
       <p:ext uri="{BB962C8B-B14F-4D97-AF65-F5344CB8AC3E}">
-        <p14:creationId xmlns="" xmlns:p14="http://schemas.microsoft.com/office/powerpoint/2010/main" val="2001706127"/>
+        <p14:creationId xmlns:p14="http://schemas.microsoft.com/office/powerpoint/2010/main" xmlns="" val="2001706127"/>
       </p:ext>
     </p:extLst>
   </p:cSld>
@@ -7120,7 +7120,7 @@
     <a:masterClrMapping/>
   </p:clrMapOvr>
   <mc:AlternateContent xmlns:mc="http://schemas.openxmlformats.org/markup-compatibility/2006">
-    <mc:Choice xmlns="" xmlns:p159="http://schemas.microsoft.com/office/powerpoint/2015/09/main" Requires="p159">
+    <mc:Choice xmlns:p159="http://schemas.microsoft.com/office/powerpoint/2015/09/main" xmlns="" Requires="p159">
       <p:transition spd="med">
         <p159:morph option="byObject"/>
       </p:transition>
@@ -7329,7 +7329,7 @@
           <p:cNvPr id="2" name="Group 32">
             <a:extLst>
               <a:ext uri="{FF2B5EF4-FFF2-40B4-BE49-F238E27FC236}">
-                <a16:creationId xmlns="" xmlns:a16="http://schemas.microsoft.com/office/drawing/2014/main" id="{BC3001EC-9F33-4C39-B780-199714C83EA2}"/>
+                <a16:creationId xmlns:a16="http://schemas.microsoft.com/office/drawing/2014/main" xmlns="" id="{BC3001EC-9F33-4C39-B780-199714C83EA2}"/>
               </a:ext>
             </a:extLst>
           </p:cNvPr>
@@ -7349,7 +7349,7 @@
             <p:cNvPr id="34" name="Rectangle 33">
               <a:extLst>
                 <a:ext uri="{FF2B5EF4-FFF2-40B4-BE49-F238E27FC236}">
-                  <a16:creationId xmlns="" xmlns:a16="http://schemas.microsoft.com/office/drawing/2014/main" id="{129B5C97-F627-4A85-B003-5396A9D964D5}"/>
+                  <a16:creationId xmlns:a16="http://schemas.microsoft.com/office/drawing/2014/main" xmlns="" id="{129B5C97-F627-4A85-B003-5396A9D964D5}"/>
                 </a:ext>
               </a:extLst>
             </p:cNvPr>
@@ -7410,7 +7410,7 @@
             <p:cNvPr id="35" name="Freeform: Shape 34">
               <a:extLst>
                 <a:ext uri="{FF2B5EF4-FFF2-40B4-BE49-F238E27FC236}">
-                  <a16:creationId xmlns="" xmlns:a16="http://schemas.microsoft.com/office/drawing/2014/main" id="{A97C14D5-0388-44F5-AD76-F8BBAF179CD6}"/>
+                  <a16:creationId xmlns:a16="http://schemas.microsoft.com/office/drawing/2014/main" xmlns="" id="{A97C14D5-0388-44F5-AD76-F8BBAF179CD6}"/>
                 </a:ext>
               </a:extLst>
             </p:cNvPr>
@@ -7517,7 +7517,7 @@
             <p:cNvPr id="36" name="TextBox 35">
               <a:extLst>
                 <a:ext uri="{FF2B5EF4-FFF2-40B4-BE49-F238E27FC236}">
-                  <a16:creationId xmlns="" xmlns:a16="http://schemas.microsoft.com/office/drawing/2014/main" id="{2151F346-69C6-4F86-BC1F-C57BA2384CC6}"/>
+                  <a16:creationId xmlns:a16="http://schemas.microsoft.com/office/drawing/2014/main" xmlns="" id="{2151F346-69C6-4F86-BC1F-C57BA2384CC6}"/>
                 </a:ext>
               </a:extLst>
             </p:cNvPr>
@@ -7558,7 +7558,7 @@
             <p:cNvPr id="37" name="Picture 36">
               <a:extLst>
                 <a:ext uri="{FF2B5EF4-FFF2-40B4-BE49-F238E27FC236}">
-                  <a16:creationId xmlns="" xmlns:a16="http://schemas.microsoft.com/office/drawing/2014/main" id="{52B367FE-8530-4052-AD96-2D6FBE490F66}"/>
+                  <a16:creationId xmlns:a16="http://schemas.microsoft.com/office/drawing/2014/main" xmlns="" id="{52B367FE-8530-4052-AD96-2D6FBE490F66}"/>
                 </a:ext>
               </a:extLst>
             </p:cNvPr>
@@ -7571,7 +7571,7 @@
             <a:blip r:embed="rId2" cstate="print">
               <a:extLst>
                 <a:ext uri="{28A0092B-C50C-407E-A947-70E740481C1C}">
-                  <a14:useLocalDpi xmlns="" xmlns:a14="http://schemas.microsoft.com/office/drawing/2010/main" val="0"/>
+                  <a14:useLocalDpi xmlns:a14="http://schemas.microsoft.com/office/drawing/2010/main" xmlns="" val="0"/>
                 </a:ext>
               </a:extLst>
             </a:blip>
@@ -7595,7 +7595,7 @@
           <p:cNvPr id="4" name="Group 37">
             <a:extLst>
               <a:ext uri="{FF2B5EF4-FFF2-40B4-BE49-F238E27FC236}">
-                <a16:creationId xmlns="" xmlns:a16="http://schemas.microsoft.com/office/drawing/2014/main" id="{63E93C38-ECA5-4094-81E9-196A3BD19EBD}"/>
+                <a16:creationId xmlns:a16="http://schemas.microsoft.com/office/drawing/2014/main" xmlns="" id="{63E93C38-ECA5-4094-81E9-196A3BD19EBD}"/>
               </a:ext>
             </a:extLst>
           </p:cNvPr>
@@ -7615,7 +7615,7 @@
             <p:cNvPr id="39" name="Rectangle 38">
               <a:extLst>
                 <a:ext uri="{FF2B5EF4-FFF2-40B4-BE49-F238E27FC236}">
-                  <a16:creationId xmlns="" xmlns:a16="http://schemas.microsoft.com/office/drawing/2014/main" id="{5C85080E-7B66-43F0-AB4D-3A69B13C005A}"/>
+                  <a16:creationId xmlns:a16="http://schemas.microsoft.com/office/drawing/2014/main" xmlns="" id="{5C85080E-7B66-43F0-AB4D-3A69B13C005A}"/>
                 </a:ext>
               </a:extLst>
             </p:cNvPr>
@@ -7676,7 +7676,7 @@
             <p:cNvPr id="40" name="Freeform: Shape 39">
               <a:extLst>
                 <a:ext uri="{FF2B5EF4-FFF2-40B4-BE49-F238E27FC236}">
-                  <a16:creationId xmlns="" xmlns:a16="http://schemas.microsoft.com/office/drawing/2014/main" id="{405DAC1A-9BF8-460E-8D8B-77BFB6B27FF9}"/>
+                  <a16:creationId xmlns:a16="http://schemas.microsoft.com/office/drawing/2014/main" xmlns="" id="{405DAC1A-9BF8-460E-8D8B-77BFB6B27FF9}"/>
                 </a:ext>
               </a:extLst>
             </p:cNvPr>
@@ -7783,7 +7783,7 @@
             <p:cNvPr id="41" name="TextBox 40">
               <a:extLst>
                 <a:ext uri="{FF2B5EF4-FFF2-40B4-BE49-F238E27FC236}">
-                  <a16:creationId xmlns="" xmlns:a16="http://schemas.microsoft.com/office/drawing/2014/main" id="{90DCA374-CD21-448B-8791-8A04A9A9A552}"/>
+                  <a16:creationId xmlns:a16="http://schemas.microsoft.com/office/drawing/2014/main" xmlns="" id="{90DCA374-CD21-448B-8791-8A04A9A9A552}"/>
                 </a:ext>
               </a:extLst>
             </p:cNvPr>
@@ -7830,7 +7830,7 @@
             <p:cNvPr id="42" name="Picture 41">
               <a:extLst>
                 <a:ext uri="{FF2B5EF4-FFF2-40B4-BE49-F238E27FC236}">
-                  <a16:creationId xmlns="" xmlns:a16="http://schemas.microsoft.com/office/drawing/2014/main" id="{83A620A7-5483-4447-9670-0F8D67F3627A}"/>
+                  <a16:creationId xmlns:a16="http://schemas.microsoft.com/office/drawing/2014/main" xmlns="" id="{83A620A7-5483-4447-9670-0F8D67F3627A}"/>
                 </a:ext>
               </a:extLst>
             </p:cNvPr>
@@ -7843,7 +7843,7 @@
             <a:blip r:embed="rId2" cstate="print">
               <a:extLst>
                 <a:ext uri="{28A0092B-C50C-407E-A947-70E740481C1C}">
-                  <a14:useLocalDpi xmlns="" xmlns:a14="http://schemas.microsoft.com/office/drawing/2010/main" val="0"/>
+                  <a14:useLocalDpi xmlns:a14="http://schemas.microsoft.com/office/drawing/2010/main" xmlns="" val="0"/>
                 </a:ext>
               </a:extLst>
             </a:blip>
@@ -7867,7 +7867,7 @@
           <p:cNvPr id="5" name="Group 42">
             <a:extLst>
               <a:ext uri="{FF2B5EF4-FFF2-40B4-BE49-F238E27FC236}">
-                <a16:creationId xmlns="" xmlns:a16="http://schemas.microsoft.com/office/drawing/2014/main" id="{B02914A7-C65F-4EFB-8FF4-9BB283DC3935}"/>
+                <a16:creationId xmlns:a16="http://schemas.microsoft.com/office/drawing/2014/main" xmlns="" id="{B02914A7-C65F-4EFB-8FF4-9BB283DC3935}"/>
               </a:ext>
             </a:extLst>
           </p:cNvPr>
@@ -7887,7 +7887,7 @@
             <p:cNvPr id="44" name="Rectangle 43">
               <a:extLst>
                 <a:ext uri="{FF2B5EF4-FFF2-40B4-BE49-F238E27FC236}">
-                  <a16:creationId xmlns="" xmlns:a16="http://schemas.microsoft.com/office/drawing/2014/main" id="{99DA66B2-8A11-4397-B997-59A37787FEF8}"/>
+                  <a16:creationId xmlns:a16="http://schemas.microsoft.com/office/drawing/2014/main" xmlns="" id="{99DA66B2-8A11-4397-B997-59A37787FEF8}"/>
                 </a:ext>
               </a:extLst>
             </p:cNvPr>
@@ -7948,7 +7948,7 @@
             <p:cNvPr id="45" name="Freeform: Shape 44">
               <a:extLst>
                 <a:ext uri="{FF2B5EF4-FFF2-40B4-BE49-F238E27FC236}">
-                  <a16:creationId xmlns="" xmlns:a16="http://schemas.microsoft.com/office/drawing/2014/main" id="{71A8923D-952E-459F-92C0-CCE4C5E45F88}"/>
+                  <a16:creationId xmlns:a16="http://schemas.microsoft.com/office/drawing/2014/main" xmlns="" id="{71A8923D-952E-459F-92C0-CCE4C5E45F88}"/>
                 </a:ext>
               </a:extLst>
             </p:cNvPr>
@@ -8055,7 +8055,7 @@
             <p:cNvPr id="46" name="TextBox 45">
               <a:extLst>
                 <a:ext uri="{FF2B5EF4-FFF2-40B4-BE49-F238E27FC236}">
-                  <a16:creationId xmlns="" xmlns:a16="http://schemas.microsoft.com/office/drawing/2014/main" id="{DD73F442-B2F9-477E-B4DE-956CBA09D9C3}"/>
+                  <a16:creationId xmlns:a16="http://schemas.microsoft.com/office/drawing/2014/main" xmlns="" id="{DD73F442-B2F9-477E-B4DE-956CBA09D9C3}"/>
                 </a:ext>
               </a:extLst>
             </p:cNvPr>
@@ -8102,7 +8102,7 @@
             <p:cNvPr id="47" name="Picture 46">
               <a:extLst>
                 <a:ext uri="{FF2B5EF4-FFF2-40B4-BE49-F238E27FC236}">
-                  <a16:creationId xmlns="" xmlns:a16="http://schemas.microsoft.com/office/drawing/2014/main" id="{7654DCD4-7920-4D83-8D7F-6D3A71A169A5}"/>
+                  <a16:creationId xmlns:a16="http://schemas.microsoft.com/office/drawing/2014/main" xmlns="" id="{7654DCD4-7920-4D83-8D7F-6D3A71A169A5}"/>
                 </a:ext>
               </a:extLst>
             </p:cNvPr>
@@ -8115,7 +8115,7 @@
             <a:blip r:embed="rId2" cstate="print">
               <a:extLst>
                 <a:ext uri="{28A0092B-C50C-407E-A947-70E740481C1C}">
-                  <a14:useLocalDpi xmlns="" xmlns:a14="http://schemas.microsoft.com/office/drawing/2010/main" val="0"/>
+                  <a14:useLocalDpi xmlns:a14="http://schemas.microsoft.com/office/drawing/2010/main" xmlns="" val="0"/>
                 </a:ext>
               </a:extLst>
             </a:blip>
@@ -8139,7 +8139,7 @@
           <p:cNvPr id="6" name="Group 47">
             <a:extLst>
               <a:ext uri="{FF2B5EF4-FFF2-40B4-BE49-F238E27FC236}">
-                <a16:creationId xmlns="" xmlns:a16="http://schemas.microsoft.com/office/drawing/2014/main" id="{7A67CF96-B24C-4BAD-8466-B32ECC2753A1}"/>
+                <a16:creationId xmlns:a16="http://schemas.microsoft.com/office/drawing/2014/main" xmlns="" id="{7A67CF96-B24C-4BAD-8466-B32ECC2753A1}"/>
               </a:ext>
             </a:extLst>
           </p:cNvPr>
@@ -8159,7 +8159,7 @@
             <p:cNvPr id="49" name="Rectangle 48">
               <a:extLst>
                 <a:ext uri="{FF2B5EF4-FFF2-40B4-BE49-F238E27FC236}">
-                  <a16:creationId xmlns="" xmlns:a16="http://schemas.microsoft.com/office/drawing/2014/main" id="{8B7B7434-49BE-47D6-BAE6-9B9134F0EC8C}"/>
+                  <a16:creationId xmlns:a16="http://schemas.microsoft.com/office/drawing/2014/main" xmlns="" id="{8B7B7434-49BE-47D6-BAE6-9B9134F0EC8C}"/>
                 </a:ext>
               </a:extLst>
             </p:cNvPr>
@@ -8220,7 +8220,7 @@
             <p:cNvPr id="81" name="Freeform: Shape 80">
               <a:extLst>
                 <a:ext uri="{FF2B5EF4-FFF2-40B4-BE49-F238E27FC236}">
-                  <a16:creationId xmlns="" xmlns:a16="http://schemas.microsoft.com/office/drawing/2014/main" id="{080296C0-D397-432D-B5A1-CA7DA186EB14}"/>
+                  <a16:creationId xmlns:a16="http://schemas.microsoft.com/office/drawing/2014/main" xmlns="" id="{080296C0-D397-432D-B5A1-CA7DA186EB14}"/>
                 </a:ext>
               </a:extLst>
             </p:cNvPr>
@@ -8327,7 +8327,7 @@
             <p:cNvPr id="82" name="TextBox 81">
               <a:extLst>
                 <a:ext uri="{FF2B5EF4-FFF2-40B4-BE49-F238E27FC236}">
-                  <a16:creationId xmlns="" xmlns:a16="http://schemas.microsoft.com/office/drawing/2014/main" id="{73DE47E8-526D-4A96-A671-69E14D20D1EB}"/>
+                  <a16:creationId xmlns:a16="http://schemas.microsoft.com/office/drawing/2014/main" xmlns="" id="{73DE47E8-526D-4A96-A671-69E14D20D1EB}"/>
                 </a:ext>
               </a:extLst>
             </p:cNvPr>
@@ -8374,7 +8374,7 @@
             <p:cNvPr id="83" name="Picture 82">
               <a:extLst>
                 <a:ext uri="{FF2B5EF4-FFF2-40B4-BE49-F238E27FC236}">
-                  <a16:creationId xmlns="" xmlns:a16="http://schemas.microsoft.com/office/drawing/2014/main" id="{7FD4AAEC-83E5-4832-BEA2-517A195B2A78}"/>
+                  <a16:creationId xmlns:a16="http://schemas.microsoft.com/office/drawing/2014/main" xmlns="" id="{7FD4AAEC-83E5-4832-BEA2-517A195B2A78}"/>
                 </a:ext>
               </a:extLst>
             </p:cNvPr>
@@ -8387,7 +8387,7 @@
             <a:blip r:embed="rId2" cstate="print">
               <a:extLst>
                 <a:ext uri="{28A0092B-C50C-407E-A947-70E740481C1C}">
-                  <a14:useLocalDpi xmlns="" xmlns:a14="http://schemas.microsoft.com/office/drawing/2010/main" val="0"/>
+                  <a14:useLocalDpi xmlns:a14="http://schemas.microsoft.com/office/drawing/2010/main" xmlns="" val="0"/>
                 </a:ext>
               </a:extLst>
             </a:blip>
@@ -8411,7 +8411,7 @@
           <p:cNvPr id="84" name="Rectangle 83">
             <a:extLst>
               <a:ext uri="{FF2B5EF4-FFF2-40B4-BE49-F238E27FC236}">
-                <a16:creationId xmlns="" xmlns:a16="http://schemas.microsoft.com/office/drawing/2014/main" id="{3C6BBB46-3AAE-49B1-8F56-3535CC357FEB}"/>
+                <a16:creationId xmlns:a16="http://schemas.microsoft.com/office/drawing/2014/main" xmlns="" id="{3C6BBB46-3AAE-49B1-8F56-3535CC357FEB}"/>
               </a:ext>
             </a:extLst>
           </p:cNvPr>
@@ -8472,7 +8472,7 @@
           <p:cNvPr id="8" name="Group 84">
             <a:extLst>
               <a:ext uri="{FF2B5EF4-FFF2-40B4-BE49-F238E27FC236}">
-                <a16:creationId xmlns="" xmlns:a16="http://schemas.microsoft.com/office/drawing/2014/main" id="{FA452EB0-3109-45BB-9389-19F84818FE30}"/>
+                <a16:creationId xmlns:a16="http://schemas.microsoft.com/office/drawing/2014/main" xmlns="" id="{FA452EB0-3109-45BB-9389-19F84818FE30}"/>
               </a:ext>
             </a:extLst>
           </p:cNvPr>
@@ -8492,7 +8492,7 @@
             <p:cNvPr id="86" name="Rectangle 85">
               <a:extLst>
                 <a:ext uri="{FF2B5EF4-FFF2-40B4-BE49-F238E27FC236}">
-                  <a16:creationId xmlns="" xmlns:a16="http://schemas.microsoft.com/office/drawing/2014/main" id="{DF941D0C-24DA-4E77-BE08-34D6F94BD6FB}"/>
+                  <a16:creationId xmlns:a16="http://schemas.microsoft.com/office/drawing/2014/main" xmlns="" id="{DF941D0C-24DA-4E77-BE08-34D6F94BD6FB}"/>
                 </a:ext>
               </a:extLst>
             </p:cNvPr>
@@ -8553,7 +8553,7 @@
             <p:cNvPr id="87" name="Freeform: Shape 86">
               <a:extLst>
                 <a:ext uri="{FF2B5EF4-FFF2-40B4-BE49-F238E27FC236}">
-                  <a16:creationId xmlns="" xmlns:a16="http://schemas.microsoft.com/office/drawing/2014/main" id="{09747D82-077A-45F5-8822-6A7F978E7845}"/>
+                  <a16:creationId xmlns:a16="http://schemas.microsoft.com/office/drawing/2014/main" xmlns="" id="{09747D82-077A-45F5-8822-6A7F978E7845}"/>
                 </a:ext>
               </a:extLst>
             </p:cNvPr>
@@ -8660,7 +8660,7 @@
             <p:cNvPr id="88" name="TextBox 87">
               <a:extLst>
                 <a:ext uri="{FF2B5EF4-FFF2-40B4-BE49-F238E27FC236}">
-                  <a16:creationId xmlns="" xmlns:a16="http://schemas.microsoft.com/office/drawing/2014/main" id="{D0B26FA9-EA76-44C1-BA33-E4EBB060AC7E}"/>
+                  <a16:creationId xmlns:a16="http://schemas.microsoft.com/office/drawing/2014/main" xmlns="" id="{D0B26FA9-EA76-44C1-BA33-E4EBB060AC7E}"/>
                 </a:ext>
               </a:extLst>
             </p:cNvPr>
@@ -8707,7 +8707,7 @@
             <p:cNvPr id="89" name="Picture 88">
               <a:extLst>
                 <a:ext uri="{FF2B5EF4-FFF2-40B4-BE49-F238E27FC236}">
-                  <a16:creationId xmlns="" xmlns:a16="http://schemas.microsoft.com/office/drawing/2014/main" id="{EF138C1A-5B68-42BE-B6B8-0EE1F4738562}"/>
+                  <a16:creationId xmlns:a16="http://schemas.microsoft.com/office/drawing/2014/main" xmlns="" id="{EF138C1A-5B68-42BE-B6B8-0EE1F4738562}"/>
                 </a:ext>
               </a:extLst>
             </p:cNvPr>
@@ -8720,7 +8720,7 @@
             <a:blip r:embed="rId2" cstate="print">
               <a:extLst>
                 <a:ext uri="{28A0092B-C50C-407E-A947-70E740481C1C}">
-                  <a14:useLocalDpi xmlns="" xmlns:a14="http://schemas.microsoft.com/office/drawing/2010/main" val="0"/>
+                  <a14:useLocalDpi xmlns:a14="http://schemas.microsoft.com/office/drawing/2010/main" xmlns="" val="0"/>
                 </a:ext>
               </a:extLst>
             </a:blip>
@@ -8744,7 +8744,7 @@
           <p:cNvPr id="10" name="Group 89">
             <a:extLst>
               <a:ext uri="{FF2B5EF4-FFF2-40B4-BE49-F238E27FC236}">
-                <a16:creationId xmlns="" xmlns:a16="http://schemas.microsoft.com/office/drawing/2014/main" id="{2C48F6F2-7791-4D91-ADEC-77FE8FA739E3}"/>
+                <a16:creationId xmlns:a16="http://schemas.microsoft.com/office/drawing/2014/main" xmlns="" id="{2C48F6F2-7791-4D91-ADEC-77FE8FA739E3}"/>
               </a:ext>
             </a:extLst>
           </p:cNvPr>
@@ -8764,7 +8764,7 @@
             <p:cNvPr id="91" name="Rectangle 90">
               <a:extLst>
                 <a:ext uri="{FF2B5EF4-FFF2-40B4-BE49-F238E27FC236}">
-                  <a16:creationId xmlns="" xmlns:a16="http://schemas.microsoft.com/office/drawing/2014/main" id="{F8ED37E9-9873-442F-9B7C-7F4BC1A8F51E}"/>
+                  <a16:creationId xmlns:a16="http://schemas.microsoft.com/office/drawing/2014/main" xmlns="" id="{F8ED37E9-9873-442F-9B7C-7F4BC1A8F51E}"/>
                 </a:ext>
               </a:extLst>
             </p:cNvPr>
@@ -8825,7 +8825,7 @@
             <p:cNvPr id="92" name="Freeform: Shape 91">
               <a:extLst>
                 <a:ext uri="{FF2B5EF4-FFF2-40B4-BE49-F238E27FC236}">
-                  <a16:creationId xmlns="" xmlns:a16="http://schemas.microsoft.com/office/drawing/2014/main" id="{F2E020DE-B46A-4F47-97AB-BB6C9038FA2E}"/>
+                  <a16:creationId xmlns:a16="http://schemas.microsoft.com/office/drawing/2014/main" xmlns="" id="{F2E020DE-B46A-4F47-97AB-BB6C9038FA2E}"/>
                 </a:ext>
               </a:extLst>
             </p:cNvPr>
@@ -8932,7 +8932,7 @@
             <p:cNvPr id="93" name="TextBox 92">
               <a:extLst>
                 <a:ext uri="{FF2B5EF4-FFF2-40B4-BE49-F238E27FC236}">
-                  <a16:creationId xmlns="" xmlns:a16="http://schemas.microsoft.com/office/drawing/2014/main" id="{7CF05B7C-3B2D-4CAB-9132-7B756B442063}"/>
+                  <a16:creationId xmlns:a16="http://schemas.microsoft.com/office/drawing/2014/main" xmlns="" id="{7CF05B7C-3B2D-4CAB-9132-7B756B442063}"/>
                 </a:ext>
               </a:extLst>
             </p:cNvPr>
@@ -8979,7 +8979,7 @@
             <p:cNvPr id="94" name="Picture 93">
               <a:extLst>
                 <a:ext uri="{FF2B5EF4-FFF2-40B4-BE49-F238E27FC236}">
-                  <a16:creationId xmlns="" xmlns:a16="http://schemas.microsoft.com/office/drawing/2014/main" id="{A04E2F48-2025-4003-B590-1DD957710632}"/>
+                  <a16:creationId xmlns:a16="http://schemas.microsoft.com/office/drawing/2014/main" xmlns="" id="{A04E2F48-2025-4003-B590-1DD957710632}"/>
                 </a:ext>
               </a:extLst>
             </p:cNvPr>
@@ -8992,7 +8992,7 @@
             <a:blip r:embed="rId2" cstate="print">
               <a:extLst>
                 <a:ext uri="{28A0092B-C50C-407E-A947-70E740481C1C}">
-                  <a14:useLocalDpi xmlns="" xmlns:a14="http://schemas.microsoft.com/office/drawing/2010/main" val="0"/>
+                  <a14:useLocalDpi xmlns:a14="http://schemas.microsoft.com/office/drawing/2010/main" xmlns="" val="0"/>
                 </a:ext>
               </a:extLst>
             </a:blip>
@@ -9016,7 +9016,7 @@
           <p:cNvPr id="61" name="Oval 60">
             <a:extLst>
               <a:ext uri="{FF2B5EF4-FFF2-40B4-BE49-F238E27FC236}">
-                <a16:creationId xmlns="" xmlns:a16="http://schemas.microsoft.com/office/drawing/2014/main" id="{8A4AD62D-BD7E-415D-B725-6AC37487928F}"/>
+                <a16:creationId xmlns:a16="http://schemas.microsoft.com/office/drawing/2014/main" xmlns="" id="{8A4AD62D-BD7E-415D-B725-6AC37487928F}"/>
               </a:ext>
             </a:extLst>
           </p:cNvPr>
@@ -9068,7 +9068,7 @@
           <p:cNvPr id="64" name="Oval 63">
             <a:extLst>
               <a:ext uri="{FF2B5EF4-FFF2-40B4-BE49-F238E27FC236}">
-                <a16:creationId xmlns="" xmlns:a16="http://schemas.microsoft.com/office/drawing/2014/main" id="{8106C475-63FF-4B88-9037-7D4296DCF408}"/>
+                <a16:creationId xmlns:a16="http://schemas.microsoft.com/office/drawing/2014/main" xmlns="" id="{8106C475-63FF-4B88-9037-7D4296DCF408}"/>
               </a:ext>
             </a:extLst>
           </p:cNvPr>
@@ -9120,7 +9120,7 @@
           <p:cNvPr id="67" name="Oval 66">
             <a:extLst>
               <a:ext uri="{FF2B5EF4-FFF2-40B4-BE49-F238E27FC236}">
-                <a16:creationId xmlns="" xmlns:a16="http://schemas.microsoft.com/office/drawing/2014/main" id="{BEA41108-70F3-44FD-9476-BB5FCAD01852}"/>
+                <a16:creationId xmlns:a16="http://schemas.microsoft.com/office/drawing/2014/main" xmlns="" id="{BEA41108-70F3-44FD-9476-BB5FCAD01852}"/>
               </a:ext>
             </a:extLst>
           </p:cNvPr>
@@ -9172,7 +9172,7 @@
           <p:cNvPr id="79" name="Oval 78">
             <a:extLst>
               <a:ext uri="{FF2B5EF4-FFF2-40B4-BE49-F238E27FC236}">
-                <a16:creationId xmlns="" xmlns:a16="http://schemas.microsoft.com/office/drawing/2014/main" id="{8106C475-63FF-4B88-9037-7D4296DCF408}"/>
+                <a16:creationId xmlns:a16="http://schemas.microsoft.com/office/drawing/2014/main" xmlns="" id="{8106C475-63FF-4B88-9037-7D4296DCF408}"/>
               </a:ext>
             </a:extLst>
           </p:cNvPr>
@@ -9224,7 +9224,7 @@
           <p:cNvPr id="96" name="Group 95">
             <a:extLst>
               <a:ext uri="{FF2B5EF4-FFF2-40B4-BE49-F238E27FC236}">
-                <a16:creationId xmlns="" xmlns:a16="http://schemas.microsoft.com/office/drawing/2014/main" id="{642619BF-D98C-42FE-8077-B8745D93F239}"/>
+                <a16:creationId xmlns:a16="http://schemas.microsoft.com/office/drawing/2014/main" xmlns="" id="{642619BF-D98C-42FE-8077-B8745D93F239}"/>
               </a:ext>
             </a:extLst>
           </p:cNvPr>
@@ -9244,7 +9244,7 @@
             <p:cNvPr id="100" name="TextBox 99">
               <a:extLst>
                 <a:ext uri="{FF2B5EF4-FFF2-40B4-BE49-F238E27FC236}">
-                  <a16:creationId xmlns="" xmlns:a16="http://schemas.microsoft.com/office/drawing/2014/main" id="{47D438D1-4A2C-457A-A675-A2FFD11F8FC1}"/>
+                  <a16:creationId xmlns:a16="http://schemas.microsoft.com/office/drawing/2014/main" xmlns="" id="{47D438D1-4A2C-457A-A675-A2FFD11F8FC1}"/>
                 </a:ext>
               </a:extLst>
             </p:cNvPr>
@@ -9291,7 +9291,7 @@
             <p:cNvPr id="104" name="TextBox 103">
               <a:extLst>
                 <a:ext uri="{FF2B5EF4-FFF2-40B4-BE49-F238E27FC236}">
-                  <a16:creationId xmlns="" xmlns:a16="http://schemas.microsoft.com/office/drawing/2014/main" id="{EFA98CF0-C7D5-4BB1-AE6B-892973EDC2B3}"/>
+                  <a16:creationId xmlns:a16="http://schemas.microsoft.com/office/drawing/2014/main" xmlns="" id="{EFA98CF0-C7D5-4BB1-AE6B-892973EDC2B3}"/>
                 </a:ext>
               </a:extLst>
             </p:cNvPr>
@@ -9332,7 +9332,7 @@
             <p:cNvPr id="111" name="TextBox 110">
               <a:extLst>
                 <a:ext uri="{FF2B5EF4-FFF2-40B4-BE49-F238E27FC236}">
-                  <a16:creationId xmlns="" xmlns:a16="http://schemas.microsoft.com/office/drawing/2014/main" id="{ADB9B462-21BE-4A91-8264-768F8688631E}"/>
+                  <a16:creationId xmlns:a16="http://schemas.microsoft.com/office/drawing/2014/main" xmlns="" id="{ADB9B462-21BE-4A91-8264-768F8688631E}"/>
                 </a:ext>
               </a:extLst>
             </p:cNvPr>
@@ -9374,7 +9374,7 @@
           <p:cNvPr id="130" name="Group 129">
             <a:extLst>
               <a:ext uri="{FF2B5EF4-FFF2-40B4-BE49-F238E27FC236}">
-                <a16:creationId xmlns="" xmlns:a16="http://schemas.microsoft.com/office/drawing/2014/main" id="{642619BF-D98C-42FE-8077-B8745D93F239}"/>
+                <a16:creationId xmlns:a16="http://schemas.microsoft.com/office/drawing/2014/main" xmlns="" id="{642619BF-D98C-42FE-8077-B8745D93F239}"/>
               </a:ext>
             </a:extLst>
           </p:cNvPr>
@@ -9394,7 +9394,7 @@
             <p:cNvPr id="131" name="TextBox 130">
               <a:extLst>
                 <a:ext uri="{FF2B5EF4-FFF2-40B4-BE49-F238E27FC236}">
-                  <a16:creationId xmlns="" xmlns:a16="http://schemas.microsoft.com/office/drawing/2014/main" id="{47D438D1-4A2C-457A-A675-A2FFD11F8FC1}"/>
+                  <a16:creationId xmlns:a16="http://schemas.microsoft.com/office/drawing/2014/main" xmlns="" id="{47D438D1-4A2C-457A-A675-A2FFD11F8FC1}"/>
                 </a:ext>
               </a:extLst>
             </p:cNvPr>
@@ -9468,7 +9468,7 @@
             <p:cNvPr id="132" name="TextBox 131">
               <a:extLst>
                 <a:ext uri="{FF2B5EF4-FFF2-40B4-BE49-F238E27FC236}">
-                  <a16:creationId xmlns="" xmlns:a16="http://schemas.microsoft.com/office/drawing/2014/main" id="{EFA98CF0-C7D5-4BB1-AE6B-892973EDC2B3}"/>
+                  <a16:creationId xmlns:a16="http://schemas.microsoft.com/office/drawing/2014/main" xmlns="" id="{EFA98CF0-C7D5-4BB1-AE6B-892973EDC2B3}"/>
                 </a:ext>
               </a:extLst>
             </p:cNvPr>
@@ -9509,7 +9509,7 @@
             <p:cNvPr id="133" name="TextBox 132">
               <a:extLst>
                 <a:ext uri="{FF2B5EF4-FFF2-40B4-BE49-F238E27FC236}">
-                  <a16:creationId xmlns="" xmlns:a16="http://schemas.microsoft.com/office/drawing/2014/main" id="{ADB9B462-21BE-4A91-8264-768F8688631E}"/>
+                  <a16:creationId xmlns:a16="http://schemas.microsoft.com/office/drawing/2014/main" xmlns="" id="{ADB9B462-21BE-4A91-8264-768F8688631E}"/>
                 </a:ext>
               </a:extLst>
             </p:cNvPr>
@@ -9537,7 +9537,13 @@
                 <a:rPr lang="en-US" dirty="0" smtClean="0">
                   <a:latin typeface="Tw Cen MT" panose="020B0602020104020603" pitchFamily="34" charset="0"/>
                 </a:rPr>
-                <a:t>ID: 162-15-8202</a:t>
+                <a:t>ID: </a:t>
+              </a:r>
+              <a:r>
+                <a:rPr lang="en-US" dirty="0" smtClean="0">
+                  <a:latin typeface="Tw Cen MT" panose="020B0602020104020603" pitchFamily="34" charset="0"/>
+                </a:rPr>
+                <a:t>201-15-3635</a:t>
               </a:r>
               <a:endParaRPr lang="en-US" dirty="0">
                 <a:latin typeface="Tw Cen MT" panose="020B0602020104020603" pitchFamily="34" charset="0"/>
@@ -9551,7 +9557,7 @@
           <p:cNvPr id="134" name="Group 133">
             <a:extLst>
               <a:ext uri="{FF2B5EF4-FFF2-40B4-BE49-F238E27FC236}">
-                <a16:creationId xmlns="" xmlns:a16="http://schemas.microsoft.com/office/drawing/2014/main" id="{642619BF-D98C-42FE-8077-B8745D93F239}"/>
+                <a16:creationId xmlns:a16="http://schemas.microsoft.com/office/drawing/2014/main" xmlns="" id="{642619BF-D98C-42FE-8077-B8745D93F239}"/>
               </a:ext>
             </a:extLst>
           </p:cNvPr>
@@ -9571,7 +9577,7 @@
             <p:cNvPr id="135" name="TextBox 134">
               <a:extLst>
                 <a:ext uri="{FF2B5EF4-FFF2-40B4-BE49-F238E27FC236}">
-                  <a16:creationId xmlns="" xmlns:a16="http://schemas.microsoft.com/office/drawing/2014/main" id="{47D438D1-4A2C-457A-A675-A2FFD11F8FC1}"/>
+                  <a16:creationId xmlns:a16="http://schemas.microsoft.com/office/drawing/2014/main" xmlns="" id="{47D438D1-4A2C-457A-A675-A2FFD11F8FC1}"/>
                 </a:ext>
               </a:extLst>
             </p:cNvPr>
@@ -9636,7 +9642,7 @@
             <p:cNvPr id="136" name="TextBox 135">
               <a:extLst>
                 <a:ext uri="{FF2B5EF4-FFF2-40B4-BE49-F238E27FC236}">
-                  <a16:creationId xmlns="" xmlns:a16="http://schemas.microsoft.com/office/drawing/2014/main" id="{EFA98CF0-C7D5-4BB1-AE6B-892973EDC2B3}"/>
+                  <a16:creationId xmlns:a16="http://schemas.microsoft.com/office/drawing/2014/main" xmlns="" id="{EFA98CF0-C7D5-4BB1-AE6B-892973EDC2B3}"/>
                 </a:ext>
               </a:extLst>
             </p:cNvPr>
@@ -9677,7 +9683,7 @@
             <p:cNvPr id="137" name="TextBox 136">
               <a:extLst>
                 <a:ext uri="{FF2B5EF4-FFF2-40B4-BE49-F238E27FC236}">
-                  <a16:creationId xmlns="" xmlns:a16="http://schemas.microsoft.com/office/drawing/2014/main" id="{ADB9B462-21BE-4A91-8264-768F8688631E}"/>
+                  <a16:creationId xmlns:a16="http://schemas.microsoft.com/office/drawing/2014/main" xmlns="" id="{ADB9B462-21BE-4A91-8264-768F8688631E}"/>
                 </a:ext>
               </a:extLst>
             </p:cNvPr>
@@ -9705,7 +9711,13 @@
                 <a:rPr lang="en-US" dirty="0" smtClean="0">
                   <a:latin typeface="Tw Cen MT" panose="020B0602020104020603" pitchFamily="34" charset="0"/>
                 </a:rPr>
-                <a:t>ID: 162-15-8202</a:t>
+                <a:t>ID: </a:t>
+              </a:r>
+              <a:r>
+                <a:rPr lang="en-US" dirty="0" smtClean="0">
+                  <a:latin typeface="Tw Cen MT" panose="020B0602020104020603" pitchFamily="34" charset="0"/>
+                </a:rPr>
+                <a:t>201-15-3542</a:t>
               </a:r>
               <a:endParaRPr lang="en-US" dirty="0">
                 <a:latin typeface="Tw Cen MT" panose="020B0602020104020603" pitchFamily="34" charset="0"/>
@@ -9719,7 +9731,7 @@
           <p:cNvPr id="142" name="Group 141">
             <a:extLst>
               <a:ext uri="{FF2B5EF4-FFF2-40B4-BE49-F238E27FC236}">
-                <a16:creationId xmlns="" xmlns:a16="http://schemas.microsoft.com/office/drawing/2014/main" id="{642619BF-D98C-42FE-8077-B8745D93F239}"/>
+                <a16:creationId xmlns:a16="http://schemas.microsoft.com/office/drawing/2014/main" xmlns="" id="{642619BF-D98C-42FE-8077-B8745D93F239}"/>
               </a:ext>
             </a:extLst>
           </p:cNvPr>
@@ -9739,7 +9751,7 @@
             <p:cNvPr id="143" name="TextBox 142">
               <a:extLst>
                 <a:ext uri="{FF2B5EF4-FFF2-40B4-BE49-F238E27FC236}">
-                  <a16:creationId xmlns="" xmlns:a16="http://schemas.microsoft.com/office/drawing/2014/main" id="{47D438D1-4A2C-457A-A675-A2FFD11F8FC1}"/>
+                  <a16:creationId xmlns:a16="http://schemas.microsoft.com/office/drawing/2014/main" xmlns="" id="{47D438D1-4A2C-457A-A675-A2FFD11F8FC1}"/>
                 </a:ext>
               </a:extLst>
             </p:cNvPr>
@@ -9795,7 +9807,7 @@
             <p:cNvPr id="144" name="TextBox 143">
               <a:extLst>
                 <a:ext uri="{FF2B5EF4-FFF2-40B4-BE49-F238E27FC236}">
-                  <a16:creationId xmlns="" xmlns:a16="http://schemas.microsoft.com/office/drawing/2014/main" id="{EFA98CF0-C7D5-4BB1-AE6B-892973EDC2B3}"/>
+                  <a16:creationId xmlns:a16="http://schemas.microsoft.com/office/drawing/2014/main" xmlns="" id="{EFA98CF0-C7D5-4BB1-AE6B-892973EDC2B3}"/>
                 </a:ext>
               </a:extLst>
             </p:cNvPr>
@@ -9836,7 +9848,7 @@
             <p:cNvPr id="145" name="TextBox 144">
               <a:extLst>
                 <a:ext uri="{FF2B5EF4-FFF2-40B4-BE49-F238E27FC236}">
-                  <a16:creationId xmlns="" xmlns:a16="http://schemas.microsoft.com/office/drawing/2014/main" id="{ADB9B462-21BE-4A91-8264-768F8688631E}"/>
+                  <a16:creationId xmlns:a16="http://schemas.microsoft.com/office/drawing/2014/main" xmlns="" id="{ADB9B462-21BE-4A91-8264-768F8688631E}"/>
                 </a:ext>
               </a:extLst>
             </p:cNvPr>
@@ -9864,9 +9876,21 @@
                 <a:rPr lang="en-US" dirty="0" smtClean="0">
                   <a:latin typeface="Tw Cen MT" panose="020B0602020104020603" pitchFamily="34" charset="0"/>
                 </a:rPr>
-                <a:t>ID: 162-15-8202</a:t>
+                <a:t>ID: </a:t>
               </a:r>
-              <a:endParaRPr lang="en-US" dirty="0">
+              <a:r>
+                <a:rPr lang="en-US" dirty="0" smtClean="0">
+                  <a:latin typeface="Tw Cen MT" panose="020B0602020104020603" pitchFamily="34" charset="0"/>
+                </a:rPr>
+                <a:t>201-15-325</a:t>
+              </a:r>
+              <a:r>
+                <a:rPr lang="en-US" dirty="0">
+                  <a:latin typeface="Tw Cen MT" panose="020B0602020104020603" pitchFamily="34" charset="0"/>
+                </a:rPr>
+                <a:t>4</a:t>
+              </a:r>
+              <a:endParaRPr lang="en-US" dirty="0" smtClean="0">
                 <a:latin typeface="Tw Cen MT" panose="020B0602020104020603" pitchFamily="34" charset="0"/>
               </a:endParaRPr>
             </a:p>
@@ -9926,7 +9950,7 @@
           <p:cNvPr id="72" name="Group 71">
             <a:extLst>
               <a:ext uri="{FF2B5EF4-FFF2-40B4-BE49-F238E27FC236}">
-                <a16:creationId xmlns="" xmlns:a16="http://schemas.microsoft.com/office/drawing/2014/main" id="{FFECBB9F-A6DA-4867-8BFF-1EB9CC0E78D3}"/>
+                <a16:creationId xmlns:a16="http://schemas.microsoft.com/office/drawing/2014/main" xmlns="" id="{FFECBB9F-A6DA-4867-8BFF-1EB9CC0E78D3}"/>
               </a:ext>
             </a:extLst>
           </p:cNvPr>
@@ -9946,7 +9970,7 @@
             <p:cNvPr id="73" name="Oval 72">
               <a:extLst>
                 <a:ext uri="{FF2B5EF4-FFF2-40B4-BE49-F238E27FC236}">
-                  <a16:creationId xmlns="" xmlns:a16="http://schemas.microsoft.com/office/drawing/2014/main" id="{758FFA05-60D3-49D7-AD33-70C14A462582}"/>
+                  <a16:creationId xmlns:a16="http://schemas.microsoft.com/office/drawing/2014/main" xmlns="" id="{758FFA05-60D3-49D7-AD33-70C14A462582}"/>
                 </a:ext>
               </a:extLst>
             </p:cNvPr>
@@ -9998,7 +10022,7 @@
             <p:cNvPr id="74" name="TextBox 73">
               <a:extLst>
                 <a:ext uri="{FF2B5EF4-FFF2-40B4-BE49-F238E27FC236}">
-                  <a16:creationId xmlns="" xmlns:a16="http://schemas.microsoft.com/office/drawing/2014/main" id="{6F674720-AA72-463C-A9F5-CC05A31FD455}"/>
+                  <a16:creationId xmlns:a16="http://schemas.microsoft.com/office/drawing/2014/main" xmlns="" id="{6F674720-AA72-463C-A9F5-CC05A31FD455}"/>
                 </a:ext>
               </a:extLst>
             </p:cNvPr>
@@ -10046,7 +10070,7 @@
           <p:cNvPr id="69" name="Group 68">
             <a:extLst>
               <a:ext uri="{FF2B5EF4-FFF2-40B4-BE49-F238E27FC236}">
-                <a16:creationId xmlns="" xmlns:a16="http://schemas.microsoft.com/office/drawing/2014/main" id="{FFECBB9F-A6DA-4867-8BFF-1EB9CC0E78D3}"/>
+                <a16:creationId xmlns:a16="http://schemas.microsoft.com/office/drawing/2014/main" xmlns="" id="{FFECBB9F-A6DA-4867-8BFF-1EB9CC0E78D3}"/>
               </a:ext>
             </a:extLst>
           </p:cNvPr>
@@ -10066,7 +10090,7 @@
             <p:cNvPr id="70" name="Oval 69">
               <a:extLst>
                 <a:ext uri="{FF2B5EF4-FFF2-40B4-BE49-F238E27FC236}">
-                  <a16:creationId xmlns="" xmlns:a16="http://schemas.microsoft.com/office/drawing/2014/main" id="{758FFA05-60D3-49D7-AD33-70C14A462582}"/>
+                  <a16:creationId xmlns:a16="http://schemas.microsoft.com/office/drawing/2014/main" xmlns="" id="{758FFA05-60D3-49D7-AD33-70C14A462582}"/>
                 </a:ext>
               </a:extLst>
             </p:cNvPr>
@@ -10118,7 +10142,7 @@
             <p:cNvPr id="71" name="TextBox 70">
               <a:extLst>
                 <a:ext uri="{FF2B5EF4-FFF2-40B4-BE49-F238E27FC236}">
-                  <a16:creationId xmlns="" xmlns:a16="http://schemas.microsoft.com/office/drawing/2014/main" id="{6F674720-AA72-463C-A9F5-CC05A31FD455}"/>
+                  <a16:creationId xmlns:a16="http://schemas.microsoft.com/office/drawing/2014/main" xmlns="" id="{6F674720-AA72-463C-A9F5-CC05A31FD455}"/>
                 </a:ext>
               </a:extLst>
             </p:cNvPr>
@@ -10186,7 +10210,7 @@
           <p:cNvPr id="85" name="Group 84">
             <a:extLst>
               <a:ext uri="{FF2B5EF4-FFF2-40B4-BE49-F238E27FC236}">
-                <a16:creationId xmlns="" xmlns:a16="http://schemas.microsoft.com/office/drawing/2014/main" id="{FFECBB9F-A6DA-4867-8BFF-1EB9CC0E78D3}"/>
+                <a16:creationId xmlns:a16="http://schemas.microsoft.com/office/drawing/2014/main" xmlns="" id="{FFECBB9F-A6DA-4867-8BFF-1EB9CC0E78D3}"/>
               </a:ext>
             </a:extLst>
           </p:cNvPr>
@@ -10206,7 +10230,7 @@
             <p:cNvPr id="90" name="Oval 89">
               <a:extLst>
                 <a:ext uri="{FF2B5EF4-FFF2-40B4-BE49-F238E27FC236}">
-                  <a16:creationId xmlns="" xmlns:a16="http://schemas.microsoft.com/office/drawing/2014/main" id="{758FFA05-60D3-49D7-AD33-70C14A462582}"/>
+                  <a16:creationId xmlns:a16="http://schemas.microsoft.com/office/drawing/2014/main" xmlns="" id="{758FFA05-60D3-49D7-AD33-70C14A462582}"/>
                 </a:ext>
               </a:extLst>
             </p:cNvPr>
@@ -10258,7 +10282,7 @@
             <p:cNvPr id="95" name="TextBox 94">
               <a:extLst>
                 <a:ext uri="{FF2B5EF4-FFF2-40B4-BE49-F238E27FC236}">
-                  <a16:creationId xmlns="" xmlns:a16="http://schemas.microsoft.com/office/drawing/2014/main" id="{6F674720-AA72-463C-A9F5-CC05A31FD455}"/>
+                  <a16:creationId xmlns:a16="http://schemas.microsoft.com/office/drawing/2014/main" xmlns="" id="{6F674720-AA72-463C-A9F5-CC05A31FD455}"/>
                 </a:ext>
               </a:extLst>
             </p:cNvPr>
@@ -10332,7 +10356,7 @@
           <p:cNvPr id="75" name="Group 74">
             <a:extLst>
               <a:ext uri="{FF2B5EF4-FFF2-40B4-BE49-F238E27FC236}">
-                <a16:creationId xmlns="" xmlns:a16="http://schemas.microsoft.com/office/drawing/2014/main" id="{FFECBB9F-A6DA-4867-8BFF-1EB9CC0E78D3}"/>
+                <a16:creationId xmlns:a16="http://schemas.microsoft.com/office/drawing/2014/main" xmlns="" id="{FFECBB9F-A6DA-4867-8BFF-1EB9CC0E78D3}"/>
               </a:ext>
             </a:extLst>
           </p:cNvPr>
@@ -10352,7 +10376,7 @@
             <p:cNvPr id="76" name="Oval 75">
               <a:extLst>
                 <a:ext uri="{FF2B5EF4-FFF2-40B4-BE49-F238E27FC236}">
-                  <a16:creationId xmlns="" xmlns:a16="http://schemas.microsoft.com/office/drawing/2014/main" id="{758FFA05-60D3-49D7-AD33-70C14A462582}"/>
+                  <a16:creationId xmlns:a16="http://schemas.microsoft.com/office/drawing/2014/main" xmlns="" id="{758FFA05-60D3-49D7-AD33-70C14A462582}"/>
                 </a:ext>
               </a:extLst>
             </p:cNvPr>
@@ -10404,7 +10428,7 @@
             <p:cNvPr id="77" name="TextBox 76">
               <a:extLst>
                 <a:ext uri="{FF2B5EF4-FFF2-40B4-BE49-F238E27FC236}">
-                  <a16:creationId xmlns="" xmlns:a16="http://schemas.microsoft.com/office/drawing/2014/main" id="{6F674720-AA72-463C-A9F5-CC05A31FD455}"/>
+                  <a16:creationId xmlns:a16="http://schemas.microsoft.com/office/drawing/2014/main" xmlns="" id="{6F674720-AA72-463C-A9F5-CC05A31FD455}"/>
                 </a:ext>
               </a:extLst>
             </p:cNvPr>
@@ -10450,7 +10474,7 @@
     </p:spTree>
     <p:extLst>
       <p:ext uri="{BB962C8B-B14F-4D97-AF65-F5344CB8AC3E}">
-        <p14:creationId xmlns="" xmlns:p14="http://schemas.microsoft.com/office/powerpoint/2010/main" val="1396948566"/>
+        <p14:creationId xmlns:p14="http://schemas.microsoft.com/office/powerpoint/2010/main" xmlns="" val="1396948566"/>
       </p:ext>
     </p:extLst>
   </p:cSld>
@@ -10458,7 +10482,7 @@
     <a:masterClrMapping/>
   </p:clrMapOvr>
   <mc:AlternateContent xmlns:mc="http://schemas.openxmlformats.org/markup-compatibility/2006">
-    <mc:Choice xmlns="" xmlns:p159="http://schemas.microsoft.com/office/powerpoint/2015/09/main" Requires="p159">
+    <mc:Choice xmlns:p159="http://schemas.microsoft.com/office/powerpoint/2015/09/main" xmlns="" Requires="p159">
       <p:transition spd="med">
         <p159:morph option="byObject"/>
       </p:transition>
@@ -10481,9 +10505,6 @@
                     <p:cTn id="3" fill="hold">
                       <p:stCondLst>
                         <p:cond delay="indefinite"/>
-                        <p:cond evt="onBegin" delay="0">
-                          <p:tn val="2"/>
-                        </p:cond>
                       </p:stCondLst>
                       <p:childTnLst>
                         <p:par>
@@ -10493,7 +10514,7 @@
                             </p:stCondLst>
                             <p:childTnLst>
                               <p:par>
-                                <p:cTn id="5" presetID="53" presetClass="entr" presetSubtype="16" fill="hold" nodeType="afterEffect">
+                                <p:cTn id="5" presetID="53" presetClass="entr" presetSubtype="16" fill="hold" nodeType="clickEffect">
                                   <p:stCondLst>
                                     <p:cond delay="0"/>
                                   </p:stCondLst>
@@ -11256,7 +11277,7 @@
           <p:cNvPr id="50" name="Group 49">
             <a:extLst>
               <a:ext uri="{FF2B5EF4-FFF2-40B4-BE49-F238E27FC236}">
-                <a16:creationId xmlns="" xmlns:a16="http://schemas.microsoft.com/office/drawing/2014/main" id="{038E6734-F7ED-4197-AE1C-DE222063D26D}"/>
+                <a16:creationId xmlns:a16="http://schemas.microsoft.com/office/drawing/2014/main" xmlns="" id="{038E6734-F7ED-4197-AE1C-DE222063D26D}"/>
               </a:ext>
             </a:extLst>
           </p:cNvPr>
@@ -11276,7 +11297,7 @@
             <p:cNvPr id="51" name="Rectangle 50">
               <a:extLst>
                 <a:ext uri="{FF2B5EF4-FFF2-40B4-BE49-F238E27FC236}">
-                  <a16:creationId xmlns="" xmlns:a16="http://schemas.microsoft.com/office/drawing/2014/main" id="{B7FF06C6-EDB2-4E2A-B33F-9667DAB48738}"/>
+                  <a16:creationId xmlns:a16="http://schemas.microsoft.com/office/drawing/2014/main" xmlns="" id="{B7FF06C6-EDB2-4E2A-B33F-9667DAB48738}"/>
                 </a:ext>
               </a:extLst>
             </p:cNvPr>
@@ -11337,7 +11358,7 @@
             <p:cNvPr id="52" name="Freeform: Shape 51">
               <a:extLst>
                 <a:ext uri="{FF2B5EF4-FFF2-40B4-BE49-F238E27FC236}">
-                  <a16:creationId xmlns="" xmlns:a16="http://schemas.microsoft.com/office/drawing/2014/main" id="{DD389168-73D4-4CCF-B806-15F4C9CFBC65}"/>
+                  <a16:creationId xmlns:a16="http://schemas.microsoft.com/office/drawing/2014/main" xmlns="" id="{DD389168-73D4-4CCF-B806-15F4C9CFBC65}"/>
                 </a:ext>
               </a:extLst>
             </p:cNvPr>
@@ -11444,7 +11465,7 @@
             <p:cNvPr id="53" name="TextBox 52">
               <a:extLst>
                 <a:ext uri="{FF2B5EF4-FFF2-40B4-BE49-F238E27FC236}">
-                  <a16:creationId xmlns="" xmlns:a16="http://schemas.microsoft.com/office/drawing/2014/main" id="{FD36EBE0-2C84-494E-9C0B-54A6EFA86DA6}"/>
+                  <a16:creationId xmlns:a16="http://schemas.microsoft.com/office/drawing/2014/main" xmlns="" id="{FD36EBE0-2C84-494E-9C0B-54A6EFA86DA6}"/>
                 </a:ext>
               </a:extLst>
             </p:cNvPr>
@@ -11485,7 +11506,7 @@
             <p:cNvPr id="54" name="Picture 53">
               <a:extLst>
                 <a:ext uri="{FF2B5EF4-FFF2-40B4-BE49-F238E27FC236}">
-                  <a16:creationId xmlns="" xmlns:a16="http://schemas.microsoft.com/office/drawing/2014/main" id="{FE3F6E56-804E-434E-AD42-D62A42CB3068}"/>
+                  <a16:creationId xmlns:a16="http://schemas.microsoft.com/office/drawing/2014/main" xmlns="" id="{FE3F6E56-804E-434E-AD42-D62A42CB3068}"/>
                 </a:ext>
               </a:extLst>
             </p:cNvPr>
@@ -11498,7 +11519,7 @@
             <a:blip r:embed="rId2" cstate="print">
               <a:extLst>
                 <a:ext uri="{28A0092B-C50C-407E-A947-70E740481C1C}">
-                  <a14:useLocalDpi xmlns="" xmlns:a14="http://schemas.microsoft.com/office/drawing/2010/main" val="0"/>
+                  <a14:useLocalDpi xmlns:a14="http://schemas.microsoft.com/office/drawing/2010/main" xmlns="" val="0"/>
                 </a:ext>
               </a:extLst>
             </a:blip>
@@ -11522,7 +11543,7 @@
           <p:cNvPr id="55" name="Group 54">
             <a:extLst>
               <a:ext uri="{FF2B5EF4-FFF2-40B4-BE49-F238E27FC236}">
-                <a16:creationId xmlns="" xmlns:a16="http://schemas.microsoft.com/office/drawing/2014/main" id="{208D727C-49D3-4C59-91D3-816C0DD22E21}"/>
+                <a16:creationId xmlns:a16="http://schemas.microsoft.com/office/drawing/2014/main" xmlns="" id="{208D727C-49D3-4C59-91D3-816C0DD22E21}"/>
               </a:ext>
             </a:extLst>
           </p:cNvPr>
@@ -11542,7 +11563,7 @@
             <p:cNvPr id="56" name="Rectangle 55">
               <a:extLst>
                 <a:ext uri="{FF2B5EF4-FFF2-40B4-BE49-F238E27FC236}">
-                  <a16:creationId xmlns="" xmlns:a16="http://schemas.microsoft.com/office/drawing/2014/main" id="{A369AF8C-7DC3-4D77-B3F1-5B8A444D2822}"/>
+                  <a16:creationId xmlns:a16="http://schemas.microsoft.com/office/drawing/2014/main" xmlns="" id="{A369AF8C-7DC3-4D77-B3F1-5B8A444D2822}"/>
                 </a:ext>
               </a:extLst>
             </p:cNvPr>
@@ -11603,7 +11624,7 @@
             <p:cNvPr id="57" name="Freeform: Shape 56">
               <a:extLst>
                 <a:ext uri="{FF2B5EF4-FFF2-40B4-BE49-F238E27FC236}">
-                  <a16:creationId xmlns="" xmlns:a16="http://schemas.microsoft.com/office/drawing/2014/main" id="{6A173B44-EE6F-4236-9AB2-49524EA553D7}"/>
+                  <a16:creationId xmlns:a16="http://schemas.microsoft.com/office/drawing/2014/main" xmlns="" id="{6A173B44-EE6F-4236-9AB2-49524EA553D7}"/>
                 </a:ext>
               </a:extLst>
             </p:cNvPr>
@@ -11710,7 +11731,7 @@
             <p:cNvPr id="58" name="TextBox 57">
               <a:extLst>
                 <a:ext uri="{FF2B5EF4-FFF2-40B4-BE49-F238E27FC236}">
-                  <a16:creationId xmlns="" xmlns:a16="http://schemas.microsoft.com/office/drawing/2014/main" id="{B40A12D7-9F13-43EC-95DE-B85ADBCAA6B6}"/>
+                  <a16:creationId xmlns:a16="http://schemas.microsoft.com/office/drawing/2014/main" xmlns="" id="{B40A12D7-9F13-43EC-95DE-B85ADBCAA6B6}"/>
                 </a:ext>
               </a:extLst>
             </p:cNvPr>
@@ -11757,7 +11778,7 @@
             <p:cNvPr id="59" name="Picture 58">
               <a:extLst>
                 <a:ext uri="{FF2B5EF4-FFF2-40B4-BE49-F238E27FC236}">
-                  <a16:creationId xmlns="" xmlns:a16="http://schemas.microsoft.com/office/drawing/2014/main" id="{BA271034-9DEF-432C-A1F3-B6470D255509}"/>
+                  <a16:creationId xmlns:a16="http://schemas.microsoft.com/office/drawing/2014/main" xmlns="" id="{BA271034-9DEF-432C-A1F3-B6470D255509}"/>
                 </a:ext>
               </a:extLst>
             </p:cNvPr>
@@ -11770,7 +11791,7 @@
             <a:blip r:embed="rId2" cstate="print">
               <a:extLst>
                 <a:ext uri="{28A0092B-C50C-407E-A947-70E740481C1C}">
-                  <a14:useLocalDpi xmlns="" xmlns:a14="http://schemas.microsoft.com/office/drawing/2010/main" val="0"/>
+                  <a14:useLocalDpi xmlns:a14="http://schemas.microsoft.com/office/drawing/2010/main" xmlns="" val="0"/>
                 </a:ext>
               </a:extLst>
             </a:blip>
@@ -11794,7 +11815,7 @@
           <p:cNvPr id="60" name="Group 59">
             <a:extLst>
               <a:ext uri="{FF2B5EF4-FFF2-40B4-BE49-F238E27FC236}">
-                <a16:creationId xmlns="" xmlns:a16="http://schemas.microsoft.com/office/drawing/2014/main" id="{7728BA24-99D1-4E44-98AC-50745A94AD6C}"/>
+                <a16:creationId xmlns:a16="http://schemas.microsoft.com/office/drawing/2014/main" xmlns="" id="{7728BA24-99D1-4E44-98AC-50745A94AD6C}"/>
               </a:ext>
             </a:extLst>
           </p:cNvPr>
@@ -11814,7 +11835,7 @@
             <p:cNvPr id="61" name="Rectangle 60">
               <a:extLst>
                 <a:ext uri="{FF2B5EF4-FFF2-40B4-BE49-F238E27FC236}">
-                  <a16:creationId xmlns="" xmlns:a16="http://schemas.microsoft.com/office/drawing/2014/main" id="{1079FD4E-778D-428A-B08F-1B97893971C7}"/>
+                  <a16:creationId xmlns:a16="http://schemas.microsoft.com/office/drawing/2014/main" xmlns="" id="{1079FD4E-778D-428A-B08F-1B97893971C7}"/>
                 </a:ext>
               </a:extLst>
             </p:cNvPr>
@@ -11875,7 +11896,7 @@
             <p:cNvPr id="62" name="Freeform: Shape 61">
               <a:extLst>
                 <a:ext uri="{FF2B5EF4-FFF2-40B4-BE49-F238E27FC236}">
-                  <a16:creationId xmlns="" xmlns:a16="http://schemas.microsoft.com/office/drawing/2014/main" id="{67DB4514-65BA-420D-BBB3-CCF0A5B397CB}"/>
+                  <a16:creationId xmlns:a16="http://schemas.microsoft.com/office/drawing/2014/main" xmlns="" id="{67DB4514-65BA-420D-BBB3-CCF0A5B397CB}"/>
                 </a:ext>
               </a:extLst>
             </p:cNvPr>
@@ -11982,7 +12003,7 @@
             <p:cNvPr id="63" name="TextBox 62">
               <a:extLst>
                 <a:ext uri="{FF2B5EF4-FFF2-40B4-BE49-F238E27FC236}">
-                  <a16:creationId xmlns="" xmlns:a16="http://schemas.microsoft.com/office/drawing/2014/main" id="{F86CE46E-7143-4535-BF09-36D36B082851}"/>
+                  <a16:creationId xmlns:a16="http://schemas.microsoft.com/office/drawing/2014/main" xmlns="" id="{F86CE46E-7143-4535-BF09-36D36B082851}"/>
                 </a:ext>
               </a:extLst>
             </p:cNvPr>
@@ -12029,7 +12050,7 @@
             <p:cNvPr id="64" name="Picture 63">
               <a:extLst>
                 <a:ext uri="{FF2B5EF4-FFF2-40B4-BE49-F238E27FC236}">
-                  <a16:creationId xmlns="" xmlns:a16="http://schemas.microsoft.com/office/drawing/2014/main" id="{4E9D2CC3-AE8C-4CF7-AC14-0BF3748D6313}"/>
+                  <a16:creationId xmlns:a16="http://schemas.microsoft.com/office/drawing/2014/main" xmlns="" id="{4E9D2CC3-AE8C-4CF7-AC14-0BF3748D6313}"/>
                 </a:ext>
               </a:extLst>
             </p:cNvPr>
@@ -12042,7 +12063,7 @@
             <a:blip r:embed="rId2" cstate="print">
               <a:extLst>
                 <a:ext uri="{28A0092B-C50C-407E-A947-70E740481C1C}">
-                  <a14:useLocalDpi xmlns="" xmlns:a14="http://schemas.microsoft.com/office/drawing/2010/main" val="0"/>
+                  <a14:useLocalDpi xmlns:a14="http://schemas.microsoft.com/office/drawing/2010/main" xmlns="" val="0"/>
                 </a:ext>
               </a:extLst>
             </a:blip>
@@ -12066,7 +12087,7 @@
           <p:cNvPr id="65" name="Group 64">
             <a:extLst>
               <a:ext uri="{FF2B5EF4-FFF2-40B4-BE49-F238E27FC236}">
-                <a16:creationId xmlns="" xmlns:a16="http://schemas.microsoft.com/office/drawing/2014/main" id="{2704DBF9-F2DF-4744-9CBE-8384BF790E0F}"/>
+                <a16:creationId xmlns:a16="http://schemas.microsoft.com/office/drawing/2014/main" xmlns="" id="{2704DBF9-F2DF-4744-9CBE-8384BF790E0F}"/>
               </a:ext>
             </a:extLst>
           </p:cNvPr>
@@ -12086,7 +12107,7 @@
             <p:cNvPr id="66" name="Rectangle 65">
               <a:extLst>
                 <a:ext uri="{FF2B5EF4-FFF2-40B4-BE49-F238E27FC236}">
-                  <a16:creationId xmlns="" xmlns:a16="http://schemas.microsoft.com/office/drawing/2014/main" id="{D409FCBC-490E-4134-BE82-9429CE5AB00A}"/>
+                  <a16:creationId xmlns:a16="http://schemas.microsoft.com/office/drawing/2014/main" xmlns="" id="{D409FCBC-490E-4134-BE82-9429CE5AB00A}"/>
                 </a:ext>
               </a:extLst>
             </p:cNvPr>
@@ -12147,7 +12168,7 @@
             <p:cNvPr id="67" name="Freeform: Shape 66">
               <a:extLst>
                 <a:ext uri="{FF2B5EF4-FFF2-40B4-BE49-F238E27FC236}">
-                  <a16:creationId xmlns="" xmlns:a16="http://schemas.microsoft.com/office/drawing/2014/main" id="{484E2370-4D03-4FD0-B29C-F763767296D4}"/>
+                  <a16:creationId xmlns:a16="http://schemas.microsoft.com/office/drawing/2014/main" xmlns="" id="{484E2370-4D03-4FD0-B29C-F763767296D4}"/>
                 </a:ext>
               </a:extLst>
             </p:cNvPr>
@@ -12254,7 +12275,7 @@
             <p:cNvPr id="68" name="TextBox 67">
               <a:extLst>
                 <a:ext uri="{FF2B5EF4-FFF2-40B4-BE49-F238E27FC236}">
-                  <a16:creationId xmlns="" xmlns:a16="http://schemas.microsoft.com/office/drawing/2014/main" id="{CE5F8F51-D3FD-42A1-8372-1B4B1B7C336A}"/>
+                  <a16:creationId xmlns:a16="http://schemas.microsoft.com/office/drawing/2014/main" xmlns="" id="{CE5F8F51-D3FD-42A1-8372-1B4B1B7C336A}"/>
                 </a:ext>
               </a:extLst>
             </p:cNvPr>
@@ -12301,7 +12322,7 @@
             <p:cNvPr id="69" name="Picture 68">
               <a:extLst>
                 <a:ext uri="{FF2B5EF4-FFF2-40B4-BE49-F238E27FC236}">
-                  <a16:creationId xmlns="" xmlns:a16="http://schemas.microsoft.com/office/drawing/2014/main" id="{05E43CA3-886C-4010-B3E2-837CCC6F5160}"/>
+                  <a16:creationId xmlns:a16="http://schemas.microsoft.com/office/drawing/2014/main" xmlns="" id="{05E43CA3-886C-4010-B3E2-837CCC6F5160}"/>
                 </a:ext>
               </a:extLst>
             </p:cNvPr>
@@ -12314,7 +12335,7 @@
             <a:blip r:embed="rId2" cstate="print">
               <a:extLst>
                 <a:ext uri="{28A0092B-C50C-407E-A947-70E740481C1C}">
-                  <a14:useLocalDpi xmlns="" xmlns:a14="http://schemas.microsoft.com/office/drawing/2010/main" val="0"/>
+                  <a14:useLocalDpi xmlns:a14="http://schemas.microsoft.com/office/drawing/2010/main" xmlns="" val="0"/>
                 </a:ext>
               </a:extLst>
             </a:blip>
@@ -12338,7 +12359,7 @@
           <p:cNvPr id="70" name="Rectangle 69">
             <a:extLst>
               <a:ext uri="{FF2B5EF4-FFF2-40B4-BE49-F238E27FC236}">
-                <a16:creationId xmlns="" xmlns:a16="http://schemas.microsoft.com/office/drawing/2014/main" id="{87E322DA-3D39-4A36-A521-33E75DDBFF71}"/>
+                <a16:creationId xmlns:a16="http://schemas.microsoft.com/office/drawing/2014/main" xmlns="" id="{87E322DA-3D39-4A36-A521-33E75DDBFF71}"/>
               </a:ext>
             </a:extLst>
           </p:cNvPr>
@@ -12399,7 +12420,7 @@
           <p:cNvPr id="71" name="Group 70">
             <a:extLst>
               <a:ext uri="{FF2B5EF4-FFF2-40B4-BE49-F238E27FC236}">
-                <a16:creationId xmlns="" xmlns:a16="http://schemas.microsoft.com/office/drawing/2014/main" id="{831F8BD9-F71B-4D2D-8A60-61BABDC384BB}"/>
+                <a16:creationId xmlns:a16="http://schemas.microsoft.com/office/drawing/2014/main" xmlns="" id="{831F8BD9-F71B-4D2D-8A60-61BABDC384BB}"/>
               </a:ext>
             </a:extLst>
           </p:cNvPr>
@@ -12419,7 +12440,7 @@
             <p:cNvPr id="72" name="Rectangle 71">
               <a:extLst>
                 <a:ext uri="{FF2B5EF4-FFF2-40B4-BE49-F238E27FC236}">
-                  <a16:creationId xmlns="" xmlns:a16="http://schemas.microsoft.com/office/drawing/2014/main" id="{B470067C-2D0B-4A65-B940-C052473E9422}"/>
+                  <a16:creationId xmlns:a16="http://schemas.microsoft.com/office/drawing/2014/main" xmlns="" id="{B470067C-2D0B-4A65-B940-C052473E9422}"/>
                 </a:ext>
               </a:extLst>
             </p:cNvPr>
@@ -12480,7 +12501,7 @@
             <p:cNvPr id="73" name="Freeform: Shape 72">
               <a:extLst>
                 <a:ext uri="{FF2B5EF4-FFF2-40B4-BE49-F238E27FC236}">
-                  <a16:creationId xmlns="" xmlns:a16="http://schemas.microsoft.com/office/drawing/2014/main" id="{66B5D93C-8112-48DA-975B-9DDD27DEADD9}"/>
+                  <a16:creationId xmlns:a16="http://schemas.microsoft.com/office/drawing/2014/main" xmlns="" id="{66B5D93C-8112-48DA-975B-9DDD27DEADD9}"/>
                 </a:ext>
               </a:extLst>
             </p:cNvPr>
@@ -12587,7 +12608,7 @@
             <p:cNvPr id="74" name="TextBox 73">
               <a:extLst>
                 <a:ext uri="{FF2B5EF4-FFF2-40B4-BE49-F238E27FC236}">
-                  <a16:creationId xmlns="" xmlns:a16="http://schemas.microsoft.com/office/drawing/2014/main" id="{6D3577A8-E9FC-43B7-B3E2-76EDDA51C160}"/>
+                  <a16:creationId xmlns:a16="http://schemas.microsoft.com/office/drawing/2014/main" xmlns="" id="{6D3577A8-E9FC-43B7-B3E2-76EDDA51C160}"/>
                 </a:ext>
               </a:extLst>
             </p:cNvPr>
@@ -12634,7 +12655,7 @@
             <p:cNvPr id="75" name="Picture 74">
               <a:extLst>
                 <a:ext uri="{FF2B5EF4-FFF2-40B4-BE49-F238E27FC236}">
-                  <a16:creationId xmlns="" xmlns:a16="http://schemas.microsoft.com/office/drawing/2014/main" id="{36FD3106-E967-44D6-AB4D-A0DA183F7CC8}"/>
+                  <a16:creationId xmlns:a16="http://schemas.microsoft.com/office/drawing/2014/main" xmlns="" id="{36FD3106-E967-44D6-AB4D-A0DA183F7CC8}"/>
                 </a:ext>
               </a:extLst>
             </p:cNvPr>
@@ -12647,7 +12668,7 @@
             <a:blip r:embed="rId2" cstate="print">
               <a:extLst>
                 <a:ext uri="{28A0092B-C50C-407E-A947-70E740481C1C}">
-                  <a14:useLocalDpi xmlns="" xmlns:a14="http://schemas.microsoft.com/office/drawing/2010/main" val="0"/>
+                  <a14:useLocalDpi xmlns:a14="http://schemas.microsoft.com/office/drawing/2010/main" xmlns="" val="0"/>
                 </a:ext>
               </a:extLst>
             </a:blip>
@@ -12671,7 +12692,7 @@
           <p:cNvPr id="76" name="Group 75">
             <a:extLst>
               <a:ext uri="{FF2B5EF4-FFF2-40B4-BE49-F238E27FC236}">
-                <a16:creationId xmlns="" xmlns:a16="http://schemas.microsoft.com/office/drawing/2014/main" id="{3E930874-288B-4537-8AA6-A601044D9580}"/>
+                <a16:creationId xmlns:a16="http://schemas.microsoft.com/office/drawing/2014/main" xmlns="" id="{3E930874-288B-4537-8AA6-A601044D9580}"/>
               </a:ext>
             </a:extLst>
           </p:cNvPr>
@@ -12691,7 +12712,7 @@
             <p:cNvPr id="77" name="Rectangle 76">
               <a:extLst>
                 <a:ext uri="{FF2B5EF4-FFF2-40B4-BE49-F238E27FC236}">
-                  <a16:creationId xmlns="" xmlns:a16="http://schemas.microsoft.com/office/drawing/2014/main" id="{225CDF0F-0FD1-40B0-BD29-F7D200A3A066}"/>
+                  <a16:creationId xmlns:a16="http://schemas.microsoft.com/office/drawing/2014/main" xmlns="" id="{225CDF0F-0FD1-40B0-BD29-F7D200A3A066}"/>
                 </a:ext>
               </a:extLst>
             </p:cNvPr>
@@ -12752,7 +12773,7 @@
             <p:cNvPr id="78" name="Freeform: Shape 77">
               <a:extLst>
                 <a:ext uri="{FF2B5EF4-FFF2-40B4-BE49-F238E27FC236}">
-                  <a16:creationId xmlns="" xmlns:a16="http://schemas.microsoft.com/office/drawing/2014/main" id="{A02216B9-43DC-4135-9F3E-7EFEAD2EB420}"/>
+                  <a16:creationId xmlns:a16="http://schemas.microsoft.com/office/drawing/2014/main" xmlns="" id="{A02216B9-43DC-4135-9F3E-7EFEAD2EB420}"/>
                 </a:ext>
               </a:extLst>
             </p:cNvPr>
@@ -12859,7 +12880,7 @@
             <p:cNvPr id="79" name="TextBox 78">
               <a:extLst>
                 <a:ext uri="{FF2B5EF4-FFF2-40B4-BE49-F238E27FC236}">
-                  <a16:creationId xmlns="" xmlns:a16="http://schemas.microsoft.com/office/drawing/2014/main" id="{37342E0B-2429-4B98-AF6A-1DB087CBDE83}"/>
+                  <a16:creationId xmlns:a16="http://schemas.microsoft.com/office/drawing/2014/main" xmlns="" id="{37342E0B-2429-4B98-AF6A-1DB087CBDE83}"/>
                 </a:ext>
               </a:extLst>
             </p:cNvPr>
@@ -12906,7 +12927,7 @@
             <p:cNvPr id="80" name="Picture 79">
               <a:extLst>
                 <a:ext uri="{FF2B5EF4-FFF2-40B4-BE49-F238E27FC236}">
-                  <a16:creationId xmlns="" xmlns:a16="http://schemas.microsoft.com/office/drawing/2014/main" id="{29879508-5AD7-4FE2-AD55-8AF69ECDBECE}"/>
+                  <a16:creationId xmlns:a16="http://schemas.microsoft.com/office/drawing/2014/main" xmlns="" id="{29879508-5AD7-4FE2-AD55-8AF69ECDBECE}"/>
                 </a:ext>
               </a:extLst>
             </p:cNvPr>
@@ -12919,7 +12940,7 @@
             <a:blip r:embed="rId2" cstate="print">
               <a:extLst>
                 <a:ext uri="{28A0092B-C50C-407E-A947-70E740481C1C}">
-                  <a14:useLocalDpi xmlns="" xmlns:a14="http://schemas.microsoft.com/office/drawing/2010/main" val="0"/>
+                  <a14:useLocalDpi xmlns:a14="http://schemas.microsoft.com/office/drawing/2010/main" xmlns="" val="0"/>
                 </a:ext>
               </a:extLst>
             </a:blip>
@@ -12943,7 +12964,7 @@
           <p:cNvPr id="96" name="Straight Connector 95">
             <a:extLst>
               <a:ext uri="{FF2B5EF4-FFF2-40B4-BE49-F238E27FC236}">
-                <a16:creationId xmlns="" xmlns:a16="http://schemas.microsoft.com/office/drawing/2014/main" id="{7277CEC9-24C9-4B1D-964A-A216786A7724}"/>
+                <a16:creationId xmlns:a16="http://schemas.microsoft.com/office/drawing/2014/main" xmlns="" id="{7277CEC9-24C9-4B1D-964A-A216786A7724}"/>
               </a:ext>
             </a:extLst>
           </p:cNvPr>
@@ -12986,7 +13007,7 @@
           <p:cNvPr id="97" name="Group 96">
             <a:extLst>
               <a:ext uri="{FF2B5EF4-FFF2-40B4-BE49-F238E27FC236}">
-                <a16:creationId xmlns="" xmlns:a16="http://schemas.microsoft.com/office/drawing/2014/main" id="{F1840EDE-DF70-433F-86FE-A402BC5C2DDE}"/>
+                <a16:creationId xmlns:a16="http://schemas.microsoft.com/office/drawing/2014/main" xmlns="" id="{F1840EDE-DF70-433F-86FE-A402BC5C2DDE}"/>
               </a:ext>
             </a:extLst>
           </p:cNvPr>
@@ -13006,7 +13027,7 @@
             <p:cNvPr id="98" name="Oval 97">
               <a:extLst>
                 <a:ext uri="{FF2B5EF4-FFF2-40B4-BE49-F238E27FC236}">
-                  <a16:creationId xmlns="" xmlns:a16="http://schemas.microsoft.com/office/drawing/2014/main" id="{43B84625-CD81-4477-AFEA-2D657FFA16C5}"/>
+                  <a16:creationId xmlns:a16="http://schemas.microsoft.com/office/drawing/2014/main" xmlns="" id="{43B84625-CD81-4477-AFEA-2D657FFA16C5}"/>
                 </a:ext>
               </a:extLst>
             </p:cNvPr>
@@ -13060,7 +13081,7 @@
             <p:cNvPr id="99" name="Oval 98">
               <a:extLst>
                 <a:ext uri="{FF2B5EF4-FFF2-40B4-BE49-F238E27FC236}">
-                  <a16:creationId xmlns="" xmlns:a16="http://schemas.microsoft.com/office/drawing/2014/main" id="{90BB5737-FB23-4CC2-81BC-52D57E7FB8E9}"/>
+                  <a16:creationId xmlns:a16="http://schemas.microsoft.com/office/drawing/2014/main" xmlns="" id="{90BB5737-FB23-4CC2-81BC-52D57E7FB8E9}"/>
                 </a:ext>
               </a:extLst>
             </p:cNvPr>
@@ -13113,7 +13134,7 @@
           <p:cNvPr id="100" name="Straight Connector 99">
             <a:extLst>
               <a:ext uri="{FF2B5EF4-FFF2-40B4-BE49-F238E27FC236}">
-                <a16:creationId xmlns="" xmlns:a16="http://schemas.microsoft.com/office/drawing/2014/main" id="{D5DAD85F-381F-4EA0-9781-3C23F8D9AC73}"/>
+                <a16:creationId xmlns:a16="http://schemas.microsoft.com/office/drawing/2014/main" xmlns="" id="{D5DAD85F-381F-4EA0-9781-3C23F8D9AC73}"/>
               </a:ext>
             </a:extLst>
           </p:cNvPr>
@@ -13156,7 +13177,7 @@
           <p:cNvPr id="101" name="Group 100">
             <a:extLst>
               <a:ext uri="{FF2B5EF4-FFF2-40B4-BE49-F238E27FC236}">
-                <a16:creationId xmlns="" xmlns:a16="http://schemas.microsoft.com/office/drawing/2014/main" id="{E76B67BC-401F-4EA8-8CBE-EEB8DFAA45A7}"/>
+                <a16:creationId xmlns:a16="http://schemas.microsoft.com/office/drawing/2014/main" xmlns="" id="{E76B67BC-401F-4EA8-8CBE-EEB8DFAA45A7}"/>
               </a:ext>
             </a:extLst>
           </p:cNvPr>
@@ -13176,7 +13197,7 @@
             <p:cNvPr id="102" name="Oval 101">
               <a:extLst>
                 <a:ext uri="{FF2B5EF4-FFF2-40B4-BE49-F238E27FC236}">
-                  <a16:creationId xmlns="" xmlns:a16="http://schemas.microsoft.com/office/drawing/2014/main" id="{A399A27A-C7E8-457C-9D90-A66A1BF1F76F}"/>
+                  <a16:creationId xmlns:a16="http://schemas.microsoft.com/office/drawing/2014/main" xmlns="" id="{A399A27A-C7E8-457C-9D90-A66A1BF1F76F}"/>
                 </a:ext>
               </a:extLst>
             </p:cNvPr>
@@ -13230,7 +13251,7 @@
             <p:cNvPr id="103" name="Oval 102">
               <a:extLst>
                 <a:ext uri="{FF2B5EF4-FFF2-40B4-BE49-F238E27FC236}">
-                  <a16:creationId xmlns="" xmlns:a16="http://schemas.microsoft.com/office/drawing/2014/main" id="{C4008114-54A1-42C2-9000-1CC3AE1D8927}"/>
+                  <a16:creationId xmlns:a16="http://schemas.microsoft.com/office/drawing/2014/main" xmlns="" id="{C4008114-54A1-42C2-9000-1CC3AE1D8927}"/>
                 </a:ext>
               </a:extLst>
             </p:cNvPr>
@@ -13283,7 +13304,7 @@
           <p:cNvPr id="104" name="Group 103">
             <a:extLst>
               <a:ext uri="{FF2B5EF4-FFF2-40B4-BE49-F238E27FC236}">
-                <a16:creationId xmlns="" xmlns:a16="http://schemas.microsoft.com/office/drawing/2014/main" id="{590AD362-84BB-49C7-8C91-CDB895729924}"/>
+                <a16:creationId xmlns:a16="http://schemas.microsoft.com/office/drawing/2014/main" xmlns="" id="{590AD362-84BB-49C7-8C91-CDB895729924}"/>
               </a:ext>
             </a:extLst>
           </p:cNvPr>
@@ -13303,7 +13324,7 @@
             <p:cNvPr id="105" name="Oval 104">
               <a:extLst>
                 <a:ext uri="{FF2B5EF4-FFF2-40B4-BE49-F238E27FC236}">
-                  <a16:creationId xmlns="" xmlns:a16="http://schemas.microsoft.com/office/drawing/2014/main" id="{A32FB427-F316-4459-B06D-2A2B27FC7053}"/>
+                  <a16:creationId xmlns:a16="http://schemas.microsoft.com/office/drawing/2014/main" xmlns="" id="{A32FB427-F316-4459-B06D-2A2B27FC7053}"/>
                 </a:ext>
               </a:extLst>
             </p:cNvPr>
@@ -13357,7 +13378,7 @@
             <p:cNvPr id="106" name="Oval 105">
               <a:extLst>
                 <a:ext uri="{FF2B5EF4-FFF2-40B4-BE49-F238E27FC236}">
-                  <a16:creationId xmlns="" xmlns:a16="http://schemas.microsoft.com/office/drawing/2014/main" id="{C35EF795-8B2D-4CD0-87FF-5756B089D921}"/>
+                  <a16:creationId xmlns:a16="http://schemas.microsoft.com/office/drawing/2014/main" xmlns="" id="{C35EF795-8B2D-4CD0-87FF-5756B089D921}"/>
                 </a:ext>
               </a:extLst>
             </p:cNvPr>
@@ -13410,7 +13431,7 @@
           <p:cNvPr id="107" name="Group 106">
             <a:extLst>
               <a:ext uri="{FF2B5EF4-FFF2-40B4-BE49-F238E27FC236}">
-                <a16:creationId xmlns="" xmlns:a16="http://schemas.microsoft.com/office/drawing/2014/main" id="{E9582EE9-5831-4F6F-B29E-0BEB719C4F1E}"/>
+                <a16:creationId xmlns:a16="http://schemas.microsoft.com/office/drawing/2014/main" xmlns="" id="{E9582EE9-5831-4F6F-B29E-0BEB719C4F1E}"/>
               </a:ext>
             </a:extLst>
           </p:cNvPr>
@@ -13430,7 +13451,7 @@
             <p:cNvPr id="108" name="TextBox 107">
               <a:extLst>
                 <a:ext uri="{FF2B5EF4-FFF2-40B4-BE49-F238E27FC236}">
-                  <a16:creationId xmlns="" xmlns:a16="http://schemas.microsoft.com/office/drawing/2014/main" id="{895C2AE9-E6EE-4572-8B9B-0A1C8899D6FE}"/>
+                  <a16:creationId xmlns:a16="http://schemas.microsoft.com/office/drawing/2014/main" xmlns="" id="{895C2AE9-E6EE-4572-8B9B-0A1C8899D6FE}"/>
                 </a:ext>
               </a:extLst>
             </p:cNvPr>
@@ -13483,7 +13504,7 @@
             <p:cNvPr id="109" name="TextBox 108">
               <a:extLst>
                 <a:ext uri="{FF2B5EF4-FFF2-40B4-BE49-F238E27FC236}">
-                  <a16:creationId xmlns="" xmlns:a16="http://schemas.microsoft.com/office/drawing/2014/main" id="{8DC71A93-B148-4A8B-B0CA-4AD086FE8D7B}"/>
+                  <a16:creationId xmlns:a16="http://schemas.microsoft.com/office/drawing/2014/main" xmlns="" id="{8DC71A93-B148-4A8B-B0CA-4AD086FE8D7B}"/>
                 </a:ext>
               </a:extLst>
             </p:cNvPr>
@@ -13558,7 +13579,7 @@
           <p:cNvPr id="110" name="TextBox 109">
             <a:extLst>
               <a:ext uri="{FF2B5EF4-FFF2-40B4-BE49-F238E27FC236}">
-                <a16:creationId xmlns="" xmlns:a16="http://schemas.microsoft.com/office/drawing/2014/main" id="{70B20FE2-BC47-4EB2-B7EA-CBE6F5B390D3}"/>
+                <a16:creationId xmlns:a16="http://schemas.microsoft.com/office/drawing/2014/main" xmlns="" id="{70B20FE2-BC47-4EB2-B7EA-CBE6F5B390D3}"/>
               </a:ext>
             </a:extLst>
           </p:cNvPr>
@@ -13605,7 +13626,7 @@
           <p:cNvPr id="111" name="Group 110">
             <a:extLst>
               <a:ext uri="{FF2B5EF4-FFF2-40B4-BE49-F238E27FC236}">
-                <a16:creationId xmlns="" xmlns:a16="http://schemas.microsoft.com/office/drawing/2014/main" id="{EEB19012-A13E-4E01-97E1-4BD9BE0B2C4A}"/>
+                <a16:creationId xmlns:a16="http://schemas.microsoft.com/office/drawing/2014/main" xmlns="" id="{EEB19012-A13E-4E01-97E1-4BD9BE0B2C4A}"/>
               </a:ext>
             </a:extLst>
           </p:cNvPr>
@@ -13625,7 +13646,7 @@
             <p:cNvPr id="112" name="TextBox 111">
               <a:extLst>
                 <a:ext uri="{FF2B5EF4-FFF2-40B4-BE49-F238E27FC236}">
-                  <a16:creationId xmlns="" xmlns:a16="http://schemas.microsoft.com/office/drawing/2014/main" id="{5FF83314-6443-4064-B8AD-715FDF38C0B1}"/>
+                  <a16:creationId xmlns:a16="http://schemas.microsoft.com/office/drawing/2014/main" xmlns="" id="{5FF83314-6443-4064-B8AD-715FDF38C0B1}"/>
                 </a:ext>
               </a:extLst>
             </p:cNvPr>
@@ -13678,7 +13699,7 @@
             <p:cNvPr id="113" name="TextBox 112">
               <a:extLst>
                 <a:ext uri="{FF2B5EF4-FFF2-40B4-BE49-F238E27FC236}">
-                  <a16:creationId xmlns="" xmlns:a16="http://schemas.microsoft.com/office/drawing/2014/main" id="{AFB0129A-D09E-4693-96AE-20F4A2C31E42}"/>
+                  <a16:creationId xmlns:a16="http://schemas.microsoft.com/office/drawing/2014/main" xmlns="" id="{AFB0129A-D09E-4693-96AE-20F4A2C31E42}"/>
                 </a:ext>
               </a:extLst>
             </p:cNvPr>
@@ -13753,7 +13774,7 @@
           <p:cNvPr id="114" name="TextBox 113">
             <a:extLst>
               <a:ext uri="{FF2B5EF4-FFF2-40B4-BE49-F238E27FC236}">
-                <a16:creationId xmlns="" xmlns:a16="http://schemas.microsoft.com/office/drawing/2014/main" id="{B58D17C2-3595-44AD-9D77-27C29A8030BC}"/>
+                <a16:creationId xmlns:a16="http://schemas.microsoft.com/office/drawing/2014/main" xmlns="" id="{B58D17C2-3595-44AD-9D77-27C29A8030BC}"/>
               </a:ext>
             </a:extLst>
           </p:cNvPr>
@@ -13800,7 +13821,7 @@
           <p:cNvPr id="115" name="Group 114">
             <a:extLst>
               <a:ext uri="{FF2B5EF4-FFF2-40B4-BE49-F238E27FC236}">
-                <a16:creationId xmlns="" xmlns:a16="http://schemas.microsoft.com/office/drawing/2014/main" id="{115D3786-3CB0-4D98-9C2D-11D4FBA5EAB9}"/>
+                <a16:creationId xmlns:a16="http://schemas.microsoft.com/office/drawing/2014/main" xmlns="" id="{115D3786-3CB0-4D98-9C2D-11D4FBA5EAB9}"/>
               </a:ext>
             </a:extLst>
           </p:cNvPr>
@@ -13820,7 +13841,7 @@
             <p:cNvPr id="116" name="TextBox 115">
               <a:extLst>
                 <a:ext uri="{FF2B5EF4-FFF2-40B4-BE49-F238E27FC236}">
-                  <a16:creationId xmlns="" xmlns:a16="http://schemas.microsoft.com/office/drawing/2014/main" id="{572131EC-94E6-4982-85F7-903D6FA72171}"/>
+                  <a16:creationId xmlns:a16="http://schemas.microsoft.com/office/drawing/2014/main" xmlns="" id="{572131EC-94E6-4982-85F7-903D6FA72171}"/>
                 </a:ext>
               </a:extLst>
             </p:cNvPr>
@@ -13873,7 +13894,7 @@
             <p:cNvPr id="117" name="TextBox 116">
               <a:extLst>
                 <a:ext uri="{FF2B5EF4-FFF2-40B4-BE49-F238E27FC236}">
-                  <a16:creationId xmlns="" xmlns:a16="http://schemas.microsoft.com/office/drawing/2014/main" id="{B60C2261-B057-44FB-B300-F0F52E3F90C0}"/>
+                  <a16:creationId xmlns:a16="http://schemas.microsoft.com/office/drawing/2014/main" xmlns="" id="{B60C2261-B057-44FB-B300-F0F52E3F90C0}"/>
                 </a:ext>
               </a:extLst>
             </p:cNvPr>
@@ -13931,7 +13952,7 @@
                 <a:t>No transitive partial </a:t>
               </a:r>
               <a:r>
-                <a:rPr lang="en-US" sz="1200" dirty="0" err="1" smtClean="0">
+                <a:rPr lang="en-US" sz="1200" dirty="0" smtClean="0">
                   <a:solidFill>
                     <a:schemeClr val="tx1">
                       <a:lumMod val="75000"/>
@@ -13940,7 +13961,7 @@
                   </a:solidFill>
                   <a:latin typeface="Tw Cen MT" panose="020B0602020104020603" pitchFamily="34" charset="0"/>
                 </a:rPr>
-                <a:t>dependancy</a:t>
+                <a:t>dependency</a:t>
               </a:r>
               <a:endParaRPr lang="en-US" sz="1200" dirty="0">
                 <a:solidFill>
@@ -13960,7 +13981,7 @@
           <p:cNvPr id="118" name="TextBox 117">
             <a:extLst>
               <a:ext uri="{FF2B5EF4-FFF2-40B4-BE49-F238E27FC236}">
-                <a16:creationId xmlns="" xmlns:a16="http://schemas.microsoft.com/office/drawing/2014/main" id="{D8562F22-E78F-4DD5-9BBD-EEAB69C0B365}"/>
+                <a16:creationId xmlns:a16="http://schemas.microsoft.com/office/drawing/2014/main" xmlns="" id="{D8562F22-E78F-4DD5-9BBD-EEAB69C0B365}"/>
               </a:ext>
             </a:extLst>
           </p:cNvPr>
@@ -14007,7 +14028,7 @@
           <p:cNvPr id="2" name="Group 1">
             <a:extLst>
               <a:ext uri="{FF2B5EF4-FFF2-40B4-BE49-F238E27FC236}">
-                <a16:creationId xmlns="" xmlns:a16="http://schemas.microsoft.com/office/drawing/2014/main" id="{711450F4-A7BD-494E-BD71-C6C5EB8D03D1}"/>
+                <a16:creationId xmlns:a16="http://schemas.microsoft.com/office/drawing/2014/main" xmlns="" id="{711450F4-A7BD-494E-BD71-C6C5EB8D03D1}"/>
               </a:ext>
             </a:extLst>
           </p:cNvPr>
@@ -14027,7 +14048,7 @@
             <p:cNvPr id="120" name="Teardrop 119">
               <a:extLst>
                 <a:ext uri="{FF2B5EF4-FFF2-40B4-BE49-F238E27FC236}">
-                  <a16:creationId xmlns="" xmlns:a16="http://schemas.microsoft.com/office/drawing/2014/main" id="{5E489B47-B2BB-4EFB-8EC4-21C10615E463}"/>
+                  <a16:creationId xmlns:a16="http://schemas.microsoft.com/office/drawing/2014/main" xmlns="" id="{5E489B47-B2BB-4EFB-8EC4-21C10615E463}"/>
                 </a:ext>
               </a:extLst>
             </p:cNvPr>
@@ -14081,7 +14102,7 @@
             <p:cNvPr id="121" name="Oval 120">
               <a:extLst>
                 <a:ext uri="{FF2B5EF4-FFF2-40B4-BE49-F238E27FC236}">
-                  <a16:creationId xmlns="" xmlns:a16="http://schemas.microsoft.com/office/drawing/2014/main" id="{862B435C-D1B2-4C1C-B995-8D888E87C5D7}"/>
+                  <a16:creationId xmlns:a16="http://schemas.microsoft.com/office/drawing/2014/main" xmlns="" id="{862B435C-D1B2-4C1C-B995-8D888E87C5D7}"/>
                 </a:ext>
               </a:extLst>
             </p:cNvPr>
@@ -14133,7 +14154,7 @@
             <p:cNvPr id="131" name="Picture 130">
               <a:extLst>
                 <a:ext uri="{FF2B5EF4-FFF2-40B4-BE49-F238E27FC236}">
-                  <a16:creationId xmlns="" xmlns:a16="http://schemas.microsoft.com/office/drawing/2014/main" id="{262C0D94-FE17-421D-AA32-BD4AFE13E66E}"/>
+                  <a16:creationId xmlns:a16="http://schemas.microsoft.com/office/drawing/2014/main" xmlns="" id="{262C0D94-FE17-421D-AA32-BD4AFE13E66E}"/>
                 </a:ext>
               </a:extLst>
             </p:cNvPr>
@@ -14146,7 +14167,7 @@
             <a:blip r:embed="rId3">
               <a:extLst>
                 <a:ext uri="{28A0092B-C50C-407E-A947-70E740481C1C}">
-                  <a14:useLocalDpi xmlns="" xmlns:a14="http://schemas.microsoft.com/office/drawing/2010/main" val="0"/>
+                  <a14:useLocalDpi xmlns:a14="http://schemas.microsoft.com/office/drawing/2010/main" xmlns="" val="0"/>
                 </a:ext>
               </a:extLst>
             </a:blip>
@@ -14170,7 +14191,7 @@
           <p:cNvPr id="3" name="Group 2">
             <a:extLst>
               <a:ext uri="{FF2B5EF4-FFF2-40B4-BE49-F238E27FC236}">
-                <a16:creationId xmlns="" xmlns:a16="http://schemas.microsoft.com/office/drawing/2014/main" id="{191C1607-C8B7-4B99-9DC5-3321A9E92D49}"/>
+                <a16:creationId xmlns:a16="http://schemas.microsoft.com/office/drawing/2014/main" xmlns="" id="{191C1607-C8B7-4B99-9DC5-3321A9E92D49}"/>
               </a:ext>
             </a:extLst>
           </p:cNvPr>
@@ -14190,7 +14211,7 @@
             <p:cNvPr id="124" name="Teardrop 123">
               <a:extLst>
                 <a:ext uri="{FF2B5EF4-FFF2-40B4-BE49-F238E27FC236}">
-                  <a16:creationId xmlns="" xmlns:a16="http://schemas.microsoft.com/office/drawing/2014/main" id="{A44D7BEA-70F0-4773-A72C-A5B9951D3536}"/>
+                  <a16:creationId xmlns:a16="http://schemas.microsoft.com/office/drawing/2014/main" xmlns="" id="{A44D7BEA-70F0-4773-A72C-A5B9951D3536}"/>
                 </a:ext>
               </a:extLst>
             </p:cNvPr>
@@ -14244,7 +14265,7 @@
             <p:cNvPr id="125" name="Oval 124">
               <a:extLst>
                 <a:ext uri="{FF2B5EF4-FFF2-40B4-BE49-F238E27FC236}">
-                  <a16:creationId xmlns="" xmlns:a16="http://schemas.microsoft.com/office/drawing/2014/main" id="{1431DABB-47B8-4640-BD39-9CC7E2CDA115}"/>
+                  <a16:creationId xmlns:a16="http://schemas.microsoft.com/office/drawing/2014/main" xmlns="" id="{1431DABB-47B8-4640-BD39-9CC7E2CDA115}"/>
                 </a:ext>
               </a:extLst>
             </p:cNvPr>
@@ -14296,7 +14317,7 @@
             <p:cNvPr id="132" name="Picture 131">
               <a:extLst>
                 <a:ext uri="{FF2B5EF4-FFF2-40B4-BE49-F238E27FC236}">
-                  <a16:creationId xmlns="" xmlns:a16="http://schemas.microsoft.com/office/drawing/2014/main" id="{B5EEDA48-5891-495E-A9A5-8AEE839470AC}"/>
+                  <a16:creationId xmlns:a16="http://schemas.microsoft.com/office/drawing/2014/main" xmlns="" id="{B5EEDA48-5891-495E-A9A5-8AEE839470AC}"/>
                 </a:ext>
               </a:extLst>
             </p:cNvPr>
@@ -14309,7 +14330,7 @@
             <a:blip r:embed="rId4">
               <a:extLst>
                 <a:ext uri="{28A0092B-C50C-407E-A947-70E740481C1C}">
-                  <a14:useLocalDpi xmlns="" xmlns:a14="http://schemas.microsoft.com/office/drawing/2010/main" val="0"/>
+                  <a14:useLocalDpi xmlns:a14="http://schemas.microsoft.com/office/drawing/2010/main" xmlns="" val="0"/>
                 </a:ext>
               </a:extLst>
             </a:blip>
@@ -14333,7 +14354,7 @@
           <p:cNvPr id="4" name="Group 3">
             <a:extLst>
               <a:ext uri="{FF2B5EF4-FFF2-40B4-BE49-F238E27FC236}">
-                <a16:creationId xmlns="" xmlns:a16="http://schemas.microsoft.com/office/drawing/2014/main" id="{FA807BE1-996E-4364-AC05-CAC8C826377C}"/>
+                <a16:creationId xmlns:a16="http://schemas.microsoft.com/office/drawing/2014/main" xmlns="" id="{FA807BE1-996E-4364-AC05-CAC8C826377C}"/>
               </a:ext>
             </a:extLst>
           </p:cNvPr>
@@ -14353,7 +14374,7 @@
             <p:cNvPr id="128" name="Teardrop 127">
               <a:extLst>
                 <a:ext uri="{FF2B5EF4-FFF2-40B4-BE49-F238E27FC236}">
-                  <a16:creationId xmlns="" xmlns:a16="http://schemas.microsoft.com/office/drawing/2014/main" id="{76257F1B-992C-4717-A6A2-EDE25A4F31C3}"/>
+                  <a16:creationId xmlns:a16="http://schemas.microsoft.com/office/drawing/2014/main" xmlns="" id="{76257F1B-992C-4717-A6A2-EDE25A4F31C3}"/>
                 </a:ext>
               </a:extLst>
             </p:cNvPr>
@@ -14407,7 +14428,7 @@
             <p:cNvPr id="129" name="Oval 128">
               <a:extLst>
                 <a:ext uri="{FF2B5EF4-FFF2-40B4-BE49-F238E27FC236}">
-                  <a16:creationId xmlns="" xmlns:a16="http://schemas.microsoft.com/office/drawing/2014/main" id="{CBB174F9-BA66-486F-BC62-F2720CED100C}"/>
+                  <a16:creationId xmlns:a16="http://schemas.microsoft.com/office/drawing/2014/main" xmlns="" id="{CBB174F9-BA66-486F-BC62-F2720CED100C}"/>
                 </a:ext>
               </a:extLst>
             </p:cNvPr>
@@ -14459,7 +14480,7 @@
             <p:cNvPr id="133" name="Picture 132">
               <a:extLst>
                 <a:ext uri="{FF2B5EF4-FFF2-40B4-BE49-F238E27FC236}">
-                  <a16:creationId xmlns="" xmlns:a16="http://schemas.microsoft.com/office/drawing/2014/main" id="{58BE45EE-A44E-41D8-8C13-099C1F70EFC4}"/>
+                  <a16:creationId xmlns:a16="http://schemas.microsoft.com/office/drawing/2014/main" xmlns="" id="{58BE45EE-A44E-41D8-8C13-099C1F70EFC4}"/>
                 </a:ext>
               </a:extLst>
             </p:cNvPr>
@@ -14472,7 +14493,7 @@
             <a:blip r:embed="rId5">
               <a:extLst>
                 <a:ext uri="{28A0092B-C50C-407E-A947-70E740481C1C}">
-                  <a14:useLocalDpi xmlns="" xmlns:a14="http://schemas.microsoft.com/office/drawing/2010/main" val="0"/>
+                  <a14:useLocalDpi xmlns:a14="http://schemas.microsoft.com/office/drawing/2010/main" xmlns="" val="0"/>
                 </a:ext>
               </a:extLst>
             </a:blip>
@@ -14496,7 +14517,7 @@
           <p:cNvPr id="85" name="TextBox 84">
             <a:extLst>
               <a:ext uri="{FF2B5EF4-FFF2-40B4-BE49-F238E27FC236}">
-                <a16:creationId xmlns="" xmlns:a16="http://schemas.microsoft.com/office/drawing/2014/main" id="{895C2AE9-E6EE-4572-8B9B-0A1C8899D6FE}"/>
+                <a16:creationId xmlns:a16="http://schemas.microsoft.com/office/drawing/2014/main" xmlns="" id="{895C2AE9-E6EE-4572-8B9B-0A1C8899D6FE}"/>
               </a:ext>
             </a:extLst>
           </p:cNvPr>
@@ -14546,7 +14567,7 @@
     </p:spTree>
     <p:extLst>
       <p:ext uri="{BB962C8B-B14F-4D97-AF65-F5344CB8AC3E}">
-        <p14:creationId xmlns="" xmlns:p14="http://schemas.microsoft.com/office/powerpoint/2010/main" val="2624499212"/>
+        <p14:creationId xmlns:p14="http://schemas.microsoft.com/office/powerpoint/2010/main" xmlns="" val="2624499212"/>
       </p:ext>
     </p:extLst>
   </p:cSld>
@@ -15793,7 +15814,7 @@
           <p:cNvPr id="2" name="Group 49">
             <a:extLst>
               <a:ext uri="{FF2B5EF4-FFF2-40B4-BE49-F238E27FC236}">
-                <a16:creationId xmlns="" xmlns:a16="http://schemas.microsoft.com/office/drawing/2014/main" id="{10781169-B7A4-446E-BD33-B9650367A7F9}"/>
+                <a16:creationId xmlns:a16="http://schemas.microsoft.com/office/drawing/2014/main" xmlns="" id="{10781169-B7A4-446E-BD33-B9650367A7F9}"/>
               </a:ext>
             </a:extLst>
           </p:cNvPr>
@@ -15813,7 +15834,7 @@
             <p:cNvPr id="51" name="Rectangle 50">
               <a:extLst>
                 <a:ext uri="{FF2B5EF4-FFF2-40B4-BE49-F238E27FC236}">
-                  <a16:creationId xmlns="" xmlns:a16="http://schemas.microsoft.com/office/drawing/2014/main" id="{CED3AF08-30FC-4AFF-9C5C-99D0A7099514}"/>
+                  <a16:creationId xmlns:a16="http://schemas.microsoft.com/office/drawing/2014/main" xmlns="" id="{CED3AF08-30FC-4AFF-9C5C-99D0A7099514}"/>
                 </a:ext>
               </a:extLst>
             </p:cNvPr>
@@ -15874,7 +15895,7 @@
             <p:cNvPr id="52" name="Freeform: Shape 51">
               <a:extLst>
                 <a:ext uri="{FF2B5EF4-FFF2-40B4-BE49-F238E27FC236}">
-                  <a16:creationId xmlns="" xmlns:a16="http://schemas.microsoft.com/office/drawing/2014/main" id="{99AF1FBA-9557-484A-B305-EE590A192E96}"/>
+                  <a16:creationId xmlns:a16="http://schemas.microsoft.com/office/drawing/2014/main" xmlns="" id="{99AF1FBA-9557-484A-B305-EE590A192E96}"/>
                 </a:ext>
               </a:extLst>
             </p:cNvPr>
@@ -15981,7 +16002,7 @@
             <p:cNvPr id="53" name="TextBox 52">
               <a:extLst>
                 <a:ext uri="{FF2B5EF4-FFF2-40B4-BE49-F238E27FC236}">
-                  <a16:creationId xmlns="" xmlns:a16="http://schemas.microsoft.com/office/drawing/2014/main" id="{407E3AA2-679E-4924-AC1B-FE6C3A02C251}"/>
+                  <a16:creationId xmlns:a16="http://schemas.microsoft.com/office/drawing/2014/main" xmlns="" id="{407E3AA2-679E-4924-AC1B-FE6C3A02C251}"/>
                 </a:ext>
               </a:extLst>
             </p:cNvPr>
@@ -16022,7 +16043,7 @@
             <p:cNvPr id="54" name="Picture 53">
               <a:extLst>
                 <a:ext uri="{FF2B5EF4-FFF2-40B4-BE49-F238E27FC236}">
-                  <a16:creationId xmlns="" xmlns:a16="http://schemas.microsoft.com/office/drawing/2014/main" id="{CD9846FC-755F-4A0E-BAD3-A5D51C0E1EBE}"/>
+                  <a16:creationId xmlns:a16="http://schemas.microsoft.com/office/drawing/2014/main" xmlns="" id="{CD9846FC-755F-4A0E-BAD3-A5D51C0E1EBE}"/>
                 </a:ext>
               </a:extLst>
             </p:cNvPr>
@@ -16035,7 +16056,7 @@
             <a:blip r:embed="rId2" cstate="print">
               <a:extLst>
                 <a:ext uri="{28A0092B-C50C-407E-A947-70E740481C1C}">
-                  <a14:useLocalDpi xmlns="" xmlns:a14="http://schemas.microsoft.com/office/drawing/2010/main" val="0"/>
+                  <a14:useLocalDpi xmlns:a14="http://schemas.microsoft.com/office/drawing/2010/main" xmlns="" val="0"/>
                 </a:ext>
               </a:extLst>
             </a:blip>
@@ -16059,7 +16080,7 @@
           <p:cNvPr id="3" name="Group 54">
             <a:extLst>
               <a:ext uri="{FF2B5EF4-FFF2-40B4-BE49-F238E27FC236}">
-                <a16:creationId xmlns="" xmlns:a16="http://schemas.microsoft.com/office/drawing/2014/main" id="{F00A67C9-4929-4EFF-9CB6-292640CD2738}"/>
+                <a16:creationId xmlns:a16="http://schemas.microsoft.com/office/drawing/2014/main" xmlns="" id="{F00A67C9-4929-4EFF-9CB6-292640CD2738}"/>
               </a:ext>
             </a:extLst>
           </p:cNvPr>
@@ -16079,7 +16100,7 @@
             <p:cNvPr id="56" name="Rectangle 55">
               <a:extLst>
                 <a:ext uri="{FF2B5EF4-FFF2-40B4-BE49-F238E27FC236}">
-                  <a16:creationId xmlns="" xmlns:a16="http://schemas.microsoft.com/office/drawing/2014/main" id="{3E8CDB02-4760-4298-BC44-93A18EB02F13}"/>
+                  <a16:creationId xmlns:a16="http://schemas.microsoft.com/office/drawing/2014/main" xmlns="" id="{3E8CDB02-4760-4298-BC44-93A18EB02F13}"/>
                 </a:ext>
               </a:extLst>
             </p:cNvPr>
@@ -16140,7 +16161,7 @@
             <p:cNvPr id="57" name="Freeform: Shape 56">
               <a:extLst>
                 <a:ext uri="{FF2B5EF4-FFF2-40B4-BE49-F238E27FC236}">
-                  <a16:creationId xmlns="" xmlns:a16="http://schemas.microsoft.com/office/drawing/2014/main" id="{57C0FD50-5E69-463E-A01B-65E9D864A386}"/>
+                  <a16:creationId xmlns:a16="http://schemas.microsoft.com/office/drawing/2014/main" xmlns="" id="{57C0FD50-5E69-463E-A01B-65E9D864A386}"/>
                 </a:ext>
               </a:extLst>
             </p:cNvPr>
@@ -16247,7 +16268,7 @@
             <p:cNvPr id="58" name="TextBox 57">
               <a:extLst>
                 <a:ext uri="{FF2B5EF4-FFF2-40B4-BE49-F238E27FC236}">
-                  <a16:creationId xmlns="" xmlns:a16="http://schemas.microsoft.com/office/drawing/2014/main" id="{04CBFB1D-37FD-419F-B98C-860BF5217905}"/>
+                  <a16:creationId xmlns:a16="http://schemas.microsoft.com/office/drawing/2014/main" xmlns="" id="{04CBFB1D-37FD-419F-B98C-860BF5217905}"/>
                 </a:ext>
               </a:extLst>
             </p:cNvPr>
@@ -16288,7 +16309,7 @@
             <p:cNvPr id="59" name="Picture 58">
               <a:extLst>
                 <a:ext uri="{FF2B5EF4-FFF2-40B4-BE49-F238E27FC236}">
-                  <a16:creationId xmlns="" xmlns:a16="http://schemas.microsoft.com/office/drawing/2014/main" id="{60B383F7-52C5-4FB7-AEC3-35A48D7354A0}"/>
+                  <a16:creationId xmlns:a16="http://schemas.microsoft.com/office/drawing/2014/main" xmlns="" id="{60B383F7-52C5-4FB7-AEC3-35A48D7354A0}"/>
                 </a:ext>
               </a:extLst>
             </p:cNvPr>
@@ -16301,7 +16322,7 @@
             <a:blip r:embed="rId2" cstate="print">
               <a:extLst>
                 <a:ext uri="{28A0092B-C50C-407E-A947-70E740481C1C}">
-                  <a14:useLocalDpi xmlns="" xmlns:a14="http://schemas.microsoft.com/office/drawing/2010/main" val="0"/>
+                  <a14:useLocalDpi xmlns:a14="http://schemas.microsoft.com/office/drawing/2010/main" xmlns="" val="0"/>
                 </a:ext>
               </a:extLst>
             </a:blip>
@@ -16325,7 +16346,7 @@
           <p:cNvPr id="4" name="Group 59">
             <a:extLst>
               <a:ext uri="{FF2B5EF4-FFF2-40B4-BE49-F238E27FC236}">
-                <a16:creationId xmlns="" xmlns:a16="http://schemas.microsoft.com/office/drawing/2014/main" id="{6F7667A6-1C16-4F0A-A162-61BD16E6BE6B}"/>
+                <a16:creationId xmlns:a16="http://schemas.microsoft.com/office/drawing/2014/main" xmlns="" id="{6F7667A6-1C16-4F0A-A162-61BD16E6BE6B}"/>
               </a:ext>
             </a:extLst>
           </p:cNvPr>
@@ -16345,7 +16366,7 @@
             <p:cNvPr id="61" name="Rectangle 60">
               <a:extLst>
                 <a:ext uri="{FF2B5EF4-FFF2-40B4-BE49-F238E27FC236}">
-                  <a16:creationId xmlns="" xmlns:a16="http://schemas.microsoft.com/office/drawing/2014/main" id="{0E8C29A9-4AAB-442C-A7A4-40DCCE0A9694}"/>
+                  <a16:creationId xmlns:a16="http://schemas.microsoft.com/office/drawing/2014/main" xmlns="" id="{0E8C29A9-4AAB-442C-A7A4-40DCCE0A9694}"/>
                 </a:ext>
               </a:extLst>
             </p:cNvPr>
@@ -16406,7 +16427,7 @@
             <p:cNvPr id="62" name="Freeform: Shape 61">
               <a:extLst>
                 <a:ext uri="{FF2B5EF4-FFF2-40B4-BE49-F238E27FC236}">
-                  <a16:creationId xmlns="" xmlns:a16="http://schemas.microsoft.com/office/drawing/2014/main" id="{81520FE7-5699-4290-9C3C-51E0C60ECC6B}"/>
+                  <a16:creationId xmlns:a16="http://schemas.microsoft.com/office/drawing/2014/main" xmlns="" id="{81520FE7-5699-4290-9C3C-51E0C60ECC6B}"/>
                 </a:ext>
               </a:extLst>
             </p:cNvPr>
@@ -16513,7 +16534,7 @@
             <p:cNvPr id="63" name="TextBox 62">
               <a:extLst>
                 <a:ext uri="{FF2B5EF4-FFF2-40B4-BE49-F238E27FC236}">
-                  <a16:creationId xmlns="" xmlns:a16="http://schemas.microsoft.com/office/drawing/2014/main" id="{AFD50D6F-822B-4109-8B0C-BA004A0B7145}"/>
+                  <a16:creationId xmlns:a16="http://schemas.microsoft.com/office/drawing/2014/main" xmlns="" id="{AFD50D6F-822B-4109-8B0C-BA004A0B7145}"/>
                 </a:ext>
               </a:extLst>
             </p:cNvPr>
@@ -16560,7 +16581,7 @@
             <p:cNvPr id="64" name="Picture 63">
               <a:extLst>
                 <a:ext uri="{FF2B5EF4-FFF2-40B4-BE49-F238E27FC236}">
-                  <a16:creationId xmlns="" xmlns:a16="http://schemas.microsoft.com/office/drawing/2014/main" id="{0376C61F-147B-441E-B32E-45D5BC1B66B5}"/>
+                  <a16:creationId xmlns:a16="http://schemas.microsoft.com/office/drawing/2014/main" xmlns="" id="{0376C61F-147B-441E-B32E-45D5BC1B66B5}"/>
                 </a:ext>
               </a:extLst>
             </p:cNvPr>
@@ -16573,7 +16594,7 @@
             <a:blip r:embed="rId2" cstate="print">
               <a:extLst>
                 <a:ext uri="{28A0092B-C50C-407E-A947-70E740481C1C}">
-                  <a14:useLocalDpi xmlns="" xmlns:a14="http://schemas.microsoft.com/office/drawing/2010/main" val="0"/>
+                  <a14:useLocalDpi xmlns:a14="http://schemas.microsoft.com/office/drawing/2010/main" xmlns="" val="0"/>
                 </a:ext>
               </a:extLst>
             </a:blip>
@@ -16597,7 +16618,7 @@
           <p:cNvPr id="70" name="Rectangle 69">
             <a:extLst>
               <a:ext uri="{FF2B5EF4-FFF2-40B4-BE49-F238E27FC236}">
-                <a16:creationId xmlns="" xmlns:a16="http://schemas.microsoft.com/office/drawing/2014/main" id="{990CE96C-B0E8-49CB-B717-EBFFECB66027}"/>
+                <a16:creationId xmlns:a16="http://schemas.microsoft.com/office/drawing/2014/main" xmlns="" id="{990CE96C-B0E8-49CB-B717-EBFFECB66027}"/>
               </a:ext>
             </a:extLst>
           </p:cNvPr>
@@ -16658,7 +16679,7 @@
           <p:cNvPr id="5" name="Group 94">
             <a:extLst>
               <a:ext uri="{FF2B5EF4-FFF2-40B4-BE49-F238E27FC236}">
-                <a16:creationId xmlns="" xmlns:a16="http://schemas.microsoft.com/office/drawing/2014/main" id="{4E70D3F9-D583-4ACD-8480-0F4A65ED3C83}"/>
+                <a16:creationId xmlns:a16="http://schemas.microsoft.com/office/drawing/2014/main" xmlns="" id="{4E70D3F9-D583-4ACD-8480-0F4A65ED3C83}"/>
               </a:ext>
             </a:extLst>
           </p:cNvPr>
@@ -16678,7 +16699,7 @@
             <p:cNvPr id="96" name="Rectangle 95">
               <a:extLst>
                 <a:ext uri="{FF2B5EF4-FFF2-40B4-BE49-F238E27FC236}">
-                  <a16:creationId xmlns="" xmlns:a16="http://schemas.microsoft.com/office/drawing/2014/main" id="{321108FC-08B5-45CC-AB47-1104119B25FD}"/>
+                  <a16:creationId xmlns:a16="http://schemas.microsoft.com/office/drawing/2014/main" xmlns="" id="{321108FC-08B5-45CC-AB47-1104119B25FD}"/>
                 </a:ext>
               </a:extLst>
             </p:cNvPr>
@@ -16739,7 +16760,7 @@
             <p:cNvPr id="97" name="Freeform: Shape 96">
               <a:extLst>
                 <a:ext uri="{FF2B5EF4-FFF2-40B4-BE49-F238E27FC236}">
-                  <a16:creationId xmlns="" xmlns:a16="http://schemas.microsoft.com/office/drawing/2014/main" id="{96A47C8C-7F88-484E-817B-572BEDC2BC69}"/>
+                  <a16:creationId xmlns:a16="http://schemas.microsoft.com/office/drawing/2014/main" xmlns="" id="{96A47C8C-7F88-484E-817B-572BEDC2BC69}"/>
                 </a:ext>
               </a:extLst>
             </p:cNvPr>
@@ -16846,7 +16867,7 @@
             <p:cNvPr id="98" name="TextBox 97">
               <a:extLst>
                 <a:ext uri="{FF2B5EF4-FFF2-40B4-BE49-F238E27FC236}">
-                  <a16:creationId xmlns="" xmlns:a16="http://schemas.microsoft.com/office/drawing/2014/main" id="{E3DB5570-AC77-4396-9748-4183DF7C8396}"/>
+                  <a16:creationId xmlns:a16="http://schemas.microsoft.com/office/drawing/2014/main" xmlns="" id="{E3DB5570-AC77-4396-9748-4183DF7C8396}"/>
                 </a:ext>
               </a:extLst>
             </p:cNvPr>
@@ -16893,7 +16914,7 @@
             <p:cNvPr id="99" name="Picture 98">
               <a:extLst>
                 <a:ext uri="{FF2B5EF4-FFF2-40B4-BE49-F238E27FC236}">
-                  <a16:creationId xmlns="" xmlns:a16="http://schemas.microsoft.com/office/drawing/2014/main" id="{F6ED4041-CDD9-443D-802E-47D4387906FA}"/>
+                  <a16:creationId xmlns:a16="http://schemas.microsoft.com/office/drawing/2014/main" xmlns="" id="{F6ED4041-CDD9-443D-802E-47D4387906FA}"/>
                 </a:ext>
               </a:extLst>
             </p:cNvPr>
@@ -16906,7 +16927,7 @@
             <a:blip r:embed="rId2" cstate="print">
               <a:extLst>
                 <a:ext uri="{28A0092B-C50C-407E-A947-70E740481C1C}">
-                  <a14:useLocalDpi xmlns="" xmlns:a14="http://schemas.microsoft.com/office/drawing/2010/main" val="0"/>
+                  <a14:useLocalDpi xmlns:a14="http://schemas.microsoft.com/office/drawing/2010/main" xmlns="" val="0"/>
                 </a:ext>
               </a:extLst>
             </a:blip>
@@ -16930,7 +16951,7 @@
           <p:cNvPr id="6" name="Group 70">
             <a:extLst>
               <a:ext uri="{FF2B5EF4-FFF2-40B4-BE49-F238E27FC236}">
-                <a16:creationId xmlns="" xmlns:a16="http://schemas.microsoft.com/office/drawing/2014/main" id="{E7044FAB-DB4A-4E59-B111-8CA4168E7FA4}"/>
+                <a16:creationId xmlns:a16="http://schemas.microsoft.com/office/drawing/2014/main" xmlns="" id="{E7044FAB-DB4A-4E59-B111-8CA4168E7FA4}"/>
               </a:ext>
             </a:extLst>
           </p:cNvPr>
@@ -16950,7 +16971,7 @@
             <p:cNvPr id="72" name="Rectangle 71">
               <a:extLst>
                 <a:ext uri="{FF2B5EF4-FFF2-40B4-BE49-F238E27FC236}">
-                  <a16:creationId xmlns="" xmlns:a16="http://schemas.microsoft.com/office/drawing/2014/main" id="{824F072A-08CC-4CC6-B5EF-C1833A244FA3}"/>
+                  <a16:creationId xmlns:a16="http://schemas.microsoft.com/office/drawing/2014/main" xmlns="" id="{824F072A-08CC-4CC6-B5EF-C1833A244FA3}"/>
                 </a:ext>
               </a:extLst>
             </p:cNvPr>
@@ -17011,7 +17032,7 @@
             <p:cNvPr id="73" name="Freeform: Shape 72">
               <a:extLst>
                 <a:ext uri="{FF2B5EF4-FFF2-40B4-BE49-F238E27FC236}">
-                  <a16:creationId xmlns="" xmlns:a16="http://schemas.microsoft.com/office/drawing/2014/main" id="{A3C6C4A9-8B6A-429B-980E-26CD0C3A573E}"/>
+                  <a16:creationId xmlns:a16="http://schemas.microsoft.com/office/drawing/2014/main" xmlns="" id="{A3C6C4A9-8B6A-429B-980E-26CD0C3A573E}"/>
                 </a:ext>
               </a:extLst>
             </p:cNvPr>
@@ -17118,7 +17139,7 @@
             <p:cNvPr id="74" name="TextBox 73">
               <a:extLst>
                 <a:ext uri="{FF2B5EF4-FFF2-40B4-BE49-F238E27FC236}">
-                  <a16:creationId xmlns="" xmlns:a16="http://schemas.microsoft.com/office/drawing/2014/main" id="{858AC381-BFD1-4A89-AE49-8ADC853A6849}"/>
+                  <a16:creationId xmlns:a16="http://schemas.microsoft.com/office/drawing/2014/main" xmlns="" id="{858AC381-BFD1-4A89-AE49-8ADC853A6849}"/>
                 </a:ext>
               </a:extLst>
             </p:cNvPr>
@@ -17165,7 +17186,7 @@
             <p:cNvPr id="75" name="Picture 74">
               <a:extLst>
                 <a:ext uri="{FF2B5EF4-FFF2-40B4-BE49-F238E27FC236}">
-                  <a16:creationId xmlns="" xmlns:a16="http://schemas.microsoft.com/office/drawing/2014/main" id="{9DF2E944-82FA-495B-8A5C-9BDE26355383}"/>
+                  <a16:creationId xmlns:a16="http://schemas.microsoft.com/office/drawing/2014/main" xmlns="" id="{9DF2E944-82FA-495B-8A5C-9BDE26355383}"/>
                 </a:ext>
               </a:extLst>
             </p:cNvPr>
@@ -17178,7 +17199,7 @@
             <a:blip r:embed="rId2" cstate="print">
               <a:extLst>
                 <a:ext uri="{28A0092B-C50C-407E-A947-70E740481C1C}">
-                  <a14:useLocalDpi xmlns="" xmlns:a14="http://schemas.microsoft.com/office/drawing/2010/main" val="0"/>
+                  <a14:useLocalDpi xmlns:a14="http://schemas.microsoft.com/office/drawing/2010/main" xmlns="" val="0"/>
                 </a:ext>
               </a:extLst>
             </a:blip>
@@ -17202,7 +17223,7 @@
           <p:cNvPr id="7" name="Group 75">
             <a:extLst>
               <a:ext uri="{FF2B5EF4-FFF2-40B4-BE49-F238E27FC236}">
-                <a16:creationId xmlns="" xmlns:a16="http://schemas.microsoft.com/office/drawing/2014/main" id="{60E31D48-090A-4A9C-AF5C-4B0C49C47C7D}"/>
+                <a16:creationId xmlns:a16="http://schemas.microsoft.com/office/drawing/2014/main" xmlns="" id="{60E31D48-090A-4A9C-AF5C-4B0C49C47C7D}"/>
               </a:ext>
             </a:extLst>
           </p:cNvPr>
@@ -17222,7 +17243,7 @@
             <p:cNvPr id="77" name="Rectangle 76">
               <a:extLst>
                 <a:ext uri="{FF2B5EF4-FFF2-40B4-BE49-F238E27FC236}">
-                  <a16:creationId xmlns="" xmlns:a16="http://schemas.microsoft.com/office/drawing/2014/main" id="{3A79A714-CB74-4EFD-9BC1-A7F2F993842A}"/>
+                  <a16:creationId xmlns:a16="http://schemas.microsoft.com/office/drawing/2014/main" xmlns="" id="{3A79A714-CB74-4EFD-9BC1-A7F2F993842A}"/>
                 </a:ext>
               </a:extLst>
             </p:cNvPr>
@@ -17283,7 +17304,7 @@
             <p:cNvPr id="78" name="Freeform: Shape 77">
               <a:extLst>
                 <a:ext uri="{FF2B5EF4-FFF2-40B4-BE49-F238E27FC236}">
-                  <a16:creationId xmlns="" xmlns:a16="http://schemas.microsoft.com/office/drawing/2014/main" id="{B006C60A-833A-41C2-A553-8132E7B3A7DB}"/>
+                  <a16:creationId xmlns:a16="http://schemas.microsoft.com/office/drawing/2014/main" xmlns="" id="{B006C60A-833A-41C2-A553-8132E7B3A7DB}"/>
                 </a:ext>
               </a:extLst>
             </p:cNvPr>
@@ -17390,7 +17411,7 @@
             <p:cNvPr id="79" name="TextBox 78">
               <a:extLst>
                 <a:ext uri="{FF2B5EF4-FFF2-40B4-BE49-F238E27FC236}">
-                  <a16:creationId xmlns="" xmlns:a16="http://schemas.microsoft.com/office/drawing/2014/main" id="{95AECC6C-A520-4756-9163-08D14835D791}"/>
+                  <a16:creationId xmlns:a16="http://schemas.microsoft.com/office/drawing/2014/main" xmlns="" id="{95AECC6C-A520-4756-9163-08D14835D791}"/>
                 </a:ext>
               </a:extLst>
             </p:cNvPr>
@@ -17437,7 +17458,7 @@
             <p:cNvPr id="80" name="Picture 79">
               <a:extLst>
                 <a:ext uri="{FF2B5EF4-FFF2-40B4-BE49-F238E27FC236}">
-                  <a16:creationId xmlns="" xmlns:a16="http://schemas.microsoft.com/office/drawing/2014/main" id="{0F8A56B9-A504-4035-8439-53ED4617B8B4}"/>
+                  <a16:creationId xmlns:a16="http://schemas.microsoft.com/office/drawing/2014/main" xmlns="" id="{0F8A56B9-A504-4035-8439-53ED4617B8B4}"/>
                 </a:ext>
               </a:extLst>
             </p:cNvPr>
@@ -17450,7 +17471,7 @@
             <a:blip r:embed="rId2" cstate="print">
               <a:extLst>
                 <a:ext uri="{28A0092B-C50C-407E-A947-70E740481C1C}">
-                  <a14:useLocalDpi xmlns="" xmlns:a14="http://schemas.microsoft.com/office/drawing/2010/main" val="0"/>
+                  <a14:useLocalDpi xmlns:a14="http://schemas.microsoft.com/office/drawing/2010/main" xmlns="" val="0"/>
                 </a:ext>
               </a:extLst>
             </a:blip>
@@ -17474,7 +17495,7 @@
           <p:cNvPr id="107" name="Oval 106">
             <a:extLst>
               <a:ext uri="{FF2B5EF4-FFF2-40B4-BE49-F238E27FC236}">
-                <a16:creationId xmlns="" xmlns:a16="http://schemas.microsoft.com/office/drawing/2014/main" id="{BEA41108-70F3-44FD-9476-BB5FCAD01852}"/>
+                <a16:creationId xmlns:a16="http://schemas.microsoft.com/office/drawing/2014/main" xmlns="" id="{BEA41108-70F3-44FD-9476-BB5FCAD01852}"/>
               </a:ext>
             </a:extLst>
           </p:cNvPr>
@@ -17597,7 +17618,7 @@
       </p:sp>
       <p:pic>
         <p:nvPicPr>
-          <p:cNvPr id="38" name="Picture 37" descr="database.png"/>
+          <p:cNvPr id="36" name="Picture 35" descr="maindatabase.png"/>
           <p:cNvPicPr>
             <a:picLocks noChangeAspect="1"/>
           </p:cNvPicPr>
@@ -17611,8 +17632,8 @@
         </p:blipFill>
         <p:spPr>
           <a:xfrm>
-            <a:off x="1679463" y="1699478"/>
-            <a:ext cx="7704242" cy="3670807"/>
+            <a:off x="1911698" y="1677677"/>
+            <a:ext cx="7381646" cy="4919066"/>
           </a:xfrm>
           <a:prstGeom prst="rect">
             <a:avLst/>
@@ -17622,7 +17643,7 @@
     </p:spTree>
     <p:extLst>
       <p:ext uri="{BB962C8B-B14F-4D97-AF65-F5344CB8AC3E}">
-        <p14:creationId xmlns="" xmlns:p14="http://schemas.microsoft.com/office/powerpoint/2010/main" val="3965200575"/>
+        <p14:creationId xmlns:p14="http://schemas.microsoft.com/office/powerpoint/2010/main" xmlns="" val="3965200575"/>
       </p:ext>
     </p:extLst>
   </p:cSld>
@@ -17630,7 +17651,7 @@
     <a:masterClrMapping/>
   </p:clrMapOvr>
   <mc:AlternateContent xmlns:mc="http://schemas.openxmlformats.org/markup-compatibility/2006">
-    <mc:Choice xmlns="" xmlns:p159="http://schemas.microsoft.com/office/powerpoint/2015/09/main" Requires="p159">
+    <mc:Choice xmlns:p159="http://schemas.microsoft.com/office/powerpoint/2015/09/main" xmlns="" Requires="p159">
       <p:transition spd="med">
         <p159:morph option="byObject"/>
       </p:transition>
@@ -17706,7 +17727,7 @@
                             </p:stCondLst>
                             <p:childTnLst>
                               <p:par>
-                                <p:cTn id="9" presetID="53" presetClass="entr" presetSubtype="0" fill="hold" nodeType="afterEffect">
+                                <p:cTn id="9" presetID="10" presetClass="entr" presetSubtype="0" fill="hold" nodeType="afterEffect">
                                   <p:stCondLst>
                                     <p:cond delay="0"/>
                                   </p:stCondLst>
@@ -17719,7 +17740,7 @@
                                           </p:stCondLst>
                                         </p:cTn>
                                         <p:tgtEl>
-                                          <p:spTgt spid="38"/>
+                                          <p:spTgt spid="36"/>
                                         </p:tgtEl>
                                         <p:attrNameLst>
                                           <p:attrName>style.visibility</p:attrName>
@@ -17729,57 +17750,11 @@
                                         <p:strVal val="visible"/>
                                       </p:to>
                                     </p:set>
-                                    <p:anim calcmode="lin" valueType="num">
-                                      <p:cBhvr>
-                                        <p:cTn id="11" dur="500" fill="hold"/>
-                                        <p:tgtEl>
-                                          <p:spTgt spid="38"/>
-                                        </p:tgtEl>
-                                        <p:attrNameLst>
-                                          <p:attrName>ppt_w</p:attrName>
-                                        </p:attrNameLst>
-                                      </p:cBhvr>
-                                      <p:tavLst>
-                                        <p:tav tm="0">
-                                          <p:val>
-                                            <p:fltVal val="0"/>
-                                          </p:val>
-                                        </p:tav>
-                                        <p:tav tm="100000">
-                                          <p:val>
-                                            <p:strVal val="#ppt_w"/>
-                                          </p:val>
-                                        </p:tav>
-                                      </p:tavLst>
-                                    </p:anim>
-                                    <p:anim calcmode="lin" valueType="num">
-                                      <p:cBhvr>
-                                        <p:cTn id="12" dur="500" fill="hold"/>
-                                        <p:tgtEl>
-                                          <p:spTgt spid="38"/>
-                                        </p:tgtEl>
-                                        <p:attrNameLst>
-                                          <p:attrName>ppt_h</p:attrName>
-                                        </p:attrNameLst>
-                                      </p:cBhvr>
-                                      <p:tavLst>
-                                        <p:tav tm="0">
-                                          <p:val>
-                                            <p:fltVal val="0"/>
-                                          </p:val>
-                                        </p:tav>
-                                        <p:tav tm="100000">
-                                          <p:val>
-                                            <p:strVal val="#ppt_h"/>
-                                          </p:val>
-                                        </p:tav>
-                                      </p:tavLst>
-                                    </p:anim>
                                     <p:animEffect transition="in" filter="fade">
                                       <p:cBhvr>
-                                        <p:cTn id="13" dur="500"/>
+                                        <p:cTn id="11" dur="2000"/>
                                         <p:tgtEl>
-                                          <p:spTgt spid="38"/>
+                                          <p:spTgt spid="36"/>
                                         </p:tgtEl>
                                       </p:cBhvr>
                                     </p:animEffect>
@@ -17842,7 +17817,7 @@
           <p:cNvPr id="2" name="Group 49">
             <a:extLst>
               <a:ext uri="{FF2B5EF4-FFF2-40B4-BE49-F238E27FC236}">
-                <a16:creationId xmlns="" xmlns:a16="http://schemas.microsoft.com/office/drawing/2014/main" id="{10781169-B7A4-446E-BD33-B9650367A7F9}"/>
+                <a16:creationId xmlns:a16="http://schemas.microsoft.com/office/drawing/2014/main" xmlns="" id="{10781169-B7A4-446E-BD33-B9650367A7F9}"/>
               </a:ext>
             </a:extLst>
           </p:cNvPr>
@@ -17862,7 +17837,7 @@
             <p:cNvPr id="51" name="Rectangle 50">
               <a:extLst>
                 <a:ext uri="{FF2B5EF4-FFF2-40B4-BE49-F238E27FC236}">
-                  <a16:creationId xmlns="" xmlns:a16="http://schemas.microsoft.com/office/drawing/2014/main" id="{CED3AF08-30FC-4AFF-9C5C-99D0A7099514}"/>
+                  <a16:creationId xmlns:a16="http://schemas.microsoft.com/office/drawing/2014/main" xmlns="" id="{CED3AF08-30FC-4AFF-9C5C-99D0A7099514}"/>
                 </a:ext>
               </a:extLst>
             </p:cNvPr>
@@ -17923,7 +17898,7 @@
             <p:cNvPr id="52" name="Freeform: Shape 51">
               <a:extLst>
                 <a:ext uri="{FF2B5EF4-FFF2-40B4-BE49-F238E27FC236}">
-                  <a16:creationId xmlns="" xmlns:a16="http://schemas.microsoft.com/office/drawing/2014/main" id="{99AF1FBA-9557-484A-B305-EE590A192E96}"/>
+                  <a16:creationId xmlns:a16="http://schemas.microsoft.com/office/drawing/2014/main" xmlns="" id="{99AF1FBA-9557-484A-B305-EE590A192E96}"/>
                 </a:ext>
               </a:extLst>
             </p:cNvPr>
@@ -18030,7 +18005,7 @@
             <p:cNvPr id="53" name="TextBox 52">
               <a:extLst>
                 <a:ext uri="{FF2B5EF4-FFF2-40B4-BE49-F238E27FC236}">
-                  <a16:creationId xmlns="" xmlns:a16="http://schemas.microsoft.com/office/drawing/2014/main" id="{407E3AA2-679E-4924-AC1B-FE6C3A02C251}"/>
+                  <a16:creationId xmlns:a16="http://schemas.microsoft.com/office/drawing/2014/main" xmlns="" id="{407E3AA2-679E-4924-AC1B-FE6C3A02C251}"/>
                 </a:ext>
               </a:extLst>
             </p:cNvPr>
@@ -18071,7 +18046,7 @@
             <p:cNvPr id="54" name="Picture 53">
               <a:extLst>
                 <a:ext uri="{FF2B5EF4-FFF2-40B4-BE49-F238E27FC236}">
-                  <a16:creationId xmlns="" xmlns:a16="http://schemas.microsoft.com/office/drawing/2014/main" id="{CD9846FC-755F-4A0E-BAD3-A5D51C0E1EBE}"/>
+                  <a16:creationId xmlns:a16="http://schemas.microsoft.com/office/drawing/2014/main" xmlns="" id="{CD9846FC-755F-4A0E-BAD3-A5D51C0E1EBE}"/>
                 </a:ext>
               </a:extLst>
             </p:cNvPr>
@@ -18084,7 +18059,7 @@
             <a:blip r:embed="rId2" cstate="print">
               <a:extLst>
                 <a:ext uri="{28A0092B-C50C-407E-A947-70E740481C1C}">
-                  <a14:useLocalDpi xmlns="" xmlns:a14="http://schemas.microsoft.com/office/drawing/2010/main" val="0"/>
+                  <a14:useLocalDpi xmlns:a14="http://schemas.microsoft.com/office/drawing/2010/main" xmlns="" val="0"/>
                 </a:ext>
               </a:extLst>
             </a:blip>
@@ -18108,7 +18083,7 @@
           <p:cNvPr id="3" name="Group 54">
             <a:extLst>
               <a:ext uri="{FF2B5EF4-FFF2-40B4-BE49-F238E27FC236}">
-                <a16:creationId xmlns="" xmlns:a16="http://schemas.microsoft.com/office/drawing/2014/main" id="{F00A67C9-4929-4EFF-9CB6-292640CD2738}"/>
+                <a16:creationId xmlns:a16="http://schemas.microsoft.com/office/drawing/2014/main" xmlns="" id="{F00A67C9-4929-4EFF-9CB6-292640CD2738}"/>
               </a:ext>
             </a:extLst>
           </p:cNvPr>
@@ -18128,7 +18103,7 @@
             <p:cNvPr id="56" name="Rectangle 55">
               <a:extLst>
                 <a:ext uri="{FF2B5EF4-FFF2-40B4-BE49-F238E27FC236}">
-                  <a16:creationId xmlns="" xmlns:a16="http://schemas.microsoft.com/office/drawing/2014/main" id="{3E8CDB02-4760-4298-BC44-93A18EB02F13}"/>
+                  <a16:creationId xmlns:a16="http://schemas.microsoft.com/office/drawing/2014/main" xmlns="" id="{3E8CDB02-4760-4298-BC44-93A18EB02F13}"/>
                 </a:ext>
               </a:extLst>
             </p:cNvPr>
@@ -18189,7 +18164,7 @@
             <p:cNvPr id="57" name="Freeform: Shape 56">
               <a:extLst>
                 <a:ext uri="{FF2B5EF4-FFF2-40B4-BE49-F238E27FC236}">
-                  <a16:creationId xmlns="" xmlns:a16="http://schemas.microsoft.com/office/drawing/2014/main" id="{57C0FD50-5E69-463E-A01B-65E9D864A386}"/>
+                  <a16:creationId xmlns:a16="http://schemas.microsoft.com/office/drawing/2014/main" xmlns="" id="{57C0FD50-5E69-463E-A01B-65E9D864A386}"/>
                 </a:ext>
               </a:extLst>
             </p:cNvPr>
@@ -18296,7 +18271,7 @@
             <p:cNvPr id="58" name="TextBox 57">
               <a:extLst>
                 <a:ext uri="{FF2B5EF4-FFF2-40B4-BE49-F238E27FC236}">
-                  <a16:creationId xmlns="" xmlns:a16="http://schemas.microsoft.com/office/drawing/2014/main" id="{04CBFB1D-37FD-419F-B98C-860BF5217905}"/>
+                  <a16:creationId xmlns:a16="http://schemas.microsoft.com/office/drawing/2014/main" xmlns="" id="{04CBFB1D-37FD-419F-B98C-860BF5217905}"/>
                 </a:ext>
               </a:extLst>
             </p:cNvPr>
@@ -18343,7 +18318,7 @@
             <p:cNvPr id="59" name="Picture 58">
               <a:extLst>
                 <a:ext uri="{FF2B5EF4-FFF2-40B4-BE49-F238E27FC236}">
-                  <a16:creationId xmlns="" xmlns:a16="http://schemas.microsoft.com/office/drawing/2014/main" id="{60B383F7-52C5-4FB7-AEC3-35A48D7354A0}"/>
+                  <a16:creationId xmlns:a16="http://schemas.microsoft.com/office/drawing/2014/main" xmlns="" id="{60B383F7-52C5-4FB7-AEC3-35A48D7354A0}"/>
                 </a:ext>
               </a:extLst>
             </p:cNvPr>
@@ -18356,7 +18331,7 @@
             <a:blip r:embed="rId2" cstate="print">
               <a:extLst>
                 <a:ext uri="{28A0092B-C50C-407E-A947-70E740481C1C}">
-                  <a14:useLocalDpi xmlns="" xmlns:a14="http://schemas.microsoft.com/office/drawing/2010/main" val="0"/>
+                  <a14:useLocalDpi xmlns:a14="http://schemas.microsoft.com/office/drawing/2010/main" xmlns="" val="0"/>
                 </a:ext>
               </a:extLst>
             </a:blip>
@@ -18380,7 +18355,7 @@
           <p:cNvPr id="4" name="Group 59">
             <a:extLst>
               <a:ext uri="{FF2B5EF4-FFF2-40B4-BE49-F238E27FC236}">
-                <a16:creationId xmlns="" xmlns:a16="http://schemas.microsoft.com/office/drawing/2014/main" id="{6F7667A6-1C16-4F0A-A162-61BD16E6BE6B}"/>
+                <a16:creationId xmlns:a16="http://schemas.microsoft.com/office/drawing/2014/main" xmlns="" id="{6F7667A6-1C16-4F0A-A162-61BD16E6BE6B}"/>
               </a:ext>
             </a:extLst>
           </p:cNvPr>
@@ -18400,7 +18375,7 @@
             <p:cNvPr id="61" name="Rectangle 60">
               <a:extLst>
                 <a:ext uri="{FF2B5EF4-FFF2-40B4-BE49-F238E27FC236}">
-                  <a16:creationId xmlns="" xmlns:a16="http://schemas.microsoft.com/office/drawing/2014/main" id="{0E8C29A9-4AAB-442C-A7A4-40DCCE0A9694}"/>
+                  <a16:creationId xmlns:a16="http://schemas.microsoft.com/office/drawing/2014/main" xmlns="" id="{0E8C29A9-4AAB-442C-A7A4-40DCCE0A9694}"/>
                 </a:ext>
               </a:extLst>
             </p:cNvPr>
@@ -18461,7 +18436,7 @@
             <p:cNvPr id="62" name="Freeform: Shape 61">
               <a:extLst>
                 <a:ext uri="{FF2B5EF4-FFF2-40B4-BE49-F238E27FC236}">
-                  <a16:creationId xmlns="" xmlns:a16="http://schemas.microsoft.com/office/drawing/2014/main" id="{81520FE7-5699-4290-9C3C-51E0C60ECC6B}"/>
+                  <a16:creationId xmlns:a16="http://schemas.microsoft.com/office/drawing/2014/main" xmlns="" id="{81520FE7-5699-4290-9C3C-51E0C60ECC6B}"/>
                 </a:ext>
               </a:extLst>
             </p:cNvPr>
@@ -18568,7 +18543,7 @@
             <p:cNvPr id="63" name="TextBox 62">
               <a:extLst>
                 <a:ext uri="{FF2B5EF4-FFF2-40B4-BE49-F238E27FC236}">
-                  <a16:creationId xmlns="" xmlns:a16="http://schemas.microsoft.com/office/drawing/2014/main" id="{AFD50D6F-822B-4109-8B0C-BA004A0B7145}"/>
+                  <a16:creationId xmlns:a16="http://schemas.microsoft.com/office/drawing/2014/main" xmlns="" id="{AFD50D6F-822B-4109-8B0C-BA004A0B7145}"/>
                 </a:ext>
               </a:extLst>
             </p:cNvPr>
@@ -18615,7 +18590,7 @@
             <p:cNvPr id="64" name="Picture 63">
               <a:extLst>
                 <a:ext uri="{FF2B5EF4-FFF2-40B4-BE49-F238E27FC236}">
-                  <a16:creationId xmlns="" xmlns:a16="http://schemas.microsoft.com/office/drawing/2014/main" id="{0376C61F-147B-441E-B32E-45D5BC1B66B5}"/>
+                  <a16:creationId xmlns:a16="http://schemas.microsoft.com/office/drawing/2014/main" xmlns="" id="{0376C61F-147B-441E-B32E-45D5BC1B66B5}"/>
                 </a:ext>
               </a:extLst>
             </p:cNvPr>
@@ -18628,7 +18603,7 @@
             <a:blip r:embed="rId2" cstate="print">
               <a:extLst>
                 <a:ext uri="{28A0092B-C50C-407E-A947-70E740481C1C}">
-                  <a14:useLocalDpi xmlns="" xmlns:a14="http://schemas.microsoft.com/office/drawing/2010/main" val="0"/>
+                  <a14:useLocalDpi xmlns:a14="http://schemas.microsoft.com/office/drawing/2010/main" xmlns="" val="0"/>
                 </a:ext>
               </a:extLst>
             </a:blip>
@@ -18652,7 +18627,7 @@
           <p:cNvPr id="5" name="Group 94">
             <a:extLst>
               <a:ext uri="{FF2B5EF4-FFF2-40B4-BE49-F238E27FC236}">
-                <a16:creationId xmlns="" xmlns:a16="http://schemas.microsoft.com/office/drawing/2014/main" id="{4E70D3F9-D583-4ACD-8480-0F4A65ED3C83}"/>
+                <a16:creationId xmlns:a16="http://schemas.microsoft.com/office/drawing/2014/main" xmlns="" id="{4E70D3F9-D583-4ACD-8480-0F4A65ED3C83}"/>
               </a:ext>
             </a:extLst>
           </p:cNvPr>
@@ -18672,7 +18647,7 @@
             <p:cNvPr id="96" name="Rectangle 95">
               <a:extLst>
                 <a:ext uri="{FF2B5EF4-FFF2-40B4-BE49-F238E27FC236}">
-                  <a16:creationId xmlns="" xmlns:a16="http://schemas.microsoft.com/office/drawing/2014/main" id="{321108FC-08B5-45CC-AB47-1104119B25FD}"/>
+                  <a16:creationId xmlns:a16="http://schemas.microsoft.com/office/drawing/2014/main" xmlns="" id="{321108FC-08B5-45CC-AB47-1104119B25FD}"/>
                 </a:ext>
               </a:extLst>
             </p:cNvPr>
@@ -18733,7 +18708,7 @@
             <p:cNvPr id="97" name="Freeform: Shape 96">
               <a:extLst>
                 <a:ext uri="{FF2B5EF4-FFF2-40B4-BE49-F238E27FC236}">
-                  <a16:creationId xmlns="" xmlns:a16="http://schemas.microsoft.com/office/drawing/2014/main" id="{96A47C8C-7F88-484E-817B-572BEDC2BC69}"/>
+                  <a16:creationId xmlns:a16="http://schemas.microsoft.com/office/drawing/2014/main" xmlns="" id="{96A47C8C-7F88-484E-817B-572BEDC2BC69}"/>
                 </a:ext>
               </a:extLst>
             </p:cNvPr>
@@ -18840,7 +18815,7 @@
             <p:cNvPr id="98" name="TextBox 97">
               <a:extLst>
                 <a:ext uri="{FF2B5EF4-FFF2-40B4-BE49-F238E27FC236}">
-                  <a16:creationId xmlns="" xmlns:a16="http://schemas.microsoft.com/office/drawing/2014/main" id="{E3DB5570-AC77-4396-9748-4183DF7C8396}"/>
+                  <a16:creationId xmlns:a16="http://schemas.microsoft.com/office/drawing/2014/main" xmlns="" id="{E3DB5570-AC77-4396-9748-4183DF7C8396}"/>
                 </a:ext>
               </a:extLst>
             </p:cNvPr>
@@ -18887,7 +18862,7 @@
             <p:cNvPr id="99" name="Picture 98">
               <a:extLst>
                 <a:ext uri="{FF2B5EF4-FFF2-40B4-BE49-F238E27FC236}">
-                  <a16:creationId xmlns="" xmlns:a16="http://schemas.microsoft.com/office/drawing/2014/main" id="{F6ED4041-CDD9-443D-802E-47D4387906FA}"/>
+                  <a16:creationId xmlns:a16="http://schemas.microsoft.com/office/drawing/2014/main" xmlns="" id="{F6ED4041-CDD9-443D-802E-47D4387906FA}"/>
                 </a:ext>
               </a:extLst>
             </p:cNvPr>
@@ -18900,7 +18875,7 @@
             <a:blip r:embed="rId2" cstate="print">
               <a:extLst>
                 <a:ext uri="{28A0092B-C50C-407E-A947-70E740481C1C}">
-                  <a14:useLocalDpi xmlns="" xmlns:a14="http://schemas.microsoft.com/office/drawing/2010/main" val="0"/>
+                  <a14:useLocalDpi xmlns:a14="http://schemas.microsoft.com/office/drawing/2010/main" xmlns="" val="0"/>
                 </a:ext>
               </a:extLst>
             </a:blip>
@@ -18924,7 +18899,7 @@
           <p:cNvPr id="70" name="Rectangle 69">
             <a:extLst>
               <a:ext uri="{FF2B5EF4-FFF2-40B4-BE49-F238E27FC236}">
-                <a16:creationId xmlns="" xmlns:a16="http://schemas.microsoft.com/office/drawing/2014/main" id="{990CE96C-B0E8-49CB-B717-EBFFECB66027}"/>
+                <a16:creationId xmlns:a16="http://schemas.microsoft.com/office/drawing/2014/main" xmlns="" id="{990CE96C-B0E8-49CB-B717-EBFFECB66027}"/>
               </a:ext>
             </a:extLst>
           </p:cNvPr>
@@ -18985,7 +18960,7 @@
           <p:cNvPr id="6" name="Group 70">
             <a:extLst>
               <a:ext uri="{FF2B5EF4-FFF2-40B4-BE49-F238E27FC236}">
-                <a16:creationId xmlns="" xmlns:a16="http://schemas.microsoft.com/office/drawing/2014/main" id="{E7044FAB-DB4A-4E59-B111-8CA4168E7FA4}"/>
+                <a16:creationId xmlns:a16="http://schemas.microsoft.com/office/drawing/2014/main" xmlns="" id="{E7044FAB-DB4A-4E59-B111-8CA4168E7FA4}"/>
               </a:ext>
             </a:extLst>
           </p:cNvPr>
@@ -19005,7 +18980,7 @@
             <p:cNvPr id="72" name="Rectangle 71">
               <a:extLst>
                 <a:ext uri="{FF2B5EF4-FFF2-40B4-BE49-F238E27FC236}">
-                  <a16:creationId xmlns="" xmlns:a16="http://schemas.microsoft.com/office/drawing/2014/main" id="{824F072A-08CC-4CC6-B5EF-C1833A244FA3}"/>
+                  <a16:creationId xmlns:a16="http://schemas.microsoft.com/office/drawing/2014/main" xmlns="" id="{824F072A-08CC-4CC6-B5EF-C1833A244FA3}"/>
                 </a:ext>
               </a:extLst>
             </p:cNvPr>
@@ -19066,7 +19041,7 @@
             <p:cNvPr id="73" name="Freeform: Shape 72">
               <a:extLst>
                 <a:ext uri="{FF2B5EF4-FFF2-40B4-BE49-F238E27FC236}">
-                  <a16:creationId xmlns="" xmlns:a16="http://schemas.microsoft.com/office/drawing/2014/main" id="{A3C6C4A9-8B6A-429B-980E-26CD0C3A573E}"/>
+                  <a16:creationId xmlns:a16="http://schemas.microsoft.com/office/drawing/2014/main" xmlns="" id="{A3C6C4A9-8B6A-429B-980E-26CD0C3A573E}"/>
                 </a:ext>
               </a:extLst>
             </p:cNvPr>
@@ -19173,7 +19148,7 @@
             <p:cNvPr id="74" name="TextBox 73">
               <a:extLst>
                 <a:ext uri="{FF2B5EF4-FFF2-40B4-BE49-F238E27FC236}">
-                  <a16:creationId xmlns="" xmlns:a16="http://schemas.microsoft.com/office/drawing/2014/main" id="{858AC381-BFD1-4A89-AE49-8ADC853A6849}"/>
+                  <a16:creationId xmlns:a16="http://schemas.microsoft.com/office/drawing/2014/main" xmlns="" id="{858AC381-BFD1-4A89-AE49-8ADC853A6849}"/>
                 </a:ext>
               </a:extLst>
             </p:cNvPr>
@@ -19220,7 +19195,7 @@
             <p:cNvPr id="75" name="Picture 74">
               <a:extLst>
                 <a:ext uri="{FF2B5EF4-FFF2-40B4-BE49-F238E27FC236}">
-                  <a16:creationId xmlns="" xmlns:a16="http://schemas.microsoft.com/office/drawing/2014/main" id="{9DF2E944-82FA-495B-8A5C-9BDE26355383}"/>
+                  <a16:creationId xmlns:a16="http://schemas.microsoft.com/office/drawing/2014/main" xmlns="" id="{9DF2E944-82FA-495B-8A5C-9BDE26355383}"/>
                 </a:ext>
               </a:extLst>
             </p:cNvPr>
@@ -19233,7 +19208,7 @@
             <a:blip r:embed="rId2" cstate="print">
               <a:extLst>
                 <a:ext uri="{28A0092B-C50C-407E-A947-70E740481C1C}">
-                  <a14:useLocalDpi xmlns="" xmlns:a14="http://schemas.microsoft.com/office/drawing/2010/main" val="0"/>
+                  <a14:useLocalDpi xmlns:a14="http://schemas.microsoft.com/office/drawing/2010/main" xmlns="" val="0"/>
                 </a:ext>
               </a:extLst>
             </a:blip>
@@ -19257,7 +19232,7 @@
           <p:cNvPr id="7" name="Group 75">
             <a:extLst>
               <a:ext uri="{FF2B5EF4-FFF2-40B4-BE49-F238E27FC236}">
-                <a16:creationId xmlns="" xmlns:a16="http://schemas.microsoft.com/office/drawing/2014/main" id="{60E31D48-090A-4A9C-AF5C-4B0C49C47C7D}"/>
+                <a16:creationId xmlns:a16="http://schemas.microsoft.com/office/drawing/2014/main" xmlns="" id="{60E31D48-090A-4A9C-AF5C-4B0C49C47C7D}"/>
               </a:ext>
             </a:extLst>
           </p:cNvPr>
@@ -19277,7 +19252,7 @@
             <p:cNvPr id="77" name="Rectangle 76">
               <a:extLst>
                 <a:ext uri="{FF2B5EF4-FFF2-40B4-BE49-F238E27FC236}">
-                  <a16:creationId xmlns="" xmlns:a16="http://schemas.microsoft.com/office/drawing/2014/main" id="{3A79A714-CB74-4EFD-9BC1-A7F2F993842A}"/>
+                  <a16:creationId xmlns:a16="http://schemas.microsoft.com/office/drawing/2014/main" xmlns="" id="{3A79A714-CB74-4EFD-9BC1-A7F2F993842A}"/>
                 </a:ext>
               </a:extLst>
             </p:cNvPr>
@@ -19338,7 +19313,7 @@
             <p:cNvPr id="78" name="Freeform: Shape 77">
               <a:extLst>
                 <a:ext uri="{FF2B5EF4-FFF2-40B4-BE49-F238E27FC236}">
-                  <a16:creationId xmlns="" xmlns:a16="http://schemas.microsoft.com/office/drawing/2014/main" id="{B006C60A-833A-41C2-A553-8132E7B3A7DB}"/>
+                  <a16:creationId xmlns:a16="http://schemas.microsoft.com/office/drawing/2014/main" xmlns="" id="{B006C60A-833A-41C2-A553-8132E7B3A7DB}"/>
                 </a:ext>
               </a:extLst>
             </p:cNvPr>
@@ -19445,7 +19420,7 @@
             <p:cNvPr id="79" name="TextBox 78">
               <a:extLst>
                 <a:ext uri="{FF2B5EF4-FFF2-40B4-BE49-F238E27FC236}">
-                  <a16:creationId xmlns="" xmlns:a16="http://schemas.microsoft.com/office/drawing/2014/main" id="{95AECC6C-A520-4756-9163-08D14835D791}"/>
+                  <a16:creationId xmlns:a16="http://schemas.microsoft.com/office/drawing/2014/main" xmlns="" id="{95AECC6C-A520-4756-9163-08D14835D791}"/>
                 </a:ext>
               </a:extLst>
             </p:cNvPr>
@@ -19492,7 +19467,7 @@
             <p:cNvPr id="80" name="Picture 79">
               <a:extLst>
                 <a:ext uri="{FF2B5EF4-FFF2-40B4-BE49-F238E27FC236}">
-                  <a16:creationId xmlns="" xmlns:a16="http://schemas.microsoft.com/office/drawing/2014/main" id="{0F8A56B9-A504-4035-8439-53ED4617B8B4}"/>
+                  <a16:creationId xmlns:a16="http://schemas.microsoft.com/office/drawing/2014/main" xmlns="" id="{0F8A56B9-A504-4035-8439-53ED4617B8B4}"/>
                 </a:ext>
               </a:extLst>
             </p:cNvPr>
@@ -19505,7 +19480,7 @@
             <a:blip r:embed="rId2" cstate="print">
               <a:extLst>
                 <a:ext uri="{28A0092B-C50C-407E-A947-70E740481C1C}">
-                  <a14:useLocalDpi xmlns="" xmlns:a14="http://schemas.microsoft.com/office/drawing/2010/main" val="0"/>
+                  <a14:useLocalDpi xmlns:a14="http://schemas.microsoft.com/office/drawing/2010/main" xmlns="" val="0"/>
                 </a:ext>
               </a:extLst>
             </a:blip>
@@ -19540,7 +19515,7 @@
         </p:blipFill>
         <p:spPr>
           <a:xfrm>
-            <a:off x="3296589" y="427505"/>
+            <a:off x="3020823" y="427505"/>
             <a:ext cx="4303421" cy="554690"/>
           </a:xfrm>
           <a:prstGeom prst="rect">
@@ -19564,7 +19539,7 @@
         </p:blipFill>
         <p:spPr>
           <a:xfrm>
-            <a:off x="3145723" y="1476782"/>
+            <a:off x="2898985" y="1476782"/>
             <a:ext cx="4528954" cy="627836"/>
           </a:xfrm>
           <a:prstGeom prst="rect">
@@ -19580,7 +19555,7 @@
         </p:nvSpPr>
         <p:spPr>
           <a:xfrm>
-            <a:off x="5238750" y="1085850"/>
+            <a:off x="4992012" y="1085850"/>
             <a:ext cx="342900" cy="381000"/>
           </a:xfrm>
           <a:prstGeom prst="downArrow">
@@ -19623,7 +19598,7 @@
         </p:nvSpPr>
         <p:spPr>
           <a:xfrm>
-            <a:off x="5238750" y="2105478"/>
+            <a:off x="5050068" y="2105478"/>
             <a:ext cx="342900" cy="381000"/>
           </a:xfrm>
           <a:prstGeom prst="downArrow">
@@ -19660,7 +19635,7 @@
       </p:sp>
       <p:pic>
         <p:nvPicPr>
-          <p:cNvPr id="40" name="Picture 39" descr="1nf.png"/>
+          <p:cNvPr id="38" name="Picture 37" descr="1nfdata.png"/>
           <p:cNvPicPr>
             <a:picLocks noChangeAspect="1"/>
           </p:cNvPicPr>
@@ -19674,8 +19649,8 @@
         </p:blipFill>
         <p:spPr>
           <a:xfrm>
-            <a:off x="1563349" y="2546078"/>
-            <a:ext cx="7797305" cy="3245121"/>
+            <a:off x="1705494" y="2510971"/>
+            <a:ext cx="7738671" cy="4165574"/>
           </a:xfrm>
           <a:prstGeom prst="rect">
             <a:avLst/>
@@ -19685,7 +19660,7 @@
     </p:spTree>
     <p:extLst>
       <p:ext uri="{BB962C8B-B14F-4D97-AF65-F5344CB8AC3E}">
-        <p14:creationId xmlns="" xmlns:p14="http://schemas.microsoft.com/office/powerpoint/2010/main" val="3965200575"/>
+        <p14:creationId xmlns:p14="http://schemas.microsoft.com/office/powerpoint/2010/main" xmlns="" val="3965200575"/>
       </p:ext>
     </p:extLst>
   </p:cSld>
@@ -19885,50 +19860,6 @@
                             </p:childTnLst>
                           </p:cTn>
                         </p:par>
-                        <p:par>
-                          <p:cTn id="20" fill="hold">
-                            <p:stCondLst>
-                              <p:cond delay="5000"/>
-                            </p:stCondLst>
-                            <p:childTnLst>
-                              <p:par>
-                                <p:cTn id="21" presetID="10" presetClass="entr" presetSubtype="0" fill="hold" nodeType="afterEffect">
-                                  <p:stCondLst>
-                                    <p:cond delay="0"/>
-                                  </p:stCondLst>
-                                  <p:childTnLst>
-                                    <p:set>
-                                      <p:cBhvr>
-                                        <p:cTn id="22" dur="1" fill="hold">
-                                          <p:stCondLst>
-                                            <p:cond delay="0"/>
-                                          </p:stCondLst>
-                                        </p:cTn>
-                                        <p:tgtEl>
-                                          <p:spTgt spid="40"/>
-                                        </p:tgtEl>
-                                        <p:attrNameLst>
-                                          <p:attrName>style.visibility</p:attrName>
-                                        </p:attrNameLst>
-                                      </p:cBhvr>
-                                      <p:to>
-                                        <p:strVal val="visible"/>
-                                      </p:to>
-                                    </p:set>
-                                    <p:animEffect transition="in" filter="fade">
-                                      <p:cBhvr>
-                                        <p:cTn id="23" dur="2000"/>
-                                        <p:tgtEl>
-                                          <p:spTgt spid="40"/>
-                                        </p:tgtEl>
-                                      </p:cBhvr>
-                                    </p:animEffect>
-                                  </p:childTnLst>
-                                </p:cTn>
-                              </p:par>
-                            </p:childTnLst>
-                          </p:cTn>
-                        </p:par>
                       </p:childTnLst>
                     </p:cTn>
                   </p:par>
@@ -19983,7 +19914,7 @@
           <p:cNvPr id="50" name="Group 49">
             <a:extLst>
               <a:ext uri="{FF2B5EF4-FFF2-40B4-BE49-F238E27FC236}">
-                <a16:creationId xmlns="" xmlns:a16="http://schemas.microsoft.com/office/drawing/2014/main" id="{10781169-B7A4-446E-BD33-B9650367A7F9}"/>
+                <a16:creationId xmlns:a16="http://schemas.microsoft.com/office/drawing/2014/main" xmlns="" id="{10781169-B7A4-446E-BD33-B9650367A7F9}"/>
               </a:ext>
             </a:extLst>
           </p:cNvPr>
@@ -20003,7 +19934,7 @@
             <p:cNvPr id="51" name="Rectangle 50">
               <a:extLst>
                 <a:ext uri="{FF2B5EF4-FFF2-40B4-BE49-F238E27FC236}">
-                  <a16:creationId xmlns="" xmlns:a16="http://schemas.microsoft.com/office/drawing/2014/main" id="{CED3AF08-30FC-4AFF-9C5C-99D0A7099514}"/>
+                  <a16:creationId xmlns:a16="http://schemas.microsoft.com/office/drawing/2014/main" xmlns="" id="{CED3AF08-30FC-4AFF-9C5C-99D0A7099514}"/>
                 </a:ext>
               </a:extLst>
             </p:cNvPr>
@@ -20064,7 +19995,7 @@
             <p:cNvPr id="52" name="Freeform: Shape 51">
               <a:extLst>
                 <a:ext uri="{FF2B5EF4-FFF2-40B4-BE49-F238E27FC236}">
-                  <a16:creationId xmlns="" xmlns:a16="http://schemas.microsoft.com/office/drawing/2014/main" id="{99AF1FBA-9557-484A-B305-EE590A192E96}"/>
+                  <a16:creationId xmlns:a16="http://schemas.microsoft.com/office/drawing/2014/main" xmlns="" id="{99AF1FBA-9557-484A-B305-EE590A192E96}"/>
                 </a:ext>
               </a:extLst>
             </p:cNvPr>
@@ -20171,7 +20102,7 @@
             <p:cNvPr id="53" name="TextBox 52">
               <a:extLst>
                 <a:ext uri="{FF2B5EF4-FFF2-40B4-BE49-F238E27FC236}">
-                  <a16:creationId xmlns="" xmlns:a16="http://schemas.microsoft.com/office/drawing/2014/main" id="{407E3AA2-679E-4924-AC1B-FE6C3A02C251}"/>
+                  <a16:creationId xmlns:a16="http://schemas.microsoft.com/office/drawing/2014/main" xmlns="" id="{407E3AA2-679E-4924-AC1B-FE6C3A02C251}"/>
                 </a:ext>
               </a:extLst>
             </p:cNvPr>
@@ -20212,7 +20143,7 @@
             <p:cNvPr id="54" name="Picture 53">
               <a:extLst>
                 <a:ext uri="{FF2B5EF4-FFF2-40B4-BE49-F238E27FC236}">
-                  <a16:creationId xmlns="" xmlns:a16="http://schemas.microsoft.com/office/drawing/2014/main" id="{CD9846FC-755F-4A0E-BAD3-A5D51C0E1EBE}"/>
+                  <a16:creationId xmlns:a16="http://schemas.microsoft.com/office/drawing/2014/main" xmlns="" id="{CD9846FC-755F-4A0E-BAD3-A5D51C0E1EBE}"/>
                 </a:ext>
               </a:extLst>
             </p:cNvPr>
@@ -20225,7 +20156,7 @@
             <a:blip r:embed="rId2" cstate="print">
               <a:extLst>
                 <a:ext uri="{28A0092B-C50C-407E-A947-70E740481C1C}">
-                  <a14:useLocalDpi xmlns="" xmlns:a14="http://schemas.microsoft.com/office/drawing/2010/main" val="0"/>
+                  <a14:useLocalDpi xmlns:a14="http://schemas.microsoft.com/office/drawing/2010/main" xmlns="" val="0"/>
                 </a:ext>
               </a:extLst>
             </a:blip>
@@ -20249,7 +20180,7 @@
           <p:cNvPr id="55" name="Group 54">
             <a:extLst>
               <a:ext uri="{FF2B5EF4-FFF2-40B4-BE49-F238E27FC236}">
-                <a16:creationId xmlns="" xmlns:a16="http://schemas.microsoft.com/office/drawing/2014/main" id="{F00A67C9-4929-4EFF-9CB6-292640CD2738}"/>
+                <a16:creationId xmlns:a16="http://schemas.microsoft.com/office/drawing/2014/main" xmlns="" id="{F00A67C9-4929-4EFF-9CB6-292640CD2738}"/>
               </a:ext>
             </a:extLst>
           </p:cNvPr>
@@ -20269,7 +20200,7 @@
             <p:cNvPr id="56" name="Rectangle 55">
               <a:extLst>
                 <a:ext uri="{FF2B5EF4-FFF2-40B4-BE49-F238E27FC236}">
-                  <a16:creationId xmlns="" xmlns:a16="http://schemas.microsoft.com/office/drawing/2014/main" id="{3E8CDB02-4760-4298-BC44-93A18EB02F13}"/>
+                  <a16:creationId xmlns:a16="http://schemas.microsoft.com/office/drawing/2014/main" xmlns="" id="{3E8CDB02-4760-4298-BC44-93A18EB02F13}"/>
                 </a:ext>
               </a:extLst>
             </p:cNvPr>
@@ -20330,7 +20261,7 @@
             <p:cNvPr id="57" name="Freeform: Shape 56">
               <a:extLst>
                 <a:ext uri="{FF2B5EF4-FFF2-40B4-BE49-F238E27FC236}">
-                  <a16:creationId xmlns="" xmlns:a16="http://schemas.microsoft.com/office/drawing/2014/main" id="{57C0FD50-5E69-463E-A01B-65E9D864A386}"/>
+                  <a16:creationId xmlns:a16="http://schemas.microsoft.com/office/drawing/2014/main" xmlns="" id="{57C0FD50-5E69-463E-A01B-65E9D864A386}"/>
                 </a:ext>
               </a:extLst>
             </p:cNvPr>
@@ -20437,7 +20368,7 @@
             <p:cNvPr id="58" name="TextBox 57">
               <a:extLst>
                 <a:ext uri="{FF2B5EF4-FFF2-40B4-BE49-F238E27FC236}">
-                  <a16:creationId xmlns="" xmlns:a16="http://schemas.microsoft.com/office/drawing/2014/main" id="{04CBFB1D-37FD-419F-B98C-860BF5217905}"/>
+                  <a16:creationId xmlns:a16="http://schemas.microsoft.com/office/drawing/2014/main" xmlns="" id="{04CBFB1D-37FD-419F-B98C-860BF5217905}"/>
                 </a:ext>
               </a:extLst>
             </p:cNvPr>
@@ -20484,7 +20415,7 @@
             <p:cNvPr id="59" name="Picture 58">
               <a:extLst>
                 <a:ext uri="{FF2B5EF4-FFF2-40B4-BE49-F238E27FC236}">
-                  <a16:creationId xmlns="" xmlns:a16="http://schemas.microsoft.com/office/drawing/2014/main" id="{60B383F7-52C5-4FB7-AEC3-35A48D7354A0}"/>
+                  <a16:creationId xmlns:a16="http://schemas.microsoft.com/office/drawing/2014/main" xmlns="" id="{60B383F7-52C5-4FB7-AEC3-35A48D7354A0}"/>
                 </a:ext>
               </a:extLst>
             </p:cNvPr>
@@ -20497,7 +20428,7 @@
             <a:blip r:embed="rId2" cstate="print">
               <a:extLst>
                 <a:ext uri="{28A0092B-C50C-407E-A947-70E740481C1C}">
-                  <a14:useLocalDpi xmlns="" xmlns:a14="http://schemas.microsoft.com/office/drawing/2010/main" val="0"/>
+                  <a14:useLocalDpi xmlns:a14="http://schemas.microsoft.com/office/drawing/2010/main" xmlns="" val="0"/>
                 </a:ext>
               </a:extLst>
             </a:blip>
@@ -20521,7 +20452,7 @@
           <p:cNvPr id="60" name="Group 59">
             <a:extLst>
               <a:ext uri="{FF2B5EF4-FFF2-40B4-BE49-F238E27FC236}">
-                <a16:creationId xmlns="" xmlns:a16="http://schemas.microsoft.com/office/drawing/2014/main" id="{6F7667A6-1C16-4F0A-A162-61BD16E6BE6B}"/>
+                <a16:creationId xmlns:a16="http://schemas.microsoft.com/office/drawing/2014/main" xmlns="" id="{6F7667A6-1C16-4F0A-A162-61BD16E6BE6B}"/>
               </a:ext>
             </a:extLst>
           </p:cNvPr>
@@ -20541,7 +20472,7 @@
             <p:cNvPr id="61" name="Rectangle 60">
               <a:extLst>
                 <a:ext uri="{FF2B5EF4-FFF2-40B4-BE49-F238E27FC236}">
-                  <a16:creationId xmlns="" xmlns:a16="http://schemas.microsoft.com/office/drawing/2014/main" id="{0E8C29A9-4AAB-442C-A7A4-40DCCE0A9694}"/>
+                  <a16:creationId xmlns:a16="http://schemas.microsoft.com/office/drawing/2014/main" xmlns="" id="{0E8C29A9-4AAB-442C-A7A4-40DCCE0A9694}"/>
                 </a:ext>
               </a:extLst>
             </p:cNvPr>
@@ -20602,7 +20533,7 @@
             <p:cNvPr id="62" name="Freeform: Shape 61">
               <a:extLst>
                 <a:ext uri="{FF2B5EF4-FFF2-40B4-BE49-F238E27FC236}">
-                  <a16:creationId xmlns="" xmlns:a16="http://schemas.microsoft.com/office/drawing/2014/main" id="{81520FE7-5699-4290-9C3C-51E0C60ECC6B}"/>
+                  <a16:creationId xmlns:a16="http://schemas.microsoft.com/office/drawing/2014/main" xmlns="" id="{81520FE7-5699-4290-9C3C-51E0C60ECC6B}"/>
                 </a:ext>
               </a:extLst>
             </p:cNvPr>
@@ -20709,7 +20640,7 @@
             <p:cNvPr id="63" name="TextBox 62">
               <a:extLst>
                 <a:ext uri="{FF2B5EF4-FFF2-40B4-BE49-F238E27FC236}">
-                  <a16:creationId xmlns="" xmlns:a16="http://schemas.microsoft.com/office/drawing/2014/main" id="{AFD50D6F-822B-4109-8B0C-BA004A0B7145}"/>
+                  <a16:creationId xmlns:a16="http://schemas.microsoft.com/office/drawing/2014/main" xmlns="" id="{AFD50D6F-822B-4109-8B0C-BA004A0B7145}"/>
                 </a:ext>
               </a:extLst>
             </p:cNvPr>
@@ -20750,7 +20681,7 @@
             <p:cNvPr id="64" name="Picture 63">
               <a:extLst>
                 <a:ext uri="{FF2B5EF4-FFF2-40B4-BE49-F238E27FC236}">
-                  <a16:creationId xmlns="" xmlns:a16="http://schemas.microsoft.com/office/drawing/2014/main" id="{0376C61F-147B-441E-B32E-45D5BC1B66B5}"/>
+                  <a16:creationId xmlns:a16="http://schemas.microsoft.com/office/drawing/2014/main" xmlns="" id="{0376C61F-147B-441E-B32E-45D5BC1B66B5}"/>
                 </a:ext>
               </a:extLst>
             </p:cNvPr>
@@ -20763,7 +20694,7 @@
             <a:blip r:embed="rId2" cstate="print">
               <a:extLst>
                 <a:ext uri="{28A0092B-C50C-407E-A947-70E740481C1C}">
-                  <a14:useLocalDpi xmlns="" xmlns:a14="http://schemas.microsoft.com/office/drawing/2010/main" val="0"/>
+                  <a14:useLocalDpi xmlns:a14="http://schemas.microsoft.com/office/drawing/2010/main" xmlns="" val="0"/>
                 </a:ext>
               </a:extLst>
             </a:blip>
@@ -20787,7 +20718,7 @@
           <p:cNvPr id="70" name="Rectangle 69">
             <a:extLst>
               <a:ext uri="{FF2B5EF4-FFF2-40B4-BE49-F238E27FC236}">
-                <a16:creationId xmlns="" xmlns:a16="http://schemas.microsoft.com/office/drawing/2014/main" id="{990CE96C-B0E8-49CB-B717-EBFFECB66027}"/>
+                <a16:creationId xmlns:a16="http://schemas.microsoft.com/office/drawing/2014/main" xmlns="" id="{990CE96C-B0E8-49CB-B717-EBFFECB66027}"/>
               </a:ext>
             </a:extLst>
           </p:cNvPr>
@@ -20848,7 +20779,7 @@
           <p:cNvPr id="95" name="Group 94">
             <a:extLst>
               <a:ext uri="{FF2B5EF4-FFF2-40B4-BE49-F238E27FC236}">
-                <a16:creationId xmlns="" xmlns:a16="http://schemas.microsoft.com/office/drawing/2014/main" id="{4E70D3F9-D583-4ACD-8480-0F4A65ED3C83}"/>
+                <a16:creationId xmlns:a16="http://schemas.microsoft.com/office/drawing/2014/main" xmlns="" id="{4E70D3F9-D583-4ACD-8480-0F4A65ED3C83}"/>
               </a:ext>
             </a:extLst>
           </p:cNvPr>
@@ -20868,7 +20799,7 @@
             <p:cNvPr id="96" name="Rectangle 95">
               <a:extLst>
                 <a:ext uri="{FF2B5EF4-FFF2-40B4-BE49-F238E27FC236}">
-                  <a16:creationId xmlns="" xmlns:a16="http://schemas.microsoft.com/office/drawing/2014/main" id="{321108FC-08B5-45CC-AB47-1104119B25FD}"/>
+                  <a16:creationId xmlns:a16="http://schemas.microsoft.com/office/drawing/2014/main" xmlns="" id="{321108FC-08B5-45CC-AB47-1104119B25FD}"/>
                 </a:ext>
               </a:extLst>
             </p:cNvPr>
@@ -20929,7 +20860,7 @@
             <p:cNvPr id="97" name="Freeform: Shape 96">
               <a:extLst>
                 <a:ext uri="{FF2B5EF4-FFF2-40B4-BE49-F238E27FC236}">
-                  <a16:creationId xmlns="" xmlns:a16="http://schemas.microsoft.com/office/drawing/2014/main" id="{96A47C8C-7F88-484E-817B-572BEDC2BC69}"/>
+                  <a16:creationId xmlns:a16="http://schemas.microsoft.com/office/drawing/2014/main" xmlns="" id="{96A47C8C-7F88-484E-817B-572BEDC2BC69}"/>
                 </a:ext>
               </a:extLst>
             </p:cNvPr>
@@ -21036,7 +20967,7 @@
             <p:cNvPr id="98" name="TextBox 97">
               <a:extLst>
                 <a:ext uri="{FF2B5EF4-FFF2-40B4-BE49-F238E27FC236}">
-                  <a16:creationId xmlns="" xmlns:a16="http://schemas.microsoft.com/office/drawing/2014/main" id="{E3DB5570-AC77-4396-9748-4183DF7C8396}"/>
+                  <a16:creationId xmlns:a16="http://schemas.microsoft.com/office/drawing/2014/main" xmlns="" id="{E3DB5570-AC77-4396-9748-4183DF7C8396}"/>
                 </a:ext>
               </a:extLst>
             </p:cNvPr>
@@ -21083,7 +21014,7 @@
             <p:cNvPr id="99" name="Picture 98">
               <a:extLst>
                 <a:ext uri="{FF2B5EF4-FFF2-40B4-BE49-F238E27FC236}">
-                  <a16:creationId xmlns="" xmlns:a16="http://schemas.microsoft.com/office/drawing/2014/main" id="{F6ED4041-CDD9-443D-802E-47D4387906FA}"/>
+                  <a16:creationId xmlns:a16="http://schemas.microsoft.com/office/drawing/2014/main" xmlns="" id="{F6ED4041-CDD9-443D-802E-47D4387906FA}"/>
                 </a:ext>
               </a:extLst>
             </p:cNvPr>
@@ -21096,7 +21027,7 @@
             <a:blip r:embed="rId2" cstate="print">
               <a:extLst>
                 <a:ext uri="{28A0092B-C50C-407E-A947-70E740481C1C}">
-                  <a14:useLocalDpi xmlns="" xmlns:a14="http://schemas.microsoft.com/office/drawing/2010/main" val="0"/>
+                  <a14:useLocalDpi xmlns:a14="http://schemas.microsoft.com/office/drawing/2010/main" xmlns="" val="0"/>
                 </a:ext>
               </a:extLst>
             </a:blip>
@@ -21120,7 +21051,7 @@
           <p:cNvPr id="71" name="Group 70">
             <a:extLst>
               <a:ext uri="{FF2B5EF4-FFF2-40B4-BE49-F238E27FC236}">
-                <a16:creationId xmlns="" xmlns:a16="http://schemas.microsoft.com/office/drawing/2014/main" id="{E7044FAB-DB4A-4E59-B111-8CA4168E7FA4}"/>
+                <a16:creationId xmlns:a16="http://schemas.microsoft.com/office/drawing/2014/main" xmlns="" id="{E7044FAB-DB4A-4E59-B111-8CA4168E7FA4}"/>
               </a:ext>
             </a:extLst>
           </p:cNvPr>
@@ -21140,7 +21071,7 @@
             <p:cNvPr id="72" name="Rectangle 71">
               <a:extLst>
                 <a:ext uri="{FF2B5EF4-FFF2-40B4-BE49-F238E27FC236}">
-                  <a16:creationId xmlns="" xmlns:a16="http://schemas.microsoft.com/office/drawing/2014/main" id="{824F072A-08CC-4CC6-B5EF-C1833A244FA3}"/>
+                  <a16:creationId xmlns:a16="http://schemas.microsoft.com/office/drawing/2014/main" xmlns="" id="{824F072A-08CC-4CC6-B5EF-C1833A244FA3}"/>
                 </a:ext>
               </a:extLst>
             </p:cNvPr>
@@ -21201,7 +21132,7 @@
             <p:cNvPr id="73" name="Freeform: Shape 72">
               <a:extLst>
                 <a:ext uri="{FF2B5EF4-FFF2-40B4-BE49-F238E27FC236}">
-                  <a16:creationId xmlns="" xmlns:a16="http://schemas.microsoft.com/office/drawing/2014/main" id="{A3C6C4A9-8B6A-429B-980E-26CD0C3A573E}"/>
+                  <a16:creationId xmlns:a16="http://schemas.microsoft.com/office/drawing/2014/main" xmlns="" id="{A3C6C4A9-8B6A-429B-980E-26CD0C3A573E}"/>
                 </a:ext>
               </a:extLst>
             </p:cNvPr>
@@ -21308,7 +21239,7 @@
             <p:cNvPr id="74" name="TextBox 73">
               <a:extLst>
                 <a:ext uri="{FF2B5EF4-FFF2-40B4-BE49-F238E27FC236}">
-                  <a16:creationId xmlns="" xmlns:a16="http://schemas.microsoft.com/office/drawing/2014/main" id="{858AC381-BFD1-4A89-AE49-8ADC853A6849}"/>
+                  <a16:creationId xmlns:a16="http://schemas.microsoft.com/office/drawing/2014/main" xmlns="" id="{858AC381-BFD1-4A89-AE49-8ADC853A6849}"/>
                 </a:ext>
               </a:extLst>
             </p:cNvPr>
@@ -21355,7 +21286,7 @@
             <p:cNvPr id="75" name="Picture 74">
               <a:extLst>
                 <a:ext uri="{FF2B5EF4-FFF2-40B4-BE49-F238E27FC236}">
-                  <a16:creationId xmlns="" xmlns:a16="http://schemas.microsoft.com/office/drawing/2014/main" id="{9DF2E944-82FA-495B-8A5C-9BDE26355383}"/>
+                  <a16:creationId xmlns:a16="http://schemas.microsoft.com/office/drawing/2014/main" xmlns="" id="{9DF2E944-82FA-495B-8A5C-9BDE26355383}"/>
                 </a:ext>
               </a:extLst>
             </p:cNvPr>
@@ -21368,7 +21299,7 @@
             <a:blip r:embed="rId2" cstate="print">
               <a:extLst>
                 <a:ext uri="{28A0092B-C50C-407E-A947-70E740481C1C}">
-                  <a14:useLocalDpi xmlns="" xmlns:a14="http://schemas.microsoft.com/office/drawing/2010/main" val="0"/>
+                  <a14:useLocalDpi xmlns:a14="http://schemas.microsoft.com/office/drawing/2010/main" xmlns="" val="0"/>
                 </a:ext>
               </a:extLst>
             </a:blip>
@@ -21392,7 +21323,7 @@
           <p:cNvPr id="76" name="Group 75">
             <a:extLst>
               <a:ext uri="{FF2B5EF4-FFF2-40B4-BE49-F238E27FC236}">
-                <a16:creationId xmlns="" xmlns:a16="http://schemas.microsoft.com/office/drawing/2014/main" id="{60E31D48-090A-4A9C-AF5C-4B0C49C47C7D}"/>
+                <a16:creationId xmlns:a16="http://schemas.microsoft.com/office/drawing/2014/main" xmlns="" id="{60E31D48-090A-4A9C-AF5C-4B0C49C47C7D}"/>
               </a:ext>
             </a:extLst>
           </p:cNvPr>
@@ -21412,7 +21343,7 @@
             <p:cNvPr id="77" name="Rectangle 76">
               <a:extLst>
                 <a:ext uri="{FF2B5EF4-FFF2-40B4-BE49-F238E27FC236}">
-                  <a16:creationId xmlns="" xmlns:a16="http://schemas.microsoft.com/office/drawing/2014/main" id="{3A79A714-CB74-4EFD-9BC1-A7F2F993842A}"/>
+                  <a16:creationId xmlns:a16="http://schemas.microsoft.com/office/drawing/2014/main" xmlns="" id="{3A79A714-CB74-4EFD-9BC1-A7F2F993842A}"/>
                 </a:ext>
               </a:extLst>
             </p:cNvPr>
@@ -21473,7 +21404,7 @@
             <p:cNvPr id="78" name="Freeform: Shape 77">
               <a:extLst>
                 <a:ext uri="{FF2B5EF4-FFF2-40B4-BE49-F238E27FC236}">
-                  <a16:creationId xmlns="" xmlns:a16="http://schemas.microsoft.com/office/drawing/2014/main" id="{B006C60A-833A-41C2-A553-8132E7B3A7DB}"/>
+                  <a16:creationId xmlns:a16="http://schemas.microsoft.com/office/drawing/2014/main" xmlns="" id="{B006C60A-833A-41C2-A553-8132E7B3A7DB}"/>
                 </a:ext>
               </a:extLst>
             </p:cNvPr>
@@ -21580,7 +21511,7 @@
             <p:cNvPr id="79" name="TextBox 78">
               <a:extLst>
                 <a:ext uri="{FF2B5EF4-FFF2-40B4-BE49-F238E27FC236}">
-                  <a16:creationId xmlns="" xmlns:a16="http://schemas.microsoft.com/office/drawing/2014/main" id="{95AECC6C-A520-4756-9163-08D14835D791}"/>
+                  <a16:creationId xmlns:a16="http://schemas.microsoft.com/office/drawing/2014/main" xmlns="" id="{95AECC6C-A520-4756-9163-08D14835D791}"/>
                 </a:ext>
               </a:extLst>
             </p:cNvPr>
@@ -21627,7 +21558,7 @@
             <p:cNvPr id="80" name="Picture 79">
               <a:extLst>
                 <a:ext uri="{FF2B5EF4-FFF2-40B4-BE49-F238E27FC236}">
-                  <a16:creationId xmlns="" xmlns:a16="http://schemas.microsoft.com/office/drawing/2014/main" id="{0F8A56B9-A504-4035-8439-53ED4617B8B4}"/>
+                  <a16:creationId xmlns:a16="http://schemas.microsoft.com/office/drawing/2014/main" xmlns="" id="{0F8A56B9-A504-4035-8439-53ED4617B8B4}"/>
                 </a:ext>
               </a:extLst>
             </p:cNvPr>
@@ -21640,7 +21571,7 @@
             <a:blip r:embed="rId2" cstate="print">
               <a:extLst>
                 <a:ext uri="{28A0092B-C50C-407E-A947-70E740481C1C}">
-                  <a14:useLocalDpi xmlns="" xmlns:a14="http://schemas.microsoft.com/office/drawing/2010/main" val="0"/>
+                  <a14:useLocalDpi xmlns:a14="http://schemas.microsoft.com/office/drawing/2010/main" xmlns="" val="0"/>
                 </a:ext>
               </a:extLst>
             </a:blip>
@@ -21793,30 +21724,6 @@
           </a:prstGeom>
         </p:spPr>
       </p:pic>
-      <p:pic>
-        <p:nvPicPr>
-          <p:cNvPr id="82" name="Picture 81" descr="2nf1.png"/>
-          <p:cNvPicPr>
-            <a:picLocks noChangeAspect="1"/>
-          </p:cNvPicPr>
-          <p:nvPr/>
-        </p:nvPicPr>
-        <p:blipFill>
-          <a:blip r:embed="rId5"/>
-          <a:stretch>
-            <a:fillRect/>
-          </a:stretch>
-        </p:blipFill>
-        <p:spPr>
-          <a:xfrm>
-            <a:off x="689368" y="2552023"/>
-            <a:ext cx="5159712" cy="3079520"/>
-          </a:xfrm>
-          <a:prstGeom prst="rect">
-            <a:avLst/>
-          </a:prstGeom>
-        </p:spPr>
-      </p:pic>
       <p:sp>
         <p:nvSpPr>
           <p:cNvPr id="83" name="Cross 82"/>
@@ -21869,7 +21776,7 @@
           <p:nvPr/>
         </p:nvPicPr>
         <p:blipFill>
-          <a:blip r:embed="rId6"/>
+          <a:blip r:embed="rId5"/>
           <a:stretch>
             <a:fillRect/>
           </a:stretch>
@@ -21884,10 +21791,34 @@
           </a:prstGeom>
         </p:spPr>
       </p:pic>
+      <p:pic>
+        <p:nvPicPr>
+          <p:cNvPr id="40" name="Picture 39" descr="2ndmaindata1.png"/>
+          <p:cNvPicPr>
+            <a:picLocks noChangeAspect="1"/>
+          </p:cNvPicPr>
+          <p:nvPr/>
+        </p:nvPicPr>
+        <p:blipFill>
+          <a:blip r:embed="rId6"/>
+          <a:stretch>
+            <a:fillRect/>
+          </a:stretch>
+        </p:blipFill>
+        <p:spPr>
+          <a:xfrm>
+            <a:off x="823146" y="2619452"/>
+            <a:ext cx="5132767" cy="3128208"/>
+          </a:xfrm>
+          <a:prstGeom prst="rect">
+            <a:avLst/>
+          </a:prstGeom>
+        </p:spPr>
+      </p:pic>
     </p:spTree>
     <p:extLst>
       <p:ext uri="{BB962C8B-B14F-4D97-AF65-F5344CB8AC3E}">
-        <p14:creationId xmlns="" xmlns:p14="http://schemas.microsoft.com/office/powerpoint/2010/main" val="3557959593"/>
+        <p14:creationId xmlns:p14="http://schemas.microsoft.com/office/powerpoint/2010/main" xmlns="" val="3557959593"/>
       </p:ext>
     </p:extLst>
   </p:cSld>
@@ -22107,7 +22038,7 @@
                                           </p:stCondLst>
                                         </p:cTn>
                                         <p:tgtEl>
-                                          <p:spTgt spid="82"/>
+                                          <p:spTgt spid="40"/>
                                         </p:tgtEl>
                                         <p:attrNameLst>
                                           <p:attrName>style.visibility</p:attrName>
@@ -22121,7 +22052,7 @@
                                       <p:cBhvr>
                                         <p:cTn id="23" dur="2000"/>
                                         <p:tgtEl>
-                                          <p:spTgt spid="82"/>
+                                          <p:spTgt spid="40"/>
                                         </p:tgtEl>
                                       </p:cBhvr>
                                     </p:animEffect>
@@ -22320,7 +22251,7 @@
           <p:cNvPr id="2" name="Group 49">
             <a:extLst>
               <a:ext uri="{FF2B5EF4-FFF2-40B4-BE49-F238E27FC236}">
-                <a16:creationId xmlns="" xmlns:a16="http://schemas.microsoft.com/office/drawing/2014/main" id="{10781169-B7A4-446E-BD33-B9650367A7F9}"/>
+                <a16:creationId xmlns:a16="http://schemas.microsoft.com/office/drawing/2014/main" xmlns="" id="{10781169-B7A4-446E-BD33-B9650367A7F9}"/>
               </a:ext>
             </a:extLst>
           </p:cNvPr>
@@ -22340,7 +22271,7 @@
             <p:cNvPr id="51" name="Rectangle 50">
               <a:extLst>
                 <a:ext uri="{FF2B5EF4-FFF2-40B4-BE49-F238E27FC236}">
-                  <a16:creationId xmlns="" xmlns:a16="http://schemas.microsoft.com/office/drawing/2014/main" id="{CED3AF08-30FC-4AFF-9C5C-99D0A7099514}"/>
+                  <a16:creationId xmlns:a16="http://schemas.microsoft.com/office/drawing/2014/main" xmlns="" id="{CED3AF08-30FC-4AFF-9C5C-99D0A7099514}"/>
                 </a:ext>
               </a:extLst>
             </p:cNvPr>
@@ -22401,7 +22332,7 @@
             <p:cNvPr id="52" name="Freeform: Shape 51">
               <a:extLst>
                 <a:ext uri="{FF2B5EF4-FFF2-40B4-BE49-F238E27FC236}">
-                  <a16:creationId xmlns="" xmlns:a16="http://schemas.microsoft.com/office/drawing/2014/main" id="{99AF1FBA-9557-484A-B305-EE590A192E96}"/>
+                  <a16:creationId xmlns:a16="http://schemas.microsoft.com/office/drawing/2014/main" xmlns="" id="{99AF1FBA-9557-484A-B305-EE590A192E96}"/>
                 </a:ext>
               </a:extLst>
             </p:cNvPr>
@@ -22508,7 +22439,7 @@
             <p:cNvPr id="53" name="TextBox 52">
               <a:extLst>
                 <a:ext uri="{FF2B5EF4-FFF2-40B4-BE49-F238E27FC236}">
-                  <a16:creationId xmlns="" xmlns:a16="http://schemas.microsoft.com/office/drawing/2014/main" id="{407E3AA2-679E-4924-AC1B-FE6C3A02C251}"/>
+                  <a16:creationId xmlns:a16="http://schemas.microsoft.com/office/drawing/2014/main" xmlns="" id="{407E3AA2-679E-4924-AC1B-FE6C3A02C251}"/>
                 </a:ext>
               </a:extLst>
             </p:cNvPr>
@@ -22549,7 +22480,7 @@
             <p:cNvPr id="54" name="Picture 53">
               <a:extLst>
                 <a:ext uri="{FF2B5EF4-FFF2-40B4-BE49-F238E27FC236}">
-                  <a16:creationId xmlns="" xmlns:a16="http://schemas.microsoft.com/office/drawing/2014/main" id="{CD9846FC-755F-4A0E-BAD3-A5D51C0E1EBE}"/>
+                  <a16:creationId xmlns:a16="http://schemas.microsoft.com/office/drawing/2014/main" xmlns="" id="{CD9846FC-755F-4A0E-BAD3-A5D51C0E1EBE}"/>
                 </a:ext>
               </a:extLst>
             </p:cNvPr>
@@ -22562,7 +22493,7 @@
             <a:blip r:embed="rId2" cstate="print">
               <a:extLst>
                 <a:ext uri="{28A0092B-C50C-407E-A947-70E740481C1C}">
-                  <a14:useLocalDpi xmlns="" xmlns:a14="http://schemas.microsoft.com/office/drawing/2010/main" val="0"/>
+                  <a14:useLocalDpi xmlns:a14="http://schemas.microsoft.com/office/drawing/2010/main" xmlns="" val="0"/>
                 </a:ext>
               </a:extLst>
             </a:blip>
@@ -22586,7 +22517,7 @@
           <p:cNvPr id="3" name="Group 54">
             <a:extLst>
               <a:ext uri="{FF2B5EF4-FFF2-40B4-BE49-F238E27FC236}">
-                <a16:creationId xmlns="" xmlns:a16="http://schemas.microsoft.com/office/drawing/2014/main" id="{F00A67C9-4929-4EFF-9CB6-292640CD2738}"/>
+                <a16:creationId xmlns:a16="http://schemas.microsoft.com/office/drawing/2014/main" xmlns="" id="{F00A67C9-4929-4EFF-9CB6-292640CD2738}"/>
               </a:ext>
             </a:extLst>
           </p:cNvPr>
@@ -22606,7 +22537,7 @@
             <p:cNvPr id="56" name="Rectangle 55">
               <a:extLst>
                 <a:ext uri="{FF2B5EF4-FFF2-40B4-BE49-F238E27FC236}">
-                  <a16:creationId xmlns="" xmlns:a16="http://schemas.microsoft.com/office/drawing/2014/main" id="{3E8CDB02-4760-4298-BC44-93A18EB02F13}"/>
+                  <a16:creationId xmlns:a16="http://schemas.microsoft.com/office/drawing/2014/main" xmlns="" id="{3E8CDB02-4760-4298-BC44-93A18EB02F13}"/>
                 </a:ext>
               </a:extLst>
             </p:cNvPr>
@@ -22667,7 +22598,7 @@
             <p:cNvPr id="57" name="Freeform: Shape 56">
               <a:extLst>
                 <a:ext uri="{FF2B5EF4-FFF2-40B4-BE49-F238E27FC236}">
-                  <a16:creationId xmlns="" xmlns:a16="http://schemas.microsoft.com/office/drawing/2014/main" id="{57C0FD50-5E69-463E-A01B-65E9D864A386}"/>
+                  <a16:creationId xmlns:a16="http://schemas.microsoft.com/office/drawing/2014/main" xmlns="" id="{57C0FD50-5E69-463E-A01B-65E9D864A386}"/>
                 </a:ext>
               </a:extLst>
             </p:cNvPr>
@@ -22774,7 +22705,7 @@
             <p:cNvPr id="58" name="TextBox 57">
               <a:extLst>
                 <a:ext uri="{FF2B5EF4-FFF2-40B4-BE49-F238E27FC236}">
-                  <a16:creationId xmlns="" xmlns:a16="http://schemas.microsoft.com/office/drawing/2014/main" id="{04CBFB1D-37FD-419F-B98C-860BF5217905}"/>
+                  <a16:creationId xmlns:a16="http://schemas.microsoft.com/office/drawing/2014/main" xmlns="" id="{04CBFB1D-37FD-419F-B98C-860BF5217905}"/>
                 </a:ext>
               </a:extLst>
             </p:cNvPr>
@@ -22815,7 +22746,7 @@
             <p:cNvPr id="59" name="Picture 58">
               <a:extLst>
                 <a:ext uri="{FF2B5EF4-FFF2-40B4-BE49-F238E27FC236}">
-                  <a16:creationId xmlns="" xmlns:a16="http://schemas.microsoft.com/office/drawing/2014/main" id="{60B383F7-52C5-4FB7-AEC3-35A48D7354A0}"/>
+                  <a16:creationId xmlns:a16="http://schemas.microsoft.com/office/drawing/2014/main" xmlns="" id="{60B383F7-52C5-4FB7-AEC3-35A48D7354A0}"/>
                 </a:ext>
               </a:extLst>
             </p:cNvPr>
@@ -22828,7 +22759,7 @@
             <a:blip r:embed="rId2" cstate="print">
               <a:extLst>
                 <a:ext uri="{28A0092B-C50C-407E-A947-70E740481C1C}">
-                  <a14:useLocalDpi xmlns="" xmlns:a14="http://schemas.microsoft.com/office/drawing/2010/main" val="0"/>
+                  <a14:useLocalDpi xmlns:a14="http://schemas.microsoft.com/office/drawing/2010/main" xmlns="" val="0"/>
                 </a:ext>
               </a:extLst>
             </a:blip>
@@ -22852,7 +22783,7 @@
           <p:cNvPr id="4" name="Group 59">
             <a:extLst>
               <a:ext uri="{FF2B5EF4-FFF2-40B4-BE49-F238E27FC236}">
-                <a16:creationId xmlns="" xmlns:a16="http://schemas.microsoft.com/office/drawing/2014/main" id="{6F7667A6-1C16-4F0A-A162-61BD16E6BE6B}"/>
+                <a16:creationId xmlns:a16="http://schemas.microsoft.com/office/drawing/2014/main" xmlns="" id="{6F7667A6-1C16-4F0A-A162-61BD16E6BE6B}"/>
               </a:ext>
             </a:extLst>
           </p:cNvPr>
@@ -22872,7 +22803,7 @@
             <p:cNvPr id="61" name="Rectangle 60">
               <a:extLst>
                 <a:ext uri="{FF2B5EF4-FFF2-40B4-BE49-F238E27FC236}">
-                  <a16:creationId xmlns="" xmlns:a16="http://schemas.microsoft.com/office/drawing/2014/main" id="{0E8C29A9-4AAB-442C-A7A4-40DCCE0A9694}"/>
+                  <a16:creationId xmlns:a16="http://schemas.microsoft.com/office/drawing/2014/main" xmlns="" id="{0E8C29A9-4AAB-442C-A7A4-40DCCE0A9694}"/>
                 </a:ext>
               </a:extLst>
             </p:cNvPr>
@@ -22933,7 +22864,7 @@
             <p:cNvPr id="62" name="Freeform: Shape 61">
               <a:extLst>
                 <a:ext uri="{FF2B5EF4-FFF2-40B4-BE49-F238E27FC236}">
-                  <a16:creationId xmlns="" xmlns:a16="http://schemas.microsoft.com/office/drawing/2014/main" id="{81520FE7-5699-4290-9C3C-51E0C60ECC6B}"/>
+                  <a16:creationId xmlns:a16="http://schemas.microsoft.com/office/drawing/2014/main" xmlns="" id="{81520FE7-5699-4290-9C3C-51E0C60ECC6B}"/>
                 </a:ext>
               </a:extLst>
             </p:cNvPr>
@@ -23040,7 +22971,7 @@
             <p:cNvPr id="63" name="TextBox 62">
               <a:extLst>
                 <a:ext uri="{FF2B5EF4-FFF2-40B4-BE49-F238E27FC236}">
-                  <a16:creationId xmlns="" xmlns:a16="http://schemas.microsoft.com/office/drawing/2014/main" id="{AFD50D6F-822B-4109-8B0C-BA004A0B7145}"/>
+                  <a16:creationId xmlns:a16="http://schemas.microsoft.com/office/drawing/2014/main" xmlns="" id="{AFD50D6F-822B-4109-8B0C-BA004A0B7145}"/>
                 </a:ext>
               </a:extLst>
             </p:cNvPr>
@@ -23081,7 +23012,7 @@
             <p:cNvPr id="64" name="Picture 63">
               <a:extLst>
                 <a:ext uri="{FF2B5EF4-FFF2-40B4-BE49-F238E27FC236}">
-                  <a16:creationId xmlns="" xmlns:a16="http://schemas.microsoft.com/office/drawing/2014/main" id="{0376C61F-147B-441E-B32E-45D5BC1B66B5}"/>
+                  <a16:creationId xmlns:a16="http://schemas.microsoft.com/office/drawing/2014/main" xmlns="" id="{0376C61F-147B-441E-B32E-45D5BC1B66B5}"/>
                 </a:ext>
               </a:extLst>
             </p:cNvPr>
@@ -23094,7 +23025,7 @@
             <a:blip r:embed="rId2" cstate="print">
               <a:extLst>
                 <a:ext uri="{28A0092B-C50C-407E-A947-70E740481C1C}">
-                  <a14:useLocalDpi xmlns="" xmlns:a14="http://schemas.microsoft.com/office/drawing/2010/main" val="0"/>
+                  <a14:useLocalDpi xmlns:a14="http://schemas.microsoft.com/office/drawing/2010/main" xmlns="" val="0"/>
                 </a:ext>
               </a:extLst>
             </a:blip>
@@ -23118,7 +23049,7 @@
           <p:cNvPr id="5" name="Group 94">
             <a:extLst>
               <a:ext uri="{FF2B5EF4-FFF2-40B4-BE49-F238E27FC236}">
-                <a16:creationId xmlns="" xmlns:a16="http://schemas.microsoft.com/office/drawing/2014/main" id="{4E70D3F9-D583-4ACD-8480-0F4A65ED3C83}"/>
+                <a16:creationId xmlns:a16="http://schemas.microsoft.com/office/drawing/2014/main" xmlns="" id="{4E70D3F9-D583-4ACD-8480-0F4A65ED3C83}"/>
               </a:ext>
             </a:extLst>
           </p:cNvPr>
@@ -23138,7 +23069,7 @@
             <p:cNvPr id="96" name="Rectangle 95">
               <a:extLst>
                 <a:ext uri="{FF2B5EF4-FFF2-40B4-BE49-F238E27FC236}">
-                  <a16:creationId xmlns="" xmlns:a16="http://schemas.microsoft.com/office/drawing/2014/main" id="{321108FC-08B5-45CC-AB47-1104119B25FD}"/>
+                  <a16:creationId xmlns:a16="http://schemas.microsoft.com/office/drawing/2014/main" xmlns="" id="{321108FC-08B5-45CC-AB47-1104119B25FD}"/>
                 </a:ext>
               </a:extLst>
             </p:cNvPr>
@@ -23199,7 +23130,7 @@
             <p:cNvPr id="97" name="Freeform: Shape 96">
               <a:extLst>
                 <a:ext uri="{FF2B5EF4-FFF2-40B4-BE49-F238E27FC236}">
-                  <a16:creationId xmlns="" xmlns:a16="http://schemas.microsoft.com/office/drawing/2014/main" id="{96A47C8C-7F88-484E-817B-572BEDC2BC69}"/>
+                  <a16:creationId xmlns:a16="http://schemas.microsoft.com/office/drawing/2014/main" xmlns="" id="{96A47C8C-7F88-484E-817B-572BEDC2BC69}"/>
                 </a:ext>
               </a:extLst>
             </p:cNvPr>
@@ -23306,7 +23237,7 @@
             <p:cNvPr id="98" name="TextBox 97">
               <a:extLst>
                 <a:ext uri="{FF2B5EF4-FFF2-40B4-BE49-F238E27FC236}">
-                  <a16:creationId xmlns="" xmlns:a16="http://schemas.microsoft.com/office/drawing/2014/main" id="{E3DB5570-AC77-4396-9748-4183DF7C8396}"/>
+                  <a16:creationId xmlns:a16="http://schemas.microsoft.com/office/drawing/2014/main" xmlns="" id="{E3DB5570-AC77-4396-9748-4183DF7C8396}"/>
                 </a:ext>
               </a:extLst>
             </p:cNvPr>
@@ -23353,7 +23284,7 @@
             <p:cNvPr id="99" name="Picture 98">
               <a:extLst>
                 <a:ext uri="{FF2B5EF4-FFF2-40B4-BE49-F238E27FC236}">
-                  <a16:creationId xmlns="" xmlns:a16="http://schemas.microsoft.com/office/drawing/2014/main" id="{F6ED4041-CDD9-443D-802E-47D4387906FA}"/>
+                  <a16:creationId xmlns:a16="http://schemas.microsoft.com/office/drawing/2014/main" xmlns="" id="{F6ED4041-CDD9-443D-802E-47D4387906FA}"/>
                 </a:ext>
               </a:extLst>
             </p:cNvPr>
@@ -23366,7 +23297,7 @@
             <a:blip r:embed="rId2" cstate="print">
               <a:extLst>
                 <a:ext uri="{28A0092B-C50C-407E-A947-70E740481C1C}">
-                  <a14:useLocalDpi xmlns="" xmlns:a14="http://schemas.microsoft.com/office/drawing/2010/main" val="0"/>
+                  <a14:useLocalDpi xmlns:a14="http://schemas.microsoft.com/office/drawing/2010/main" xmlns="" val="0"/>
                 </a:ext>
               </a:extLst>
             </a:blip>
@@ -23390,7 +23321,7 @@
           <p:cNvPr id="6" name="Group 70">
             <a:extLst>
               <a:ext uri="{FF2B5EF4-FFF2-40B4-BE49-F238E27FC236}">
-                <a16:creationId xmlns="" xmlns:a16="http://schemas.microsoft.com/office/drawing/2014/main" id="{E7044FAB-DB4A-4E59-B111-8CA4168E7FA4}"/>
+                <a16:creationId xmlns:a16="http://schemas.microsoft.com/office/drawing/2014/main" xmlns="" id="{E7044FAB-DB4A-4E59-B111-8CA4168E7FA4}"/>
               </a:ext>
             </a:extLst>
           </p:cNvPr>
@@ -23410,7 +23341,7 @@
             <p:cNvPr id="72" name="Rectangle 71">
               <a:extLst>
                 <a:ext uri="{FF2B5EF4-FFF2-40B4-BE49-F238E27FC236}">
-                  <a16:creationId xmlns="" xmlns:a16="http://schemas.microsoft.com/office/drawing/2014/main" id="{824F072A-08CC-4CC6-B5EF-C1833A244FA3}"/>
+                  <a16:creationId xmlns:a16="http://schemas.microsoft.com/office/drawing/2014/main" xmlns="" id="{824F072A-08CC-4CC6-B5EF-C1833A244FA3}"/>
                 </a:ext>
               </a:extLst>
             </p:cNvPr>
@@ -23471,7 +23402,7 @@
             <p:cNvPr id="73" name="Freeform: Shape 72">
               <a:extLst>
                 <a:ext uri="{FF2B5EF4-FFF2-40B4-BE49-F238E27FC236}">
-                  <a16:creationId xmlns="" xmlns:a16="http://schemas.microsoft.com/office/drawing/2014/main" id="{A3C6C4A9-8B6A-429B-980E-26CD0C3A573E}"/>
+                  <a16:creationId xmlns:a16="http://schemas.microsoft.com/office/drawing/2014/main" xmlns="" id="{A3C6C4A9-8B6A-429B-980E-26CD0C3A573E}"/>
                 </a:ext>
               </a:extLst>
             </p:cNvPr>
@@ -23578,7 +23509,7 @@
             <p:cNvPr id="74" name="TextBox 73">
               <a:extLst>
                 <a:ext uri="{FF2B5EF4-FFF2-40B4-BE49-F238E27FC236}">
-                  <a16:creationId xmlns="" xmlns:a16="http://schemas.microsoft.com/office/drawing/2014/main" id="{858AC381-BFD1-4A89-AE49-8ADC853A6849}"/>
+                  <a16:creationId xmlns:a16="http://schemas.microsoft.com/office/drawing/2014/main" xmlns="" id="{858AC381-BFD1-4A89-AE49-8ADC853A6849}"/>
                 </a:ext>
               </a:extLst>
             </p:cNvPr>
@@ -23625,7 +23556,7 @@
             <p:cNvPr id="75" name="Picture 74">
               <a:extLst>
                 <a:ext uri="{FF2B5EF4-FFF2-40B4-BE49-F238E27FC236}">
-                  <a16:creationId xmlns="" xmlns:a16="http://schemas.microsoft.com/office/drawing/2014/main" id="{9DF2E944-82FA-495B-8A5C-9BDE26355383}"/>
+                  <a16:creationId xmlns:a16="http://schemas.microsoft.com/office/drawing/2014/main" xmlns="" id="{9DF2E944-82FA-495B-8A5C-9BDE26355383}"/>
                 </a:ext>
               </a:extLst>
             </p:cNvPr>
@@ -23638,7 +23569,7 @@
             <a:blip r:embed="rId2" cstate="print">
               <a:extLst>
                 <a:ext uri="{28A0092B-C50C-407E-A947-70E740481C1C}">
-                  <a14:useLocalDpi xmlns="" xmlns:a14="http://schemas.microsoft.com/office/drawing/2010/main" val="0"/>
+                  <a14:useLocalDpi xmlns:a14="http://schemas.microsoft.com/office/drawing/2010/main" xmlns="" val="0"/>
                 </a:ext>
               </a:extLst>
             </a:blip>
@@ -23662,7 +23593,7 @@
           <p:cNvPr id="7" name="Group 75">
             <a:extLst>
               <a:ext uri="{FF2B5EF4-FFF2-40B4-BE49-F238E27FC236}">
-                <a16:creationId xmlns="" xmlns:a16="http://schemas.microsoft.com/office/drawing/2014/main" id="{60E31D48-090A-4A9C-AF5C-4B0C49C47C7D}"/>
+                <a16:creationId xmlns:a16="http://schemas.microsoft.com/office/drawing/2014/main" xmlns="" id="{60E31D48-090A-4A9C-AF5C-4B0C49C47C7D}"/>
               </a:ext>
             </a:extLst>
           </p:cNvPr>
@@ -23682,7 +23613,7 @@
             <p:cNvPr id="77" name="Rectangle 76">
               <a:extLst>
                 <a:ext uri="{FF2B5EF4-FFF2-40B4-BE49-F238E27FC236}">
-                  <a16:creationId xmlns="" xmlns:a16="http://schemas.microsoft.com/office/drawing/2014/main" id="{3A79A714-CB74-4EFD-9BC1-A7F2F993842A}"/>
+                  <a16:creationId xmlns:a16="http://schemas.microsoft.com/office/drawing/2014/main" xmlns="" id="{3A79A714-CB74-4EFD-9BC1-A7F2F993842A}"/>
                 </a:ext>
               </a:extLst>
             </p:cNvPr>
@@ -23743,7 +23674,7 @@
             <p:cNvPr id="78" name="Freeform: Shape 77">
               <a:extLst>
                 <a:ext uri="{FF2B5EF4-FFF2-40B4-BE49-F238E27FC236}">
-                  <a16:creationId xmlns="" xmlns:a16="http://schemas.microsoft.com/office/drawing/2014/main" id="{B006C60A-833A-41C2-A553-8132E7B3A7DB}"/>
+                  <a16:creationId xmlns:a16="http://schemas.microsoft.com/office/drawing/2014/main" xmlns="" id="{B006C60A-833A-41C2-A553-8132E7B3A7DB}"/>
                 </a:ext>
               </a:extLst>
             </p:cNvPr>
@@ -23850,7 +23781,7 @@
             <p:cNvPr id="79" name="TextBox 78">
               <a:extLst>
                 <a:ext uri="{FF2B5EF4-FFF2-40B4-BE49-F238E27FC236}">
-                  <a16:creationId xmlns="" xmlns:a16="http://schemas.microsoft.com/office/drawing/2014/main" id="{95AECC6C-A520-4756-9163-08D14835D791}"/>
+                  <a16:creationId xmlns:a16="http://schemas.microsoft.com/office/drawing/2014/main" xmlns="" id="{95AECC6C-A520-4756-9163-08D14835D791}"/>
                 </a:ext>
               </a:extLst>
             </p:cNvPr>
@@ -23897,7 +23828,7 @@
             <p:cNvPr id="80" name="Picture 79">
               <a:extLst>
                 <a:ext uri="{FF2B5EF4-FFF2-40B4-BE49-F238E27FC236}">
-                  <a16:creationId xmlns="" xmlns:a16="http://schemas.microsoft.com/office/drawing/2014/main" id="{0F8A56B9-A504-4035-8439-53ED4617B8B4}"/>
+                  <a16:creationId xmlns:a16="http://schemas.microsoft.com/office/drawing/2014/main" xmlns="" id="{0F8A56B9-A504-4035-8439-53ED4617B8B4}"/>
                 </a:ext>
               </a:extLst>
             </p:cNvPr>
@@ -23910,7 +23841,7 @@
             <a:blip r:embed="rId2" cstate="print">
               <a:extLst>
                 <a:ext uri="{28A0092B-C50C-407E-A947-70E740481C1C}">
-                  <a14:useLocalDpi xmlns="" xmlns:a14="http://schemas.microsoft.com/office/drawing/2010/main" val="0"/>
+                  <a14:useLocalDpi xmlns:a14="http://schemas.microsoft.com/office/drawing/2010/main" xmlns="" val="0"/>
                 </a:ext>
               </a:extLst>
             </a:blip>
@@ -23929,10 +23860,245 @@
           </p:spPr>
         </p:pic>
       </p:grpSp>
+      <p:pic>
+        <p:nvPicPr>
+          <p:cNvPr id="32" name="Picture 31" descr="3nf.png"/>
+          <p:cNvPicPr>
+            <a:picLocks noChangeAspect="1"/>
+          </p:cNvPicPr>
+          <p:nvPr/>
+        </p:nvPicPr>
+        <p:blipFill>
+          <a:blip r:embed="rId3"/>
+          <a:stretch>
+            <a:fillRect/>
+          </a:stretch>
+        </p:blipFill>
+        <p:spPr>
+          <a:xfrm>
+            <a:off x="1944890" y="379426"/>
+            <a:ext cx="2931934" cy="554690"/>
+          </a:xfrm>
+          <a:prstGeom prst="rect">
+            <a:avLst/>
+          </a:prstGeom>
+        </p:spPr>
+      </p:pic>
+      <p:sp>
+        <p:nvSpPr>
+          <p:cNvPr id="33" name="Down Arrow 32"/>
+          <p:cNvSpPr/>
+          <p:nvPr/>
+        </p:nvSpPr>
+        <p:spPr>
+          <a:xfrm>
+            <a:off x="3250293" y="1006022"/>
+            <a:ext cx="342900" cy="381000"/>
+          </a:xfrm>
+          <a:prstGeom prst="downArrow">
+            <a:avLst/>
+          </a:prstGeom>
+          <a:solidFill>
+            <a:srgbClr val="92D050"/>
+          </a:solidFill>
+        </p:spPr>
+        <p:style>
+          <a:lnRef idx="2">
+            <a:schemeClr val="accent1">
+              <a:shade val="50000"/>
+            </a:schemeClr>
+          </a:lnRef>
+          <a:fillRef idx="1">
+            <a:schemeClr val="accent1"/>
+          </a:fillRef>
+          <a:effectRef idx="0">
+            <a:schemeClr val="accent1"/>
+          </a:effectRef>
+          <a:fontRef idx="minor">
+            <a:schemeClr val="lt1"/>
+          </a:fontRef>
+        </p:style>
+        <p:txBody>
+          <a:bodyPr rtlCol="0" anchor="ctr"/>
+          <a:lstStyle/>
+          <a:p>
+            <a:pPr algn="ctr"/>
+            <a:endParaRPr lang="en-US"/>
+          </a:p>
+        </p:txBody>
+      </p:sp>
+      <p:pic>
+        <p:nvPicPr>
+          <p:cNvPr id="34" name="Picture 33" descr="3nfrules.png"/>
+          <p:cNvPicPr>
+            <a:picLocks noChangeAspect="1"/>
+          </p:cNvPicPr>
+          <p:nvPr/>
+        </p:nvPicPr>
+        <p:blipFill>
+          <a:blip r:embed="rId4"/>
+          <a:stretch>
+            <a:fillRect/>
+          </a:stretch>
+        </p:blipFill>
+        <p:spPr>
+          <a:xfrm>
+            <a:off x="1237088" y="1432873"/>
+            <a:ext cx="4376566" cy="566881"/>
+          </a:xfrm>
+          <a:prstGeom prst="rect">
+            <a:avLst/>
+          </a:prstGeom>
+        </p:spPr>
+      </p:pic>
+      <p:pic>
+        <p:nvPicPr>
+          <p:cNvPr id="35" name="Picture 34" descr="3nfmaindata1.png"/>
+          <p:cNvPicPr>
+            <a:picLocks noChangeAspect="1"/>
+          </p:cNvPicPr>
+          <p:nvPr/>
+        </p:nvPicPr>
+        <p:blipFill>
+          <a:blip r:embed="rId5"/>
+          <a:stretch>
+            <a:fillRect/>
+          </a:stretch>
+        </p:blipFill>
+        <p:spPr>
+          <a:xfrm>
+            <a:off x="-1658548" y="2735812"/>
+            <a:ext cx="5511208" cy="3055387"/>
+          </a:xfrm>
+          <a:prstGeom prst="rect">
+            <a:avLst/>
+          </a:prstGeom>
+        </p:spPr>
+      </p:pic>
+      <p:pic>
+        <p:nvPicPr>
+          <p:cNvPr id="36" name="Picture 35" descr="3nfmaindata2.png"/>
+          <p:cNvPicPr>
+            <a:picLocks noChangeAspect="1"/>
+          </p:cNvPicPr>
+          <p:nvPr/>
+        </p:nvPicPr>
+        <p:blipFill>
+          <a:blip r:embed="rId6"/>
+          <a:stretch>
+            <a:fillRect/>
+          </a:stretch>
+        </p:blipFill>
+        <p:spPr>
+          <a:xfrm>
+            <a:off x="4234100" y="2232683"/>
+            <a:ext cx="2521021" cy="1758745"/>
+          </a:xfrm>
+          <a:prstGeom prst="rect">
+            <a:avLst/>
+          </a:prstGeom>
+        </p:spPr>
+      </p:pic>
+      <p:pic>
+        <p:nvPicPr>
+          <p:cNvPr id="37" name="Picture 36" descr="3nfmaindata3.png"/>
+          <p:cNvPicPr>
+            <a:picLocks noChangeAspect="1"/>
+          </p:cNvPicPr>
+          <p:nvPr/>
+        </p:nvPicPr>
+        <p:blipFill>
+          <a:blip r:embed="rId7"/>
+          <a:stretch>
+            <a:fillRect/>
+          </a:stretch>
+        </p:blipFill>
+        <p:spPr>
+          <a:xfrm>
+            <a:off x="4863811" y="4270629"/>
+            <a:ext cx="1767694" cy="2206570"/>
+          </a:xfrm>
+          <a:prstGeom prst="rect">
+            <a:avLst/>
+          </a:prstGeom>
+        </p:spPr>
+      </p:pic>
+      <p:cxnSp>
+        <p:nvCxnSpPr>
+          <p:cNvPr id="39" name="Straight Arrow Connector 38"/>
+          <p:cNvCxnSpPr/>
+          <p:nvPr/>
+        </p:nvCxnSpPr>
+        <p:spPr>
+          <a:xfrm>
+            <a:off x="2496457" y="2728686"/>
+            <a:ext cx="3425372" cy="1582057"/>
+          </a:xfrm>
+          <a:prstGeom prst="straightConnector1">
+            <a:avLst/>
+          </a:prstGeom>
+          <a:ln>
+            <a:solidFill>
+              <a:srgbClr val="FF0000"/>
+            </a:solidFill>
+            <a:tailEnd type="arrow"/>
+          </a:ln>
+        </p:spPr>
+        <p:style>
+          <a:lnRef idx="1">
+            <a:schemeClr val="accent1"/>
+          </a:lnRef>
+          <a:fillRef idx="0">
+            <a:schemeClr val="accent1"/>
+          </a:fillRef>
+          <a:effectRef idx="0">
+            <a:schemeClr val="accent1"/>
+          </a:effectRef>
+          <a:fontRef idx="minor">
+            <a:schemeClr val="tx1"/>
+          </a:fontRef>
+        </p:style>
+      </p:cxnSp>
+      <p:cxnSp>
+        <p:nvCxnSpPr>
+          <p:cNvPr id="46" name="Straight Arrow Connector 45"/>
+          <p:cNvCxnSpPr/>
+          <p:nvPr/>
+        </p:nvCxnSpPr>
+        <p:spPr>
+          <a:xfrm flipV="1">
+            <a:off x="3338286" y="2220686"/>
+            <a:ext cx="1291771" cy="493485"/>
+          </a:xfrm>
+          <a:prstGeom prst="straightConnector1">
+            <a:avLst/>
+          </a:prstGeom>
+          <a:ln>
+            <a:solidFill>
+              <a:srgbClr val="FF0000"/>
+            </a:solidFill>
+            <a:tailEnd type="arrow"/>
+          </a:ln>
+        </p:spPr>
+        <p:style>
+          <a:lnRef idx="1">
+            <a:schemeClr val="accent1"/>
+          </a:lnRef>
+          <a:fillRef idx="0">
+            <a:schemeClr val="accent1"/>
+          </a:fillRef>
+          <a:effectRef idx="0">
+            <a:schemeClr val="accent1"/>
+          </a:effectRef>
+          <a:fontRef idx="minor">
+            <a:schemeClr val="tx1"/>
+          </a:fontRef>
+        </p:style>
+      </p:cxnSp>
     </p:spTree>
     <p:extLst>
       <p:ext uri="{BB962C8B-B14F-4D97-AF65-F5344CB8AC3E}">
-        <p14:creationId xmlns="" xmlns:p14="http://schemas.microsoft.com/office/powerpoint/2010/main" val="1327239487"/>
+        <p14:creationId xmlns:p14="http://schemas.microsoft.com/office/powerpoint/2010/main" xmlns="" val="1327239487"/>
       </p:ext>
     </p:extLst>
   </p:cSld>
@@ -23940,7 +24106,7 @@
     <a:masterClrMapping/>
   </p:clrMapOvr>
   <mc:AlternateContent xmlns:mc="http://schemas.openxmlformats.org/markup-compatibility/2006">
-    <mc:Choice xmlns="" xmlns:p159="http://schemas.microsoft.com/office/powerpoint/2015/09/main" Requires="p159">
+    <mc:Choice xmlns:p159="http://schemas.microsoft.com/office/powerpoint/2015/09/main" xmlns="" Requires="p159">
       <p:transition spd="med">
         <p159:morph option="byObject"/>
       </p:transition>
@@ -23954,9 +24120,396 @@
   <p:timing>
     <p:tnLst>
       <p:par>
-        <p:cTn id="1" dur="indefinite" restart="never" nodeType="tmRoot"/>
+        <p:cTn id="1" dur="indefinite" restart="never" nodeType="tmRoot">
+          <p:childTnLst>
+            <p:seq concurrent="1" nextAc="seek">
+              <p:cTn id="2" dur="indefinite" nodeType="mainSeq">
+                <p:childTnLst>
+                  <p:par>
+                    <p:cTn id="3" fill="hold">
+                      <p:stCondLst>
+                        <p:cond delay="indefinite"/>
+                      </p:stCondLst>
+                      <p:childTnLst>
+                        <p:par>
+                          <p:cTn id="4" fill="hold">
+                            <p:stCondLst>
+                              <p:cond delay="0"/>
+                            </p:stCondLst>
+                            <p:childTnLst>
+                              <p:par>
+                                <p:cTn id="5" presetID="10" presetClass="entr" presetSubtype="0" fill="hold" nodeType="clickEffect">
+                                  <p:stCondLst>
+                                    <p:cond delay="0"/>
+                                  </p:stCondLst>
+                                  <p:childTnLst>
+                                    <p:set>
+                                      <p:cBhvr>
+                                        <p:cTn id="6" dur="1" fill="hold">
+                                          <p:stCondLst>
+                                            <p:cond delay="0"/>
+                                          </p:stCondLst>
+                                        </p:cTn>
+                                        <p:tgtEl>
+                                          <p:spTgt spid="32"/>
+                                        </p:tgtEl>
+                                        <p:attrNameLst>
+                                          <p:attrName>style.visibility</p:attrName>
+                                        </p:attrNameLst>
+                                      </p:cBhvr>
+                                      <p:to>
+                                        <p:strVal val="visible"/>
+                                      </p:to>
+                                    </p:set>
+                                    <p:animEffect transition="in" filter="fade">
+                                      <p:cBhvr>
+                                        <p:cTn id="7" dur="2000"/>
+                                        <p:tgtEl>
+                                          <p:spTgt spid="32"/>
+                                        </p:tgtEl>
+                                      </p:cBhvr>
+                                    </p:animEffect>
+                                  </p:childTnLst>
+                                </p:cTn>
+                              </p:par>
+                            </p:childTnLst>
+                          </p:cTn>
+                        </p:par>
+                        <p:par>
+                          <p:cTn id="8" fill="hold">
+                            <p:stCondLst>
+                              <p:cond delay="2000"/>
+                            </p:stCondLst>
+                            <p:childTnLst>
+                              <p:par>
+                                <p:cTn id="9" presetID="10" presetClass="entr" presetSubtype="0" fill="hold" grpId="0" nodeType="afterEffect">
+                                  <p:stCondLst>
+                                    <p:cond delay="0"/>
+                                  </p:stCondLst>
+                                  <p:childTnLst>
+                                    <p:set>
+                                      <p:cBhvr>
+                                        <p:cTn id="10" dur="1" fill="hold">
+                                          <p:stCondLst>
+                                            <p:cond delay="0"/>
+                                          </p:stCondLst>
+                                        </p:cTn>
+                                        <p:tgtEl>
+                                          <p:spTgt spid="33"/>
+                                        </p:tgtEl>
+                                        <p:attrNameLst>
+                                          <p:attrName>style.visibility</p:attrName>
+                                        </p:attrNameLst>
+                                      </p:cBhvr>
+                                      <p:to>
+                                        <p:strVal val="visible"/>
+                                      </p:to>
+                                    </p:set>
+                                    <p:animEffect transition="in" filter="fade">
+                                      <p:cBhvr>
+                                        <p:cTn id="11" dur="1000"/>
+                                        <p:tgtEl>
+                                          <p:spTgt spid="33"/>
+                                        </p:tgtEl>
+                                      </p:cBhvr>
+                                    </p:animEffect>
+                                  </p:childTnLst>
+                                </p:cTn>
+                              </p:par>
+                            </p:childTnLst>
+                          </p:cTn>
+                        </p:par>
+                        <p:par>
+                          <p:cTn id="12" fill="hold">
+                            <p:stCondLst>
+                              <p:cond delay="3000"/>
+                            </p:stCondLst>
+                            <p:childTnLst>
+                              <p:par>
+                                <p:cTn id="13" presetID="10" presetClass="entr" presetSubtype="0" fill="hold" nodeType="afterEffect">
+                                  <p:stCondLst>
+                                    <p:cond delay="0"/>
+                                  </p:stCondLst>
+                                  <p:childTnLst>
+                                    <p:set>
+                                      <p:cBhvr>
+                                        <p:cTn id="14" dur="1" fill="hold">
+                                          <p:stCondLst>
+                                            <p:cond delay="0"/>
+                                          </p:stCondLst>
+                                        </p:cTn>
+                                        <p:tgtEl>
+                                          <p:spTgt spid="34"/>
+                                        </p:tgtEl>
+                                        <p:attrNameLst>
+                                          <p:attrName>style.visibility</p:attrName>
+                                        </p:attrNameLst>
+                                      </p:cBhvr>
+                                      <p:to>
+                                        <p:strVal val="visible"/>
+                                      </p:to>
+                                    </p:set>
+                                    <p:animEffect transition="in" filter="fade">
+                                      <p:cBhvr>
+                                        <p:cTn id="15" dur="2000"/>
+                                        <p:tgtEl>
+                                          <p:spTgt spid="34"/>
+                                        </p:tgtEl>
+                                      </p:cBhvr>
+                                    </p:animEffect>
+                                  </p:childTnLst>
+                                </p:cTn>
+                              </p:par>
+                            </p:childTnLst>
+                          </p:cTn>
+                        </p:par>
+                        <p:par>
+                          <p:cTn id="16" fill="hold">
+                            <p:stCondLst>
+                              <p:cond delay="5000"/>
+                            </p:stCondLst>
+                            <p:childTnLst>
+                              <p:par>
+                                <p:cTn id="17" presetID="10" presetClass="entr" presetSubtype="0" fill="hold" nodeType="afterEffect">
+                                  <p:stCondLst>
+                                    <p:cond delay="0"/>
+                                  </p:stCondLst>
+                                  <p:childTnLst>
+                                    <p:set>
+                                      <p:cBhvr>
+                                        <p:cTn id="18" dur="1" fill="hold">
+                                          <p:stCondLst>
+                                            <p:cond delay="0"/>
+                                          </p:stCondLst>
+                                        </p:cTn>
+                                        <p:tgtEl>
+                                          <p:spTgt spid="35"/>
+                                        </p:tgtEl>
+                                        <p:attrNameLst>
+                                          <p:attrName>style.visibility</p:attrName>
+                                        </p:attrNameLst>
+                                      </p:cBhvr>
+                                      <p:to>
+                                        <p:strVal val="visible"/>
+                                      </p:to>
+                                    </p:set>
+                                    <p:animEffect transition="in" filter="fade">
+                                      <p:cBhvr>
+                                        <p:cTn id="19" dur="1000"/>
+                                        <p:tgtEl>
+                                          <p:spTgt spid="35"/>
+                                        </p:tgtEl>
+                                      </p:cBhvr>
+                                    </p:animEffect>
+                                  </p:childTnLst>
+                                </p:cTn>
+                              </p:par>
+                            </p:childTnLst>
+                          </p:cTn>
+                        </p:par>
+                        <p:par>
+                          <p:cTn id="20" fill="hold">
+                            <p:stCondLst>
+                              <p:cond delay="6000"/>
+                            </p:stCondLst>
+                            <p:childTnLst>
+                              <p:par>
+                                <p:cTn id="21" presetID="10" presetClass="entr" presetSubtype="0" fill="hold" nodeType="afterEffect">
+                                  <p:stCondLst>
+                                    <p:cond delay="0"/>
+                                  </p:stCondLst>
+                                  <p:childTnLst>
+                                    <p:set>
+                                      <p:cBhvr>
+                                        <p:cTn id="22" dur="1" fill="hold">
+                                          <p:stCondLst>
+                                            <p:cond delay="0"/>
+                                          </p:stCondLst>
+                                        </p:cTn>
+                                        <p:tgtEl>
+                                          <p:spTgt spid="36"/>
+                                        </p:tgtEl>
+                                        <p:attrNameLst>
+                                          <p:attrName>style.visibility</p:attrName>
+                                        </p:attrNameLst>
+                                      </p:cBhvr>
+                                      <p:to>
+                                        <p:strVal val="visible"/>
+                                      </p:to>
+                                    </p:set>
+                                    <p:animEffect transition="in" filter="fade">
+                                      <p:cBhvr>
+                                        <p:cTn id="23" dur="1000"/>
+                                        <p:tgtEl>
+                                          <p:spTgt spid="36"/>
+                                        </p:tgtEl>
+                                      </p:cBhvr>
+                                    </p:animEffect>
+                                  </p:childTnLst>
+                                </p:cTn>
+                              </p:par>
+                            </p:childTnLst>
+                          </p:cTn>
+                        </p:par>
+                        <p:par>
+                          <p:cTn id="24" fill="hold">
+                            <p:stCondLst>
+                              <p:cond delay="7000"/>
+                            </p:stCondLst>
+                            <p:childTnLst>
+                              <p:par>
+                                <p:cTn id="25" presetID="10" presetClass="entr" presetSubtype="0" fill="hold" nodeType="afterEffect">
+                                  <p:stCondLst>
+                                    <p:cond delay="0"/>
+                                  </p:stCondLst>
+                                  <p:childTnLst>
+                                    <p:set>
+                                      <p:cBhvr>
+                                        <p:cTn id="26" dur="1" fill="hold">
+                                          <p:stCondLst>
+                                            <p:cond delay="0"/>
+                                          </p:stCondLst>
+                                        </p:cTn>
+                                        <p:tgtEl>
+                                          <p:spTgt spid="37"/>
+                                        </p:tgtEl>
+                                        <p:attrNameLst>
+                                          <p:attrName>style.visibility</p:attrName>
+                                        </p:attrNameLst>
+                                      </p:cBhvr>
+                                      <p:to>
+                                        <p:strVal val="visible"/>
+                                      </p:to>
+                                    </p:set>
+                                    <p:animEffect transition="in" filter="fade">
+                                      <p:cBhvr>
+                                        <p:cTn id="27" dur="1000"/>
+                                        <p:tgtEl>
+                                          <p:spTgt spid="37"/>
+                                        </p:tgtEl>
+                                      </p:cBhvr>
+                                    </p:animEffect>
+                                  </p:childTnLst>
+                                </p:cTn>
+                              </p:par>
+                            </p:childTnLst>
+                          </p:cTn>
+                        </p:par>
+                        <p:par>
+                          <p:cTn id="28" fill="hold">
+                            <p:stCondLst>
+                              <p:cond delay="8000"/>
+                            </p:stCondLst>
+                            <p:childTnLst>
+                              <p:par>
+                                <p:cTn id="29" presetID="10" presetClass="entr" presetSubtype="0" fill="hold" nodeType="afterEffect">
+                                  <p:stCondLst>
+                                    <p:cond delay="0"/>
+                                  </p:stCondLst>
+                                  <p:childTnLst>
+                                    <p:set>
+                                      <p:cBhvr>
+                                        <p:cTn id="30" dur="1" fill="hold">
+                                          <p:stCondLst>
+                                            <p:cond delay="0"/>
+                                          </p:stCondLst>
+                                        </p:cTn>
+                                        <p:tgtEl>
+                                          <p:spTgt spid="46"/>
+                                        </p:tgtEl>
+                                        <p:attrNameLst>
+                                          <p:attrName>style.visibility</p:attrName>
+                                        </p:attrNameLst>
+                                      </p:cBhvr>
+                                      <p:to>
+                                        <p:strVal val="visible"/>
+                                      </p:to>
+                                    </p:set>
+                                    <p:animEffect transition="in" filter="fade">
+                                      <p:cBhvr>
+                                        <p:cTn id="31" dur="1000"/>
+                                        <p:tgtEl>
+                                          <p:spTgt spid="46"/>
+                                        </p:tgtEl>
+                                      </p:cBhvr>
+                                    </p:animEffect>
+                                  </p:childTnLst>
+                                </p:cTn>
+                              </p:par>
+                            </p:childTnLst>
+                          </p:cTn>
+                        </p:par>
+                        <p:par>
+                          <p:cTn id="32" fill="hold">
+                            <p:stCondLst>
+                              <p:cond delay="9000"/>
+                            </p:stCondLst>
+                            <p:childTnLst>
+                              <p:par>
+                                <p:cTn id="33" presetID="10" presetClass="entr" presetSubtype="0" fill="hold" nodeType="afterEffect">
+                                  <p:stCondLst>
+                                    <p:cond delay="0"/>
+                                  </p:stCondLst>
+                                  <p:childTnLst>
+                                    <p:set>
+                                      <p:cBhvr>
+                                        <p:cTn id="34" dur="1" fill="hold">
+                                          <p:stCondLst>
+                                            <p:cond delay="0"/>
+                                          </p:stCondLst>
+                                        </p:cTn>
+                                        <p:tgtEl>
+                                          <p:spTgt spid="39"/>
+                                        </p:tgtEl>
+                                        <p:attrNameLst>
+                                          <p:attrName>style.visibility</p:attrName>
+                                        </p:attrNameLst>
+                                      </p:cBhvr>
+                                      <p:to>
+                                        <p:strVal val="visible"/>
+                                      </p:to>
+                                    </p:set>
+                                    <p:animEffect transition="in" filter="fade">
+                                      <p:cBhvr>
+                                        <p:cTn id="35" dur="1000"/>
+                                        <p:tgtEl>
+                                          <p:spTgt spid="39"/>
+                                        </p:tgtEl>
+                                      </p:cBhvr>
+                                    </p:animEffect>
+                                  </p:childTnLst>
+                                </p:cTn>
+                              </p:par>
+                            </p:childTnLst>
+                          </p:cTn>
+                        </p:par>
+                      </p:childTnLst>
+                    </p:cTn>
+                  </p:par>
+                </p:childTnLst>
+              </p:cTn>
+              <p:prevCondLst>
+                <p:cond evt="onPrev" delay="0">
+                  <p:tgtEl>
+                    <p:sldTgt/>
+                  </p:tgtEl>
+                </p:cond>
+              </p:prevCondLst>
+              <p:nextCondLst>
+                <p:cond evt="onNext" delay="0">
+                  <p:tgtEl>
+                    <p:sldTgt/>
+                  </p:tgtEl>
+                </p:cond>
+              </p:nextCondLst>
+            </p:seq>
+          </p:childTnLst>
+        </p:cTn>
       </p:par>
     </p:tnLst>
+    <p:bldLst>
+      <p:bldP spid="33" grpId="0" animBg="1"/>
+    </p:bldLst>
   </p:timing>
 </p:sld>
 </file>
@@ -23983,7 +24536,7 @@
           <p:cNvPr id="2" name="Group 49">
             <a:extLst>
               <a:ext uri="{FF2B5EF4-FFF2-40B4-BE49-F238E27FC236}">
-                <a16:creationId xmlns="" xmlns:a16="http://schemas.microsoft.com/office/drawing/2014/main" id="{10781169-B7A4-446E-BD33-B9650367A7F9}"/>
+                <a16:creationId xmlns:a16="http://schemas.microsoft.com/office/drawing/2014/main" xmlns="" id="{10781169-B7A4-446E-BD33-B9650367A7F9}"/>
               </a:ext>
             </a:extLst>
           </p:cNvPr>
@@ -24003,7 +24556,7 @@
             <p:cNvPr id="51" name="Rectangle 50">
               <a:extLst>
                 <a:ext uri="{FF2B5EF4-FFF2-40B4-BE49-F238E27FC236}">
-                  <a16:creationId xmlns="" xmlns:a16="http://schemas.microsoft.com/office/drawing/2014/main" id="{CED3AF08-30FC-4AFF-9C5C-99D0A7099514}"/>
+                  <a16:creationId xmlns:a16="http://schemas.microsoft.com/office/drawing/2014/main" xmlns="" id="{CED3AF08-30FC-4AFF-9C5C-99D0A7099514}"/>
                 </a:ext>
               </a:extLst>
             </p:cNvPr>
@@ -24064,7 +24617,7 @@
             <p:cNvPr id="52" name="Freeform: Shape 51">
               <a:extLst>
                 <a:ext uri="{FF2B5EF4-FFF2-40B4-BE49-F238E27FC236}">
-                  <a16:creationId xmlns="" xmlns:a16="http://schemas.microsoft.com/office/drawing/2014/main" id="{99AF1FBA-9557-484A-B305-EE590A192E96}"/>
+                  <a16:creationId xmlns:a16="http://schemas.microsoft.com/office/drawing/2014/main" xmlns="" id="{99AF1FBA-9557-484A-B305-EE590A192E96}"/>
                 </a:ext>
               </a:extLst>
             </p:cNvPr>
@@ -24171,7 +24724,7 @@
             <p:cNvPr id="53" name="TextBox 52">
               <a:extLst>
                 <a:ext uri="{FF2B5EF4-FFF2-40B4-BE49-F238E27FC236}">
-                  <a16:creationId xmlns="" xmlns:a16="http://schemas.microsoft.com/office/drawing/2014/main" id="{407E3AA2-679E-4924-AC1B-FE6C3A02C251}"/>
+                  <a16:creationId xmlns:a16="http://schemas.microsoft.com/office/drawing/2014/main" xmlns="" id="{407E3AA2-679E-4924-AC1B-FE6C3A02C251}"/>
                 </a:ext>
               </a:extLst>
             </p:cNvPr>
@@ -24212,7 +24765,7 @@
             <p:cNvPr id="54" name="Picture 53">
               <a:extLst>
                 <a:ext uri="{FF2B5EF4-FFF2-40B4-BE49-F238E27FC236}">
-                  <a16:creationId xmlns="" xmlns:a16="http://schemas.microsoft.com/office/drawing/2014/main" id="{CD9846FC-755F-4A0E-BAD3-A5D51C0E1EBE}"/>
+                  <a16:creationId xmlns:a16="http://schemas.microsoft.com/office/drawing/2014/main" xmlns="" id="{CD9846FC-755F-4A0E-BAD3-A5D51C0E1EBE}"/>
                 </a:ext>
               </a:extLst>
             </p:cNvPr>
@@ -24225,7 +24778,7 @@
             <a:blip r:embed="rId2" cstate="print">
               <a:extLst>
                 <a:ext uri="{28A0092B-C50C-407E-A947-70E740481C1C}">
-                  <a14:useLocalDpi xmlns="" xmlns:a14="http://schemas.microsoft.com/office/drawing/2010/main" val="0"/>
+                  <a14:useLocalDpi xmlns:a14="http://schemas.microsoft.com/office/drawing/2010/main" xmlns="" val="0"/>
                 </a:ext>
               </a:extLst>
             </a:blip>
@@ -24249,7 +24802,7 @@
           <p:cNvPr id="3" name="Group 54">
             <a:extLst>
               <a:ext uri="{FF2B5EF4-FFF2-40B4-BE49-F238E27FC236}">
-                <a16:creationId xmlns="" xmlns:a16="http://schemas.microsoft.com/office/drawing/2014/main" id="{F00A67C9-4929-4EFF-9CB6-292640CD2738}"/>
+                <a16:creationId xmlns:a16="http://schemas.microsoft.com/office/drawing/2014/main" xmlns="" id="{F00A67C9-4929-4EFF-9CB6-292640CD2738}"/>
               </a:ext>
             </a:extLst>
           </p:cNvPr>
@@ -24269,7 +24822,7 @@
             <p:cNvPr id="56" name="Rectangle 55">
               <a:extLst>
                 <a:ext uri="{FF2B5EF4-FFF2-40B4-BE49-F238E27FC236}">
-                  <a16:creationId xmlns="" xmlns:a16="http://schemas.microsoft.com/office/drawing/2014/main" id="{3E8CDB02-4760-4298-BC44-93A18EB02F13}"/>
+                  <a16:creationId xmlns:a16="http://schemas.microsoft.com/office/drawing/2014/main" xmlns="" id="{3E8CDB02-4760-4298-BC44-93A18EB02F13}"/>
                 </a:ext>
               </a:extLst>
             </p:cNvPr>
@@ -24330,7 +24883,7 @@
             <p:cNvPr id="57" name="Freeform: Shape 56">
               <a:extLst>
                 <a:ext uri="{FF2B5EF4-FFF2-40B4-BE49-F238E27FC236}">
-                  <a16:creationId xmlns="" xmlns:a16="http://schemas.microsoft.com/office/drawing/2014/main" id="{57C0FD50-5E69-463E-A01B-65E9D864A386}"/>
+                  <a16:creationId xmlns:a16="http://schemas.microsoft.com/office/drawing/2014/main" xmlns="" id="{57C0FD50-5E69-463E-A01B-65E9D864A386}"/>
                 </a:ext>
               </a:extLst>
             </p:cNvPr>
@@ -24437,7 +24990,7 @@
             <p:cNvPr id="58" name="TextBox 57">
               <a:extLst>
                 <a:ext uri="{FF2B5EF4-FFF2-40B4-BE49-F238E27FC236}">
-                  <a16:creationId xmlns="" xmlns:a16="http://schemas.microsoft.com/office/drawing/2014/main" id="{04CBFB1D-37FD-419F-B98C-860BF5217905}"/>
+                  <a16:creationId xmlns:a16="http://schemas.microsoft.com/office/drawing/2014/main" xmlns="" id="{04CBFB1D-37FD-419F-B98C-860BF5217905}"/>
                 </a:ext>
               </a:extLst>
             </p:cNvPr>
@@ -24478,7 +25031,7 @@
             <p:cNvPr id="59" name="Picture 58">
               <a:extLst>
                 <a:ext uri="{FF2B5EF4-FFF2-40B4-BE49-F238E27FC236}">
-                  <a16:creationId xmlns="" xmlns:a16="http://schemas.microsoft.com/office/drawing/2014/main" id="{60B383F7-52C5-4FB7-AEC3-35A48D7354A0}"/>
+                  <a16:creationId xmlns:a16="http://schemas.microsoft.com/office/drawing/2014/main" xmlns="" id="{60B383F7-52C5-4FB7-AEC3-35A48D7354A0}"/>
                 </a:ext>
               </a:extLst>
             </p:cNvPr>
@@ -24491,7 +25044,7 @@
             <a:blip r:embed="rId2" cstate="print">
               <a:extLst>
                 <a:ext uri="{28A0092B-C50C-407E-A947-70E740481C1C}">
-                  <a14:useLocalDpi xmlns="" xmlns:a14="http://schemas.microsoft.com/office/drawing/2010/main" val="0"/>
+                  <a14:useLocalDpi xmlns:a14="http://schemas.microsoft.com/office/drawing/2010/main" xmlns="" val="0"/>
                 </a:ext>
               </a:extLst>
             </a:blip>
@@ -24515,7 +25068,7 @@
           <p:cNvPr id="4" name="Group 59">
             <a:extLst>
               <a:ext uri="{FF2B5EF4-FFF2-40B4-BE49-F238E27FC236}">
-                <a16:creationId xmlns="" xmlns:a16="http://schemas.microsoft.com/office/drawing/2014/main" id="{6F7667A6-1C16-4F0A-A162-61BD16E6BE6B}"/>
+                <a16:creationId xmlns:a16="http://schemas.microsoft.com/office/drawing/2014/main" xmlns="" id="{6F7667A6-1C16-4F0A-A162-61BD16E6BE6B}"/>
               </a:ext>
             </a:extLst>
           </p:cNvPr>
@@ -24535,7 +25088,7 @@
             <p:cNvPr id="61" name="Rectangle 60">
               <a:extLst>
                 <a:ext uri="{FF2B5EF4-FFF2-40B4-BE49-F238E27FC236}">
-                  <a16:creationId xmlns="" xmlns:a16="http://schemas.microsoft.com/office/drawing/2014/main" id="{0E8C29A9-4AAB-442C-A7A4-40DCCE0A9694}"/>
+                  <a16:creationId xmlns:a16="http://schemas.microsoft.com/office/drawing/2014/main" xmlns="" id="{0E8C29A9-4AAB-442C-A7A4-40DCCE0A9694}"/>
                 </a:ext>
               </a:extLst>
             </p:cNvPr>
@@ -24596,7 +25149,7 @@
             <p:cNvPr id="62" name="Freeform: Shape 61">
               <a:extLst>
                 <a:ext uri="{FF2B5EF4-FFF2-40B4-BE49-F238E27FC236}">
-                  <a16:creationId xmlns="" xmlns:a16="http://schemas.microsoft.com/office/drawing/2014/main" id="{81520FE7-5699-4290-9C3C-51E0C60ECC6B}"/>
+                  <a16:creationId xmlns:a16="http://schemas.microsoft.com/office/drawing/2014/main" xmlns="" id="{81520FE7-5699-4290-9C3C-51E0C60ECC6B}"/>
                 </a:ext>
               </a:extLst>
             </p:cNvPr>
@@ -24703,7 +25256,7 @@
             <p:cNvPr id="63" name="TextBox 62">
               <a:extLst>
                 <a:ext uri="{FF2B5EF4-FFF2-40B4-BE49-F238E27FC236}">
-                  <a16:creationId xmlns="" xmlns:a16="http://schemas.microsoft.com/office/drawing/2014/main" id="{AFD50D6F-822B-4109-8B0C-BA004A0B7145}"/>
+                  <a16:creationId xmlns:a16="http://schemas.microsoft.com/office/drawing/2014/main" xmlns="" id="{AFD50D6F-822B-4109-8B0C-BA004A0B7145}"/>
                 </a:ext>
               </a:extLst>
             </p:cNvPr>
@@ -24744,7 +25297,7 @@
             <p:cNvPr id="64" name="Picture 63">
               <a:extLst>
                 <a:ext uri="{FF2B5EF4-FFF2-40B4-BE49-F238E27FC236}">
-                  <a16:creationId xmlns="" xmlns:a16="http://schemas.microsoft.com/office/drawing/2014/main" id="{0376C61F-147B-441E-B32E-45D5BC1B66B5}"/>
+                  <a16:creationId xmlns:a16="http://schemas.microsoft.com/office/drawing/2014/main" xmlns="" id="{0376C61F-147B-441E-B32E-45D5BC1B66B5}"/>
                 </a:ext>
               </a:extLst>
             </p:cNvPr>
@@ -24757,7 +25310,7 @@
             <a:blip r:embed="rId2" cstate="print">
               <a:extLst>
                 <a:ext uri="{28A0092B-C50C-407E-A947-70E740481C1C}">
-                  <a14:useLocalDpi xmlns="" xmlns:a14="http://schemas.microsoft.com/office/drawing/2010/main" val="0"/>
+                  <a14:useLocalDpi xmlns:a14="http://schemas.microsoft.com/office/drawing/2010/main" xmlns="" val="0"/>
                 </a:ext>
               </a:extLst>
             </a:blip>
@@ -24781,7 +25334,7 @@
           <p:cNvPr id="5" name="Group 94">
             <a:extLst>
               <a:ext uri="{FF2B5EF4-FFF2-40B4-BE49-F238E27FC236}">
-                <a16:creationId xmlns="" xmlns:a16="http://schemas.microsoft.com/office/drawing/2014/main" id="{4E70D3F9-D583-4ACD-8480-0F4A65ED3C83}"/>
+                <a16:creationId xmlns:a16="http://schemas.microsoft.com/office/drawing/2014/main" xmlns="" id="{4E70D3F9-D583-4ACD-8480-0F4A65ED3C83}"/>
               </a:ext>
             </a:extLst>
           </p:cNvPr>
@@ -24801,7 +25354,7 @@
             <p:cNvPr id="96" name="Rectangle 95">
               <a:extLst>
                 <a:ext uri="{FF2B5EF4-FFF2-40B4-BE49-F238E27FC236}">
-                  <a16:creationId xmlns="" xmlns:a16="http://schemas.microsoft.com/office/drawing/2014/main" id="{321108FC-08B5-45CC-AB47-1104119B25FD}"/>
+                  <a16:creationId xmlns:a16="http://schemas.microsoft.com/office/drawing/2014/main" xmlns="" id="{321108FC-08B5-45CC-AB47-1104119B25FD}"/>
                 </a:ext>
               </a:extLst>
             </p:cNvPr>
@@ -24862,7 +25415,7 @@
             <p:cNvPr id="97" name="Freeform: Shape 96">
               <a:extLst>
                 <a:ext uri="{FF2B5EF4-FFF2-40B4-BE49-F238E27FC236}">
-                  <a16:creationId xmlns="" xmlns:a16="http://schemas.microsoft.com/office/drawing/2014/main" id="{96A47C8C-7F88-484E-817B-572BEDC2BC69}"/>
+                  <a16:creationId xmlns:a16="http://schemas.microsoft.com/office/drawing/2014/main" xmlns="" id="{96A47C8C-7F88-484E-817B-572BEDC2BC69}"/>
                 </a:ext>
               </a:extLst>
             </p:cNvPr>
@@ -24969,7 +25522,7 @@
             <p:cNvPr id="98" name="TextBox 97">
               <a:extLst>
                 <a:ext uri="{FF2B5EF4-FFF2-40B4-BE49-F238E27FC236}">
-                  <a16:creationId xmlns="" xmlns:a16="http://schemas.microsoft.com/office/drawing/2014/main" id="{E3DB5570-AC77-4396-9748-4183DF7C8396}"/>
+                  <a16:creationId xmlns:a16="http://schemas.microsoft.com/office/drawing/2014/main" xmlns="" id="{E3DB5570-AC77-4396-9748-4183DF7C8396}"/>
                 </a:ext>
               </a:extLst>
             </p:cNvPr>
@@ -25016,7 +25569,7 @@
             <p:cNvPr id="99" name="Picture 98">
               <a:extLst>
                 <a:ext uri="{FF2B5EF4-FFF2-40B4-BE49-F238E27FC236}">
-                  <a16:creationId xmlns="" xmlns:a16="http://schemas.microsoft.com/office/drawing/2014/main" id="{F6ED4041-CDD9-443D-802E-47D4387906FA}"/>
+                  <a16:creationId xmlns:a16="http://schemas.microsoft.com/office/drawing/2014/main" xmlns="" id="{F6ED4041-CDD9-443D-802E-47D4387906FA}"/>
                 </a:ext>
               </a:extLst>
             </p:cNvPr>
@@ -25029,7 +25582,7 @@
             <a:blip r:embed="rId2" cstate="print">
               <a:extLst>
                 <a:ext uri="{28A0092B-C50C-407E-A947-70E740481C1C}">
-                  <a14:useLocalDpi xmlns="" xmlns:a14="http://schemas.microsoft.com/office/drawing/2010/main" val="0"/>
+                  <a14:useLocalDpi xmlns:a14="http://schemas.microsoft.com/office/drawing/2010/main" xmlns="" val="0"/>
                 </a:ext>
               </a:extLst>
             </a:blip>
@@ -25053,7 +25606,7 @@
           <p:cNvPr id="6" name="Group 70">
             <a:extLst>
               <a:ext uri="{FF2B5EF4-FFF2-40B4-BE49-F238E27FC236}">
-                <a16:creationId xmlns="" xmlns:a16="http://schemas.microsoft.com/office/drawing/2014/main" id="{E7044FAB-DB4A-4E59-B111-8CA4168E7FA4}"/>
+                <a16:creationId xmlns:a16="http://schemas.microsoft.com/office/drawing/2014/main" xmlns="" id="{E7044FAB-DB4A-4E59-B111-8CA4168E7FA4}"/>
               </a:ext>
             </a:extLst>
           </p:cNvPr>
@@ -25073,7 +25626,7 @@
             <p:cNvPr id="72" name="Rectangle 71">
               <a:extLst>
                 <a:ext uri="{FF2B5EF4-FFF2-40B4-BE49-F238E27FC236}">
-                  <a16:creationId xmlns="" xmlns:a16="http://schemas.microsoft.com/office/drawing/2014/main" id="{824F072A-08CC-4CC6-B5EF-C1833A244FA3}"/>
+                  <a16:creationId xmlns:a16="http://schemas.microsoft.com/office/drawing/2014/main" xmlns="" id="{824F072A-08CC-4CC6-B5EF-C1833A244FA3}"/>
                 </a:ext>
               </a:extLst>
             </p:cNvPr>
@@ -25134,7 +25687,7 @@
             <p:cNvPr id="73" name="Freeform: Shape 72">
               <a:extLst>
                 <a:ext uri="{FF2B5EF4-FFF2-40B4-BE49-F238E27FC236}">
-                  <a16:creationId xmlns="" xmlns:a16="http://schemas.microsoft.com/office/drawing/2014/main" id="{A3C6C4A9-8B6A-429B-980E-26CD0C3A573E}"/>
+                  <a16:creationId xmlns:a16="http://schemas.microsoft.com/office/drawing/2014/main" xmlns="" id="{A3C6C4A9-8B6A-429B-980E-26CD0C3A573E}"/>
                 </a:ext>
               </a:extLst>
             </p:cNvPr>
@@ -25241,7 +25794,7 @@
             <p:cNvPr id="74" name="TextBox 73">
               <a:extLst>
                 <a:ext uri="{FF2B5EF4-FFF2-40B4-BE49-F238E27FC236}">
-                  <a16:creationId xmlns="" xmlns:a16="http://schemas.microsoft.com/office/drawing/2014/main" id="{858AC381-BFD1-4A89-AE49-8ADC853A6849}"/>
+                  <a16:creationId xmlns:a16="http://schemas.microsoft.com/office/drawing/2014/main" xmlns="" id="{858AC381-BFD1-4A89-AE49-8ADC853A6849}"/>
                 </a:ext>
               </a:extLst>
             </p:cNvPr>
@@ -25288,7 +25841,7 @@
             <p:cNvPr id="75" name="Picture 74">
               <a:extLst>
                 <a:ext uri="{FF2B5EF4-FFF2-40B4-BE49-F238E27FC236}">
-                  <a16:creationId xmlns="" xmlns:a16="http://schemas.microsoft.com/office/drawing/2014/main" id="{9DF2E944-82FA-495B-8A5C-9BDE26355383}"/>
+                  <a16:creationId xmlns:a16="http://schemas.microsoft.com/office/drawing/2014/main" xmlns="" id="{9DF2E944-82FA-495B-8A5C-9BDE26355383}"/>
                 </a:ext>
               </a:extLst>
             </p:cNvPr>
@@ -25301,7 +25854,7 @@
             <a:blip r:embed="rId2" cstate="print">
               <a:extLst>
                 <a:ext uri="{28A0092B-C50C-407E-A947-70E740481C1C}">
-                  <a14:useLocalDpi xmlns="" xmlns:a14="http://schemas.microsoft.com/office/drawing/2010/main" val="0"/>
+                  <a14:useLocalDpi xmlns:a14="http://schemas.microsoft.com/office/drawing/2010/main" xmlns="" val="0"/>
                 </a:ext>
               </a:extLst>
             </a:blip>
@@ -25325,7 +25878,7 @@
           <p:cNvPr id="7" name="Group 75">
             <a:extLst>
               <a:ext uri="{FF2B5EF4-FFF2-40B4-BE49-F238E27FC236}">
-                <a16:creationId xmlns="" xmlns:a16="http://schemas.microsoft.com/office/drawing/2014/main" id="{60E31D48-090A-4A9C-AF5C-4B0C49C47C7D}"/>
+                <a16:creationId xmlns:a16="http://schemas.microsoft.com/office/drawing/2014/main" xmlns="" id="{60E31D48-090A-4A9C-AF5C-4B0C49C47C7D}"/>
               </a:ext>
             </a:extLst>
           </p:cNvPr>
@@ -25345,7 +25898,7 @@
             <p:cNvPr id="77" name="Rectangle 76">
               <a:extLst>
                 <a:ext uri="{FF2B5EF4-FFF2-40B4-BE49-F238E27FC236}">
-                  <a16:creationId xmlns="" xmlns:a16="http://schemas.microsoft.com/office/drawing/2014/main" id="{3A79A714-CB74-4EFD-9BC1-A7F2F993842A}"/>
+                  <a16:creationId xmlns:a16="http://schemas.microsoft.com/office/drawing/2014/main" xmlns="" id="{3A79A714-CB74-4EFD-9BC1-A7F2F993842A}"/>
                 </a:ext>
               </a:extLst>
             </p:cNvPr>
@@ -25406,7 +25959,7 @@
             <p:cNvPr id="78" name="Freeform: Shape 77">
               <a:extLst>
                 <a:ext uri="{FF2B5EF4-FFF2-40B4-BE49-F238E27FC236}">
-                  <a16:creationId xmlns="" xmlns:a16="http://schemas.microsoft.com/office/drawing/2014/main" id="{B006C60A-833A-41C2-A553-8132E7B3A7DB}"/>
+                  <a16:creationId xmlns:a16="http://schemas.microsoft.com/office/drawing/2014/main" xmlns="" id="{B006C60A-833A-41C2-A553-8132E7B3A7DB}"/>
                 </a:ext>
               </a:extLst>
             </p:cNvPr>
@@ -25513,7 +26066,7 @@
             <p:cNvPr id="79" name="TextBox 78">
               <a:extLst>
                 <a:ext uri="{FF2B5EF4-FFF2-40B4-BE49-F238E27FC236}">
-                  <a16:creationId xmlns="" xmlns:a16="http://schemas.microsoft.com/office/drawing/2014/main" id="{95AECC6C-A520-4756-9163-08D14835D791}"/>
+                  <a16:creationId xmlns:a16="http://schemas.microsoft.com/office/drawing/2014/main" xmlns="" id="{95AECC6C-A520-4756-9163-08D14835D791}"/>
                 </a:ext>
               </a:extLst>
             </p:cNvPr>
@@ -25560,7 +26113,7 @@
             <p:cNvPr id="80" name="Picture 79">
               <a:extLst>
                 <a:ext uri="{FF2B5EF4-FFF2-40B4-BE49-F238E27FC236}">
-                  <a16:creationId xmlns="" xmlns:a16="http://schemas.microsoft.com/office/drawing/2014/main" id="{0F8A56B9-A504-4035-8439-53ED4617B8B4}"/>
+                  <a16:creationId xmlns:a16="http://schemas.microsoft.com/office/drawing/2014/main" xmlns="" id="{0F8A56B9-A504-4035-8439-53ED4617B8B4}"/>
                 </a:ext>
               </a:extLst>
             </p:cNvPr>
@@ -25573,7 +26126,7 @@
             <a:blip r:embed="rId2" cstate="print">
               <a:extLst>
                 <a:ext uri="{28A0092B-C50C-407E-A947-70E740481C1C}">
-                  <a14:useLocalDpi xmlns="" xmlns:a14="http://schemas.microsoft.com/office/drawing/2010/main" val="0"/>
+                  <a14:useLocalDpi xmlns:a14="http://schemas.microsoft.com/office/drawing/2010/main" xmlns="" val="0"/>
                 </a:ext>
               </a:extLst>
             </a:blip>
@@ -25597,7 +26150,7 @@
           <p:cNvPr id="8" name="Group 75">
             <a:extLst>
               <a:ext uri="{FF2B5EF4-FFF2-40B4-BE49-F238E27FC236}">
-                <a16:creationId xmlns="" xmlns:a16="http://schemas.microsoft.com/office/drawing/2014/main" id="{60E31D48-090A-4A9C-AF5C-4B0C49C47C7D}"/>
+                <a16:creationId xmlns:a16="http://schemas.microsoft.com/office/drawing/2014/main" xmlns="" id="{60E31D48-090A-4A9C-AF5C-4B0C49C47C7D}"/>
               </a:ext>
             </a:extLst>
           </p:cNvPr>
@@ -25617,7 +26170,7 @@
             <p:cNvPr id="33" name="Rectangle 32">
               <a:extLst>
                 <a:ext uri="{FF2B5EF4-FFF2-40B4-BE49-F238E27FC236}">
-                  <a16:creationId xmlns="" xmlns:a16="http://schemas.microsoft.com/office/drawing/2014/main" id="{3A79A714-CB74-4EFD-9BC1-A7F2F993842A}"/>
+                  <a16:creationId xmlns:a16="http://schemas.microsoft.com/office/drawing/2014/main" xmlns="" id="{3A79A714-CB74-4EFD-9BC1-A7F2F993842A}"/>
                 </a:ext>
               </a:extLst>
             </p:cNvPr>
@@ -25678,7 +26231,7 @@
             <p:cNvPr id="34" name="Freeform: Shape 77">
               <a:extLst>
                 <a:ext uri="{FF2B5EF4-FFF2-40B4-BE49-F238E27FC236}">
-                  <a16:creationId xmlns="" xmlns:a16="http://schemas.microsoft.com/office/drawing/2014/main" id="{B006C60A-833A-41C2-A553-8132E7B3A7DB}"/>
+                  <a16:creationId xmlns:a16="http://schemas.microsoft.com/office/drawing/2014/main" xmlns="" id="{B006C60A-833A-41C2-A553-8132E7B3A7DB}"/>
                 </a:ext>
               </a:extLst>
             </p:cNvPr>
@@ -25785,7 +26338,7 @@
             <p:cNvPr id="35" name="TextBox 34">
               <a:extLst>
                 <a:ext uri="{FF2B5EF4-FFF2-40B4-BE49-F238E27FC236}">
-                  <a16:creationId xmlns="" xmlns:a16="http://schemas.microsoft.com/office/drawing/2014/main" id="{95AECC6C-A520-4756-9163-08D14835D791}"/>
+                  <a16:creationId xmlns:a16="http://schemas.microsoft.com/office/drawing/2014/main" xmlns="" id="{95AECC6C-A520-4756-9163-08D14835D791}"/>
                 </a:ext>
               </a:extLst>
             </p:cNvPr>
@@ -25832,7 +26385,7 @@
             <p:cNvPr id="36" name="Picture 35">
               <a:extLst>
                 <a:ext uri="{FF2B5EF4-FFF2-40B4-BE49-F238E27FC236}">
-                  <a16:creationId xmlns="" xmlns:a16="http://schemas.microsoft.com/office/drawing/2014/main" id="{0F8A56B9-A504-4035-8439-53ED4617B8B4}"/>
+                  <a16:creationId xmlns:a16="http://schemas.microsoft.com/office/drawing/2014/main" xmlns="" id="{0F8A56B9-A504-4035-8439-53ED4617B8B4}"/>
                 </a:ext>
               </a:extLst>
             </p:cNvPr>
@@ -25845,7 +26398,7 @@
             <a:blip r:embed="rId2" cstate="print">
               <a:extLst>
                 <a:ext uri="{28A0092B-C50C-407E-A947-70E740481C1C}">
-                  <a14:useLocalDpi xmlns="" xmlns:a14="http://schemas.microsoft.com/office/drawing/2010/main" val="0"/>
+                  <a14:useLocalDpi xmlns:a14="http://schemas.microsoft.com/office/drawing/2010/main" xmlns="" val="0"/>
                 </a:ext>
               </a:extLst>
             </a:blip>
@@ -25933,7 +26486,7 @@
     </p:spTree>
     <p:extLst>
       <p:ext uri="{BB962C8B-B14F-4D97-AF65-F5344CB8AC3E}">
-        <p14:creationId xmlns="" xmlns:p14="http://schemas.microsoft.com/office/powerpoint/2010/main" val="1327239487"/>
+        <p14:creationId xmlns:p14="http://schemas.microsoft.com/office/powerpoint/2010/main" xmlns="" val="1327239487"/>
       </p:ext>
     </p:extLst>
   </p:cSld>
@@ -25941,7 +26494,7 @@
     <a:masterClrMapping/>
   </p:clrMapOvr>
   <mc:AlternateContent xmlns:mc="http://schemas.openxmlformats.org/markup-compatibility/2006">
-    <mc:Choice xmlns="" xmlns:p159="http://schemas.microsoft.com/office/powerpoint/2015/09/main" Requires="p159">
+    <mc:Choice xmlns:p159="http://schemas.microsoft.com/office/powerpoint/2015/09/main" xmlns="" Requires="p159">
       <p:transition spd="med">
         <p159:morph option="byObject"/>
       </p:transition>
@@ -26215,7 +26768,7 @@
   <a:extraClrSchemeLst/>
   <a:extLst>
     <a:ext uri="{05A4C25C-085E-4340-85A3-A5531E510DB2}">
-      <thm15:themeFamily xmlns="" xmlns:thm15="http://schemas.microsoft.com/office/thememl/2012/main" name="Office Theme" id="{62F939B6-93AF-4DB8-9C6B-D6C7DFDC589F}" vid="{4A3C46E8-61CC-4603-A589-7422A47A8E4A}"/>
+      <thm15:themeFamily xmlns:thm15="http://schemas.microsoft.com/office/thememl/2012/main" xmlns="" name="Office Theme" id="{62F939B6-93AF-4DB8-9C6B-D6C7DFDC589F}" vid="{4A3C46E8-61CC-4603-A589-7422A47A8E4A}"/>
     </a:ext>
   </a:extLst>
 </a:theme>
